--- a/docs/nginx-aws-signature.pptx
+++ b/docs/nginx-aws-signature.pptx
@@ -104,6 +104,11 @@
       </a:defRPr>
     </a:lvl9pPr>
   </p:defaultTextStyle>
+  <p:extLst>
+    <p:ext uri="{EFAFB233-063F-42B5-8137-9DF3F51BA10A}">
+      <p15:sldGuideLst xmlns:p15="http://schemas.microsoft.com/office/powerpoint/2012/main"/>
+    </p:ext>
+  </p:extLst>
 </p:presentation>
 </file>
 
@@ -5534,8 +5539,8 @@
         </p:nvGrpSpPr>
         <p:grpSpPr>
           <a:xfrm>
-            <a:off x="5076825" y="2930282"/>
-            <a:ext cx="4514849" cy="796218"/>
+            <a:off x="5076826" y="2930282"/>
+            <a:ext cx="3771084" cy="796218"/>
             <a:chOff x="5051957" y="2928621"/>
             <a:chExt cx="4560356" cy="845504"/>
           </a:xfrm>
@@ -5934,7 +5939,7 @@
         <p:spPr>
           <a:xfrm rot="5400000" flipH="1" flipV="1">
             <a:off x="3687479" y="3632125"/>
-            <a:ext cx="1474580" cy="1304112"/>
+            <a:ext cx="1474580" cy="1304113"/>
           </a:xfrm>
           <a:prstGeom prst="bentConnector2">
             <a:avLst/>
@@ -6070,646 +6075,6 @@
           </a:extLst>
         </p:spPr>
       </p:pic>
-      <p:sp>
-        <p:nvSpPr>
-          <p:cNvPr id="1057" name="직사각형 363">
-            <a:extLst>
-              <a:ext uri="{FF2B5EF4-FFF2-40B4-BE49-F238E27FC236}">
-                <a16:creationId xmlns:a16="http://schemas.microsoft.com/office/drawing/2014/main" id="{DE64B573-442D-DE23-C716-0B0871557E04}"/>
-              </a:ext>
-            </a:extLst>
-          </p:cNvPr>
-          <p:cNvSpPr/>
-          <p:nvPr/>
-        </p:nvSpPr>
-        <p:spPr>
-          <a:xfrm rot="16200000">
-            <a:off x="909622" y="6405178"/>
-            <a:ext cx="556863" cy="716510"/>
-          </a:xfrm>
-          <a:prstGeom prst="rect">
-            <a:avLst/>
-          </a:prstGeom>
-          <a:noFill/>
-          <a:ln w="3175" cap="flat" cmpd="sng" algn="ctr">
-            <a:solidFill>
-              <a:schemeClr val="bg1">
-                <a:lumMod val="65000"/>
-              </a:schemeClr>
-            </a:solidFill>
-            <a:prstDash val="dash"/>
-            <a:miter lim="800000"/>
-          </a:ln>
-          <a:effectLst/>
-        </p:spPr>
-        <p:txBody>
-          <a:bodyPr vert="vert" lIns="0" tIns="0" rIns="0" bIns="0" rtlCol="0" anchor="ctr" anchorCtr="0"/>
-          <a:lstStyle/>
-          <a:p>
-            <a:pPr algn="ctr">
-              <a:lnSpc>
-                <a:spcPct val="80000"/>
-              </a:lnSpc>
-            </a:pPr>
-            <a:r>
-              <a:rPr lang="en-US" altLang="ko-KR" sz="1200" kern="0" dirty="0">
-                <a:solidFill>
-                  <a:schemeClr val="bg1">
-                    <a:lumMod val="65000"/>
-                  </a:schemeClr>
-                </a:solidFill>
-                <a:latin typeface="Calibri" panose="020F0502020204030204" pitchFamily="34" charset="0"/>
-                <a:ea typeface="맑은 고딕"/>
-              </a:rPr>
-              <a:t>Laptop</a:t>
-            </a:r>
-          </a:p>
-          <a:p>
-            <a:pPr algn="ctr">
-              <a:lnSpc>
-                <a:spcPct val="80000"/>
-              </a:lnSpc>
-            </a:pPr>
-            <a:endParaRPr lang="ko-KR" altLang="en-US" sz="1200" kern="0" dirty="0">
-              <a:solidFill>
-                <a:schemeClr val="bg1">
-                  <a:lumMod val="65000"/>
-                </a:schemeClr>
-              </a:solidFill>
-              <a:latin typeface="Calibri" panose="020F0502020204030204" pitchFamily="34" charset="0"/>
-              <a:ea typeface="맑은 고딕"/>
-            </a:endParaRPr>
-          </a:p>
-        </p:txBody>
-      </p:sp>
-      <p:sp>
-        <p:nvSpPr>
-          <p:cNvPr id="1058" name="직사각형 363">
-            <a:extLst>
-              <a:ext uri="{FF2B5EF4-FFF2-40B4-BE49-F238E27FC236}">
-                <a16:creationId xmlns:a16="http://schemas.microsoft.com/office/drawing/2014/main" id="{5AFE1938-A02A-714D-A53D-172E5BF91FF6}"/>
-              </a:ext>
-            </a:extLst>
-          </p:cNvPr>
-          <p:cNvSpPr/>
-          <p:nvPr/>
-        </p:nvSpPr>
-        <p:spPr>
-          <a:xfrm rot="16200000">
-            <a:off x="2118346" y="5997818"/>
-            <a:ext cx="556863" cy="1531226"/>
-          </a:xfrm>
-          <a:prstGeom prst="rect">
-            <a:avLst/>
-          </a:prstGeom>
-          <a:noFill/>
-          <a:ln w="3175" cap="flat" cmpd="sng" algn="ctr">
-            <a:solidFill>
-              <a:schemeClr val="bg1">
-                <a:lumMod val="65000"/>
-              </a:schemeClr>
-            </a:solidFill>
-            <a:prstDash val="dash"/>
-            <a:miter lim="800000"/>
-          </a:ln>
-          <a:effectLst/>
-        </p:spPr>
-        <p:txBody>
-          <a:bodyPr vert="vert" lIns="0" tIns="0" rIns="0" bIns="0" rtlCol="0" anchor="ctr" anchorCtr="0"/>
-          <a:lstStyle/>
-          <a:p>
-            <a:pPr algn="ctr">
-              <a:lnSpc>
-                <a:spcPct val="80000"/>
-              </a:lnSpc>
-            </a:pPr>
-            <a:r>
-              <a:rPr lang="en-US" altLang="ko-KR" sz="1200" kern="0" dirty="0">
-                <a:solidFill>
-                  <a:schemeClr val="bg1">
-                    <a:lumMod val="65000"/>
-                  </a:schemeClr>
-                </a:solidFill>
-                <a:latin typeface="Calibri" panose="020F0502020204030204" pitchFamily="34" charset="0"/>
-                <a:ea typeface="맑은 고딕"/>
-              </a:rPr>
-              <a:t>Public Cloud</a:t>
-            </a:r>
-          </a:p>
-          <a:p>
-            <a:pPr algn="ctr">
-              <a:lnSpc>
-                <a:spcPct val="80000"/>
-              </a:lnSpc>
-            </a:pPr>
-            <a:endParaRPr lang="en-US" altLang="ko-KR" sz="1200" kern="0" dirty="0">
-              <a:solidFill>
-                <a:schemeClr val="bg1">
-                  <a:lumMod val="65000"/>
-                </a:schemeClr>
-              </a:solidFill>
-              <a:latin typeface="Calibri" panose="020F0502020204030204" pitchFamily="34" charset="0"/>
-              <a:ea typeface="맑은 고딕"/>
-            </a:endParaRPr>
-          </a:p>
-        </p:txBody>
-      </p:sp>
-      <p:sp>
-        <p:nvSpPr>
-          <p:cNvPr id="1059" name="직사각형 363">
-            <a:extLst>
-              <a:ext uri="{FF2B5EF4-FFF2-40B4-BE49-F238E27FC236}">
-                <a16:creationId xmlns:a16="http://schemas.microsoft.com/office/drawing/2014/main" id="{6461A0E8-AAB4-9505-1708-C17819027981}"/>
-              </a:ext>
-            </a:extLst>
-          </p:cNvPr>
-          <p:cNvSpPr/>
-          <p:nvPr/>
-        </p:nvSpPr>
-        <p:spPr>
-          <a:xfrm rot="16200000">
-            <a:off x="3692444" y="6030622"/>
-            <a:ext cx="556863" cy="1476283"/>
-          </a:xfrm>
-          <a:prstGeom prst="rect">
-            <a:avLst/>
-          </a:prstGeom>
-          <a:noFill/>
-          <a:ln w="3175" cap="flat" cmpd="sng" algn="ctr">
-            <a:solidFill>
-              <a:schemeClr val="bg1">
-                <a:lumMod val="65000"/>
-              </a:schemeClr>
-            </a:solidFill>
-            <a:prstDash val="dash"/>
-            <a:miter lim="800000"/>
-          </a:ln>
-          <a:effectLst/>
-        </p:spPr>
-        <p:txBody>
-          <a:bodyPr vert="vert" lIns="0" tIns="0" rIns="0" bIns="0" rtlCol="0" anchor="ctr" anchorCtr="0"/>
-          <a:lstStyle/>
-          <a:p>
-            <a:pPr algn="ctr">
-              <a:lnSpc>
-                <a:spcPct val="80000"/>
-              </a:lnSpc>
-            </a:pPr>
-            <a:r>
-              <a:rPr lang="en-US" altLang="ko-KR" sz="1200" kern="0" dirty="0">
-                <a:solidFill>
-                  <a:schemeClr val="bg1">
-                    <a:lumMod val="65000"/>
-                  </a:schemeClr>
-                </a:solidFill>
-                <a:latin typeface="Calibri" panose="020F0502020204030204" pitchFamily="34" charset="0"/>
-                <a:ea typeface="맑은 고딕"/>
-              </a:rPr>
-              <a:t>Private Cloud</a:t>
-            </a:r>
-          </a:p>
-          <a:p>
-            <a:pPr algn="ctr">
-              <a:lnSpc>
-                <a:spcPct val="80000"/>
-              </a:lnSpc>
-            </a:pPr>
-            <a:endParaRPr lang="ko-KR" altLang="en-US" sz="1200" kern="0" dirty="0">
-              <a:solidFill>
-                <a:schemeClr val="bg1">
-                  <a:lumMod val="65000"/>
-                </a:schemeClr>
-              </a:solidFill>
-              <a:latin typeface="Calibri" panose="020F0502020204030204" pitchFamily="34" charset="0"/>
-              <a:ea typeface="맑은 고딕"/>
-            </a:endParaRPr>
-          </a:p>
-        </p:txBody>
-      </p:sp>
-      <p:sp>
-        <p:nvSpPr>
-          <p:cNvPr id="1060" name="직사각형 363">
-            <a:extLst>
-              <a:ext uri="{FF2B5EF4-FFF2-40B4-BE49-F238E27FC236}">
-                <a16:creationId xmlns:a16="http://schemas.microsoft.com/office/drawing/2014/main" id="{D6368F62-2CDC-DE7C-3F12-FCCEAA08DDBF}"/>
-              </a:ext>
-            </a:extLst>
-          </p:cNvPr>
-          <p:cNvSpPr/>
-          <p:nvPr/>
-        </p:nvSpPr>
-        <p:spPr>
-          <a:xfrm rot="16200000">
-            <a:off x="4944528" y="6330552"/>
-            <a:ext cx="556863" cy="876280"/>
-          </a:xfrm>
-          <a:prstGeom prst="rect">
-            <a:avLst/>
-          </a:prstGeom>
-          <a:noFill/>
-          <a:ln w="3175" cap="flat" cmpd="sng" algn="ctr">
-            <a:solidFill>
-              <a:schemeClr val="bg1">
-                <a:lumMod val="65000"/>
-              </a:schemeClr>
-            </a:solidFill>
-            <a:prstDash val="dash"/>
-            <a:miter lim="800000"/>
-          </a:ln>
-          <a:effectLst/>
-        </p:spPr>
-        <p:txBody>
-          <a:bodyPr vert="vert" lIns="0" tIns="0" rIns="0" bIns="0" rtlCol="0" anchor="ctr" anchorCtr="0"/>
-          <a:lstStyle/>
-          <a:p>
-            <a:pPr algn="ctr">
-              <a:lnSpc>
-                <a:spcPct val="80000"/>
-              </a:lnSpc>
-            </a:pPr>
-            <a:r>
-              <a:rPr lang="en-US" altLang="ko-KR" sz="1200" kern="0" dirty="0">
-                <a:solidFill>
-                  <a:schemeClr val="bg1">
-                    <a:lumMod val="65000"/>
-                  </a:schemeClr>
-                </a:solidFill>
-                <a:latin typeface="Calibri" panose="020F0502020204030204" pitchFamily="34" charset="0"/>
-                <a:ea typeface="맑은 고딕"/>
-              </a:rPr>
-              <a:t>On-Premise</a:t>
-            </a:r>
-          </a:p>
-          <a:p>
-            <a:pPr algn="ctr">
-              <a:lnSpc>
-                <a:spcPct val="80000"/>
-              </a:lnSpc>
-            </a:pPr>
-            <a:endParaRPr lang="ko-KR" altLang="en-US" sz="1200" kern="0" dirty="0">
-              <a:solidFill>
-                <a:schemeClr val="bg1">
-                  <a:lumMod val="65000"/>
-                </a:schemeClr>
-              </a:solidFill>
-              <a:latin typeface="Calibri" panose="020F0502020204030204" pitchFamily="34" charset="0"/>
-              <a:ea typeface="맑은 고딕"/>
-            </a:endParaRPr>
-          </a:p>
-        </p:txBody>
-      </p:sp>
-      <p:sp>
-        <p:nvSpPr>
-          <p:cNvPr id="1061" name="직사각형 363">
-            <a:extLst>
-              <a:ext uri="{FF2B5EF4-FFF2-40B4-BE49-F238E27FC236}">
-                <a16:creationId xmlns:a16="http://schemas.microsoft.com/office/drawing/2014/main" id="{FA826FC5-058D-084A-B44C-79F8EFCDCAB9}"/>
-              </a:ext>
-            </a:extLst>
-          </p:cNvPr>
-          <p:cNvSpPr/>
-          <p:nvPr/>
-        </p:nvSpPr>
-        <p:spPr>
-          <a:xfrm>
-            <a:off x="860170" y="6807254"/>
-            <a:ext cx="656683" cy="206025"/>
-          </a:xfrm>
-          <a:prstGeom prst="rect">
-            <a:avLst/>
-          </a:prstGeom>
-          <a:solidFill>
-            <a:schemeClr val="bg1">
-              <a:lumMod val="95000"/>
-            </a:schemeClr>
-          </a:solidFill>
-          <a:ln w="3175" cap="flat" cmpd="sng" algn="ctr">
-            <a:noFill/>
-            <a:prstDash val="solid"/>
-            <a:miter lim="800000"/>
-          </a:ln>
-          <a:effectLst/>
-        </p:spPr>
-        <p:txBody>
-          <a:bodyPr lIns="0" tIns="0" rIns="0" bIns="0" rtlCol="0" anchor="ctr"/>
-          <a:lstStyle/>
-          <a:p>
-            <a:pPr marL="0" marR="0" lvl="0" indent="0" algn="ctr" defTabSz="914400" eaLnBrk="1" fontAlgn="auto" latinLnBrk="0" hangingPunct="1">
-              <a:spcBef>
-                <a:spcPts val="0"/>
-              </a:spcBef>
-              <a:spcAft>
-                <a:spcPts val="0"/>
-              </a:spcAft>
-              <a:buClrTx/>
-              <a:buSzTx/>
-              <a:buFontTx/>
-              <a:buNone/>
-              <a:tabLst/>
-              <a:defRPr/>
-            </a:pPr>
-            <a:r>
-              <a:rPr kumimoji="0" lang="en-US" altLang="ko-KR" sz="1000" i="0" u="none" strike="noStrike" kern="0" cap="none" spc="0" normalizeH="0" baseline="0" noProof="0" dirty="0">
-                <a:ln>
-                  <a:noFill/>
-                </a:ln>
-                <a:solidFill>
-                  <a:schemeClr val="tx1">
-                    <a:lumMod val="50000"/>
-                    <a:lumOff val="50000"/>
-                  </a:schemeClr>
-                </a:solidFill>
-                <a:effectLst/>
-                <a:uLnTx/>
-                <a:uFillTx/>
-                <a:latin typeface="Calibri" panose="020F0502020204030204" pitchFamily="34" charset="0"/>
-                <a:ea typeface="맑은 고딕"/>
-              </a:rPr>
-              <a:t>Env Vars</a:t>
-            </a:r>
-            <a:endParaRPr kumimoji="0" lang="ko-KR" altLang="en-US" sz="1000" i="0" u="none" strike="noStrike" kern="0" cap="none" spc="0" normalizeH="0" baseline="0" noProof="0" dirty="0">
-              <a:ln>
-                <a:noFill/>
-              </a:ln>
-              <a:solidFill>
-                <a:schemeClr val="tx1">
-                  <a:lumMod val="50000"/>
-                  <a:lumOff val="50000"/>
-                </a:schemeClr>
-              </a:solidFill>
-              <a:effectLst/>
-              <a:uLnTx/>
-              <a:uFillTx/>
-              <a:latin typeface="Calibri" panose="020F0502020204030204" pitchFamily="34" charset="0"/>
-              <a:ea typeface="맑은 고딕"/>
-            </a:endParaRPr>
-          </a:p>
-        </p:txBody>
-      </p:sp>
-      <p:sp>
-        <p:nvSpPr>
-          <p:cNvPr id="1062" name="직사각형 363">
-            <a:extLst>
-              <a:ext uri="{FF2B5EF4-FFF2-40B4-BE49-F238E27FC236}">
-                <a16:creationId xmlns:a16="http://schemas.microsoft.com/office/drawing/2014/main" id="{6E57E647-F0F4-9357-9BF6-582E38D6A698}"/>
-              </a:ext>
-            </a:extLst>
-          </p:cNvPr>
-          <p:cNvSpPr/>
-          <p:nvPr/>
-        </p:nvSpPr>
-        <p:spPr>
-          <a:xfrm>
-            <a:off x="1660269" y="6816779"/>
-            <a:ext cx="1456697" cy="204642"/>
-          </a:xfrm>
-          <a:prstGeom prst="rect">
-            <a:avLst/>
-          </a:prstGeom>
-          <a:solidFill>
-            <a:schemeClr val="bg1">
-              <a:lumMod val="95000"/>
-            </a:schemeClr>
-          </a:solidFill>
-          <a:ln w="3175" cap="flat" cmpd="sng" algn="ctr">
-            <a:noFill/>
-            <a:prstDash val="solid"/>
-            <a:miter lim="800000"/>
-          </a:ln>
-          <a:effectLst/>
-        </p:spPr>
-        <p:txBody>
-          <a:bodyPr lIns="0" tIns="0" rIns="0" bIns="0" rtlCol="0" anchor="ctr"/>
-          <a:lstStyle/>
-          <a:p>
-            <a:pPr marL="0" marR="0" lvl="0" indent="0" algn="ctr" defTabSz="914400" eaLnBrk="1" fontAlgn="auto" latinLnBrk="0" hangingPunct="1">
-              <a:spcBef>
-                <a:spcPts val="0"/>
-              </a:spcBef>
-              <a:spcAft>
-                <a:spcPts val="0"/>
-              </a:spcAft>
-              <a:buClrTx/>
-              <a:buSzTx/>
-              <a:buFontTx/>
-              <a:buNone/>
-              <a:tabLst/>
-              <a:defRPr/>
-            </a:pPr>
-            <a:r>
-              <a:rPr kumimoji="0" lang="en-US" altLang="ko-KR" sz="1000" i="0" u="none" strike="noStrike" kern="0" cap="none" spc="0" normalizeH="0" baseline="0" noProof="0" dirty="0">
-                <a:ln>
-                  <a:noFill/>
-                </a:ln>
-                <a:solidFill>
-                  <a:schemeClr val="tx1">
-                    <a:lumMod val="50000"/>
-                    <a:lumOff val="50000"/>
-                  </a:schemeClr>
-                </a:solidFill>
-                <a:effectLst/>
-                <a:uLnTx/>
-                <a:uFillTx/>
-                <a:latin typeface="Calibri" panose="020F0502020204030204" pitchFamily="34" charset="0"/>
-                <a:ea typeface="맑은 고딕"/>
-              </a:rPr>
-              <a:t>Env Vars except AWS</a:t>
-            </a:r>
-            <a:endParaRPr kumimoji="0" lang="ko-KR" altLang="en-US" sz="1000" i="0" u="none" strike="noStrike" kern="0" cap="none" spc="0" normalizeH="0" baseline="0" noProof="0" dirty="0">
-              <a:ln>
-                <a:noFill/>
-              </a:ln>
-              <a:solidFill>
-                <a:schemeClr val="tx1">
-                  <a:lumMod val="50000"/>
-                  <a:lumOff val="50000"/>
-                </a:schemeClr>
-              </a:solidFill>
-              <a:effectLst/>
-              <a:uLnTx/>
-              <a:uFillTx/>
-              <a:latin typeface="Calibri" panose="020F0502020204030204" pitchFamily="34" charset="0"/>
-              <a:ea typeface="맑은 고딕"/>
-            </a:endParaRPr>
-          </a:p>
-        </p:txBody>
-      </p:sp>
-      <p:sp>
-        <p:nvSpPr>
-          <p:cNvPr id="1063" name="직사각형 363">
-            <a:extLst>
-              <a:ext uri="{FF2B5EF4-FFF2-40B4-BE49-F238E27FC236}">
-                <a16:creationId xmlns:a16="http://schemas.microsoft.com/office/drawing/2014/main" id="{29B01D7A-B059-F91C-B173-69E8DA9F76E9}"/>
-              </a:ext>
-            </a:extLst>
-          </p:cNvPr>
-          <p:cNvSpPr/>
-          <p:nvPr/>
-        </p:nvSpPr>
-        <p:spPr>
-          <a:xfrm>
-            <a:off x="3264064" y="6816777"/>
-            <a:ext cx="1396919" cy="196523"/>
-          </a:xfrm>
-          <a:prstGeom prst="rect">
-            <a:avLst/>
-          </a:prstGeom>
-          <a:solidFill>
-            <a:schemeClr val="bg1">
-              <a:lumMod val="95000"/>
-            </a:schemeClr>
-          </a:solidFill>
-          <a:ln w="3175" cap="flat" cmpd="sng" algn="ctr">
-            <a:noFill/>
-            <a:prstDash val="solid"/>
-            <a:miter lim="800000"/>
-          </a:ln>
-          <a:effectLst/>
-        </p:spPr>
-        <p:txBody>
-          <a:bodyPr lIns="0" tIns="0" rIns="0" bIns="0" rtlCol="0" anchor="ctr"/>
-          <a:lstStyle/>
-          <a:p>
-            <a:pPr marL="0" marR="0" lvl="0" indent="0" algn="ctr" defTabSz="914400" eaLnBrk="1" fontAlgn="auto" latinLnBrk="0" hangingPunct="1">
-              <a:spcBef>
-                <a:spcPts val="0"/>
-              </a:spcBef>
-              <a:spcAft>
-                <a:spcPts val="0"/>
-              </a:spcAft>
-              <a:buClrTx/>
-              <a:buSzTx/>
-              <a:buFontTx/>
-              <a:buNone/>
-              <a:tabLst/>
-              <a:defRPr/>
-            </a:pPr>
-            <a:r>
-              <a:rPr kumimoji="0" lang="en-US" altLang="ko-KR" sz="1000" i="0" u="none" strike="noStrike" kern="0" cap="none" spc="0" normalizeH="0" baseline="0" noProof="0" dirty="0">
-                <a:ln>
-                  <a:noFill/>
-                </a:ln>
-                <a:solidFill>
-                  <a:schemeClr val="tx1">
-                    <a:lumMod val="50000"/>
-                    <a:lumOff val="50000"/>
-                  </a:schemeClr>
-                </a:solidFill>
-                <a:effectLst/>
-                <a:uLnTx/>
-                <a:uFillTx/>
-                <a:latin typeface="Calibri" panose="020F0502020204030204" pitchFamily="34" charset="0"/>
-                <a:ea typeface="맑은 고딕"/>
-              </a:rPr>
-              <a:t>Env Vars</a:t>
-            </a:r>
-            <a:endParaRPr kumimoji="0" lang="ko-KR" altLang="en-US" sz="1000" i="0" u="none" strike="noStrike" kern="0" cap="none" spc="0" normalizeH="0" baseline="0" noProof="0" dirty="0">
-              <a:ln>
-                <a:noFill/>
-              </a:ln>
-              <a:solidFill>
-                <a:schemeClr val="tx1">
-                  <a:lumMod val="50000"/>
-                  <a:lumOff val="50000"/>
-                </a:schemeClr>
-              </a:solidFill>
-              <a:effectLst/>
-              <a:uLnTx/>
-              <a:uFillTx/>
-              <a:latin typeface="Calibri" panose="020F0502020204030204" pitchFamily="34" charset="0"/>
-              <a:ea typeface="맑은 고딕"/>
-            </a:endParaRPr>
-          </a:p>
-        </p:txBody>
-      </p:sp>
-      <p:sp>
-        <p:nvSpPr>
-          <p:cNvPr id="1064" name="직사각형 363">
-            <a:extLst>
-              <a:ext uri="{FF2B5EF4-FFF2-40B4-BE49-F238E27FC236}">
-                <a16:creationId xmlns:a16="http://schemas.microsoft.com/office/drawing/2014/main" id="{D5B13824-3F72-B6EF-9327-8D0DD5D478B5}"/>
-              </a:ext>
-            </a:extLst>
-          </p:cNvPr>
-          <p:cNvSpPr/>
-          <p:nvPr/>
-        </p:nvSpPr>
-        <p:spPr>
-          <a:xfrm>
-            <a:off x="4827696" y="6808084"/>
-            <a:ext cx="801381" cy="213336"/>
-          </a:xfrm>
-          <a:prstGeom prst="rect">
-            <a:avLst/>
-          </a:prstGeom>
-          <a:solidFill>
-            <a:schemeClr val="bg1">
-              <a:lumMod val="95000"/>
-            </a:schemeClr>
-          </a:solidFill>
-          <a:ln w="3175" cap="flat" cmpd="sng" algn="ctr">
-            <a:noFill/>
-            <a:prstDash val="solid"/>
-            <a:miter lim="800000"/>
-          </a:ln>
-          <a:effectLst/>
-        </p:spPr>
-        <p:txBody>
-          <a:bodyPr lIns="0" tIns="0" rIns="0" bIns="0" rtlCol="0" anchor="ctr"/>
-          <a:lstStyle/>
-          <a:p>
-            <a:pPr marL="0" marR="0" lvl="0" indent="0" algn="ctr" defTabSz="914400" eaLnBrk="1" fontAlgn="auto" latinLnBrk="0" hangingPunct="1">
-              <a:spcBef>
-                <a:spcPts val="0"/>
-              </a:spcBef>
-              <a:spcAft>
-                <a:spcPts val="0"/>
-              </a:spcAft>
-              <a:buClrTx/>
-              <a:buSzTx/>
-              <a:buFontTx/>
-              <a:buNone/>
-              <a:tabLst/>
-              <a:defRPr/>
-            </a:pPr>
-            <a:r>
-              <a:rPr kumimoji="0" lang="en-US" altLang="ko-KR" sz="1000" i="0" u="none" strike="noStrike" kern="0" cap="none" spc="0" normalizeH="0" baseline="0" noProof="0" dirty="0">
-                <a:ln>
-                  <a:noFill/>
-                </a:ln>
-                <a:solidFill>
-                  <a:schemeClr val="tx1">
-                    <a:lumMod val="50000"/>
-                    <a:lumOff val="50000"/>
-                  </a:schemeClr>
-                </a:solidFill>
-                <a:effectLst/>
-                <a:uLnTx/>
-                <a:uFillTx/>
-                <a:latin typeface="Calibri" panose="020F0502020204030204" pitchFamily="34" charset="0"/>
-                <a:ea typeface="맑은 고딕"/>
-              </a:rPr>
-              <a:t>Env Vars</a:t>
-            </a:r>
-            <a:endParaRPr kumimoji="0" lang="ko-KR" altLang="en-US" sz="1000" i="0" u="none" strike="noStrike" kern="0" cap="none" spc="0" normalizeH="0" baseline="0" noProof="0" dirty="0">
-              <a:ln>
-                <a:noFill/>
-              </a:ln>
-              <a:solidFill>
-                <a:schemeClr val="tx1">
-                  <a:lumMod val="50000"/>
-                  <a:lumOff val="50000"/>
-                </a:schemeClr>
-              </a:solidFill>
-              <a:effectLst/>
-              <a:uLnTx/>
-              <a:uFillTx/>
-              <a:latin typeface="Calibri" panose="020F0502020204030204" pitchFamily="34" charset="0"/>
-              <a:ea typeface="맑은 고딕"/>
-            </a:endParaRPr>
-          </a:p>
-        </p:txBody>
-      </p:sp>
       <p:cxnSp>
         <p:nvCxnSpPr>
           <p:cNvPr id="1072" name="Elbow Connector 1071">
@@ -6726,14 +6091,13 @@
           <p:nvPr/>
         </p:nvCxnSpPr>
         <p:spPr>
-          <a:xfrm rot="16200000" flipH="1">
-            <a:off x="4251524" y="2721590"/>
-            <a:ext cx="346490" cy="1304111"/>
+          <a:xfrm>
+            <a:off x="3772713" y="3200401"/>
+            <a:ext cx="1304113" cy="346490"/>
           </a:xfrm>
-          <a:prstGeom prst="bentConnector4">
+          <a:prstGeom prst="bentConnector3">
             <a:avLst>
-              <a:gd name="adj1" fmla="val 98964"/>
-              <a:gd name="adj2" fmla="val 61489"/>
+              <a:gd name="adj1" fmla="val 50000"/>
             </a:avLst>
           </a:prstGeom>
           <a:ln w="3175">
@@ -6823,7 +6187,7 @@
         </p:nvSpPr>
         <p:spPr>
           <a:xfrm>
-            <a:off x="7456210" y="2911232"/>
+            <a:off x="7447497" y="2911232"/>
             <a:ext cx="59958" cy="142083"/>
           </a:xfrm>
           <a:prstGeom prst="rect">
@@ -6896,7 +6260,7 @@
         </p:nvCxnSpPr>
         <p:spPr>
           <a:xfrm>
-            <a:off x="4554577" y="2696353"/>
+            <a:off x="4545864" y="2696353"/>
             <a:ext cx="2931612" cy="214879"/>
           </a:xfrm>
           <a:prstGeom prst="bentConnector2">
@@ -7291,6 +6655,84 @@
           </a:fontRef>
         </p:style>
       </p:cxnSp>
+      <p:sp>
+        <p:nvSpPr>
+          <p:cNvPr id="2" name="Can 1">
+            <a:extLst>
+              <a:ext uri="{FF2B5EF4-FFF2-40B4-BE49-F238E27FC236}">
+                <a16:creationId xmlns:a16="http://schemas.microsoft.com/office/drawing/2014/main" id="{D90D0B13-D3F4-BEFF-DB9D-EFF24A5CADE3}"/>
+              </a:ext>
+            </a:extLst>
+          </p:cNvPr>
+          <p:cNvSpPr/>
+          <p:nvPr/>
+        </p:nvSpPr>
+        <p:spPr>
+          <a:xfrm>
+            <a:off x="8937787" y="2912344"/>
+            <a:ext cx="680070" cy="814156"/>
+          </a:xfrm>
+          <a:prstGeom prst="can">
+            <a:avLst/>
+          </a:prstGeom>
+          <a:solidFill>
+            <a:schemeClr val="accent6">
+              <a:lumMod val="20000"/>
+              <a:lumOff val="80000"/>
+            </a:schemeClr>
+          </a:solidFill>
+          <a:ln w="3175">
+            <a:solidFill>
+              <a:schemeClr val="accent6">
+                <a:lumMod val="60000"/>
+                <a:lumOff val="40000"/>
+              </a:schemeClr>
+            </a:solidFill>
+          </a:ln>
+        </p:spPr>
+        <p:style>
+          <a:lnRef idx="2">
+            <a:schemeClr val="accent1">
+              <a:shade val="50000"/>
+            </a:schemeClr>
+          </a:lnRef>
+          <a:fillRef idx="1">
+            <a:schemeClr val="accent1"/>
+          </a:fillRef>
+          <a:effectRef idx="0">
+            <a:schemeClr val="accent1"/>
+          </a:effectRef>
+          <a:fontRef idx="minor">
+            <a:schemeClr val="lt1"/>
+          </a:fontRef>
+        </p:style>
+        <p:txBody>
+          <a:bodyPr rtlCol="0" anchor="ctr"/>
+          <a:lstStyle/>
+          <a:p>
+            <a:pPr algn="ctr"/>
+            <a:r>
+              <a:rPr lang="en-US" sz="1200" dirty="0">
+                <a:solidFill>
+                  <a:schemeClr val="tx1"/>
+                </a:solidFill>
+              </a:rPr>
+              <a:t>Key/Val</a:t>
+            </a:r>
+          </a:p>
+          <a:p>
+            <a:pPr algn="ctr"/>
+            <a:r>
+              <a:rPr lang="en-US" sz="1200" dirty="0">
+                <a:solidFill>
+                  <a:schemeClr val="tx1"/>
+                </a:solidFill>
+              </a:rPr>
+              <a:t>Cache</a:t>
+            </a:r>
+          </a:p>
+        </p:txBody>
+      </p:sp>
     </p:spTree>
     <p:extLst>
       <p:ext uri="{BB962C8B-B14F-4D97-AF65-F5344CB8AC3E}">

--- a/docs/nginx-aws-signature.pptx
+++ b/docs/nginx-aws-signature.pptx
@@ -6,6 +6,7 @@
   </p:sldMasterIdLst>
   <p:sldIdLst>
     <p:sldId id="256" r:id="rId2"/>
+    <p:sldId id="259" r:id="rId3"/>
   </p:sldIdLst>
   <p:sldSz cx="12192000" cy="6858000"/>
   <p:notesSz cx="6858000" cy="9144000"/>
@@ -3340,7 +3341,7 @@
         </p:nvGrpSpPr>
         <p:grpSpPr>
           <a:xfrm>
-            <a:off x="4724989" y="1696894"/>
+            <a:off x="4647168" y="1706621"/>
             <a:ext cx="5398023" cy="2954507"/>
             <a:chOff x="4696414" y="1762958"/>
             <a:chExt cx="5398023" cy="3012264"/>
@@ -3497,7 +3498,7 @@
         </p:nvSpPr>
         <p:spPr>
           <a:xfrm rot="16200000">
-            <a:off x="4362280" y="2689211"/>
+            <a:off x="4284459" y="2698938"/>
             <a:ext cx="2309657" cy="1427036"/>
           </a:xfrm>
           <a:prstGeom prst="rect">
@@ -3566,7 +3567,7 @@
         </p:nvSpPr>
         <p:spPr>
           <a:xfrm rot="16200000">
-            <a:off x="6085030" y="2689210"/>
+            <a:off x="6007209" y="2698937"/>
             <a:ext cx="2309659" cy="1427036"/>
           </a:xfrm>
           <a:prstGeom prst="rect">
@@ -3635,7 +3636,7 @@
         </p:nvSpPr>
         <p:spPr>
           <a:xfrm rot="16200000">
-            <a:off x="5075623" y="4749440"/>
+            <a:off x="4997802" y="4759167"/>
             <a:ext cx="882969" cy="1427032"/>
           </a:xfrm>
           <a:prstGeom prst="rect">
@@ -3757,7 +3758,7 @@
         </p:blipFill>
         <p:spPr bwMode="auto">
           <a:xfrm>
-            <a:off x="5327003" y="5413800"/>
+            <a:off x="5249182" y="5423527"/>
             <a:ext cx="377604" cy="377604"/>
           </a:xfrm>
           <a:prstGeom prst="rect">
@@ -3789,7 +3790,7 @@
         </p:nvSpPr>
         <p:spPr>
           <a:xfrm>
-            <a:off x="5477183" y="5588970"/>
+            <a:off x="5399362" y="5598697"/>
             <a:ext cx="65" cy="151452"/>
           </a:xfrm>
           <a:prstGeom prst="rect">
@@ -3833,7 +3834,7 @@
         </p:nvSpPr>
         <p:spPr>
           <a:xfrm rot="16200000">
-            <a:off x="6798374" y="4749439"/>
+            <a:off x="6720553" y="4759166"/>
             <a:ext cx="882969" cy="1427037"/>
           </a:xfrm>
           <a:prstGeom prst="rect">
@@ -3914,7 +3915,7 @@
         </p:nvSpPr>
         <p:spPr>
           <a:xfrm>
-            <a:off x="7180885" y="5588970"/>
+            <a:off x="7103064" y="5598697"/>
             <a:ext cx="65" cy="151452"/>
           </a:xfrm>
           <a:prstGeom prst="rect">
@@ -3980,7 +3981,7 @@
         </p:blipFill>
         <p:spPr bwMode="auto">
           <a:xfrm>
-            <a:off x="7067898" y="5426959"/>
+            <a:off x="6990077" y="5436686"/>
             <a:ext cx="335870" cy="335870"/>
           </a:xfrm>
           <a:prstGeom prst="roundRect">
@@ -4019,7 +4020,7 @@
         </p:nvCxnSpPr>
         <p:spPr>
           <a:xfrm flipH="1">
-            <a:off x="5517108" y="4557558"/>
+            <a:off x="5439287" y="4567285"/>
             <a:ext cx="1" cy="463914"/>
           </a:xfrm>
           <a:prstGeom prst="straightConnector1">
@@ -4070,7 +4071,7 @@
         </p:nvCxnSpPr>
         <p:spPr>
           <a:xfrm flipH="1">
-            <a:off x="7239859" y="4557558"/>
+            <a:off x="7162038" y="4567285"/>
             <a:ext cx="1" cy="463915"/>
           </a:xfrm>
           <a:prstGeom prst="straightConnector1">
@@ -4117,7 +4118,7 @@
         </p:nvSpPr>
         <p:spPr>
           <a:xfrm rot="16200000">
-            <a:off x="7990032" y="2689210"/>
+            <a:off x="7912211" y="2698937"/>
             <a:ext cx="2309657" cy="1427036"/>
           </a:xfrm>
           <a:prstGeom prst="rect">
@@ -4186,14 +4187,14 @@
         </p:nvSpPr>
         <p:spPr>
           <a:xfrm>
-            <a:off x="4911891" y="3975225"/>
+            <a:off x="4834070" y="3984952"/>
             <a:ext cx="1212684" cy="460326"/>
           </a:xfrm>
           <a:prstGeom prst="rect">
             <a:avLst/>
           </a:prstGeom>
           <a:solidFill>
-            <a:schemeClr val="accent6">
+            <a:schemeClr val="accent5">
               <a:lumMod val="20000"/>
               <a:lumOff val="80000"/>
               <a:alpha val="50000"/>
@@ -4320,7 +4321,7 @@
         </p:blipFill>
         <p:spPr bwMode="auto">
           <a:xfrm>
-            <a:off x="6571679" y="2297952"/>
+            <a:off x="6493858" y="2307679"/>
             <a:ext cx="197624" cy="229738"/>
           </a:xfrm>
           <a:prstGeom prst="rect">
@@ -4367,7 +4368,7 @@
         </p:blipFill>
         <p:spPr bwMode="auto">
           <a:xfrm>
-            <a:off x="8475178" y="2297952"/>
+            <a:off x="8397357" y="2307679"/>
             <a:ext cx="197624" cy="229738"/>
           </a:xfrm>
           <a:prstGeom prst="rect">
@@ -4409,7 +4410,7 @@
         </p:blipFill>
         <p:spPr>
           <a:xfrm>
-            <a:off x="8431342" y="5021471"/>
+            <a:off x="8353521" y="5031198"/>
             <a:ext cx="1427036" cy="882970"/>
           </a:xfrm>
           <a:prstGeom prst="rect">
@@ -4442,7 +4443,7 @@
         </p:nvCxnSpPr>
         <p:spPr>
           <a:xfrm flipH="1">
-            <a:off x="9144860" y="4557557"/>
+            <a:off x="9067039" y="4567284"/>
             <a:ext cx="1" cy="463914"/>
           </a:xfrm>
           <a:prstGeom prst="straightConnector1">
@@ -4489,7 +4490,7 @@
         </p:nvSpPr>
         <p:spPr>
           <a:xfrm>
-            <a:off x="8063405" y="4223246"/>
+            <a:off x="7985584" y="4232973"/>
             <a:ext cx="271095" cy="184666"/>
           </a:xfrm>
           <a:prstGeom prst="rect">
@@ -4542,14 +4543,14 @@
         </p:nvSpPr>
         <p:spPr>
           <a:xfrm>
-            <a:off x="6629491" y="3975225"/>
+            <a:off x="6551670" y="3984952"/>
             <a:ext cx="1212684" cy="460326"/>
           </a:xfrm>
           <a:prstGeom prst="rect">
             <a:avLst/>
           </a:prstGeom>
           <a:solidFill>
-            <a:schemeClr val="accent6">
+            <a:schemeClr val="accent5">
               <a:lumMod val="20000"/>
               <a:lumOff val="80000"/>
               <a:alpha val="50000"/>
@@ -4661,14 +4662,14 @@
         </p:nvSpPr>
         <p:spPr>
           <a:xfrm>
-            <a:off x="8538518" y="3975225"/>
+            <a:off x="8460697" y="3984952"/>
             <a:ext cx="1212684" cy="460326"/>
           </a:xfrm>
           <a:prstGeom prst="rect">
             <a:avLst/>
           </a:prstGeom>
           <a:solidFill>
-            <a:schemeClr val="accent6">
+            <a:schemeClr val="accent5">
               <a:lumMod val="20000"/>
               <a:lumOff val="80000"/>
               <a:alpha val="50000"/>
@@ -4780,7 +4781,7 @@
         </p:nvSpPr>
         <p:spPr>
           <a:xfrm rot="16200000">
-            <a:off x="7235863" y="-1529800"/>
+            <a:off x="7158042" y="-1520073"/>
             <a:ext cx="376275" cy="5398023"/>
           </a:xfrm>
           <a:prstGeom prst="rect">
@@ -4848,7 +4849,7 @@
         </p:nvSpPr>
         <p:spPr>
           <a:xfrm>
-            <a:off x="4940466" y="2601103"/>
+            <a:off x="4862645" y="2610830"/>
             <a:ext cx="4794084" cy="1267914"/>
           </a:xfrm>
           <a:prstGeom prst="rect">
@@ -4898,33 +4899,7 @@
                 <a:latin typeface="Calibri" panose="020F0502020204030204" pitchFamily="34" charset="0"/>
                 <a:ea typeface="맑은 고딕"/>
               </a:rPr>
-              <a:t>nginx-</a:t>
-            </a:r>
-            <a:r>
-              <a:rPr kumimoji="0" lang="en-US" altLang="ko-KR" sz="1200" b="1" i="0" u="none" strike="noStrike" kern="0" cap="none" spc="0" normalizeH="0" baseline="0" noProof="0" dirty="0" err="1">
-                <a:ln>
-                  <a:noFill/>
-                </a:ln>
-                <a:effectLst/>
-                <a:uLnTx/>
-                <a:uFillTx/>
-                <a:latin typeface="Calibri" panose="020F0502020204030204" pitchFamily="34" charset="0"/>
-                <a:ea typeface="맑은 고딕"/>
-              </a:rPr>
-              <a:t>aws</a:t>
-            </a:r>
-            <a:r>
-              <a:rPr kumimoji="0" lang="en-US" altLang="ko-KR" sz="1200" b="1" i="0" u="none" strike="noStrike" kern="0" cap="none" spc="0" normalizeH="0" baseline="0" noProof="0" dirty="0">
-                <a:ln>
-                  <a:noFill/>
-                </a:ln>
-                <a:effectLst/>
-                <a:uLnTx/>
-                <a:uFillTx/>
-                <a:latin typeface="Calibri" panose="020F0502020204030204" pitchFamily="34" charset="0"/>
-                <a:ea typeface="맑은 고딕"/>
-              </a:rPr>
-              <a:t>-signature</a:t>
+              <a:t>nginx-aws-signature</a:t>
             </a:r>
             <a:endParaRPr kumimoji="0" lang="ko-KR" altLang="en-US" sz="1200" b="1" i="0" u="none" strike="noStrike" kern="0" cap="none" spc="0" normalizeH="0" baseline="0" noProof="0" dirty="0">
               <a:ln>
@@ -4953,7 +4928,7 @@
         </p:nvGrpSpPr>
         <p:grpSpPr>
           <a:xfrm>
-            <a:off x="5515805" y="1376398"/>
+            <a:off x="5437984" y="1386125"/>
             <a:ext cx="3629056" cy="872887"/>
             <a:chOff x="5515805" y="1945912"/>
             <a:chExt cx="3629056" cy="303374"/>
@@ -5129,7 +5104,7 @@
         </p:blipFill>
         <p:spPr>
           <a:xfrm>
-            <a:off x="8128000" y="2654300"/>
+            <a:off x="8050179" y="2664027"/>
             <a:ext cx="227281" cy="217399"/>
           </a:xfrm>
           <a:prstGeom prst="rect">
@@ -5151,7 +5126,7 @@
         </p:nvSpPr>
         <p:spPr>
           <a:xfrm rot="16200000">
-            <a:off x="3331228" y="4681091"/>
+            <a:off x="3253407" y="4690818"/>
             <a:ext cx="882969" cy="1563728"/>
           </a:xfrm>
           <a:prstGeom prst="rect">
@@ -5232,7 +5207,7 @@
         </p:nvGrpSpPr>
         <p:grpSpPr>
           <a:xfrm>
-            <a:off x="2524143" y="1520324"/>
+            <a:off x="2446322" y="1530051"/>
             <a:ext cx="7598869" cy="3313313"/>
             <a:chOff x="2286000" y="1715906"/>
             <a:chExt cx="6505578" cy="2611645"/>
@@ -5357,7 +5332,7 @@
         </p:blipFill>
         <p:spPr>
           <a:xfrm>
-            <a:off x="2537720" y="5003826"/>
+            <a:off x="2459899" y="5013553"/>
             <a:ext cx="312233" cy="302476"/>
           </a:xfrm>
           <a:prstGeom prst="rect">
@@ -5387,7 +5362,7 @@
         </p:blipFill>
         <p:spPr>
           <a:xfrm>
-            <a:off x="2531833" y="1604153"/>
+            <a:off x="2454012" y="1613880"/>
             <a:ext cx="830151" cy="352026"/>
           </a:xfrm>
           <a:prstGeom prst="rect">
@@ -5431,7 +5406,7 @@
         </p:blipFill>
         <p:spPr bwMode="auto">
           <a:xfrm>
-            <a:off x="3509431" y="5455534"/>
+            <a:off x="3431610" y="5465261"/>
             <a:ext cx="167828" cy="321152"/>
           </a:xfrm>
           <a:prstGeom prst="rect">
@@ -5479,7 +5454,7 @@
         </p:blipFill>
         <p:spPr>
           <a:xfrm>
-            <a:off x="3731475" y="5455534"/>
+            <a:off x="3653654" y="5465261"/>
             <a:ext cx="321152" cy="321152"/>
           </a:xfrm>
           <a:prstGeom prst="rect">
@@ -5517,7 +5492,7 @@
         </p:blipFill>
         <p:spPr>
           <a:xfrm>
-            <a:off x="3125819" y="5455534"/>
+            <a:off x="3047998" y="5465261"/>
             <a:ext cx="321152" cy="321152"/>
           </a:xfrm>
           <a:prstGeom prst="rect">
@@ -5539,10 +5514,10 @@
         </p:nvGrpSpPr>
         <p:grpSpPr>
           <a:xfrm>
-            <a:off x="5076826" y="2930282"/>
-            <a:ext cx="3771084" cy="796218"/>
+            <a:off x="4999007" y="2940009"/>
+            <a:ext cx="4506419" cy="796218"/>
             <a:chOff x="5051957" y="2928621"/>
-            <a:chExt cx="4560356" cy="845504"/>
+            <a:chExt cx="5633414" cy="845504"/>
           </a:xfrm>
         </p:grpSpPr>
         <p:sp>
@@ -5560,7 +5535,7 @@
           <p:spPr>
             <a:xfrm>
               <a:off x="5051958" y="2928621"/>
-              <a:ext cx="2242203" cy="381454"/>
+              <a:ext cx="1957894" cy="381454"/>
             </a:xfrm>
             <a:prstGeom prst="rect">
               <a:avLst/>
@@ -5610,7 +5585,7 @@
                   <a:latin typeface="Calibri" panose="020F0502020204030204" pitchFamily="34" charset="0"/>
                   <a:ea typeface="맑은 고딕"/>
                 </a:rPr>
-                <a:t>Client Auth </a:t>
+                <a:t>Auth </a:t>
               </a:r>
               <a:r>
                 <a:rPr lang="en-US" altLang="ko-KR" sz="1200" kern="0" dirty="0">
@@ -5656,7 +5631,7 @@
           <p:spPr>
             <a:xfrm>
               <a:off x="5051957" y="3392671"/>
-              <a:ext cx="2242203" cy="381454"/>
+              <a:ext cx="1957894" cy="381454"/>
             </a:xfrm>
             <a:prstGeom prst="rect">
               <a:avLst/>
@@ -5751,8 +5726,8 @@
           </p:nvSpPr>
           <p:spPr>
             <a:xfrm>
-              <a:off x="7378357" y="2928621"/>
-              <a:ext cx="2233956" cy="381454"/>
+              <a:off x="8734676" y="2928621"/>
+              <a:ext cx="1950695" cy="381454"/>
             </a:xfrm>
             <a:prstGeom prst="rect">
               <a:avLst/>
@@ -5802,17 +5777,7 @@
                   <a:latin typeface="Calibri" panose="020F0502020204030204" pitchFamily="34" charset="0"/>
                   <a:ea typeface="맑은 고딕"/>
                 </a:rPr>
-                <a:t>Signing </a:t>
-              </a:r>
-              <a:r>
-                <a:rPr lang="en-US" altLang="ko-KR" sz="1200" kern="0" dirty="0">
-                  <a:solidFill>
-                    <a:prstClr val="black"/>
-                  </a:solidFill>
-                  <a:latin typeface="Calibri" panose="020F0502020204030204" pitchFamily="34" charset="0"/>
-                  <a:ea typeface="맑은 고딕"/>
-                </a:rPr>
-                <a:t>Request</a:t>
+                <a:t>Build Signature</a:t>
               </a:r>
               <a:endParaRPr kumimoji="0" lang="ko-KR" altLang="en-US" sz="1200" b="0" i="0" u="none" strike="noStrike" kern="0" cap="none" spc="0" normalizeH="0" baseline="0" noProof="0" dirty="0">
                 <a:ln>
@@ -5847,8 +5812,8 @@
           </p:nvSpPr>
           <p:spPr>
             <a:xfrm>
-              <a:off x="7378356" y="3392671"/>
-              <a:ext cx="2233956" cy="381454"/>
+              <a:off x="8734675" y="3392671"/>
+              <a:ext cx="1950695" cy="381454"/>
             </a:xfrm>
             <a:prstGeom prst="rect">
               <a:avLst/>
@@ -5898,7 +5863,7 @@
                   <a:latin typeface="Calibri" panose="020F0502020204030204" pitchFamily="34" charset="0"/>
                   <a:ea typeface="맑은 고딕"/>
                 </a:rPr>
-                <a:t>Validate Signature</a:t>
+                <a:t>Session Token</a:t>
               </a:r>
               <a:endParaRPr kumimoji="0" lang="ko-KR" altLang="en-US" sz="1200" b="0" i="0" u="none" strike="noStrike" kern="0" cap="none" spc="0" normalizeH="0" baseline="0" noProof="0" dirty="0">
                 <a:ln>
@@ -5938,8 +5903,8 @@
         </p:nvCxnSpPr>
         <p:spPr>
           <a:xfrm rot="5400000" flipH="1" flipV="1">
-            <a:off x="3687479" y="3632125"/>
-            <a:ext cx="1474580" cy="1304113"/>
+            <a:off x="3609659" y="3641851"/>
+            <a:ext cx="1474580" cy="1304115"/>
           </a:xfrm>
           <a:prstGeom prst="bentConnector2">
             <a:avLst/>
@@ -6000,7 +5965,7 @@
         </p:blipFill>
         <p:spPr>
           <a:xfrm>
-            <a:off x="4108669" y="5596407"/>
+            <a:off x="4030848" y="5606134"/>
             <a:ext cx="316777" cy="180279"/>
           </a:xfrm>
           <a:prstGeom prst="rect">
@@ -6044,7 +6009,7 @@
         </p:blipFill>
         <p:spPr bwMode="auto">
           <a:xfrm>
-            <a:off x="2549751" y="976926"/>
+            <a:off x="2471930" y="986653"/>
             <a:ext cx="247826" cy="380425"/>
           </a:xfrm>
           <a:prstGeom prst="rect">
@@ -6075,57 +6040,6 @@
           </a:extLst>
         </p:spPr>
       </p:pic>
-      <p:cxnSp>
-        <p:nvCxnSpPr>
-          <p:cNvPr id="1072" name="Elbow Connector 1071">
-            <a:extLst>
-              <a:ext uri="{FF2B5EF4-FFF2-40B4-BE49-F238E27FC236}">
-                <a16:creationId xmlns:a16="http://schemas.microsoft.com/office/drawing/2014/main" id="{F525D1D3-EE28-DB03-D020-81333C5FAFC3}"/>
-              </a:ext>
-            </a:extLst>
-          </p:cNvPr>
-          <p:cNvCxnSpPr>
-            <a:cxnSpLocks/>
-            <a:endCxn id="54" idx="1"/>
-          </p:cNvCxnSpPr>
-          <p:nvPr/>
-        </p:nvCxnSpPr>
-        <p:spPr>
-          <a:xfrm>
-            <a:off x="3772713" y="3200401"/>
-            <a:ext cx="1304113" cy="346490"/>
-          </a:xfrm>
-          <a:prstGeom prst="bentConnector3">
-            <a:avLst>
-              <a:gd name="adj1" fmla="val 50000"/>
-            </a:avLst>
-          </a:prstGeom>
-          <a:ln w="3175">
-            <a:solidFill>
-              <a:schemeClr val="tx1">
-                <a:lumMod val="50000"/>
-                <a:lumOff val="50000"/>
-              </a:schemeClr>
-            </a:solidFill>
-            <a:prstDash val="dash"/>
-            <a:tailEnd type="triangle" w="sm" len="sm"/>
-          </a:ln>
-        </p:spPr>
-        <p:style>
-          <a:lnRef idx="1">
-            <a:schemeClr val="accent1"/>
-          </a:lnRef>
-          <a:fillRef idx="0">
-            <a:schemeClr val="accent1"/>
-          </a:fillRef>
-          <a:effectRef idx="0">
-            <a:schemeClr val="accent1"/>
-          </a:effectRef>
-          <a:fontRef idx="minor">
-            <a:schemeClr val="tx1"/>
-          </a:fontRef>
-        </p:style>
-      </p:cxnSp>
       <p:pic>
         <p:nvPicPr>
           <p:cNvPr id="1087" name="Picture 1086" descr="Image result for nginx">
@@ -6155,7 +6069,7 @@
         </p:blipFill>
         <p:spPr bwMode="auto">
           <a:xfrm>
-            <a:off x="4854334" y="2297952"/>
+            <a:off x="4776513" y="2307679"/>
             <a:ext cx="197624" cy="229738"/>
           </a:xfrm>
           <a:prstGeom prst="rect">
@@ -6187,7 +6101,7 @@
         </p:nvSpPr>
         <p:spPr>
           <a:xfrm>
-            <a:off x="7447497" y="2911232"/>
+            <a:off x="7966408" y="2920959"/>
             <a:ext cx="59958" cy="142083"/>
           </a:xfrm>
           <a:prstGeom prst="rect">
@@ -6243,188 +6157,6 @@
           </a:p>
         </p:txBody>
       </p:sp>
-      <p:cxnSp>
-        <p:nvCxnSpPr>
-          <p:cNvPr id="1090" name="Elbow Connector 1089">
-            <a:extLst>
-              <a:ext uri="{FF2B5EF4-FFF2-40B4-BE49-F238E27FC236}">
-                <a16:creationId xmlns:a16="http://schemas.microsoft.com/office/drawing/2014/main" id="{F85CA3EF-53A2-614D-AF6C-88CBC46D9C27}"/>
-              </a:ext>
-            </a:extLst>
-          </p:cNvPr>
-          <p:cNvCxnSpPr>
-            <a:cxnSpLocks/>
-            <a:endCxn id="1089" idx="0"/>
-          </p:cNvCxnSpPr>
-          <p:nvPr/>
-        </p:nvCxnSpPr>
-        <p:spPr>
-          <a:xfrm>
-            <a:off x="4545864" y="2696353"/>
-            <a:ext cx="2931612" cy="214879"/>
-          </a:xfrm>
-          <a:prstGeom prst="bentConnector2">
-            <a:avLst/>
-          </a:prstGeom>
-          <a:ln w="3175">
-            <a:solidFill>
-              <a:schemeClr val="tx1">
-                <a:lumMod val="50000"/>
-                <a:lumOff val="50000"/>
-              </a:schemeClr>
-            </a:solidFill>
-            <a:prstDash val="dash"/>
-            <a:tailEnd type="triangle" w="sm" len="sm"/>
-          </a:ln>
-        </p:spPr>
-        <p:style>
-          <a:lnRef idx="1">
-            <a:schemeClr val="accent1"/>
-          </a:lnRef>
-          <a:fillRef idx="0">
-            <a:schemeClr val="accent1"/>
-          </a:fillRef>
-          <a:effectRef idx="0">
-            <a:schemeClr val="accent1"/>
-          </a:effectRef>
-          <a:fontRef idx="minor">
-            <a:schemeClr val="tx1"/>
-          </a:fontRef>
-        </p:style>
-      </p:cxnSp>
-      <p:sp>
-        <p:nvSpPr>
-          <p:cNvPr id="1094" name="직사각형 363">
-            <a:extLst>
-              <a:ext uri="{FF2B5EF4-FFF2-40B4-BE49-F238E27FC236}">
-                <a16:creationId xmlns:a16="http://schemas.microsoft.com/office/drawing/2014/main" id="{284D3751-981B-640B-3CFA-A0811FE48CCF}"/>
-              </a:ext>
-            </a:extLst>
-          </p:cNvPr>
-          <p:cNvSpPr/>
-          <p:nvPr/>
-        </p:nvSpPr>
-        <p:spPr>
-          <a:xfrm rot="16200000">
-            <a:off x="4473161" y="2710195"/>
-            <a:ext cx="85733" cy="58050"/>
-          </a:xfrm>
-          <a:prstGeom prst="rect">
-            <a:avLst/>
-          </a:prstGeom>
-          <a:solidFill>
-            <a:schemeClr val="bg1"/>
-          </a:solidFill>
-          <a:ln w="3175" cap="flat" cmpd="sng" algn="ctr">
-            <a:solidFill>
-              <a:schemeClr val="bg1">
-                <a:lumMod val="65000"/>
-              </a:schemeClr>
-            </a:solidFill>
-            <a:prstDash val="dash"/>
-            <a:miter lim="800000"/>
-          </a:ln>
-          <a:effectLst/>
-        </p:spPr>
-        <p:txBody>
-          <a:bodyPr vert="vert" lIns="0" tIns="0" rIns="0" bIns="0" rtlCol="0" anchor="ctr" anchorCtr="0"/>
-          <a:lstStyle/>
-          <a:p>
-            <a:pPr algn="ctr">
-              <a:lnSpc>
-                <a:spcPct val="80000"/>
-              </a:lnSpc>
-            </a:pPr>
-            <a:endParaRPr lang="ko-KR" altLang="en-US" sz="1200" kern="0" dirty="0">
-              <a:solidFill>
-                <a:schemeClr val="bg1">
-                  <a:lumMod val="65000"/>
-                </a:schemeClr>
-              </a:solidFill>
-              <a:latin typeface="Calibri" panose="020F0502020204030204" pitchFamily="34" charset="0"/>
-              <a:ea typeface="맑은 고딕"/>
-            </a:endParaRPr>
-          </a:p>
-        </p:txBody>
-      </p:sp>
-      <p:sp>
-        <p:nvSpPr>
-          <p:cNvPr id="1096" name="직사각형 363">
-            <a:extLst>
-              <a:ext uri="{FF2B5EF4-FFF2-40B4-BE49-F238E27FC236}">
-                <a16:creationId xmlns:a16="http://schemas.microsoft.com/office/drawing/2014/main" id="{286D3A11-FEB2-994D-6CB0-57123E9FA02B}"/>
-              </a:ext>
-            </a:extLst>
-          </p:cNvPr>
-          <p:cNvSpPr/>
-          <p:nvPr/>
-        </p:nvSpPr>
-        <p:spPr>
-          <a:xfrm rot="16200000">
-            <a:off x="3473065" y="2118888"/>
-            <a:ext cx="599297" cy="1563728"/>
-          </a:xfrm>
-          <a:prstGeom prst="rect">
-            <a:avLst/>
-          </a:prstGeom>
-          <a:solidFill>
-            <a:schemeClr val="bg1"/>
-          </a:solidFill>
-          <a:ln w="3175" cap="flat" cmpd="sng" algn="ctr">
-            <a:solidFill>
-              <a:schemeClr val="bg1">
-                <a:lumMod val="65000"/>
-              </a:schemeClr>
-            </a:solidFill>
-            <a:prstDash val="dash"/>
-            <a:miter lim="800000"/>
-          </a:ln>
-          <a:effectLst/>
-        </p:spPr>
-        <p:txBody>
-          <a:bodyPr vert="vert" lIns="0" tIns="0" rIns="0" bIns="0" rtlCol="0" anchor="ctr" anchorCtr="0"/>
-          <a:lstStyle/>
-          <a:p>
-            <a:pPr algn="ctr"/>
-            <a:r>
-              <a:rPr lang="en-US" altLang="ko-KR" sz="1200" kern="0" dirty="0">
-                <a:solidFill>
-                  <a:schemeClr val="bg1">
-                    <a:lumMod val="65000"/>
-                  </a:schemeClr>
-                </a:solidFill>
-                <a:latin typeface="Calibri" panose="020F0502020204030204" pitchFamily="34" charset="0"/>
-                <a:ea typeface="맑은 고딕"/>
-              </a:rPr>
-              <a:t>Environment</a:t>
-            </a:r>
-          </a:p>
-          <a:p>
-            <a:pPr algn="ctr"/>
-            <a:r>
-              <a:rPr lang="en-US" altLang="ko-KR" sz="1200" kern="0" dirty="0">
-                <a:solidFill>
-                  <a:schemeClr val="bg1">
-                    <a:lumMod val="65000"/>
-                  </a:schemeClr>
-                </a:solidFill>
-                <a:latin typeface="Calibri" panose="020F0502020204030204" pitchFamily="34" charset="0"/>
-                <a:ea typeface="맑은 고딕"/>
-              </a:rPr>
-              <a:t>Variables</a:t>
-            </a:r>
-            <a:endParaRPr lang="ko-KR" altLang="en-US" sz="1200" kern="0" dirty="0">
-              <a:solidFill>
-                <a:schemeClr val="bg1">
-                  <a:lumMod val="65000"/>
-                </a:schemeClr>
-              </a:solidFill>
-              <a:latin typeface="Calibri" panose="020F0502020204030204" pitchFamily="34" charset="0"/>
-              <a:ea typeface="맑은 고딕"/>
-            </a:endParaRPr>
-          </a:p>
-        </p:txBody>
-      </p:sp>
       <p:sp>
         <p:nvSpPr>
           <p:cNvPr id="1099" name="TextBox 1098">
@@ -6439,7 +6171,7 @@
         </p:nvSpPr>
         <p:spPr>
           <a:xfrm>
-            <a:off x="3829050" y="3594276"/>
+            <a:off x="3751229" y="3604003"/>
             <a:ext cx="789097" cy="445956"/>
           </a:xfrm>
           <a:prstGeom prst="rect">
@@ -6547,63 +6279,6 @@
           </a:p>
         </p:txBody>
       </p:sp>
-      <p:sp>
-        <p:nvSpPr>
-          <p:cNvPr id="1100" name="TextBox 1099">
-            <a:extLst>
-              <a:ext uri="{FF2B5EF4-FFF2-40B4-BE49-F238E27FC236}">
-                <a16:creationId xmlns:a16="http://schemas.microsoft.com/office/drawing/2014/main" id="{89B49FDA-9842-3C39-0960-5CABF03C4C08}"/>
-              </a:ext>
-            </a:extLst>
-          </p:cNvPr>
-          <p:cNvSpPr txBox="1"/>
-          <p:nvPr/>
-        </p:nvSpPr>
-        <p:spPr>
-          <a:xfrm>
-            <a:off x="5781676" y="2727878"/>
-            <a:ext cx="1657440" cy="113557"/>
-          </a:xfrm>
-          <a:prstGeom prst="rect">
-            <a:avLst/>
-          </a:prstGeom>
-          <a:noFill/>
-        </p:spPr>
-        <p:txBody>
-          <a:bodyPr wrap="square" lIns="0" tIns="0" rIns="0" bIns="0">
-            <a:spAutoFit/>
-          </a:bodyPr>
-          <a:lstStyle/>
-          <a:p>
-            <a:pPr algn="r">
-              <a:lnSpc>
-                <a:spcPct val="80000"/>
-              </a:lnSpc>
-            </a:pPr>
-            <a:r>
-              <a:rPr lang="en-US" altLang="ko-KR" sz="900" kern="0" dirty="0">
-                <a:solidFill>
-                  <a:schemeClr val="bg1">
-                    <a:lumMod val="65000"/>
-                  </a:schemeClr>
-                </a:solidFill>
-                <a:latin typeface="Calibri" panose="020F0502020204030204" pitchFamily="34" charset="0"/>
-                <a:ea typeface="맑은 고딕"/>
-              </a:rPr>
-              <a:t>Canonical request parameters</a:t>
-            </a:r>
-            <a:endParaRPr lang="ko-KR" altLang="en-US" sz="900" kern="0" dirty="0">
-              <a:solidFill>
-                <a:schemeClr val="bg1">
-                  <a:lumMod val="65000"/>
-                </a:schemeClr>
-              </a:solidFill>
-              <a:latin typeface="Calibri" panose="020F0502020204030204" pitchFamily="34" charset="0"/>
-              <a:ea typeface="맑은 고딕"/>
-            </a:endParaRPr>
-          </a:p>
-        </p:txBody>
-      </p:sp>
       <p:cxnSp>
         <p:nvCxnSpPr>
           <p:cNvPr id="1104" name="Straight Arrow Connector 1103">
@@ -6622,7 +6297,7 @@
         </p:nvCxnSpPr>
         <p:spPr>
           <a:xfrm>
-            <a:off x="2797577" y="1167139"/>
+            <a:off x="2719756" y="1176866"/>
             <a:ext cx="1927412" cy="2072"/>
           </a:xfrm>
           <a:prstGeom prst="straightConnector1">
@@ -6669,8 +6344,8 @@
         </p:nvSpPr>
         <p:spPr>
           <a:xfrm>
-            <a:off x="8937787" y="2912344"/>
-            <a:ext cx="680070" cy="814156"/>
+            <a:off x="6798325" y="2945007"/>
+            <a:ext cx="903692" cy="814156"/>
           </a:xfrm>
           <a:prstGeom prst="can">
             <a:avLst/>
@@ -6717,9 +6392,2224 @@
                   <a:schemeClr val="tx1"/>
                 </a:solidFill>
               </a:rPr>
-              <a:t>Key/Val</a:t>
-            </a:r>
-          </a:p>
+              <a:t>Cache,</a:t>
+            </a:r>
+          </a:p>
+          <a:p>
+            <a:pPr algn="ctr"/>
+            <a:r>
+              <a:rPr lang="en-US" sz="1200" dirty="0">
+                <a:solidFill>
+                  <a:schemeClr val="tx1"/>
+                </a:solidFill>
+              </a:rPr>
+              <a:t>Temp File,</a:t>
+            </a:r>
+          </a:p>
+          <a:p>
+            <a:pPr algn="ctr"/>
+            <a:r>
+              <a:rPr lang="en-US" sz="1200" dirty="0">
+                <a:solidFill>
+                  <a:schemeClr val="tx1"/>
+                </a:solidFill>
+              </a:rPr>
+              <a:t>Env Vars</a:t>
+            </a:r>
+          </a:p>
+        </p:txBody>
+      </p:sp>
+      <p:cxnSp>
+        <p:nvCxnSpPr>
+          <p:cNvPr id="3" name="Straight Arrow Connector 2">
+            <a:extLst>
+              <a:ext uri="{FF2B5EF4-FFF2-40B4-BE49-F238E27FC236}">
+                <a16:creationId xmlns:a16="http://schemas.microsoft.com/office/drawing/2014/main" id="{BE249294-BBAE-8527-6913-1339648F23B6}"/>
+              </a:ext>
+            </a:extLst>
+          </p:cNvPr>
+          <p:cNvCxnSpPr>
+            <a:cxnSpLocks/>
+            <a:stCxn id="54" idx="3"/>
+          </p:cNvCxnSpPr>
+          <p:nvPr/>
+        </p:nvCxnSpPr>
+        <p:spPr>
+          <a:xfrm>
+            <a:off x="6565214" y="3556618"/>
+            <a:ext cx="233111" cy="0"/>
+          </a:xfrm>
+          <a:prstGeom prst="straightConnector1">
+            <a:avLst/>
+          </a:prstGeom>
+          <a:ln>
+            <a:solidFill>
+              <a:schemeClr val="tx1">
+                <a:lumMod val="50000"/>
+                <a:lumOff val="50000"/>
+              </a:schemeClr>
+            </a:solidFill>
+            <a:prstDash val="dash"/>
+            <a:headEnd type="triangle" w="sm" len="sm"/>
+            <a:tailEnd type="triangle" w="sm" len="sm"/>
+          </a:ln>
+        </p:spPr>
+        <p:style>
+          <a:lnRef idx="1">
+            <a:schemeClr val="accent1"/>
+          </a:lnRef>
+          <a:fillRef idx="0">
+            <a:schemeClr val="accent1"/>
+          </a:fillRef>
+          <a:effectRef idx="0">
+            <a:schemeClr val="accent1"/>
+          </a:effectRef>
+          <a:fontRef idx="minor">
+            <a:schemeClr val="tx1"/>
+          </a:fontRef>
+        </p:style>
+      </p:cxnSp>
+      <p:cxnSp>
+        <p:nvCxnSpPr>
+          <p:cNvPr id="7" name="Straight Arrow Connector 6">
+            <a:extLst>
+              <a:ext uri="{FF2B5EF4-FFF2-40B4-BE49-F238E27FC236}">
+                <a16:creationId xmlns:a16="http://schemas.microsoft.com/office/drawing/2014/main" id="{100FE2A4-B514-8678-9283-81A0C2C46FDF}"/>
+              </a:ext>
+            </a:extLst>
+          </p:cNvPr>
+          <p:cNvCxnSpPr>
+            <a:cxnSpLocks/>
+          </p:cNvCxnSpPr>
+          <p:nvPr/>
+        </p:nvCxnSpPr>
+        <p:spPr>
+          <a:xfrm>
+            <a:off x="7705194" y="3153846"/>
+            <a:ext cx="239786" cy="0"/>
+          </a:xfrm>
+          <a:prstGeom prst="straightConnector1">
+            <a:avLst/>
+          </a:prstGeom>
+          <a:ln>
+            <a:solidFill>
+              <a:schemeClr val="tx1">
+                <a:lumMod val="50000"/>
+                <a:lumOff val="50000"/>
+              </a:schemeClr>
+            </a:solidFill>
+            <a:prstDash val="dash"/>
+            <a:headEnd type="none" w="sm" len="sm"/>
+            <a:tailEnd type="triangle" w="sm" len="sm"/>
+          </a:ln>
+        </p:spPr>
+        <p:style>
+          <a:lnRef idx="1">
+            <a:schemeClr val="accent1"/>
+          </a:lnRef>
+          <a:fillRef idx="0">
+            <a:schemeClr val="accent1"/>
+          </a:fillRef>
+          <a:effectRef idx="0">
+            <a:schemeClr val="accent1"/>
+          </a:effectRef>
+          <a:fontRef idx="minor">
+            <a:schemeClr val="tx1"/>
+          </a:fontRef>
+        </p:style>
+      </p:cxnSp>
+      <p:cxnSp>
+        <p:nvCxnSpPr>
+          <p:cNvPr id="12" name="Straight Arrow Connector 11">
+            <a:extLst>
+              <a:ext uri="{FF2B5EF4-FFF2-40B4-BE49-F238E27FC236}">
+                <a16:creationId xmlns:a16="http://schemas.microsoft.com/office/drawing/2014/main" id="{C6691D94-D802-6201-4BB2-9193088F7150}"/>
+              </a:ext>
+            </a:extLst>
+          </p:cNvPr>
+          <p:cNvCxnSpPr>
+            <a:cxnSpLocks/>
+          </p:cNvCxnSpPr>
+          <p:nvPr/>
+        </p:nvCxnSpPr>
+        <p:spPr>
+          <a:xfrm>
+            <a:off x="7701949" y="3529983"/>
+            <a:ext cx="239786" cy="0"/>
+          </a:xfrm>
+          <a:prstGeom prst="straightConnector1">
+            <a:avLst/>
+          </a:prstGeom>
+          <a:ln>
+            <a:solidFill>
+              <a:schemeClr val="tx1">
+                <a:lumMod val="50000"/>
+                <a:lumOff val="50000"/>
+              </a:schemeClr>
+            </a:solidFill>
+            <a:prstDash val="dash"/>
+            <a:headEnd type="none" w="sm" len="sm"/>
+            <a:tailEnd type="triangle" w="sm" len="sm"/>
+          </a:ln>
+        </p:spPr>
+        <p:style>
+          <a:lnRef idx="1">
+            <a:schemeClr val="accent1"/>
+          </a:lnRef>
+          <a:fillRef idx="0">
+            <a:schemeClr val="accent1"/>
+          </a:fillRef>
+          <a:effectRef idx="0">
+            <a:schemeClr val="accent1"/>
+          </a:effectRef>
+          <a:fontRef idx="minor">
+            <a:schemeClr val="tx1"/>
+          </a:fontRef>
+        </p:style>
+      </p:cxnSp>
+    </p:spTree>
+    <p:extLst>
+      <p:ext uri="{BB962C8B-B14F-4D97-AF65-F5344CB8AC3E}">
+        <p14:creationId xmlns:p14="http://schemas.microsoft.com/office/powerpoint/2010/main" val="2629733936"/>
+      </p:ext>
+    </p:extLst>
+  </p:cSld>
+  <p:clrMapOvr>
+    <a:masterClrMapping/>
+  </p:clrMapOvr>
+</p:sld>
+</file>
+
+<file path=ppt/slides/slide2.xml><?xml version="1.0" encoding="utf-8"?>
+<p:sld xmlns:a="http://schemas.openxmlformats.org/drawingml/2006/main" xmlns:r="http://schemas.openxmlformats.org/officeDocument/2006/relationships" xmlns:p="http://schemas.openxmlformats.org/presentationml/2006/main">
+  <p:cSld>
+    <p:spTree>
+      <p:nvGrpSpPr>
+        <p:cNvPr id="1" name=""/>
+        <p:cNvGrpSpPr/>
+        <p:nvPr/>
+      </p:nvGrpSpPr>
+      <p:grpSpPr>
+        <a:xfrm>
+          <a:off x="0" y="0"/>
+          <a:ext cx="0" cy="0"/>
+          <a:chOff x="0" y="0"/>
+          <a:chExt cx="0" cy="0"/>
+        </a:xfrm>
+      </p:grpSpPr>
+      <p:graphicFrame>
+        <p:nvGraphicFramePr>
+          <p:cNvPr id="28" name="Table 28">
+            <a:extLst>
+              <a:ext uri="{FF2B5EF4-FFF2-40B4-BE49-F238E27FC236}">
+                <a16:creationId xmlns:a16="http://schemas.microsoft.com/office/drawing/2014/main" id="{022FCA07-C118-174D-A5FA-9EADE3DEED17}"/>
+              </a:ext>
+            </a:extLst>
+          </p:cNvPr>
+          <p:cNvGraphicFramePr>
+            <a:graphicFrameLocks noGrp="1"/>
+          </p:cNvGraphicFramePr>
+          <p:nvPr>
+            <p:extLst>
+              <p:ext uri="{D42A27DB-BD31-4B8C-83A1-F6EECF244321}">
+                <p14:modId xmlns:p14="http://schemas.microsoft.com/office/powerpoint/2010/main" val="274700251"/>
+              </p:ext>
+            </p:extLst>
+          </p:nvPr>
+        </p:nvGraphicFramePr>
+        <p:xfrm>
+          <a:off x="1643304" y="156025"/>
+          <a:ext cx="9547415" cy="5879341"/>
+        </p:xfrm>
+        <a:graphic>
+          <a:graphicData uri="http://schemas.openxmlformats.org/drawingml/2006/table">
+            <a:tbl>
+              <a:tblPr firstRow="1" bandRow="1">
+                <a:tableStyleId>{5C22544A-7EE6-4342-B048-85BDC9FD1C3A}</a:tableStyleId>
+              </a:tblPr>
+              <a:tblGrid>
+                <a:gridCol w="1909483">
+                  <a:extLst>
+                    <a:ext uri="{9D8B030D-6E8A-4147-A177-3AD203B41FA5}">
+                      <a16:colId xmlns:a16="http://schemas.microsoft.com/office/drawing/2014/main" val="4233905034"/>
+                    </a:ext>
+                  </a:extLst>
+                </a:gridCol>
+                <a:gridCol w="1909483">
+                  <a:extLst>
+                    <a:ext uri="{9D8B030D-6E8A-4147-A177-3AD203B41FA5}">
+                      <a16:colId xmlns:a16="http://schemas.microsoft.com/office/drawing/2014/main" val="466365736"/>
+                    </a:ext>
+                  </a:extLst>
+                </a:gridCol>
+                <a:gridCol w="1909483">
+                  <a:extLst>
+                    <a:ext uri="{9D8B030D-6E8A-4147-A177-3AD203B41FA5}">
+                      <a16:colId xmlns:a16="http://schemas.microsoft.com/office/drawing/2014/main" val="651253926"/>
+                    </a:ext>
+                  </a:extLst>
+                </a:gridCol>
+                <a:gridCol w="1909483">
+                  <a:extLst>
+                    <a:ext uri="{9D8B030D-6E8A-4147-A177-3AD203B41FA5}">
+                      <a16:colId xmlns:a16="http://schemas.microsoft.com/office/drawing/2014/main" val="582833771"/>
+                    </a:ext>
+                  </a:extLst>
+                </a:gridCol>
+                <a:gridCol w="1909483">
+                  <a:extLst>
+                    <a:ext uri="{9D8B030D-6E8A-4147-A177-3AD203B41FA5}">
+                      <a16:colId xmlns:a16="http://schemas.microsoft.com/office/drawing/2014/main" val="2606722960"/>
+                    </a:ext>
+                  </a:extLst>
+                </a:gridCol>
+              </a:tblGrid>
+              <a:tr h="308368">
+                <a:tc>
+                  <a:txBody>
+                    <a:bodyPr/>
+                    <a:lstStyle/>
+                    <a:p>
+                      <a:pPr algn="ctr"/>
+                      <a:r>
+                        <a:rPr lang="en-US" sz="1200" dirty="0">
+                          <a:solidFill>
+                            <a:schemeClr val="tx1"/>
+                          </a:solidFill>
+                        </a:rPr>
+                        <a:t>NIGNX Proxy</a:t>
+                      </a:r>
+                    </a:p>
+                    <a:p>
+                      <a:pPr algn="ctr"/>
+                      <a:r>
+                        <a:rPr lang="en-US" sz="1100" dirty="0">
+                          <a:solidFill>
+                            <a:schemeClr val="tx1">
+                              <a:lumMod val="50000"/>
+                              <a:lumOff val="50000"/>
+                            </a:schemeClr>
+                          </a:solidFill>
+                        </a:rPr>
+                        <a:t>(nginx.conf, Cache)</a:t>
+                      </a:r>
+                    </a:p>
+                  </a:txBody>
+                  <a:tcPr>
+                    <a:lnL w="28575" cap="flat" cmpd="sng" algn="ctr">
+                      <a:solidFill>
+                        <a:schemeClr val="accent6"/>
+                      </a:solidFill>
+                      <a:prstDash val="solid"/>
+                      <a:round/>
+                      <a:headEnd type="none" w="med" len="med"/>
+                      <a:tailEnd type="none" w="med" len="med"/>
+                    </a:lnL>
+                    <a:lnR w="3175" cap="flat" cmpd="sng" algn="ctr">
+                      <a:solidFill>
+                        <a:schemeClr val="tx1">
+                          <a:lumMod val="50000"/>
+                          <a:lumOff val="50000"/>
+                        </a:schemeClr>
+                      </a:solidFill>
+                      <a:prstDash val="solid"/>
+                      <a:round/>
+                      <a:headEnd type="none" w="med" len="med"/>
+                      <a:tailEnd type="none" w="med" len="med"/>
+                    </a:lnR>
+                    <a:lnT w="28575" cap="flat" cmpd="sng" algn="ctr">
+                      <a:solidFill>
+                        <a:schemeClr val="accent6"/>
+                      </a:solidFill>
+                      <a:prstDash val="solid"/>
+                      <a:round/>
+                      <a:headEnd type="none" w="med" len="med"/>
+                      <a:tailEnd type="none" w="med" len="med"/>
+                    </a:lnT>
+                    <a:lnB w="3175" cap="flat" cmpd="sng" algn="ctr">
+                      <a:solidFill>
+                        <a:schemeClr val="tx1">
+                          <a:lumMod val="50000"/>
+                          <a:lumOff val="50000"/>
+                        </a:schemeClr>
+                      </a:solidFill>
+                      <a:prstDash val="solid"/>
+                      <a:round/>
+                      <a:headEnd type="none" w="med" len="med"/>
+                      <a:tailEnd type="none" w="med" len="med"/>
+                    </a:lnB>
+                    <a:solidFill>
+                      <a:schemeClr val="bg1">
+                        <a:lumMod val="95000"/>
+                      </a:schemeClr>
+                    </a:solidFill>
+                  </a:tcPr>
+                </a:tc>
+                <a:tc>
+                  <a:txBody>
+                    <a:bodyPr/>
+                    <a:lstStyle/>
+                    <a:p>
+                      <a:pPr algn="ctr"/>
+                      <a:r>
+                        <a:rPr lang="en-US" sz="1200" dirty="0">
+                          <a:solidFill>
+                            <a:schemeClr val="tx1"/>
+                          </a:solidFill>
+                        </a:rPr>
+                        <a:t>AWS Service Integration</a:t>
+                      </a:r>
+                    </a:p>
+                    <a:p>
+                      <a:pPr algn="ctr"/>
+                      <a:r>
+                        <a:rPr lang="en-US" sz="1100" dirty="0">
+                          <a:solidFill>
+                            <a:schemeClr val="tx1">
+                              <a:lumMod val="50000"/>
+                              <a:lumOff val="50000"/>
+                            </a:schemeClr>
+                          </a:solidFill>
+                        </a:rPr>
+                        <a:t>(e.g., s3/lambda-gateways.js)</a:t>
+                      </a:r>
+                    </a:p>
+                  </a:txBody>
+                  <a:tcPr>
+                    <a:lnL w="3175" cap="flat" cmpd="sng" algn="ctr">
+                      <a:solidFill>
+                        <a:schemeClr val="tx1">
+                          <a:lumMod val="50000"/>
+                          <a:lumOff val="50000"/>
+                        </a:schemeClr>
+                      </a:solidFill>
+                      <a:prstDash val="solid"/>
+                      <a:round/>
+                      <a:headEnd type="none" w="med" len="med"/>
+                      <a:tailEnd type="none" w="med" len="med"/>
+                    </a:lnL>
+                    <a:lnR w="3175" cap="flat" cmpd="sng" algn="ctr">
+                      <a:solidFill>
+                        <a:schemeClr val="tx1">
+                          <a:lumMod val="50000"/>
+                          <a:lumOff val="50000"/>
+                        </a:schemeClr>
+                      </a:solidFill>
+                      <a:prstDash val="solid"/>
+                      <a:round/>
+                      <a:headEnd type="none" w="med" len="med"/>
+                      <a:tailEnd type="none" w="med" len="med"/>
+                    </a:lnR>
+                    <a:lnT w="28575" cap="flat" cmpd="sng" algn="ctr">
+                      <a:solidFill>
+                        <a:schemeClr val="accent6"/>
+                      </a:solidFill>
+                      <a:prstDash val="solid"/>
+                      <a:round/>
+                      <a:headEnd type="none" w="med" len="med"/>
+                      <a:tailEnd type="none" w="med" len="med"/>
+                    </a:lnT>
+                    <a:lnB w="3175" cap="flat" cmpd="sng" algn="ctr">
+                      <a:solidFill>
+                        <a:schemeClr val="tx1">
+                          <a:lumMod val="50000"/>
+                          <a:lumOff val="50000"/>
+                        </a:schemeClr>
+                      </a:solidFill>
+                      <a:prstDash val="solid"/>
+                      <a:round/>
+                      <a:headEnd type="none" w="med" len="med"/>
+                      <a:tailEnd type="none" w="med" len="med"/>
+                    </a:lnB>
+                    <a:solidFill>
+                      <a:schemeClr val="bg1">
+                        <a:lumMod val="95000"/>
+                      </a:schemeClr>
+                    </a:solidFill>
+                  </a:tcPr>
+                </a:tc>
+                <a:tc>
+                  <a:txBody>
+                    <a:bodyPr/>
+                    <a:lstStyle/>
+                    <a:p>
+                      <a:pPr algn="ctr"/>
+                      <a:r>
+                        <a:rPr lang="en-US" sz="1200" dirty="0">
+                          <a:solidFill>
+                            <a:schemeClr val="tx1"/>
+                          </a:solidFill>
+                        </a:rPr>
+                        <a:t>AWS Credentials Lib</a:t>
+                      </a:r>
+                    </a:p>
+                    <a:p>
+                      <a:pPr algn="ctr"/>
+                      <a:r>
+                        <a:rPr lang="en-US" sz="1100" dirty="0">
+                          <a:solidFill>
+                            <a:schemeClr val="tx1">
+                              <a:lumMod val="50000"/>
+                              <a:lumOff val="50000"/>
+                            </a:schemeClr>
+                          </a:solidFill>
+                        </a:rPr>
+                        <a:t>(awscredentials.js)</a:t>
+                      </a:r>
+                    </a:p>
+                  </a:txBody>
+                  <a:tcPr>
+                    <a:lnL w="3175" cap="flat" cmpd="sng" algn="ctr">
+                      <a:solidFill>
+                        <a:schemeClr val="tx1">
+                          <a:lumMod val="50000"/>
+                          <a:lumOff val="50000"/>
+                        </a:schemeClr>
+                      </a:solidFill>
+                      <a:prstDash val="solid"/>
+                      <a:round/>
+                      <a:headEnd type="none" w="med" len="med"/>
+                      <a:tailEnd type="none" w="med" len="med"/>
+                    </a:lnL>
+                    <a:lnR w="3175" cap="flat" cmpd="sng" algn="ctr">
+                      <a:solidFill>
+                        <a:schemeClr val="tx1">
+                          <a:lumMod val="50000"/>
+                          <a:lumOff val="50000"/>
+                        </a:schemeClr>
+                      </a:solidFill>
+                      <a:prstDash val="solid"/>
+                      <a:round/>
+                      <a:headEnd type="none" w="med" len="med"/>
+                      <a:tailEnd type="none" w="med" len="med"/>
+                    </a:lnR>
+                    <a:lnT w="28575" cap="flat" cmpd="sng" algn="ctr">
+                      <a:solidFill>
+                        <a:schemeClr val="accent6"/>
+                      </a:solidFill>
+                      <a:prstDash val="solid"/>
+                      <a:round/>
+                      <a:headEnd type="none" w="med" len="med"/>
+                      <a:tailEnd type="none" w="med" len="med"/>
+                    </a:lnT>
+                    <a:lnB w="3175" cap="flat" cmpd="sng" algn="ctr">
+                      <a:solidFill>
+                        <a:schemeClr val="tx1">
+                          <a:lumMod val="50000"/>
+                          <a:lumOff val="50000"/>
+                        </a:schemeClr>
+                      </a:solidFill>
+                      <a:prstDash val="solid"/>
+                      <a:round/>
+                      <a:headEnd type="none" w="med" len="med"/>
+                      <a:tailEnd type="none" w="med" len="med"/>
+                    </a:lnB>
+                    <a:solidFill>
+                      <a:schemeClr val="bg1">
+                        <a:lumMod val="95000"/>
+                      </a:schemeClr>
+                    </a:solidFill>
+                  </a:tcPr>
+                </a:tc>
+                <a:tc>
+                  <a:txBody>
+                    <a:bodyPr/>
+                    <a:lstStyle/>
+                    <a:p>
+                      <a:pPr algn="ctr"/>
+                      <a:r>
+                        <a:rPr lang="en-US" sz="1200" dirty="0">
+                          <a:solidFill>
+                            <a:schemeClr val="tx1"/>
+                          </a:solidFill>
+                        </a:rPr>
+                        <a:t>AWS Signature Lib per Ver.</a:t>
+                      </a:r>
+                    </a:p>
+                    <a:p>
+                      <a:pPr algn="ctr"/>
+                      <a:r>
+                        <a:rPr lang="en-US" sz="1100" dirty="0">
+                          <a:solidFill>
+                            <a:schemeClr val="tx1">
+                              <a:lumMod val="50000"/>
+                              <a:lumOff val="50000"/>
+                            </a:schemeClr>
+                          </a:solidFill>
+                        </a:rPr>
+                        <a:t>(e.g., awssig-v4a/v4/v2/.js)</a:t>
+                      </a:r>
+                    </a:p>
+                  </a:txBody>
+                  <a:tcPr>
+                    <a:lnL w="3175" cap="flat" cmpd="sng" algn="ctr">
+                      <a:solidFill>
+                        <a:schemeClr val="tx1">
+                          <a:lumMod val="50000"/>
+                          <a:lumOff val="50000"/>
+                        </a:schemeClr>
+                      </a:solidFill>
+                      <a:prstDash val="solid"/>
+                      <a:round/>
+                      <a:headEnd type="none" w="med" len="med"/>
+                      <a:tailEnd type="none" w="med" len="med"/>
+                    </a:lnL>
+                    <a:lnR w="3175" cap="flat" cmpd="sng" algn="ctr">
+                      <a:solidFill>
+                        <a:schemeClr val="tx1">
+                          <a:lumMod val="50000"/>
+                          <a:lumOff val="50000"/>
+                        </a:schemeClr>
+                      </a:solidFill>
+                      <a:prstDash val="solid"/>
+                      <a:round/>
+                      <a:headEnd type="none" w="med" len="med"/>
+                      <a:tailEnd type="none" w="med" len="med"/>
+                    </a:lnR>
+                    <a:lnT w="28575" cap="flat" cmpd="sng" algn="ctr">
+                      <a:solidFill>
+                        <a:schemeClr val="accent6"/>
+                      </a:solidFill>
+                      <a:prstDash val="solid"/>
+                      <a:round/>
+                      <a:headEnd type="none" w="med" len="med"/>
+                      <a:tailEnd type="none" w="med" len="med"/>
+                    </a:lnT>
+                    <a:lnB w="3175" cap="flat" cmpd="sng" algn="ctr">
+                      <a:solidFill>
+                        <a:schemeClr val="tx1">
+                          <a:lumMod val="50000"/>
+                          <a:lumOff val="50000"/>
+                        </a:schemeClr>
+                      </a:solidFill>
+                      <a:prstDash val="solid"/>
+                      <a:round/>
+                      <a:headEnd type="none" w="med" len="med"/>
+                      <a:tailEnd type="none" w="med" len="med"/>
+                    </a:lnB>
+                    <a:solidFill>
+                      <a:schemeClr val="bg1">
+                        <a:lumMod val="95000"/>
+                      </a:schemeClr>
+                    </a:solidFill>
+                  </a:tcPr>
+                </a:tc>
+                <a:tc>
+                  <a:txBody>
+                    <a:bodyPr/>
+                    <a:lstStyle/>
+                    <a:p>
+                      <a:pPr algn="ctr"/>
+                      <a:r>
+                        <a:rPr lang="en-US" sz="1200" dirty="0">
+                          <a:solidFill>
+                            <a:schemeClr val="tx1"/>
+                          </a:solidFill>
+                        </a:rPr>
+                        <a:t>General Lib</a:t>
+                      </a:r>
+                    </a:p>
+                    <a:p>
+                      <a:pPr algn="ctr"/>
+                      <a:r>
+                        <a:rPr lang="en-US" sz="1100" dirty="0">
+                          <a:solidFill>
+                            <a:schemeClr val="tx1">
+                              <a:lumMod val="50000"/>
+                              <a:lumOff val="50000"/>
+                            </a:schemeClr>
+                          </a:solidFill>
+                        </a:rPr>
+                        <a:t>(utils.js)</a:t>
+                      </a:r>
+                    </a:p>
+                  </a:txBody>
+                  <a:tcPr>
+                    <a:lnL w="3175" cap="flat" cmpd="sng" algn="ctr">
+                      <a:solidFill>
+                        <a:schemeClr val="tx1">
+                          <a:lumMod val="50000"/>
+                          <a:lumOff val="50000"/>
+                        </a:schemeClr>
+                      </a:solidFill>
+                      <a:prstDash val="solid"/>
+                      <a:round/>
+                      <a:headEnd type="none" w="med" len="med"/>
+                      <a:tailEnd type="none" w="med" len="med"/>
+                    </a:lnL>
+                    <a:lnR w="28575" cap="flat" cmpd="sng" algn="ctr">
+                      <a:solidFill>
+                        <a:schemeClr val="accent6"/>
+                      </a:solidFill>
+                      <a:prstDash val="solid"/>
+                      <a:round/>
+                      <a:headEnd type="none" w="med" len="med"/>
+                      <a:tailEnd type="none" w="med" len="med"/>
+                    </a:lnR>
+                    <a:lnT w="28575" cap="flat" cmpd="sng" algn="ctr">
+                      <a:solidFill>
+                        <a:schemeClr val="accent6"/>
+                      </a:solidFill>
+                      <a:prstDash val="solid"/>
+                      <a:round/>
+                      <a:headEnd type="none" w="med" len="med"/>
+                      <a:tailEnd type="none" w="med" len="med"/>
+                    </a:lnT>
+                    <a:lnB w="3175" cap="flat" cmpd="sng" algn="ctr">
+                      <a:solidFill>
+                        <a:schemeClr val="tx1">
+                          <a:lumMod val="50000"/>
+                          <a:lumOff val="50000"/>
+                        </a:schemeClr>
+                      </a:solidFill>
+                      <a:prstDash val="solid"/>
+                      <a:round/>
+                      <a:headEnd type="none" w="med" len="med"/>
+                      <a:tailEnd type="none" w="med" len="med"/>
+                    </a:lnB>
+                    <a:solidFill>
+                      <a:schemeClr val="bg1">
+                        <a:lumMod val="95000"/>
+                      </a:schemeClr>
+                    </a:solidFill>
+                  </a:tcPr>
+                </a:tc>
+                <a:extLst>
+                  <a:ext uri="{0D108BD9-81ED-4DB2-BD59-A6C34878D82A}">
+                    <a16:rowId xmlns:a16="http://schemas.microsoft.com/office/drawing/2014/main" val="3317296117"/>
+                  </a:ext>
+                </a:extLst>
+              </a:tr>
+              <a:tr h="5437381">
+                <a:tc>
+                  <a:txBody>
+                    <a:bodyPr/>
+                    <a:lstStyle/>
+                    <a:p>
+                      <a:endParaRPr lang="en-US" sz="1200" dirty="0">
+                        <a:solidFill>
+                          <a:schemeClr val="tx1"/>
+                        </a:solidFill>
+                      </a:endParaRPr>
+                    </a:p>
+                  </a:txBody>
+                  <a:tcPr>
+                    <a:lnL w="28575" cap="flat" cmpd="sng" algn="ctr">
+                      <a:solidFill>
+                        <a:schemeClr val="accent6"/>
+                      </a:solidFill>
+                      <a:prstDash val="solid"/>
+                      <a:round/>
+                      <a:headEnd type="none" w="med" len="med"/>
+                      <a:tailEnd type="none" w="med" len="med"/>
+                    </a:lnL>
+                    <a:lnR w="3175" cap="flat" cmpd="sng" algn="ctr">
+                      <a:solidFill>
+                        <a:schemeClr val="tx1">
+                          <a:lumMod val="50000"/>
+                          <a:lumOff val="50000"/>
+                        </a:schemeClr>
+                      </a:solidFill>
+                      <a:prstDash val="solid"/>
+                      <a:round/>
+                      <a:headEnd type="none" w="med" len="med"/>
+                      <a:tailEnd type="none" w="med" len="med"/>
+                    </a:lnR>
+                    <a:lnT w="3175" cap="flat" cmpd="sng" algn="ctr">
+                      <a:solidFill>
+                        <a:schemeClr val="tx1">
+                          <a:lumMod val="50000"/>
+                          <a:lumOff val="50000"/>
+                        </a:schemeClr>
+                      </a:solidFill>
+                      <a:prstDash val="solid"/>
+                      <a:round/>
+                      <a:headEnd type="none" w="med" len="med"/>
+                      <a:tailEnd type="none" w="med" len="med"/>
+                    </a:lnT>
+                    <a:lnB w="28575" cap="flat" cmpd="sng" algn="ctr">
+                      <a:solidFill>
+                        <a:schemeClr val="accent6"/>
+                      </a:solidFill>
+                      <a:prstDash val="solid"/>
+                      <a:round/>
+                      <a:headEnd type="none" w="med" len="med"/>
+                      <a:tailEnd type="none" w="med" len="med"/>
+                    </a:lnB>
+                    <a:noFill/>
+                  </a:tcPr>
+                </a:tc>
+                <a:tc>
+                  <a:txBody>
+                    <a:bodyPr/>
+                    <a:lstStyle/>
+                    <a:p>
+                      <a:endParaRPr lang="en-US" sz="1200" dirty="0">
+                        <a:solidFill>
+                          <a:schemeClr val="tx1"/>
+                        </a:solidFill>
+                      </a:endParaRPr>
+                    </a:p>
+                  </a:txBody>
+                  <a:tcPr>
+                    <a:lnL w="3175" cap="flat" cmpd="sng" algn="ctr">
+                      <a:solidFill>
+                        <a:schemeClr val="tx1">
+                          <a:lumMod val="50000"/>
+                          <a:lumOff val="50000"/>
+                        </a:schemeClr>
+                      </a:solidFill>
+                      <a:prstDash val="solid"/>
+                      <a:round/>
+                      <a:headEnd type="none" w="med" len="med"/>
+                      <a:tailEnd type="none" w="med" len="med"/>
+                    </a:lnL>
+                    <a:lnR w="3175" cap="flat" cmpd="sng" algn="ctr">
+                      <a:solidFill>
+                        <a:schemeClr val="tx1">
+                          <a:lumMod val="50000"/>
+                          <a:lumOff val="50000"/>
+                        </a:schemeClr>
+                      </a:solidFill>
+                      <a:prstDash val="solid"/>
+                      <a:round/>
+                      <a:headEnd type="none" w="med" len="med"/>
+                      <a:tailEnd type="none" w="med" len="med"/>
+                    </a:lnR>
+                    <a:lnT w="3175" cap="flat" cmpd="sng" algn="ctr">
+                      <a:solidFill>
+                        <a:schemeClr val="tx1">
+                          <a:lumMod val="50000"/>
+                          <a:lumOff val="50000"/>
+                        </a:schemeClr>
+                      </a:solidFill>
+                      <a:prstDash val="solid"/>
+                      <a:round/>
+                      <a:headEnd type="none" w="med" len="med"/>
+                      <a:tailEnd type="none" w="med" len="med"/>
+                    </a:lnT>
+                    <a:lnB w="28575" cap="flat" cmpd="sng" algn="ctr">
+                      <a:solidFill>
+                        <a:schemeClr val="accent6"/>
+                      </a:solidFill>
+                      <a:prstDash val="solid"/>
+                      <a:round/>
+                      <a:headEnd type="none" w="med" len="med"/>
+                      <a:tailEnd type="none" w="med" len="med"/>
+                    </a:lnB>
+                    <a:noFill/>
+                  </a:tcPr>
+                </a:tc>
+                <a:tc>
+                  <a:txBody>
+                    <a:bodyPr/>
+                    <a:lstStyle/>
+                    <a:p>
+                      <a:endParaRPr lang="en-US" sz="1200">
+                        <a:solidFill>
+                          <a:schemeClr val="tx1"/>
+                        </a:solidFill>
+                      </a:endParaRPr>
+                    </a:p>
+                  </a:txBody>
+                  <a:tcPr>
+                    <a:lnL w="3175" cap="flat" cmpd="sng" algn="ctr">
+                      <a:solidFill>
+                        <a:schemeClr val="tx1">
+                          <a:lumMod val="50000"/>
+                          <a:lumOff val="50000"/>
+                        </a:schemeClr>
+                      </a:solidFill>
+                      <a:prstDash val="solid"/>
+                      <a:round/>
+                      <a:headEnd type="none" w="med" len="med"/>
+                      <a:tailEnd type="none" w="med" len="med"/>
+                    </a:lnL>
+                    <a:lnR w="3175" cap="flat" cmpd="sng" algn="ctr">
+                      <a:solidFill>
+                        <a:schemeClr val="tx1">
+                          <a:lumMod val="50000"/>
+                          <a:lumOff val="50000"/>
+                        </a:schemeClr>
+                      </a:solidFill>
+                      <a:prstDash val="solid"/>
+                      <a:round/>
+                      <a:headEnd type="none" w="med" len="med"/>
+                      <a:tailEnd type="none" w="med" len="med"/>
+                    </a:lnR>
+                    <a:lnT w="3175" cap="flat" cmpd="sng" algn="ctr">
+                      <a:solidFill>
+                        <a:schemeClr val="tx1">
+                          <a:lumMod val="50000"/>
+                          <a:lumOff val="50000"/>
+                        </a:schemeClr>
+                      </a:solidFill>
+                      <a:prstDash val="solid"/>
+                      <a:round/>
+                      <a:headEnd type="none" w="med" len="med"/>
+                      <a:tailEnd type="none" w="med" len="med"/>
+                    </a:lnT>
+                    <a:lnB w="28575" cap="flat" cmpd="sng" algn="ctr">
+                      <a:solidFill>
+                        <a:schemeClr val="accent6"/>
+                      </a:solidFill>
+                      <a:prstDash val="solid"/>
+                      <a:round/>
+                      <a:headEnd type="none" w="med" len="med"/>
+                      <a:tailEnd type="none" w="med" len="med"/>
+                    </a:lnB>
+                    <a:noFill/>
+                  </a:tcPr>
+                </a:tc>
+                <a:tc>
+                  <a:txBody>
+                    <a:bodyPr/>
+                    <a:lstStyle/>
+                    <a:p>
+                      <a:endParaRPr lang="en-US" sz="1200" dirty="0">
+                        <a:solidFill>
+                          <a:schemeClr val="tx1"/>
+                        </a:solidFill>
+                      </a:endParaRPr>
+                    </a:p>
+                  </a:txBody>
+                  <a:tcPr>
+                    <a:lnL w="3175" cap="flat" cmpd="sng" algn="ctr">
+                      <a:solidFill>
+                        <a:schemeClr val="tx1">
+                          <a:lumMod val="50000"/>
+                          <a:lumOff val="50000"/>
+                        </a:schemeClr>
+                      </a:solidFill>
+                      <a:prstDash val="solid"/>
+                      <a:round/>
+                      <a:headEnd type="none" w="med" len="med"/>
+                      <a:tailEnd type="none" w="med" len="med"/>
+                    </a:lnL>
+                    <a:lnR w="3175" cap="flat" cmpd="sng" algn="ctr">
+                      <a:solidFill>
+                        <a:schemeClr val="tx1">
+                          <a:lumMod val="50000"/>
+                          <a:lumOff val="50000"/>
+                        </a:schemeClr>
+                      </a:solidFill>
+                      <a:prstDash val="solid"/>
+                      <a:round/>
+                      <a:headEnd type="none" w="med" len="med"/>
+                      <a:tailEnd type="none" w="med" len="med"/>
+                    </a:lnR>
+                    <a:lnT w="3175" cap="flat" cmpd="sng" algn="ctr">
+                      <a:solidFill>
+                        <a:schemeClr val="tx1">
+                          <a:lumMod val="50000"/>
+                          <a:lumOff val="50000"/>
+                        </a:schemeClr>
+                      </a:solidFill>
+                      <a:prstDash val="solid"/>
+                      <a:round/>
+                      <a:headEnd type="none" w="med" len="med"/>
+                      <a:tailEnd type="none" w="med" len="med"/>
+                    </a:lnT>
+                    <a:lnB w="28575" cap="flat" cmpd="sng" algn="ctr">
+                      <a:solidFill>
+                        <a:schemeClr val="accent6"/>
+                      </a:solidFill>
+                      <a:prstDash val="solid"/>
+                      <a:round/>
+                      <a:headEnd type="none" w="med" len="med"/>
+                      <a:tailEnd type="none" w="med" len="med"/>
+                    </a:lnB>
+                    <a:noFill/>
+                  </a:tcPr>
+                </a:tc>
+                <a:tc>
+                  <a:txBody>
+                    <a:bodyPr/>
+                    <a:lstStyle/>
+                    <a:p>
+                      <a:endParaRPr lang="en-US" sz="1200" dirty="0">
+                        <a:solidFill>
+                          <a:schemeClr val="tx1"/>
+                        </a:solidFill>
+                      </a:endParaRPr>
+                    </a:p>
+                  </a:txBody>
+                  <a:tcPr>
+                    <a:lnL w="3175" cap="flat" cmpd="sng" algn="ctr">
+                      <a:solidFill>
+                        <a:schemeClr val="tx1">
+                          <a:lumMod val="50000"/>
+                          <a:lumOff val="50000"/>
+                        </a:schemeClr>
+                      </a:solidFill>
+                      <a:prstDash val="solid"/>
+                      <a:round/>
+                      <a:headEnd type="none" w="med" len="med"/>
+                      <a:tailEnd type="none" w="med" len="med"/>
+                    </a:lnL>
+                    <a:lnR w="28575" cap="flat" cmpd="sng" algn="ctr">
+                      <a:solidFill>
+                        <a:schemeClr val="accent6"/>
+                      </a:solidFill>
+                      <a:prstDash val="solid"/>
+                      <a:round/>
+                      <a:headEnd type="none" w="med" len="med"/>
+                      <a:tailEnd type="none" w="med" len="med"/>
+                    </a:lnR>
+                    <a:lnT w="3175" cap="flat" cmpd="sng" algn="ctr">
+                      <a:solidFill>
+                        <a:schemeClr val="tx1">
+                          <a:lumMod val="50000"/>
+                          <a:lumOff val="50000"/>
+                        </a:schemeClr>
+                      </a:solidFill>
+                      <a:prstDash val="solid"/>
+                      <a:round/>
+                      <a:headEnd type="none" w="med" len="med"/>
+                      <a:tailEnd type="none" w="med" len="med"/>
+                    </a:lnT>
+                    <a:lnB w="28575" cap="flat" cmpd="sng" algn="ctr">
+                      <a:solidFill>
+                        <a:schemeClr val="accent6"/>
+                      </a:solidFill>
+                      <a:prstDash val="solid"/>
+                      <a:round/>
+                      <a:headEnd type="none" w="med" len="med"/>
+                      <a:tailEnd type="none" w="med" len="med"/>
+                    </a:lnB>
+                    <a:noFill/>
+                  </a:tcPr>
+                </a:tc>
+                <a:extLst>
+                  <a:ext uri="{0D108BD9-81ED-4DB2-BD59-A6C34878D82A}">
+                    <a16:rowId xmlns:a16="http://schemas.microsoft.com/office/drawing/2014/main" val="1166572198"/>
+                  </a:ext>
+                </a:extLst>
+              </a:tr>
+            </a:tbl>
+          </a:graphicData>
+        </a:graphic>
+      </p:graphicFrame>
+      <p:sp>
+        <p:nvSpPr>
+          <p:cNvPr id="2" name="직사각형 363">
+            <a:extLst>
+              <a:ext uri="{FF2B5EF4-FFF2-40B4-BE49-F238E27FC236}">
+                <a16:creationId xmlns:a16="http://schemas.microsoft.com/office/drawing/2014/main" id="{4AF70573-37F5-0E4D-DA27-E061D8DE73CA}"/>
+              </a:ext>
+            </a:extLst>
+          </p:cNvPr>
+          <p:cNvSpPr/>
+          <p:nvPr/>
+        </p:nvSpPr>
+        <p:spPr>
+          <a:xfrm>
+            <a:off x="1759538" y="774511"/>
+            <a:ext cx="1684708" cy="359218"/>
+          </a:xfrm>
+          <a:prstGeom prst="rect">
+            <a:avLst/>
+          </a:prstGeom>
+          <a:solidFill>
+            <a:schemeClr val="accent6">
+              <a:lumMod val="20000"/>
+              <a:lumOff val="80000"/>
+            </a:schemeClr>
+          </a:solidFill>
+          <a:ln w="3175" cap="flat" cmpd="sng" algn="ctr">
+            <a:noFill/>
+            <a:prstDash val="solid"/>
+            <a:miter lim="800000"/>
+          </a:ln>
+          <a:effectLst/>
+        </p:spPr>
+        <p:txBody>
+          <a:bodyPr lIns="0" rIns="0" rtlCol="0" anchor="ctr"/>
+          <a:lstStyle/>
+          <a:p>
+            <a:pPr marL="0" marR="0" lvl="0" indent="0" algn="ctr" defTabSz="914400" eaLnBrk="1" fontAlgn="auto" latinLnBrk="0" hangingPunct="1">
+              <a:spcBef>
+                <a:spcPts val="0"/>
+              </a:spcBef>
+              <a:spcAft>
+                <a:spcPts val="0"/>
+              </a:spcAft>
+              <a:buClrTx/>
+              <a:buSzTx/>
+              <a:buFontTx/>
+              <a:buNone/>
+              <a:tabLst/>
+              <a:defRPr/>
+            </a:pPr>
+            <a:r>
+              <a:rPr kumimoji="0" lang="en-US" altLang="ko-KR" sz="1200" b="0" i="0" u="none" strike="noStrike" kern="0" cap="none" spc="0" normalizeH="0" baseline="0" noProof="0" dirty="0">
+                <a:ln>
+                  <a:noFill/>
+                </a:ln>
+                <a:solidFill>
+                  <a:prstClr val="black"/>
+                </a:solidFill>
+                <a:effectLst/>
+                <a:uLnTx/>
+                <a:uFillTx/>
+                <a:latin typeface="Calibri" panose="020F0502020204030204" pitchFamily="34" charset="0"/>
+                <a:ea typeface="맑은 고딕"/>
+              </a:rPr>
+              <a:t>Auth </a:t>
+            </a:r>
+            <a:r>
+              <a:rPr lang="en-US" altLang="ko-KR" sz="1200" kern="0" dirty="0">
+                <a:solidFill>
+                  <a:prstClr val="black"/>
+                </a:solidFill>
+                <a:latin typeface="Calibri" panose="020F0502020204030204" pitchFamily="34" charset="0"/>
+                <a:ea typeface="맑은 고딕"/>
+              </a:rPr>
+              <a:t>Request</a:t>
+            </a:r>
+            <a:endParaRPr kumimoji="0" lang="ko-KR" altLang="en-US" sz="1200" b="0" i="0" u="none" strike="noStrike" kern="0" cap="none" spc="0" normalizeH="0" baseline="0" noProof="0" dirty="0">
+              <a:ln>
+                <a:noFill/>
+              </a:ln>
+              <a:solidFill>
+                <a:schemeClr val="tx1">
+                  <a:lumMod val="50000"/>
+                  <a:lumOff val="50000"/>
+                </a:schemeClr>
+              </a:solidFill>
+              <a:effectLst/>
+              <a:uLnTx/>
+              <a:uFillTx/>
+              <a:latin typeface="Calibri" panose="020F0502020204030204" pitchFamily="34" charset="0"/>
+              <a:ea typeface="맑은 고딕"/>
+            </a:endParaRPr>
+          </a:p>
+        </p:txBody>
+      </p:sp>
+      <p:sp>
+        <p:nvSpPr>
+          <p:cNvPr id="3" name="직사각형 363">
+            <a:extLst>
+              <a:ext uri="{FF2B5EF4-FFF2-40B4-BE49-F238E27FC236}">
+                <a16:creationId xmlns:a16="http://schemas.microsoft.com/office/drawing/2014/main" id="{6895FC14-6F16-4968-F3F2-640AE6ABFB8B}"/>
+              </a:ext>
+            </a:extLst>
+          </p:cNvPr>
+          <p:cNvSpPr/>
+          <p:nvPr/>
+        </p:nvSpPr>
+        <p:spPr>
+          <a:xfrm>
+            <a:off x="5629008" y="774511"/>
+            <a:ext cx="1567035" cy="359218"/>
+          </a:xfrm>
+          <a:prstGeom prst="rect">
+            <a:avLst/>
+          </a:prstGeom>
+          <a:solidFill>
+            <a:schemeClr val="accent6">
+              <a:lumMod val="20000"/>
+              <a:lumOff val="80000"/>
+            </a:schemeClr>
+          </a:solidFill>
+          <a:ln w="3175" cap="flat" cmpd="sng" algn="ctr">
+            <a:noFill/>
+            <a:prstDash val="solid"/>
+            <a:miter lim="800000"/>
+          </a:ln>
+          <a:effectLst/>
+        </p:spPr>
+        <p:txBody>
+          <a:bodyPr lIns="0" rIns="0" rtlCol="0" anchor="ctr"/>
+          <a:lstStyle/>
+          <a:p>
+            <a:pPr marL="0" marR="0" lvl="0" indent="0" algn="ctr" defTabSz="914400" eaLnBrk="1" fontAlgn="auto" latinLnBrk="0" hangingPunct="1">
+              <a:spcBef>
+                <a:spcPts val="0"/>
+              </a:spcBef>
+              <a:spcAft>
+                <a:spcPts val="0"/>
+              </a:spcAft>
+              <a:buClrTx/>
+              <a:buSzTx/>
+              <a:buFontTx/>
+              <a:buNone/>
+              <a:tabLst/>
+              <a:defRPr/>
+            </a:pPr>
+            <a:r>
+              <a:rPr kumimoji="0" lang="en-US" altLang="ko-KR" sz="1200" b="0" i="0" u="none" strike="noStrike" kern="0" cap="none" spc="0" normalizeH="0" baseline="0" noProof="0" dirty="0">
+                <a:ln>
+                  <a:noFill/>
+                </a:ln>
+                <a:solidFill>
+                  <a:prstClr val="black"/>
+                </a:solidFill>
+                <a:effectLst/>
+                <a:uLnTx/>
+                <a:uFillTx/>
+                <a:latin typeface="Calibri" panose="020F0502020204030204" pitchFamily="34" charset="0"/>
+                <a:ea typeface="맑은 고딕"/>
+              </a:rPr>
+              <a:t>Fetch Credentials</a:t>
+            </a:r>
+            <a:endParaRPr kumimoji="0" lang="ko-KR" altLang="en-US" sz="1200" b="0" i="0" u="none" strike="noStrike" kern="0" cap="none" spc="0" normalizeH="0" baseline="0" noProof="0" dirty="0">
+              <a:ln>
+                <a:noFill/>
+              </a:ln>
+              <a:solidFill>
+                <a:schemeClr val="tx1">
+                  <a:lumMod val="50000"/>
+                  <a:lumOff val="50000"/>
+                </a:schemeClr>
+              </a:solidFill>
+              <a:effectLst/>
+              <a:uLnTx/>
+              <a:uFillTx/>
+              <a:latin typeface="Calibri" panose="020F0502020204030204" pitchFamily="34" charset="0"/>
+              <a:ea typeface="맑은 고딕"/>
+            </a:endParaRPr>
+          </a:p>
+        </p:txBody>
+      </p:sp>
+      <p:cxnSp>
+        <p:nvCxnSpPr>
+          <p:cNvPr id="4" name="Straight Arrow Connector 3">
+            <a:extLst>
+              <a:ext uri="{FF2B5EF4-FFF2-40B4-BE49-F238E27FC236}">
+                <a16:creationId xmlns:a16="http://schemas.microsoft.com/office/drawing/2014/main" id="{AAACC8DF-108F-9355-B6A9-9FEAA8ABD1D4}"/>
+              </a:ext>
+            </a:extLst>
+          </p:cNvPr>
+          <p:cNvCxnSpPr>
+            <a:cxnSpLocks/>
+          </p:cNvCxnSpPr>
+          <p:nvPr/>
+        </p:nvCxnSpPr>
+        <p:spPr>
+          <a:xfrm>
+            <a:off x="3444246" y="876296"/>
+            <a:ext cx="2184762" cy="0"/>
+          </a:xfrm>
+          <a:prstGeom prst="straightConnector1">
+            <a:avLst/>
+          </a:prstGeom>
+          <a:ln>
+            <a:solidFill>
+              <a:schemeClr val="accent6"/>
+            </a:solidFill>
+            <a:prstDash val="dash"/>
+            <a:headEnd type="none" w="sm" len="sm"/>
+            <a:tailEnd type="triangle" w="sm" len="sm"/>
+          </a:ln>
+        </p:spPr>
+        <p:style>
+          <a:lnRef idx="1">
+            <a:schemeClr val="accent1"/>
+          </a:lnRef>
+          <a:fillRef idx="0">
+            <a:schemeClr val="accent1"/>
+          </a:fillRef>
+          <a:effectRef idx="0">
+            <a:schemeClr val="accent1"/>
+          </a:effectRef>
+          <a:fontRef idx="minor">
+            <a:schemeClr val="tx1"/>
+          </a:fontRef>
+        </p:style>
+      </p:cxnSp>
+      <p:sp>
+        <p:nvSpPr>
+          <p:cNvPr id="7" name="Diamond 6">
+            <a:extLst>
+              <a:ext uri="{FF2B5EF4-FFF2-40B4-BE49-F238E27FC236}">
+                <a16:creationId xmlns:a16="http://schemas.microsoft.com/office/drawing/2014/main" id="{2F21EB05-F348-5CB0-E769-C85A55B87D2F}"/>
+              </a:ext>
+            </a:extLst>
+          </p:cNvPr>
+          <p:cNvSpPr/>
+          <p:nvPr/>
+        </p:nvSpPr>
+        <p:spPr>
+          <a:xfrm>
+            <a:off x="1773470" y="2160238"/>
+            <a:ext cx="1572629" cy="359219"/>
+          </a:xfrm>
+          <a:prstGeom prst="diamond">
+            <a:avLst/>
+          </a:prstGeom>
+          <a:noFill/>
+          <a:ln w="3175" cap="flat" cmpd="sng" algn="ctr">
+            <a:solidFill>
+              <a:schemeClr val="accent6">
+                <a:lumMod val="50000"/>
+              </a:schemeClr>
+            </a:solidFill>
+            <a:prstDash val="solid"/>
+            <a:miter lim="800000"/>
+          </a:ln>
+          <a:effectLst/>
+        </p:spPr>
+        <p:txBody>
+          <a:bodyPr lIns="0" rIns="0" rtlCol="0" anchor="ctr"/>
+          <a:lstStyle/>
+          <a:p>
+            <a:pPr algn="ctr"/>
+            <a:r>
+              <a:rPr lang="en-US" sz="1200" kern="0" dirty="0">
+                <a:solidFill>
+                  <a:prstClr val="black"/>
+                </a:solidFill>
+                <a:latin typeface="Calibri" panose="020F0502020204030204" pitchFamily="34" charset="0"/>
+                <a:ea typeface="맑은 고딕"/>
+              </a:rPr>
+              <a:t>Fetched?</a:t>
+            </a:r>
+          </a:p>
+        </p:txBody>
+      </p:sp>
+      <p:sp>
+        <p:nvSpPr>
+          <p:cNvPr id="8" name="직사각형 363">
+            <a:extLst>
+              <a:ext uri="{FF2B5EF4-FFF2-40B4-BE49-F238E27FC236}">
+                <a16:creationId xmlns:a16="http://schemas.microsoft.com/office/drawing/2014/main" id="{943AFE63-3E79-B995-5B3A-D4E307285A0E}"/>
+              </a:ext>
+            </a:extLst>
+          </p:cNvPr>
+          <p:cNvSpPr/>
+          <p:nvPr/>
+        </p:nvSpPr>
+        <p:spPr>
+          <a:xfrm>
+            <a:off x="3668828" y="3462665"/>
+            <a:ext cx="1684708" cy="359218"/>
+          </a:xfrm>
+          <a:prstGeom prst="rect">
+            <a:avLst/>
+          </a:prstGeom>
+          <a:solidFill>
+            <a:schemeClr val="accent5">
+              <a:lumMod val="20000"/>
+              <a:lumOff val="80000"/>
+            </a:schemeClr>
+          </a:solidFill>
+          <a:ln w="3175" cap="flat" cmpd="sng" algn="ctr">
+            <a:noFill/>
+            <a:prstDash val="solid"/>
+            <a:miter lim="800000"/>
+          </a:ln>
+          <a:effectLst/>
+        </p:spPr>
+        <p:txBody>
+          <a:bodyPr lIns="0" rIns="0" rtlCol="0" anchor="ctr"/>
+          <a:lstStyle/>
+          <a:p>
+            <a:pPr marL="0" marR="0" lvl="0" indent="0" algn="ctr" defTabSz="914400" eaLnBrk="1" fontAlgn="auto" latinLnBrk="0" hangingPunct="1">
+              <a:spcBef>
+                <a:spcPts val="0"/>
+              </a:spcBef>
+              <a:spcAft>
+                <a:spcPts val="0"/>
+              </a:spcAft>
+              <a:buClrTx/>
+              <a:buSzTx/>
+              <a:buFontTx/>
+              <a:buNone/>
+              <a:tabLst/>
+              <a:defRPr/>
+            </a:pPr>
+            <a:r>
+              <a:rPr kumimoji="0" lang="en-US" altLang="ko-KR" sz="1200" b="0" i="0" u="none" strike="noStrike" kern="0" cap="none" spc="0" normalizeH="0" baseline="0" noProof="0" dirty="0">
+                <a:ln>
+                  <a:noFill/>
+                </a:ln>
+                <a:solidFill>
+                  <a:prstClr val="black"/>
+                </a:solidFill>
+                <a:effectLst/>
+                <a:uLnTx/>
+                <a:uFillTx/>
+                <a:latin typeface="Calibri" panose="020F0502020204030204" pitchFamily="34" charset="0"/>
+                <a:ea typeface="맑은 고딕"/>
+              </a:rPr>
+              <a:t>Create Auth Signature</a:t>
+            </a:r>
+            <a:endParaRPr kumimoji="0" lang="ko-KR" altLang="en-US" sz="1200" b="0" i="0" u="none" strike="noStrike" kern="0" cap="none" spc="0" normalizeH="0" baseline="0" noProof="0" dirty="0">
+              <a:ln>
+                <a:noFill/>
+              </a:ln>
+              <a:solidFill>
+                <a:schemeClr val="tx1">
+                  <a:lumMod val="50000"/>
+                  <a:lumOff val="50000"/>
+                </a:schemeClr>
+              </a:solidFill>
+              <a:effectLst/>
+              <a:uLnTx/>
+              <a:uFillTx/>
+              <a:latin typeface="Calibri" panose="020F0502020204030204" pitchFamily="34" charset="0"/>
+              <a:ea typeface="맑은 고딕"/>
+            </a:endParaRPr>
+          </a:p>
+        </p:txBody>
+      </p:sp>
+      <p:sp>
+        <p:nvSpPr>
+          <p:cNvPr id="9" name="TextBox 8">
+            <a:extLst>
+              <a:ext uri="{FF2B5EF4-FFF2-40B4-BE49-F238E27FC236}">
+                <a16:creationId xmlns:a16="http://schemas.microsoft.com/office/drawing/2014/main" id="{FC98CE17-0B0E-E3F7-4610-C744BD0E6F1A}"/>
+              </a:ext>
+            </a:extLst>
+          </p:cNvPr>
+          <p:cNvSpPr txBox="1"/>
+          <p:nvPr/>
+        </p:nvSpPr>
+        <p:spPr>
+          <a:xfrm>
+            <a:off x="1763742" y="1132532"/>
+            <a:ext cx="1743936" cy="123110"/>
+          </a:xfrm>
+          <a:prstGeom prst="rect">
+            <a:avLst/>
+          </a:prstGeom>
+          <a:noFill/>
+        </p:spPr>
+        <p:txBody>
+          <a:bodyPr wrap="square" lIns="0" tIns="0" rIns="0" bIns="0">
+            <a:spAutoFit/>
+          </a:bodyPr>
+          <a:lstStyle/>
+          <a:p>
+            <a:r>
+              <a:rPr lang="en-US" sz="800" dirty="0"/>
+              <a:t> auth_request /aws/credentials/retrieve</a:t>
+            </a:r>
+          </a:p>
+        </p:txBody>
+      </p:sp>
+      <p:sp>
+        <p:nvSpPr>
+          <p:cNvPr id="10" name="직사각형 363">
+            <a:extLst>
+              <a:ext uri="{FF2B5EF4-FFF2-40B4-BE49-F238E27FC236}">
+                <a16:creationId xmlns:a16="http://schemas.microsoft.com/office/drawing/2014/main" id="{8DDE7B83-A002-B7E1-B7EC-794963EA010A}"/>
+              </a:ext>
+            </a:extLst>
+          </p:cNvPr>
+          <p:cNvSpPr/>
+          <p:nvPr/>
+        </p:nvSpPr>
+        <p:spPr>
+          <a:xfrm>
+            <a:off x="1753942" y="5458351"/>
+            <a:ext cx="1691299" cy="359218"/>
+          </a:xfrm>
+          <a:prstGeom prst="rect">
+            <a:avLst/>
+          </a:prstGeom>
+          <a:solidFill>
+            <a:schemeClr val="accent5">
+              <a:lumMod val="20000"/>
+              <a:lumOff val="80000"/>
+            </a:schemeClr>
+          </a:solidFill>
+          <a:ln w="3175" cap="flat" cmpd="sng" algn="ctr">
+            <a:noFill/>
+            <a:prstDash val="solid"/>
+            <a:miter lim="800000"/>
+          </a:ln>
+          <a:effectLst/>
+        </p:spPr>
+        <p:txBody>
+          <a:bodyPr lIns="0" rIns="0" rtlCol="0" anchor="ctr"/>
+          <a:lstStyle/>
+          <a:p>
+            <a:pPr marL="0" marR="0" lvl="0" indent="0" algn="ctr" defTabSz="914400" eaLnBrk="1" fontAlgn="auto" latinLnBrk="0" hangingPunct="1">
+              <a:spcBef>
+                <a:spcPts val="0"/>
+              </a:spcBef>
+              <a:spcAft>
+                <a:spcPts val="0"/>
+              </a:spcAft>
+              <a:buClrTx/>
+              <a:buSzTx/>
+              <a:buFontTx/>
+              <a:buNone/>
+              <a:tabLst/>
+              <a:defRPr/>
+            </a:pPr>
+            <a:r>
+              <a:rPr kumimoji="0" lang="en-US" altLang="ko-KR" sz="1200" b="0" i="0" u="none" strike="noStrike" kern="0" cap="none" spc="0" normalizeH="0" baseline="0" noProof="0" dirty="0">
+                <a:ln>
+                  <a:noFill/>
+                </a:ln>
+                <a:solidFill>
+                  <a:prstClr val="black"/>
+                </a:solidFill>
+                <a:effectLst/>
+                <a:uLnTx/>
+                <a:uFillTx/>
+                <a:latin typeface="Calibri" panose="020F0502020204030204" pitchFamily="34" charset="0"/>
+                <a:ea typeface="맑은 고딕"/>
+              </a:rPr>
+              <a:t>Signing AWS API </a:t>
+            </a:r>
+            <a:r>
+              <a:rPr lang="en-US" altLang="ko-KR" sz="1200" kern="0" dirty="0">
+                <a:solidFill>
+                  <a:prstClr val="black"/>
+                </a:solidFill>
+                <a:latin typeface="Calibri" panose="020F0502020204030204" pitchFamily="34" charset="0"/>
+                <a:ea typeface="맑은 고딕"/>
+              </a:rPr>
+              <a:t>Request</a:t>
+            </a:r>
+            <a:endParaRPr kumimoji="0" lang="ko-KR" altLang="en-US" sz="1200" b="0" i="0" u="none" strike="noStrike" kern="0" cap="none" spc="0" normalizeH="0" baseline="0" noProof="0" dirty="0">
+              <a:ln>
+                <a:noFill/>
+              </a:ln>
+              <a:solidFill>
+                <a:schemeClr val="tx1">
+                  <a:lumMod val="50000"/>
+                  <a:lumOff val="50000"/>
+                </a:schemeClr>
+              </a:solidFill>
+              <a:effectLst/>
+              <a:uLnTx/>
+              <a:uFillTx/>
+              <a:latin typeface="Calibri" panose="020F0502020204030204" pitchFamily="34" charset="0"/>
+              <a:ea typeface="맑은 고딕"/>
+            </a:endParaRPr>
+          </a:p>
+        </p:txBody>
+      </p:sp>
+      <p:sp>
+        <p:nvSpPr>
+          <p:cNvPr id="11" name="직사각형 363">
+            <a:extLst>
+              <a:ext uri="{FF2B5EF4-FFF2-40B4-BE49-F238E27FC236}">
+                <a16:creationId xmlns:a16="http://schemas.microsoft.com/office/drawing/2014/main" id="{85ADCF17-34B4-7638-6C62-0C94CE815C3E}"/>
+              </a:ext>
+            </a:extLst>
+          </p:cNvPr>
+          <p:cNvSpPr/>
+          <p:nvPr/>
+        </p:nvSpPr>
+        <p:spPr>
+          <a:xfrm>
+            <a:off x="5623414" y="4516766"/>
+            <a:ext cx="1572627" cy="359218"/>
+          </a:xfrm>
+          <a:prstGeom prst="rect">
+            <a:avLst/>
+          </a:prstGeom>
+          <a:solidFill>
+            <a:schemeClr val="accent6">
+              <a:lumMod val="20000"/>
+              <a:lumOff val="80000"/>
+            </a:schemeClr>
+          </a:solidFill>
+          <a:ln w="3175" cap="flat" cmpd="sng" algn="ctr">
+            <a:noFill/>
+            <a:prstDash val="solid"/>
+            <a:miter lim="800000"/>
+          </a:ln>
+          <a:effectLst/>
+        </p:spPr>
+        <p:txBody>
+          <a:bodyPr lIns="0" rIns="0" rtlCol="0" anchor="ctr"/>
+          <a:lstStyle/>
+          <a:p>
+            <a:pPr marL="0" marR="0" lvl="0" indent="0" algn="ctr" defTabSz="914400" eaLnBrk="1" fontAlgn="auto" latinLnBrk="0" hangingPunct="1">
+              <a:spcBef>
+                <a:spcPts val="0"/>
+              </a:spcBef>
+              <a:spcAft>
+                <a:spcPts val="0"/>
+              </a:spcAft>
+              <a:buClrTx/>
+              <a:buSzTx/>
+              <a:buFontTx/>
+              <a:buNone/>
+              <a:tabLst/>
+              <a:defRPr/>
+            </a:pPr>
+            <a:r>
+              <a:rPr kumimoji="0" lang="en-US" altLang="ko-KR" sz="1200" b="0" i="0" u="none" strike="noStrike" kern="0" cap="none" spc="0" normalizeH="0" baseline="0" noProof="0" dirty="0">
+                <a:ln>
+                  <a:noFill/>
+                </a:ln>
+                <a:solidFill>
+                  <a:prstClr val="black"/>
+                </a:solidFill>
+                <a:effectLst/>
+                <a:uLnTx/>
+                <a:uFillTx/>
+                <a:latin typeface="Calibri" panose="020F0502020204030204" pitchFamily="34" charset="0"/>
+                <a:ea typeface="맑은 고딕"/>
+              </a:rPr>
+              <a:t>Get Session Token</a:t>
+            </a:r>
+            <a:endParaRPr kumimoji="0" lang="ko-KR" altLang="en-US" sz="1200" b="0" i="0" u="none" strike="noStrike" kern="0" cap="none" spc="0" normalizeH="0" baseline="0" noProof="0" dirty="0">
+              <a:ln>
+                <a:noFill/>
+              </a:ln>
+              <a:solidFill>
+                <a:schemeClr val="tx1">
+                  <a:lumMod val="50000"/>
+                  <a:lumOff val="50000"/>
+                </a:schemeClr>
+              </a:solidFill>
+              <a:effectLst/>
+              <a:uLnTx/>
+              <a:uFillTx/>
+              <a:latin typeface="Calibri" panose="020F0502020204030204" pitchFamily="34" charset="0"/>
+              <a:ea typeface="맑은 고딕"/>
+            </a:endParaRPr>
+          </a:p>
+        </p:txBody>
+      </p:sp>
+      <p:sp>
+        <p:nvSpPr>
+          <p:cNvPr id="13" name="직사각형 363">
+            <a:extLst>
+              <a:ext uri="{FF2B5EF4-FFF2-40B4-BE49-F238E27FC236}">
+                <a16:creationId xmlns:a16="http://schemas.microsoft.com/office/drawing/2014/main" id="{BAE6F43D-9E34-1AF1-4ECE-5A367B91BC04}"/>
+              </a:ext>
+            </a:extLst>
+          </p:cNvPr>
+          <p:cNvSpPr/>
+          <p:nvPr/>
+        </p:nvSpPr>
+        <p:spPr>
+          <a:xfrm>
+            <a:off x="7503200" y="4268421"/>
+            <a:ext cx="1660255" cy="359218"/>
+          </a:xfrm>
+          <a:prstGeom prst="rect">
+            <a:avLst/>
+          </a:prstGeom>
+          <a:solidFill>
+            <a:schemeClr val="accent6">
+              <a:lumMod val="20000"/>
+              <a:lumOff val="80000"/>
+            </a:schemeClr>
+          </a:solidFill>
+          <a:ln w="3175" cap="flat" cmpd="sng" algn="ctr">
+            <a:noFill/>
+            <a:prstDash val="solid"/>
+            <a:miter lim="800000"/>
+          </a:ln>
+          <a:effectLst/>
+        </p:spPr>
+        <p:txBody>
+          <a:bodyPr lIns="0" rIns="0" rtlCol="0" anchor="ctr"/>
+          <a:lstStyle/>
+          <a:p>
+            <a:pPr marL="0" marR="0" lvl="0" indent="0" algn="ctr" defTabSz="914400" eaLnBrk="1" fontAlgn="auto" latinLnBrk="0" hangingPunct="1">
+              <a:spcBef>
+                <a:spcPts val="0"/>
+              </a:spcBef>
+              <a:spcAft>
+                <a:spcPts val="0"/>
+              </a:spcAft>
+              <a:buClrTx/>
+              <a:buSzTx/>
+              <a:buFontTx/>
+              <a:buNone/>
+              <a:tabLst/>
+              <a:defRPr/>
+            </a:pPr>
+            <a:r>
+              <a:rPr kumimoji="0" lang="en-US" altLang="ko-KR" sz="1200" b="0" i="0" u="none" strike="noStrike" kern="0" cap="none" spc="0" normalizeH="0" baseline="0" noProof="0" dirty="0">
+                <a:ln>
+                  <a:noFill/>
+                </a:ln>
+                <a:solidFill>
+                  <a:prstClr val="black"/>
+                </a:solidFill>
+                <a:effectLst/>
+                <a:uLnTx/>
+                <a:uFillTx/>
+                <a:latin typeface="Calibri" panose="020F0502020204030204" pitchFamily="34" charset="0"/>
+                <a:ea typeface="맑은 고딕"/>
+              </a:rPr>
+              <a:t>Build Signature</a:t>
+            </a:r>
+            <a:endParaRPr kumimoji="0" lang="ko-KR" altLang="en-US" sz="1200" b="0" i="0" u="none" strike="noStrike" kern="0" cap="none" spc="0" normalizeH="0" baseline="0" noProof="0" dirty="0">
+              <a:ln>
+                <a:noFill/>
+              </a:ln>
+              <a:solidFill>
+                <a:schemeClr val="tx1">
+                  <a:lumMod val="50000"/>
+                  <a:lumOff val="50000"/>
+                </a:schemeClr>
+              </a:solidFill>
+              <a:effectLst/>
+              <a:uLnTx/>
+              <a:uFillTx/>
+              <a:latin typeface="Calibri" panose="020F0502020204030204" pitchFamily="34" charset="0"/>
+              <a:ea typeface="맑은 고딕"/>
+            </a:endParaRPr>
+          </a:p>
+        </p:txBody>
+      </p:sp>
+      <p:sp>
+        <p:nvSpPr>
+          <p:cNvPr id="16" name="Oval 15">
+            <a:extLst>
+              <a:ext uri="{FF2B5EF4-FFF2-40B4-BE49-F238E27FC236}">
+                <a16:creationId xmlns:a16="http://schemas.microsoft.com/office/drawing/2014/main" id="{9BB23812-6657-390A-8F33-20382A893B63}"/>
+              </a:ext>
+            </a:extLst>
+          </p:cNvPr>
+          <p:cNvSpPr>
+            <a:spLocks/>
+          </p:cNvSpPr>
+          <p:nvPr/>
+        </p:nvSpPr>
+        <p:spPr>
+          <a:xfrm>
+            <a:off x="1955428" y="881498"/>
+            <a:ext cx="137160" cy="137160"/>
+          </a:xfrm>
+          <a:prstGeom prst="ellipse">
+            <a:avLst/>
+          </a:prstGeom>
+          <a:solidFill>
+            <a:schemeClr val="accent6">
+              <a:lumMod val="75000"/>
+            </a:schemeClr>
+          </a:solidFill>
+          <a:ln>
+            <a:solidFill>
+              <a:schemeClr val="accent6">
+                <a:lumMod val="50000"/>
+              </a:schemeClr>
+            </a:solidFill>
+          </a:ln>
+        </p:spPr>
+        <p:style>
+          <a:lnRef idx="2">
+            <a:schemeClr val="accent1">
+              <a:shade val="50000"/>
+            </a:schemeClr>
+          </a:lnRef>
+          <a:fillRef idx="1">
+            <a:schemeClr val="accent1"/>
+          </a:fillRef>
+          <a:effectRef idx="0">
+            <a:schemeClr val="accent1"/>
+          </a:effectRef>
+          <a:fontRef idx="minor">
+            <a:schemeClr val="lt1"/>
+          </a:fontRef>
+        </p:style>
+        <p:txBody>
+          <a:bodyPr lIns="0" tIns="0" rIns="0" bIns="0" rtlCol="0" anchor="ctr"/>
+          <a:lstStyle/>
+          <a:p>
+            <a:pPr algn="ctr"/>
+            <a:r>
+              <a:rPr lang="en-US" sz="800" dirty="0">
+                <a:solidFill>
+                  <a:schemeClr val="bg1"/>
+                </a:solidFill>
+              </a:rPr>
+              <a:t>1</a:t>
+            </a:r>
+          </a:p>
+        </p:txBody>
+      </p:sp>
+      <p:sp>
+        <p:nvSpPr>
+          <p:cNvPr id="17" name="Oval 16">
+            <a:extLst>
+              <a:ext uri="{FF2B5EF4-FFF2-40B4-BE49-F238E27FC236}">
+                <a16:creationId xmlns:a16="http://schemas.microsoft.com/office/drawing/2014/main" id="{32006966-0F59-73DF-1428-888AC96F4B09}"/>
+              </a:ext>
+            </a:extLst>
+          </p:cNvPr>
+          <p:cNvSpPr>
+            <a:spLocks/>
+          </p:cNvSpPr>
+          <p:nvPr/>
+        </p:nvSpPr>
+        <p:spPr>
+          <a:xfrm>
+            <a:off x="5687617" y="887980"/>
+            <a:ext cx="137160" cy="137160"/>
+          </a:xfrm>
+          <a:prstGeom prst="ellipse">
+            <a:avLst/>
+          </a:prstGeom>
+          <a:solidFill>
+            <a:schemeClr val="accent6">
+              <a:lumMod val="75000"/>
+            </a:schemeClr>
+          </a:solidFill>
+          <a:ln>
+            <a:solidFill>
+              <a:schemeClr val="accent6">
+                <a:lumMod val="50000"/>
+              </a:schemeClr>
+            </a:solidFill>
+          </a:ln>
+        </p:spPr>
+        <p:style>
+          <a:lnRef idx="2">
+            <a:schemeClr val="accent1">
+              <a:shade val="50000"/>
+            </a:schemeClr>
+          </a:lnRef>
+          <a:fillRef idx="1">
+            <a:schemeClr val="accent1"/>
+          </a:fillRef>
+          <a:effectRef idx="0">
+            <a:schemeClr val="accent1"/>
+          </a:effectRef>
+          <a:fontRef idx="minor">
+            <a:schemeClr val="lt1"/>
+          </a:fontRef>
+        </p:style>
+        <p:txBody>
+          <a:bodyPr lIns="0" tIns="0" rIns="0" bIns="0" rtlCol="0" anchor="ctr"/>
+          <a:lstStyle/>
+          <a:p>
+            <a:pPr algn="ctr"/>
+            <a:r>
+              <a:rPr lang="en-US" sz="800" dirty="0">
+                <a:solidFill>
+                  <a:schemeClr val="bg1"/>
+                </a:solidFill>
+              </a:rPr>
+              <a:t>2</a:t>
+            </a:r>
+          </a:p>
+        </p:txBody>
+      </p:sp>
+      <p:sp>
+        <p:nvSpPr>
+          <p:cNvPr id="18" name="TextBox 17">
+            <a:extLst>
+              <a:ext uri="{FF2B5EF4-FFF2-40B4-BE49-F238E27FC236}">
+                <a16:creationId xmlns:a16="http://schemas.microsoft.com/office/drawing/2014/main" id="{27C9C299-E296-719C-9637-02CB341D6E28}"/>
+              </a:ext>
+            </a:extLst>
+          </p:cNvPr>
+          <p:cNvSpPr txBox="1"/>
+          <p:nvPr/>
+        </p:nvSpPr>
+        <p:spPr>
+          <a:xfrm>
+            <a:off x="5623415" y="1187068"/>
+            <a:ext cx="1572629" cy="215444"/>
+          </a:xfrm>
+          <a:prstGeom prst="rect">
+            <a:avLst/>
+          </a:prstGeom>
+          <a:noFill/>
+          <a:ln>
+            <a:solidFill>
+              <a:schemeClr val="accent6"/>
+            </a:solidFill>
+            <a:prstDash val="dash"/>
+          </a:ln>
+        </p:spPr>
+        <p:txBody>
+          <a:bodyPr wrap="square" lIns="45720" tIns="45720" rIns="0" bIns="45720">
+            <a:spAutoFit/>
+          </a:bodyPr>
+          <a:lstStyle/>
+          <a:p>
+            <a:pPr marL="57150" indent="-57150">
+              <a:buFont typeface="Arial" panose="020B0604020202020204" pitchFamily="34" charset="0"/>
+              <a:buChar char="•"/>
+            </a:pPr>
+            <a:r>
+              <a:rPr lang="en-US" sz="800" dirty="0"/>
+              <a:t>readCredentials()</a:t>
+            </a:r>
+          </a:p>
+        </p:txBody>
+      </p:sp>
+      <p:sp>
+        <p:nvSpPr>
+          <p:cNvPr id="19" name="직사각형 363">
+            <a:extLst>
+              <a:ext uri="{FF2B5EF4-FFF2-40B4-BE49-F238E27FC236}">
+                <a16:creationId xmlns:a16="http://schemas.microsoft.com/office/drawing/2014/main" id="{85A64ADA-859E-A6DF-671F-92CE3B373A64}"/>
+              </a:ext>
+            </a:extLst>
+          </p:cNvPr>
+          <p:cNvSpPr/>
+          <p:nvPr/>
+        </p:nvSpPr>
+        <p:spPr>
+          <a:xfrm>
+            <a:off x="3668829" y="2162680"/>
+            <a:ext cx="1684708" cy="359218"/>
+          </a:xfrm>
+          <a:prstGeom prst="rect">
+            <a:avLst/>
+          </a:prstGeom>
+          <a:solidFill>
+            <a:schemeClr val="accent5">
+              <a:lumMod val="20000"/>
+              <a:lumOff val="80000"/>
+            </a:schemeClr>
+          </a:solidFill>
+          <a:ln w="3175" cap="flat" cmpd="sng" algn="ctr">
+            <a:noFill/>
+            <a:prstDash val="solid"/>
+            <a:miter lim="800000"/>
+          </a:ln>
+          <a:effectLst/>
+        </p:spPr>
+        <p:txBody>
+          <a:bodyPr lIns="0" rIns="0" rtlCol="0" anchor="ctr"/>
+          <a:lstStyle/>
+          <a:p>
+            <a:pPr algn="ctr">
+              <a:defRPr/>
+            </a:pPr>
+            <a:r>
+              <a:rPr kumimoji="0" lang="en-US" altLang="ko-KR" sz="1200" b="0" i="0" u="none" strike="noStrike" kern="0" cap="none" spc="0" normalizeH="0" baseline="0" noProof="0" dirty="0">
+                <a:ln>
+                  <a:noFill/>
+                </a:ln>
+                <a:solidFill>
+                  <a:prstClr val="black"/>
+                </a:solidFill>
+                <a:effectLst/>
+                <a:uLnTx/>
+                <a:uFillTx/>
+                <a:latin typeface="Calibri" panose="020F0502020204030204" pitchFamily="34" charset="0"/>
+                <a:ea typeface="맑은 고딕"/>
+              </a:rPr>
+              <a:t>Redirect To AWS Service</a:t>
+            </a:r>
+            <a:endParaRPr kumimoji="0" lang="ko-KR" altLang="en-US" sz="1200" b="0" i="0" u="none" strike="noStrike" kern="0" cap="none" spc="0" normalizeH="0" baseline="0" noProof="0" dirty="0">
+              <a:ln>
+                <a:noFill/>
+              </a:ln>
+              <a:solidFill>
+                <a:schemeClr val="tx1">
+                  <a:lumMod val="50000"/>
+                  <a:lumOff val="50000"/>
+                </a:schemeClr>
+              </a:solidFill>
+              <a:effectLst/>
+              <a:uLnTx/>
+              <a:uFillTx/>
+              <a:latin typeface="Calibri" panose="020F0502020204030204" pitchFamily="34" charset="0"/>
+              <a:ea typeface="맑은 고딕"/>
+            </a:endParaRPr>
+          </a:p>
+        </p:txBody>
+      </p:sp>
+      <p:sp>
+        <p:nvSpPr>
+          <p:cNvPr id="21" name="직사각형 363">
+            <a:extLst>
+              <a:ext uri="{FF2B5EF4-FFF2-40B4-BE49-F238E27FC236}">
+                <a16:creationId xmlns:a16="http://schemas.microsoft.com/office/drawing/2014/main" id="{EC6B1DC8-24F8-2AEE-E803-CF08DAB18E33}"/>
+              </a:ext>
+            </a:extLst>
+          </p:cNvPr>
+          <p:cNvSpPr/>
+          <p:nvPr/>
+        </p:nvSpPr>
+        <p:spPr>
+          <a:xfrm rot="16200000">
+            <a:off x="1282476" y="531179"/>
+            <a:ext cx="85733" cy="58050"/>
+          </a:xfrm>
+          <a:prstGeom prst="rect">
+            <a:avLst/>
+          </a:prstGeom>
+          <a:solidFill>
+            <a:schemeClr val="bg1"/>
+          </a:solidFill>
+          <a:ln w="3175" cap="flat" cmpd="sng" algn="ctr">
+            <a:solidFill>
+              <a:schemeClr val="bg1">
+                <a:lumMod val="65000"/>
+              </a:schemeClr>
+            </a:solidFill>
+            <a:prstDash val="dash"/>
+            <a:miter lim="800000"/>
+          </a:ln>
+          <a:effectLst/>
+        </p:spPr>
+        <p:txBody>
+          <a:bodyPr vert="vert" lIns="0" tIns="0" rIns="0" bIns="0" rtlCol="0" anchor="ctr" anchorCtr="0"/>
+          <a:lstStyle/>
+          <a:p>
+            <a:pPr algn="ctr">
+              <a:lnSpc>
+                <a:spcPct val="80000"/>
+              </a:lnSpc>
+            </a:pPr>
+            <a:endParaRPr lang="ko-KR" altLang="en-US" sz="1200" kern="0" dirty="0">
+              <a:solidFill>
+                <a:schemeClr val="bg1">
+                  <a:lumMod val="65000"/>
+                </a:schemeClr>
+              </a:solidFill>
+              <a:latin typeface="Calibri" panose="020F0502020204030204" pitchFamily="34" charset="0"/>
+              <a:ea typeface="맑은 고딕"/>
+            </a:endParaRPr>
+          </a:p>
+        </p:txBody>
+      </p:sp>
+      <p:cxnSp>
+        <p:nvCxnSpPr>
+          <p:cNvPr id="22" name="Elbow Connector 21">
+            <a:extLst>
+              <a:ext uri="{FF2B5EF4-FFF2-40B4-BE49-F238E27FC236}">
+                <a16:creationId xmlns:a16="http://schemas.microsoft.com/office/drawing/2014/main" id="{0ECC90D6-5695-8544-E2BD-BEEFF3248B6A}"/>
+              </a:ext>
+            </a:extLst>
+          </p:cNvPr>
+          <p:cNvCxnSpPr>
+            <a:cxnSpLocks/>
+            <a:stCxn id="21" idx="1"/>
+            <a:endCxn id="2" idx="1"/>
+          </p:cNvCxnSpPr>
+          <p:nvPr/>
+        </p:nvCxnSpPr>
+        <p:spPr>
+          <a:xfrm rot="16200000" flipH="1">
+            <a:off x="1366916" y="561497"/>
+            <a:ext cx="351049" cy="434195"/>
+          </a:xfrm>
+          <a:prstGeom prst="bentConnector2">
+            <a:avLst/>
+          </a:prstGeom>
+          <a:ln w="3175">
+            <a:solidFill>
+              <a:schemeClr val="tx1">
+                <a:lumMod val="50000"/>
+                <a:lumOff val="50000"/>
+              </a:schemeClr>
+            </a:solidFill>
+            <a:prstDash val="dash"/>
+            <a:tailEnd type="triangle" w="sm" len="sm"/>
+          </a:ln>
+        </p:spPr>
+        <p:style>
+          <a:lnRef idx="1">
+            <a:schemeClr val="accent1"/>
+          </a:lnRef>
+          <a:fillRef idx="0">
+            <a:schemeClr val="accent1"/>
+          </a:fillRef>
+          <a:effectRef idx="0">
+            <a:schemeClr val="accent1"/>
+          </a:effectRef>
+          <a:fontRef idx="minor">
+            <a:schemeClr val="tx1"/>
+          </a:fontRef>
+        </p:style>
+      </p:cxnSp>
+      <p:sp>
+        <p:nvSpPr>
+          <p:cNvPr id="25" name="직사각형 363">
+            <a:extLst>
+              <a:ext uri="{FF2B5EF4-FFF2-40B4-BE49-F238E27FC236}">
+                <a16:creationId xmlns:a16="http://schemas.microsoft.com/office/drawing/2014/main" id="{77B99383-53ED-61BE-60F1-32FD546C5523}"/>
+              </a:ext>
+            </a:extLst>
+          </p:cNvPr>
+          <p:cNvSpPr/>
+          <p:nvPr/>
+        </p:nvSpPr>
+        <p:spPr>
+          <a:xfrm rot="16200000">
+            <a:off x="943780" y="48821"/>
+            <a:ext cx="456803" cy="671208"/>
+          </a:xfrm>
+          <a:prstGeom prst="rect">
+            <a:avLst/>
+          </a:prstGeom>
+          <a:solidFill>
+            <a:schemeClr val="bg1"/>
+          </a:solidFill>
+          <a:ln w="3175" cap="flat" cmpd="sng" algn="ctr">
+            <a:solidFill>
+              <a:schemeClr val="tx1">
+                <a:lumMod val="50000"/>
+                <a:lumOff val="50000"/>
+              </a:schemeClr>
+            </a:solidFill>
+            <a:prstDash val="dash"/>
+            <a:miter lim="800000"/>
+          </a:ln>
+          <a:effectLst/>
+        </p:spPr>
+        <p:txBody>
+          <a:bodyPr vert="vert" lIns="45720" tIns="45720" rIns="91440" bIns="45720" rtlCol="0" anchor="ctr" anchorCtr="0"/>
+          <a:lstStyle/>
+          <a:p>
+            <a:pPr algn="ctr">
+              <a:lnSpc>
+                <a:spcPct val="80000"/>
+              </a:lnSpc>
+            </a:pPr>
+            <a:r>
+              <a:rPr lang="en-US" altLang="ko-KR" sz="1100" b="1" kern="0" dirty="0">
+                <a:solidFill>
+                  <a:schemeClr val="tx1">
+                    <a:lumMod val="50000"/>
+                    <a:lumOff val="50000"/>
+                  </a:schemeClr>
+                </a:solidFill>
+                <a:latin typeface="Calibri" panose="020F0502020204030204" pitchFamily="34" charset="0"/>
+                <a:ea typeface="맑은 고딕"/>
+              </a:rPr>
+              <a:t>FE/BE</a:t>
+            </a:r>
+          </a:p>
+          <a:p>
+            <a:pPr algn="ctr">
+              <a:lnSpc>
+                <a:spcPct val="80000"/>
+              </a:lnSpc>
+            </a:pPr>
+            <a:r>
+              <a:rPr lang="en-US" altLang="ko-KR" sz="1100" b="1" kern="0" dirty="0">
+                <a:solidFill>
+                  <a:schemeClr val="tx1">
+                    <a:lumMod val="50000"/>
+                    <a:lumOff val="50000"/>
+                  </a:schemeClr>
+                </a:solidFill>
+                <a:latin typeface="Calibri" panose="020F0502020204030204" pitchFamily="34" charset="0"/>
+                <a:ea typeface="맑은 고딕"/>
+              </a:rPr>
+              <a:t>App</a:t>
+            </a:r>
+            <a:endParaRPr lang="ko-KR" altLang="en-US" sz="1100" b="1" kern="0" dirty="0">
+              <a:solidFill>
+                <a:schemeClr val="tx1">
+                  <a:lumMod val="50000"/>
+                  <a:lumOff val="50000"/>
+                </a:schemeClr>
+              </a:solidFill>
+              <a:latin typeface="Calibri" panose="020F0502020204030204" pitchFamily="34" charset="0"/>
+              <a:ea typeface="맑은 고딕"/>
+            </a:endParaRPr>
+          </a:p>
+        </p:txBody>
+      </p:sp>
+      <p:cxnSp>
+        <p:nvCxnSpPr>
+          <p:cNvPr id="26" name="Straight Arrow Connector 25">
+            <a:extLst>
+              <a:ext uri="{FF2B5EF4-FFF2-40B4-BE49-F238E27FC236}">
+                <a16:creationId xmlns:a16="http://schemas.microsoft.com/office/drawing/2014/main" id="{FE271A53-2DE6-83FA-A557-E89651277689}"/>
+              </a:ext>
+            </a:extLst>
+          </p:cNvPr>
+          <p:cNvCxnSpPr>
+            <a:cxnSpLocks/>
+            <a:endCxn id="7" idx="0"/>
+          </p:cNvCxnSpPr>
+          <p:nvPr/>
+        </p:nvCxnSpPr>
+        <p:spPr>
+          <a:xfrm>
+            <a:off x="2556985" y="1207002"/>
+            <a:ext cx="2800" cy="953236"/>
+          </a:xfrm>
+          <a:prstGeom prst="straightConnector1">
+            <a:avLst/>
+          </a:prstGeom>
+          <a:ln>
+            <a:solidFill>
+              <a:schemeClr val="tx1">
+                <a:lumMod val="50000"/>
+                <a:lumOff val="50000"/>
+              </a:schemeClr>
+            </a:solidFill>
+            <a:prstDash val="dash"/>
+            <a:headEnd type="none" w="sm" len="sm"/>
+            <a:tailEnd type="triangle" w="sm" len="sm"/>
+          </a:ln>
+        </p:spPr>
+        <p:style>
+          <a:lnRef idx="1">
+            <a:schemeClr val="accent1"/>
+          </a:lnRef>
+          <a:fillRef idx="0">
+            <a:schemeClr val="accent1"/>
+          </a:fillRef>
+          <a:effectRef idx="0">
+            <a:schemeClr val="accent1"/>
+          </a:effectRef>
+          <a:fontRef idx="minor">
+            <a:schemeClr val="tx1"/>
+          </a:fontRef>
+        </p:style>
+      </p:cxnSp>
+      <p:sp>
+        <p:nvSpPr>
+          <p:cNvPr id="38" name="Can 37">
+            <a:extLst>
+              <a:ext uri="{FF2B5EF4-FFF2-40B4-BE49-F238E27FC236}">
+                <a16:creationId xmlns:a16="http://schemas.microsoft.com/office/drawing/2014/main" id="{F8EB3F79-A766-254B-0ED2-E106E01F5587}"/>
+              </a:ext>
+            </a:extLst>
+          </p:cNvPr>
+          <p:cNvSpPr/>
+          <p:nvPr/>
+        </p:nvSpPr>
+        <p:spPr>
+          <a:xfrm>
+            <a:off x="2660437" y="1856534"/>
+            <a:ext cx="778212" cy="258103"/>
+          </a:xfrm>
+          <a:prstGeom prst="can">
+            <a:avLst/>
+          </a:prstGeom>
+          <a:solidFill>
+            <a:schemeClr val="accent6">
+              <a:lumMod val="20000"/>
+              <a:lumOff val="80000"/>
+            </a:schemeClr>
+          </a:solidFill>
+          <a:ln w="3175">
+            <a:solidFill>
+              <a:schemeClr val="accent6">
+                <a:lumMod val="60000"/>
+                <a:lumOff val="40000"/>
+              </a:schemeClr>
+            </a:solidFill>
+          </a:ln>
+        </p:spPr>
+        <p:style>
+          <a:lnRef idx="2">
+            <a:schemeClr val="accent1">
+              <a:shade val="50000"/>
+            </a:schemeClr>
+          </a:lnRef>
+          <a:fillRef idx="1">
+            <a:schemeClr val="accent1"/>
+          </a:fillRef>
+          <a:effectRef idx="0">
+            <a:schemeClr val="accent1"/>
+          </a:effectRef>
+          <a:fontRef idx="minor">
+            <a:schemeClr val="lt1"/>
+          </a:fontRef>
+        </p:style>
+        <p:txBody>
+          <a:bodyPr rtlCol="0" anchor="ctr"/>
+          <a:lstStyle/>
           <a:p>
             <a:pPr algn="ctr"/>
             <a:r>
@@ -6733,10 +8623,4408 @@
           </a:p>
         </p:txBody>
       </p:sp>
+      <p:sp>
+        <p:nvSpPr>
+          <p:cNvPr id="43" name="TextBox 42">
+            <a:extLst>
+              <a:ext uri="{FF2B5EF4-FFF2-40B4-BE49-F238E27FC236}">
+                <a16:creationId xmlns:a16="http://schemas.microsoft.com/office/drawing/2014/main" id="{D8891CD3-5FEA-55A3-13DF-6E4283927FB0}"/>
+              </a:ext>
+            </a:extLst>
+          </p:cNvPr>
+          <p:cNvSpPr txBox="1"/>
+          <p:nvPr/>
+        </p:nvSpPr>
+        <p:spPr>
+          <a:xfrm>
+            <a:off x="3355729" y="2179628"/>
+            <a:ext cx="159901" cy="123110"/>
+          </a:xfrm>
+          <a:prstGeom prst="rect">
+            <a:avLst/>
+          </a:prstGeom>
+          <a:noFill/>
+        </p:spPr>
+        <p:txBody>
+          <a:bodyPr wrap="square" lIns="0" tIns="0" rIns="0" bIns="0">
+            <a:spAutoFit/>
+          </a:bodyPr>
+          <a:lstStyle/>
+          <a:p>
+            <a:r>
+              <a:rPr lang="en-US" sz="800" dirty="0"/>
+              <a:t>Y</a:t>
+            </a:r>
+          </a:p>
+        </p:txBody>
+      </p:sp>
+      <p:cxnSp>
+        <p:nvCxnSpPr>
+          <p:cNvPr id="44" name="Elbow Connector 43">
+            <a:extLst>
+              <a:ext uri="{FF2B5EF4-FFF2-40B4-BE49-F238E27FC236}">
+                <a16:creationId xmlns:a16="http://schemas.microsoft.com/office/drawing/2014/main" id="{14531A8F-1D2C-5028-23CB-1E0C11C20D41}"/>
+              </a:ext>
+            </a:extLst>
+          </p:cNvPr>
+          <p:cNvCxnSpPr>
+            <a:cxnSpLocks/>
+            <a:stCxn id="7" idx="1"/>
+          </p:cNvCxnSpPr>
+          <p:nvPr/>
+        </p:nvCxnSpPr>
+        <p:spPr>
+          <a:xfrm rot="10800000">
+            <a:off x="1001282" y="612828"/>
+            <a:ext cx="772189" cy="1727021"/>
+          </a:xfrm>
+          <a:prstGeom prst="bentConnector2">
+            <a:avLst/>
+          </a:prstGeom>
+          <a:ln w="3175">
+            <a:solidFill>
+              <a:schemeClr val="tx1">
+                <a:lumMod val="50000"/>
+                <a:lumOff val="50000"/>
+              </a:schemeClr>
+            </a:solidFill>
+            <a:prstDash val="dash"/>
+            <a:tailEnd type="triangle" w="sm" len="sm"/>
+          </a:ln>
+        </p:spPr>
+        <p:style>
+          <a:lnRef idx="1">
+            <a:schemeClr val="accent1"/>
+          </a:lnRef>
+          <a:fillRef idx="0">
+            <a:schemeClr val="accent1"/>
+          </a:fillRef>
+          <a:effectRef idx="0">
+            <a:schemeClr val="accent1"/>
+          </a:effectRef>
+          <a:fontRef idx="minor">
+            <a:schemeClr val="tx1"/>
+          </a:fontRef>
+        </p:style>
+      </p:cxnSp>
+      <p:sp>
+        <p:nvSpPr>
+          <p:cNvPr id="48" name="TextBox 47">
+            <a:extLst>
+              <a:ext uri="{FF2B5EF4-FFF2-40B4-BE49-F238E27FC236}">
+                <a16:creationId xmlns:a16="http://schemas.microsoft.com/office/drawing/2014/main" id="{3162BE85-1BDC-EA13-B1EA-8CA18571038E}"/>
+              </a:ext>
+            </a:extLst>
+          </p:cNvPr>
+          <p:cNvSpPr txBox="1"/>
+          <p:nvPr/>
+        </p:nvSpPr>
+        <p:spPr>
+          <a:xfrm>
+            <a:off x="1718238" y="2186112"/>
+            <a:ext cx="159901" cy="123110"/>
+          </a:xfrm>
+          <a:prstGeom prst="rect">
+            <a:avLst/>
+          </a:prstGeom>
+          <a:noFill/>
+        </p:spPr>
+        <p:txBody>
+          <a:bodyPr wrap="square" lIns="0" tIns="0" rIns="0" bIns="0">
+            <a:spAutoFit/>
+          </a:bodyPr>
+          <a:lstStyle/>
+          <a:p>
+            <a:r>
+              <a:rPr lang="en-US" sz="800" dirty="0"/>
+              <a:t>N</a:t>
+            </a:r>
+          </a:p>
+        </p:txBody>
+      </p:sp>
+      <p:sp>
+        <p:nvSpPr>
+          <p:cNvPr id="49" name="직사각형 363">
+            <a:extLst>
+              <a:ext uri="{FF2B5EF4-FFF2-40B4-BE49-F238E27FC236}">
+                <a16:creationId xmlns:a16="http://schemas.microsoft.com/office/drawing/2014/main" id="{70F3C3A1-F9DE-6B52-E89E-B8FE1C3AA6E1}"/>
+              </a:ext>
+            </a:extLst>
+          </p:cNvPr>
+          <p:cNvSpPr/>
+          <p:nvPr/>
+        </p:nvSpPr>
+        <p:spPr>
+          <a:xfrm>
+            <a:off x="1753942" y="2570778"/>
+            <a:ext cx="1684708" cy="359218"/>
+          </a:xfrm>
+          <a:prstGeom prst="rect">
+            <a:avLst/>
+          </a:prstGeom>
+          <a:solidFill>
+            <a:schemeClr val="accent5">
+              <a:lumMod val="20000"/>
+              <a:lumOff val="80000"/>
+            </a:schemeClr>
+          </a:solidFill>
+          <a:ln w="3175" cap="flat" cmpd="sng" algn="ctr">
+            <a:noFill/>
+            <a:prstDash val="solid"/>
+            <a:miter lim="800000"/>
+          </a:ln>
+          <a:effectLst/>
+        </p:spPr>
+        <p:txBody>
+          <a:bodyPr lIns="0" rIns="0" rtlCol="0" anchor="ctr"/>
+          <a:lstStyle/>
+          <a:p>
+            <a:pPr algn="ctr">
+              <a:defRPr/>
+            </a:pPr>
+            <a:r>
+              <a:rPr kumimoji="0" lang="en-US" altLang="ko-KR" sz="1200" b="0" i="0" u="none" strike="noStrike" kern="0" cap="none" spc="0" normalizeH="0" baseline="0" noProof="0" dirty="0">
+                <a:ln>
+                  <a:noFill/>
+                </a:ln>
+                <a:solidFill>
+                  <a:prstClr val="black"/>
+                </a:solidFill>
+                <a:effectLst/>
+                <a:uLnTx/>
+                <a:uFillTx/>
+                <a:latin typeface="Calibri" panose="020F0502020204030204" pitchFamily="34" charset="0"/>
+                <a:ea typeface="맑은 고딕"/>
+              </a:rPr>
+              <a:t>   AWS Service Location</a:t>
+            </a:r>
+          </a:p>
+          <a:p>
+            <a:pPr algn="ctr">
+              <a:defRPr/>
+            </a:pPr>
+            <a:r>
+              <a:rPr lang="en-US" altLang="ko-KR" sz="800" kern="0" dirty="0">
+                <a:solidFill>
+                  <a:schemeClr val="tx1">
+                    <a:lumMod val="50000"/>
+                    <a:lumOff val="50000"/>
+                  </a:schemeClr>
+                </a:solidFill>
+                <a:latin typeface="Calibri" panose="020F0502020204030204" pitchFamily="34" charset="0"/>
+                <a:ea typeface="맑은 고딕"/>
+              </a:rPr>
+              <a:t>(e.g. @s3, @lambda)</a:t>
+            </a:r>
+            <a:endParaRPr kumimoji="0" lang="ko-KR" altLang="en-US" sz="800" b="0" i="0" u="none" strike="noStrike" kern="0" cap="none" spc="0" normalizeH="0" baseline="0" noProof="0" dirty="0">
+              <a:ln>
+                <a:noFill/>
+              </a:ln>
+              <a:solidFill>
+                <a:schemeClr val="tx1">
+                  <a:lumMod val="50000"/>
+                  <a:lumOff val="50000"/>
+                </a:schemeClr>
+              </a:solidFill>
+              <a:effectLst/>
+              <a:uLnTx/>
+              <a:uFillTx/>
+              <a:latin typeface="Calibri" panose="020F0502020204030204" pitchFamily="34" charset="0"/>
+              <a:ea typeface="맑은 고딕"/>
+            </a:endParaRPr>
+          </a:p>
+        </p:txBody>
+      </p:sp>
+      <p:sp>
+        <p:nvSpPr>
+          <p:cNvPr id="50" name="직사각형 363">
+            <a:extLst>
+              <a:ext uri="{FF2B5EF4-FFF2-40B4-BE49-F238E27FC236}">
+                <a16:creationId xmlns:a16="http://schemas.microsoft.com/office/drawing/2014/main" id="{692572AD-0090-62A2-2F49-36542DD2FCC3}"/>
+              </a:ext>
+            </a:extLst>
+          </p:cNvPr>
+          <p:cNvSpPr/>
+          <p:nvPr/>
+        </p:nvSpPr>
+        <p:spPr>
+          <a:xfrm rot="16200000">
+            <a:off x="6162396" y="1642982"/>
+            <a:ext cx="493776" cy="9546336"/>
+          </a:xfrm>
+          <a:prstGeom prst="rect">
+            <a:avLst/>
+          </a:prstGeom>
+          <a:solidFill>
+            <a:schemeClr val="bg1"/>
+          </a:solidFill>
+          <a:ln w="3175" cap="flat" cmpd="sng" algn="ctr">
+            <a:solidFill>
+              <a:schemeClr val="tx1">
+                <a:lumMod val="50000"/>
+                <a:lumOff val="50000"/>
+              </a:schemeClr>
+            </a:solidFill>
+            <a:prstDash val="dash"/>
+            <a:miter lim="800000"/>
+          </a:ln>
+          <a:effectLst/>
+        </p:spPr>
+        <p:txBody>
+          <a:bodyPr vert="vert" lIns="45720" tIns="45720" rIns="91440" bIns="45720" rtlCol="0" anchor="ctr" anchorCtr="0"/>
+          <a:lstStyle/>
+          <a:p>
+            <a:pPr algn="ctr">
+              <a:lnSpc>
+                <a:spcPct val="80000"/>
+              </a:lnSpc>
+            </a:pPr>
+            <a:endParaRPr lang="ko-KR" altLang="en-US" sz="1100" b="1" kern="0" dirty="0">
+              <a:solidFill>
+                <a:schemeClr val="tx1">
+                  <a:lumMod val="50000"/>
+                  <a:lumOff val="50000"/>
+                </a:schemeClr>
+              </a:solidFill>
+              <a:latin typeface="Calibri" panose="020F0502020204030204" pitchFamily="34" charset="0"/>
+              <a:ea typeface="맑은 고딕"/>
+            </a:endParaRPr>
+          </a:p>
+        </p:txBody>
+      </p:sp>
+      <p:pic>
+        <p:nvPicPr>
+          <p:cNvPr id="51" name="Picture 50">
+            <a:extLst>
+              <a:ext uri="{FF2B5EF4-FFF2-40B4-BE49-F238E27FC236}">
+                <a16:creationId xmlns:a16="http://schemas.microsoft.com/office/drawing/2014/main" id="{D610BF9E-70B6-9CCD-C83B-B572FA9E6C72}"/>
+              </a:ext>
+            </a:extLst>
+          </p:cNvPr>
+          <p:cNvPicPr>
+            <a:picLocks noChangeAspect="1"/>
+          </p:cNvPicPr>
+          <p:nvPr/>
+        </p:nvPicPr>
+        <p:blipFill>
+          <a:blip r:embed="rId2">
+            <a:duotone>
+              <a:schemeClr val="bg2">
+                <a:shade val="45000"/>
+                <a:satMod val="135000"/>
+              </a:schemeClr>
+              <a:prstClr val="white"/>
+            </a:duotone>
+          </a:blip>
+          <a:stretch>
+            <a:fillRect/>
+          </a:stretch>
+        </p:blipFill>
+        <p:spPr>
+          <a:xfrm>
+            <a:off x="1722022" y="6260352"/>
+            <a:ext cx="312233" cy="302476"/>
+          </a:xfrm>
+          <a:prstGeom prst="rect">
+            <a:avLst/>
+          </a:prstGeom>
+        </p:spPr>
+      </p:pic>
+      <p:sp>
+        <p:nvSpPr>
+          <p:cNvPr id="53" name="TextBox 52">
+            <a:extLst>
+              <a:ext uri="{FF2B5EF4-FFF2-40B4-BE49-F238E27FC236}">
+                <a16:creationId xmlns:a16="http://schemas.microsoft.com/office/drawing/2014/main" id="{EE40D7F5-61DF-E0B4-C2E5-D358DE977641}"/>
+              </a:ext>
+            </a:extLst>
+          </p:cNvPr>
+          <p:cNvSpPr txBox="1"/>
+          <p:nvPr/>
+        </p:nvSpPr>
+        <p:spPr>
+          <a:xfrm>
+            <a:off x="1773468" y="2936666"/>
+            <a:ext cx="1665182" cy="1600438"/>
+          </a:xfrm>
+          <a:prstGeom prst="rect">
+            <a:avLst/>
+          </a:prstGeom>
+          <a:noFill/>
+        </p:spPr>
+        <p:txBody>
+          <a:bodyPr wrap="square" lIns="0" tIns="0" rIns="0" bIns="0">
+            <a:spAutoFit/>
+          </a:bodyPr>
+          <a:lstStyle/>
+          <a:p>
+            <a:pPr algn="ctr"/>
+            <a:r>
+              <a:rPr lang="en-US" sz="800" dirty="0"/>
+              <a:t>:</a:t>
+            </a:r>
+          </a:p>
+          <a:p>
+            <a:pPr algn="ctr"/>
+            <a:endParaRPr lang="en-US" sz="800" dirty="0"/>
+          </a:p>
+          <a:p>
+            <a:pPr algn="ctr"/>
+            <a:endParaRPr lang="en-US" sz="800" dirty="0"/>
+          </a:p>
+          <a:p>
+            <a:pPr algn="ctr"/>
+            <a:endParaRPr lang="en-US" sz="800" dirty="0"/>
+          </a:p>
+          <a:p>
+            <a:pPr algn="ctr"/>
+            <a:endParaRPr lang="en-US" sz="800" dirty="0"/>
+          </a:p>
+          <a:p>
+            <a:pPr algn="ctr"/>
+            <a:endParaRPr lang="en-US" sz="800" dirty="0"/>
+          </a:p>
+          <a:p>
+            <a:pPr algn="ctr"/>
+            <a:endParaRPr lang="en-US" sz="800" dirty="0"/>
+          </a:p>
+          <a:p>
+            <a:pPr algn="ctr"/>
+            <a:endParaRPr lang="en-US" sz="800" dirty="0"/>
+          </a:p>
+          <a:p>
+            <a:pPr algn="ctr"/>
+            <a:endParaRPr lang="en-US" sz="800" dirty="0"/>
+          </a:p>
+          <a:p>
+            <a:pPr algn="ctr"/>
+            <a:endParaRPr lang="en-US" sz="800" dirty="0"/>
+          </a:p>
+          <a:p>
+            <a:pPr algn="ctr"/>
+            <a:endParaRPr lang="en-US" sz="800" dirty="0"/>
+          </a:p>
+          <a:p>
+            <a:pPr algn="ctr"/>
+            <a:endParaRPr lang="en-US" sz="800" dirty="0"/>
+          </a:p>
+          <a:p>
+            <a:pPr algn="ctr"/>
+            <a:r>
+              <a:rPr lang="en-US" sz="800" dirty="0"/>
+              <a:t>:</a:t>
+            </a:r>
+          </a:p>
+        </p:txBody>
+      </p:sp>
+      <p:cxnSp>
+        <p:nvCxnSpPr>
+          <p:cNvPr id="57" name="Straight Arrow Connector 56">
+            <a:extLst>
+              <a:ext uri="{FF2B5EF4-FFF2-40B4-BE49-F238E27FC236}">
+                <a16:creationId xmlns:a16="http://schemas.microsoft.com/office/drawing/2014/main" id="{ED8EB100-0D0D-DAAD-FE23-E8A9990B4CA4}"/>
+              </a:ext>
+            </a:extLst>
+          </p:cNvPr>
+          <p:cNvCxnSpPr>
+            <a:cxnSpLocks/>
+            <a:stCxn id="7" idx="3"/>
+            <a:endCxn id="19" idx="1"/>
+          </p:cNvCxnSpPr>
+          <p:nvPr/>
+        </p:nvCxnSpPr>
+        <p:spPr>
+          <a:xfrm>
+            <a:off x="3346099" y="2339848"/>
+            <a:ext cx="322730" cy="2441"/>
+          </a:xfrm>
+          <a:prstGeom prst="straightConnector1">
+            <a:avLst/>
+          </a:prstGeom>
+          <a:ln>
+            <a:solidFill>
+              <a:schemeClr val="accent6"/>
+            </a:solidFill>
+            <a:prstDash val="dash"/>
+            <a:headEnd type="none" w="sm" len="sm"/>
+            <a:tailEnd type="triangle" w="sm" len="sm"/>
+          </a:ln>
+        </p:spPr>
+        <p:style>
+          <a:lnRef idx="1">
+            <a:schemeClr val="accent1"/>
+          </a:lnRef>
+          <a:fillRef idx="0">
+            <a:schemeClr val="accent1"/>
+          </a:fillRef>
+          <a:effectRef idx="0">
+            <a:schemeClr val="accent1"/>
+          </a:effectRef>
+          <a:fontRef idx="minor">
+            <a:schemeClr val="tx1"/>
+          </a:fontRef>
+        </p:style>
+      </p:cxnSp>
+      <p:sp>
+        <p:nvSpPr>
+          <p:cNvPr id="66" name="TextBox 65">
+            <a:extLst>
+              <a:ext uri="{FF2B5EF4-FFF2-40B4-BE49-F238E27FC236}">
+                <a16:creationId xmlns:a16="http://schemas.microsoft.com/office/drawing/2014/main" id="{6011405F-15E2-3489-2982-E503FA4ABE98}"/>
+              </a:ext>
+            </a:extLst>
+          </p:cNvPr>
+          <p:cNvSpPr txBox="1"/>
+          <p:nvPr/>
+        </p:nvSpPr>
+        <p:spPr>
+          <a:xfrm>
+            <a:off x="5623415" y="1443786"/>
+            <a:ext cx="1572629" cy="461665"/>
+          </a:xfrm>
+          <a:prstGeom prst="rect">
+            <a:avLst/>
+          </a:prstGeom>
+          <a:noFill/>
+          <a:ln>
+            <a:solidFill>
+              <a:schemeClr val="accent6"/>
+            </a:solidFill>
+            <a:prstDash val="dash"/>
+          </a:ln>
+        </p:spPr>
+        <p:txBody>
+          <a:bodyPr wrap="square" lIns="45720" tIns="45720" rIns="0" bIns="45720">
+            <a:spAutoFit/>
+          </a:bodyPr>
+          <a:lstStyle/>
+          <a:p>
+            <a:pPr marL="57150" indent="-57150">
+              <a:buFont typeface="Arial" panose="020B0604020202020204" pitchFamily="34" charset="0"/>
+              <a:buChar char="•"/>
+            </a:pPr>
+            <a:r>
+              <a:rPr lang="en-US" sz="800" b="0" dirty="0">
+                <a:solidFill>
+                  <a:srgbClr val="000000"/>
+                </a:solidFill>
+                <a:effectLst/>
+              </a:rPr>
+              <a:t>_fetchEcsRoleCredentials()</a:t>
+            </a:r>
+          </a:p>
+          <a:p>
+            <a:pPr marL="57150" indent="-57150">
+              <a:buFont typeface="Arial" panose="020B0604020202020204" pitchFamily="34" charset="0"/>
+              <a:buChar char="•"/>
+            </a:pPr>
+            <a:r>
+              <a:rPr lang="en-US" sz="800" b="0" dirty="0">
+                <a:solidFill>
+                  <a:srgbClr val="000000"/>
+                </a:solidFill>
+                <a:effectLst/>
+              </a:rPr>
+              <a:t>_fetchWebIdentityCredentials()</a:t>
+            </a:r>
+          </a:p>
+          <a:p>
+            <a:pPr marL="57150" indent="-57150">
+              <a:buFont typeface="Arial" panose="020B0604020202020204" pitchFamily="34" charset="0"/>
+              <a:buChar char="•"/>
+            </a:pPr>
+            <a:r>
+              <a:rPr lang="en-US" sz="800" b="0" dirty="0">
+                <a:solidFill>
+                  <a:srgbClr val="000000"/>
+                </a:solidFill>
+                <a:effectLst/>
+              </a:rPr>
+              <a:t>_fetchEC2RoleCredentials()</a:t>
+            </a:r>
+          </a:p>
+        </p:txBody>
+      </p:sp>
+      <p:sp>
+        <p:nvSpPr>
+          <p:cNvPr id="67" name="TextBox 66">
+            <a:extLst>
+              <a:ext uri="{FF2B5EF4-FFF2-40B4-BE49-F238E27FC236}">
+                <a16:creationId xmlns:a16="http://schemas.microsoft.com/office/drawing/2014/main" id="{29CD4E00-05ED-98CC-CEC2-27C7B2F6937D}"/>
+              </a:ext>
+            </a:extLst>
+          </p:cNvPr>
+          <p:cNvSpPr txBox="1"/>
+          <p:nvPr/>
+        </p:nvSpPr>
+        <p:spPr>
+          <a:xfrm>
+            <a:off x="5623414" y="1942591"/>
+            <a:ext cx="1572629" cy="215444"/>
+          </a:xfrm>
+          <a:prstGeom prst="rect">
+            <a:avLst/>
+          </a:prstGeom>
+          <a:noFill/>
+          <a:ln>
+            <a:solidFill>
+              <a:schemeClr val="accent6"/>
+            </a:solidFill>
+            <a:prstDash val="dash"/>
+          </a:ln>
+        </p:spPr>
+        <p:txBody>
+          <a:bodyPr wrap="square" lIns="45720" tIns="45720" rIns="0" bIns="45720">
+            <a:spAutoFit/>
+          </a:bodyPr>
+          <a:lstStyle/>
+          <a:p>
+            <a:pPr marL="57150" indent="-57150">
+              <a:buFont typeface="Arial" panose="020B0604020202020204" pitchFamily="34" charset="0"/>
+              <a:buChar char="•"/>
+            </a:pPr>
+            <a:r>
+              <a:rPr lang="en-US" sz="800" dirty="0"/>
+              <a:t>writeCredentials()</a:t>
+            </a:r>
+          </a:p>
+        </p:txBody>
+      </p:sp>
+      <p:sp>
+        <p:nvSpPr>
+          <p:cNvPr id="79" name="Oval 78">
+            <a:extLst>
+              <a:ext uri="{FF2B5EF4-FFF2-40B4-BE49-F238E27FC236}">
+                <a16:creationId xmlns:a16="http://schemas.microsoft.com/office/drawing/2014/main" id="{8971C176-5135-DDA9-1169-7B7F52145B47}"/>
+              </a:ext>
+            </a:extLst>
+          </p:cNvPr>
+          <p:cNvSpPr>
+            <a:spLocks/>
+          </p:cNvSpPr>
+          <p:nvPr/>
+        </p:nvSpPr>
+        <p:spPr>
+          <a:xfrm>
+            <a:off x="3648040" y="2136362"/>
+            <a:ext cx="137160" cy="137160"/>
+          </a:xfrm>
+          <a:prstGeom prst="ellipse">
+            <a:avLst/>
+          </a:prstGeom>
+          <a:solidFill>
+            <a:schemeClr val="accent6">
+              <a:lumMod val="75000"/>
+            </a:schemeClr>
+          </a:solidFill>
+          <a:ln>
+            <a:solidFill>
+              <a:schemeClr val="accent6">
+                <a:lumMod val="50000"/>
+              </a:schemeClr>
+            </a:solidFill>
+          </a:ln>
+        </p:spPr>
+        <p:style>
+          <a:lnRef idx="2">
+            <a:schemeClr val="accent1">
+              <a:shade val="50000"/>
+            </a:schemeClr>
+          </a:lnRef>
+          <a:fillRef idx="1">
+            <a:schemeClr val="accent1"/>
+          </a:fillRef>
+          <a:effectRef idx="0">
+            <a:schemeClr val="accent1"/>
+          </a:effectRef>
+          <a:fontRef idx="minor">
+            <a:schemeClr val="lt1"/>
+          </a:fontRef>
+        </p:style>
+        <p:txBody>
+          <a:bodyPr lIns="0" tIns="0" rIns="0" bIns="0" rtlCol="0" anchor="ctr"/>
+          <a:lstStyle/>
+          <a:p>
+            <a:pPr algn="ctr"/>
+            <a:r>
+              <a:rPr lang="en-US" sz="800" dirty="0">
+                <a:solidFill>
+                  <a:schemeClr val="bg1"/>
+                </a:solidFill>
+              </a:rPr>
+              <a:t>3</a:t>
+            </a:r>
+          </a:p>
+        </p:txBody>
+      </p:sp>
+      <p:sp>
+        <p:nvSpPr>
+          <p:cNvPr id="89" name="Oval 88">
+            <a:extLst>
+              <a:ext uri="{FF2B5EF4-FFF2-40B4-BE49-F238E27FC236}">
+                <a16:creationId xmlns:a16="http://schemas.microsoft.com/office/drawing/2014/main" id="{1885EF79-D978-8054-C3A3-4289EA5DD4EA}"/>
+              </a:ext>
+            </a:extLst>
+          </p:cNvPr>
+          <p:cNvSpPr>
+            <a:spLocks/>
+          </p:cNvSpPr>
+          <p:nvPr/>
+        </p:nvSpPr>
+        <p:spPr>
+          <a:xfrm>
+            <a:off x="1806271" y="2619505"/>
+            <a:ext cx="137160" cy="137160"/>
+          </a:xfrm>
+          <a:prstGeom prst="ellipse">
+            <a:avLst/>
+          </a:prstGeom>
+          <a:solidFill>
+            <a:schemeClr val="accent6">
+              <a:lumMod val="75000"/>
+            </a:schemeClr>
+          </a:solidFill>
+          <a:ln>
+            <a:solidFill>
+              <a:schemeClr val="accent6">
+                <a:lumMod val="50000"/>
+              </a:schemeClr>
+            </a:solidFill>
+          </a:ln>
+        </p:spPr>
+        <p:style>
+          <a:lnRef idx="2">
+            <a:schemeClr val="accent1">
+              <a:shade val="50000"/>
+            </a:schemeClr>
+          </a:lnRef>
+          <a:fillRef idx="1">
+            <a:schemeClr val="accent1"/>
+          </a:fillRef>
+          <a:effectRef idx="0">
+            <a:schemeClr val="accent1"/>
+          </a:effectRef>
+          <a:fontRef idx="minor">
+            <a:schemeClr val="lt1"/>
+          </a:fontRef>
+        </p:style>
+        <p:txBody>
+          <a:bodyPr lIns="0" tIns="0" rIns="0" bIns="0" rtlCol="0" anchor="ctr"/>
+          <a:lstStyle/>
+          <a:p>
+            <a:pPr algn="ctr"/>
+            <a:r>
+              <a:rPr lang="en-US" sz="800" dirty="0">
+                <a:solidFill>
+                  <a:schemeClr val="bg1"/>
+                </a:solidFill>
+              </a:rPr>
+              <a:t>4</a:t>
+            </a:r>
+          </a:p>
+        </p:txBody>
+      </p:sp>
+      <p:sp>
+        <p:nvSpPr>
+          <p:cNvPr id="90" name="Oval 89">
+            <a:extLst>
+              <a:ext uri="{FF2B5EF4-FFF2-40B4-BE49-F238E27FC236}">
+                <a16:creationId xmlns:a16="http://schemas.microsoft.com/office/drawing/2014/main" id="{1844A579-22B2-55F9-04BE-B3C9DCFC2891}"/>
+              </a:ext>
+            </a:extLst>
+          </p:cNvPr>
+          <p:cNvSpPr>
+            <a:spLocks/>
+          </p:cNvSpPr>
+          <p:nvPr/>
+        </p:nvSpPr>
+        <p:spPr>
+          <a:xfrm>
+            <a:off x="3661012" y="3443125"/>
+            <a:ext cx="137160" cy="137160"/>
+          </a:xfrm>
+          <a:prstGeom prst="ellipse">
+            <a:avLst/>
+          </a:prstGeom>
+          <a:solidFill>
+            <a:schemeClr val="accent6">
+              <a:lumMod val="75000"/>
+            </a:schemeClr>
+          </a:solidFill>
+          <a:ln>
+            <a:solidFill>
+              <a:schemeClr val="accent6">
+                <a:lumMod val="50000"/>
+              </a:schemeClr>
+            </a:solidFill>
+          </a:ln>
+        </p:spPr>
+        <p:style>
+          <a:lnRef idx="2">
+            <a:schemeClr val="accent1">
+              <a:shade val="50000"/>
+            </a:schemeClr>
+          </a:lnRef>
+          <a:fillRef idx="1">
+            <a:schemeClr val="accent1"/>
+          </a:fillRef>
+          <a:effectRef idx="0">
+            <a:schemeClr val="accent1"/>
+          </a:effectRef>
+          <a:fontRef idx="minor">
+            <a:schemeClr val="lt1"/>
+          </a:fontRef>
+        </p:style>
+        <p:txBody>
+          <a:bodyPr lIns="0" tIns="0" rIns="0" bIns="0" rtlCol="0" anchor="ctr"/>
+          <a:lstStyle/>
+          <a:p>
+            <a:pPr algn="ctr"/>
+            <a:r>
+              <a:rPr lang="en-US" sz="800" dirty="0">
+                <a:solidFill>
+                  <a:schemeClr val="bg1"/>
+                </a:solidFill>
+              </a:rPr>
+              <a:t>6</a:t>
+            </a:r>
+          </a:p>
+        </p:txBody>
+      </p:sp>
+      <p:grpSp>
+        <p:nvGrpSpPr>
+          <p:cNvPr id="99" name="Group 98">
+            <a:extLst>
+              <a:ext uri="{FF2B5EF4-FFF2-40B4-BE49-F238E27FC236}">
+                <a16:creationId xmlns:a16="http://schemas.microsoft.com/office/drawing/2014/main" id="{69F771B3-E42E-26C6-87BA-5DF12D14896D}"/>
+              </a:ext>
+            </a:extLst>
+          </p:cNvPr>
+          <p:cNvGrpSpPr/>
+          <p:nvPr/>
+        </p:nvGrpSpPr>
+        <p:grpSpPr>
+          <a:xfrm>
+            <a:off x="2105237" y="6256013"/>
+            <a:ext cx="9003750" cy="307445"/>
+            <a:chOff x="2105237" y="5886373"/>
+            <a:chExt cx="9850750" cy="307445"/>
+          </a:xfrm>
+        </p:grpSpPr>
+        <p:sp>
+          <p:nvSpPr>
+            <p:cNvPr id="91" name="직사각형 363">
+              <a:extLst>
+                <a:ext uri="{FF2B5EF4-FFF2-40B4-BE49-F238E27FC236}">
+                  <a16:creationId xmlns:a16="http://schemas.microsoft.com/office/drawing/2014/main" id="{7392C2C8-7494-E2ED-FA5C-BD5C422671EA}"/>
+                </a:ext>
+              </a:extLst>
+            </p:cNvPr>
+            <p:cNvSpPr/>
+            <p:nvPr/>
+          </p:nvSpPr>
+          <p:spPr>
+            <a:xfrm rot="16200000">
+              <a:off x="2533119" y="5469109"/>
+              <a:ext cx="294848" cy="1150612"/>
+            </a:xfrm>
+            <a:prstGeom prst="rect">
+              <a:avLst/>
+            </a:prstGeom>
+            <a:solidFill>
+              <a:schemeClr val="bg1"/>
+            </a:solidFill>
+            <a:ln w="3175" cap="flat" cmpd="sng" algn="ctr">
+              <a:solidFill>
+                <a:schemeClr val="tx1">
+                  <a:lumMod val="50000"/>
+                  <a:lumOff val="50000"/>
+                </a:schemeClr>
+              </a:solidFill>
+              <a:prstDash val="dash"/>
+              <a:miter lim="800000"/>
+            </a:ln>
+            <a:effectLst/>
+          </p:spPr>
+          <p:txBody>
+            <a:bodyPr vert="vert" lIns="45720" tIns="45720" rIns="91440" bIns="45720" rtlCol="0" anchor="ctr" anchorCtr="0"/>
+            <a:lstStyle/>
+            <a:p>
+              <a:pPr algn="ctr">
+                <a:lnSpc>
+                  <a:spcPct val="80000"/>
+                </a:lnSpc>
+              </a:pPr>
+              <a:r>
+                <a:rPr lang="en-US" altLang="ko-KR" sz="1100" b="1" kern="0" dirty="0">
+                  <a:solidFill>
+                    <a:schemeClr val="tx1">
+                      <a:lumMod val="50000"/>
+                      <a:lumOff val="50000"/>
+                    </a:schemeClr>
+                  </a:solidFill>
+                  <a:latin typeface="Calibri" panose="020F0502020204030204" pitchFamily="34" charset="0"/>
+                  <a:ea typeface="맑은 고딕"/>
+                </a:rPr>
+                <a:t>S3 or S3 compatible svc</a:t>
+              </a:r>
+              <a:endParaRPr lang="ko-KR" altLang="en-US" sz="1100" b="1" kern="0" dirty="0">
+                <a:solidFill>
+                  <a:schemeClr val="tx1">
+                    <a:lumMod val="50000"/>
+                    <a:lumOff val="50000"/>
+                  </a:schemeClr>
+                </a:solidFill>
+                <a:latin typeface="Calibri" panose="020F0502020204030204" pitchFamily="34" charset="0"/>
+                <a:ea typeface="맑은 고딕"/>
+              </a:endParaRPr>
+            </a:p>
+          </p:txBody>
+        </p:sp>
+        <p:sp>
+          <p:nvSpPr>
+            <p:cNvPr id="92" name="직사각형 363">
+              <a:extLst>
+                <a:ext uri="{FF2B5EF4-FFF2-40B4-BE49-F238E27FC236}">
+                  <a16:creationId xmlns:a16="http://schemas.microsoft.com/office/drawing/2014/main" id="{0BA67543-E648-74A0-FF14-4DAAFA77D069}"/>
+                </a:ext>
+              </a:extLst>
+            </p:cNvPr>
+            <p:cNvSpPr/>
+            <p:nvPr/>
+          </p:nvSpPr>
+          <p:spPr>
+            <a:xfrm rot="16200000">
+              <a:off x="3773823" y="5462830"/>
+              <a:ext cx="294848" cy="1150612"/>
+            </a:xfrm>
+            <a:prstGeom prst="rect">
+              <a:avLst/>
+            </a:prstGeom>
+            <a:solidFill>
+              <a:schemeClr val="bg1"/>
+            </a:solidFill>
+            <a:ln w="3175" cap="flat" cmpd="sng" algn="ctr">
+              <a:solidFill>
+                <a:schemeClr val="tx1">
+                  <a:lumMod val="50000"/>
+                  <a:lumOff val="50000"/>
+                </a:schemeClr>
+              </a:solidFill>
+              <a:prstDash val="dash"/>
+              <a:miter lim="800000"/>
+            </a:ln>
+            <a:effectLst/>
+          </p:spPr>
+          <p:txBody>
+            <a:bodyPr vert="vert" lIns="45720" tIns="45720" rIns="91440" bIns="45720" rtlCol="0" anchor="ctr" anchorCtr="0"/>
+            <a:lstStyle/>
+            <a:p>
+              <a:pPr algn="ctr">
+                <a:lnSpc>
+                  <a:spcPct val="80000"/>
+                </a:lnSpc>
+              </a:pPr>
+              <a:r>
+                <a:rPr lang="en-US" altLang="ko-KR" sz="1100" b="1" kern="0" dirty="0">
+                  <a:solidFill>
+                    <a:schemeClr val="tx1">
+                      <a:lumMod val="50000"/>
+                      <a:lumOff val="50000"/>
+                    </a:schemeClr>
+                  </a:solidFill>
+                  <a:latin typeface="Calibri" panose="020F0502020204030204" pitchFamily="34" charset="0"/>
+                  <a:ea typeface="맑은 고딕"/>
+                </a:rPr>
+                <a:t>Lambda</a:t>
+              </a:r>
+              <a:endParaRPr lang="ko-KR" altLang="en-US" sz="1100" b="1" kern="0" dirty="0">
+                <a:solidFill>
+                  <a:schemeClr val="tx1">
+                    <a:lumMod val="50000"/>
+                    <a:lumOff val="50000"/>
+                  </a:schemeClr>
+                </a:solidFill>
+                <a:latin typeface="Calibri" panose="020F0502020204030204" pitchFamily="34" charset="0"/>
+                <a:ea typeface="맑은 고딕"/>
+              </a:endParaRPr>
+            </a:p>
+          </p:txBody>
+        </p:sp>
+        <p:sp>
+          <p:nvSpPr>
+            <p:cNvPr id="93" name="직사각형 363">
+              <a:extLst>
+                <a:ext uri="{FF2B5EF4-FFF2-40B4-BE49-F238E27FC236}">
+                  <a16:creationId xmlns:a16="http://schemas.microsoft.com/office/drawing/2014/main" id="{2A7FBCD4-A442-0C93-F4E6-737554713EFA}"/>
+                </a:ext>
+              </a:extLst>
+            </p:cNvPr>
+            <p:cNvSpPr/>
+            <p:nvPr/>
+          </p:nvSpPr>
+          <p:spPr>
+            <a:xfrm rot="16200000">
+              <a:off x="5014526" y="5458491"/>
+              <a:ext cx="294848" cy="1150612"/>
+            </a:xfrm>
+            <a:prstGeom prst="rect">
+              <a:avLst/>
+            </a:prstGeom>
+            <a:solidFill>
+              <a:schemeClr val="bg1"/>
+            </a:solidFill>
+            <a:ln w="3175" cap="flat" cmpd="sng" algn="ctr">
+              <a:solidFill>
+                <a:schemeClr val="tx1">
+                  <a:lumMod val="50000"/>
+                  <a:lumOff val="50000"/>
+                </a:schemeClr>
+              </a:solidFill>
+              <a:prstDash val="dash"/>
+              <a:miter lim="800000"/>
+            </a:ln>
+            <a:effectLst/>
+          </p:spPr>
+          <p:txBody>
+            <a:bodyPr vert="vert" lIns="45720" tIns="45720" rIns="91440" bIns="45720" rtlCol="0" anchor="ctr" anchorCtr="0"/>
+            <a:lstStyle/>
+            <a:p>
+              <a:pPr algn="ctr">
+                <a:lnSpc>
+                  <a:spcPct val="80000"/>
+                </a:lnSpc>
+              </a:pPr>
+              <a:r>
+                <a:rPr lang="en-US" altLang="ko-KR" sz="1100" b="1" kern="0" dirty="0">
+                  <a:solidFill>
+                    <a:schemeClr val="tx1">
+                      <a:lumMod val="50000"/>
+                      <a:lumOff val="50000"/>
+                    </a:schemeClr>
+                  </a:solidFill>
+                  <a:latin typeface="Calibri" panose="020F0502020204030204" pitchFamily="34" charset="0"/>
+                  <a:ea typeface="맑은 고딕"/>
+                </a:rPr>
+                <a:t>EC2</a:t>
+              </a:r>
+              <a:endParaRPr lang="ko-KR" altLang="en-US" sz="1100" b="1" kern="0" dirty="0">
+                <a:solidFill>
+                  <a:schemeClr val="tx1">
+                    <a:lumMod val="50000"/>
+                    <a:lumOff val="50000"/>
+                  </a:schemeClr>
+                </a:solidFill>
+                <a:latin typeface="Calibri" panose="020F0502020204030204" pitchFamily="34" charset="0"/>
+                <a:ea typeface="맑은 고딕"/>
+              </a:endParaRPr>
+            </a:p>
+          </p:txBody>
+        </p:sp>
+        <p:sp>
+          <p:nvSpPr>
+            <p:cNvPr id="94" name="직사각형 363">
+              <a:extLst>
+                <a:ext uri="{FF2B5EF4-FFF2-40B4-BE49-F238E27FC236}">
+                  <a16:creationId xmlns:a16="http://schemas.microsoft.com/office/drawing/2014/main" id="{54E28704-FA83-B3AA-9FD1-01D89DA13236}"/>
+                </a:ext>
+              </a:extLst>
+            </p:cNvPr>
+            <p:cNvSpPr/>
+            <p:nvPr/>
+          </p:nvSpPr>
+          <p:spPr>
+            <a:xfrm rot="16200000">
+              <a:off x="6269587" y="5466644"/>
+              <a:ext cx="294848" cy="1150612"/>
+            </a:xfrm>
+            <a:prstGeom prst="rect">
+              <a:avLst/>
+            </a:prstGeom>
+            <a:solidFill>
+              <a:schemeClr val="bg1"/>
+            </a:solidFill>
+            <a:ln w="3175" cap="flat" cmpd="sng" algn="ctr">
+              <a:solidFill>
+                <a:schemeClr val="tx1">
+                  <a:lumMod val="50000"/>
+                  <a:lumOff val="50000"/>
+                </a:schemeClr>
+              </a:solidFill>
+              <a:prstDash val="dash"/>
+              <a:miter lim="800000"/>
+            </a:ln>
+            <a:effectLst/>
+          </p:spPr>
+          <p:txBody>
+            <a:bodyPr vert="vert" lIns="45720" tIns="45720" rIns="91440" bIns="45720" rtlCol="0" anchor="ctr" anchorCtr="0"/>
+            <a:lstStyle/>
+            <a:p>
+              <a:pPr algn="ctr">
+                <a:lnSpc>
+                  <a:spcPct val="80000"/>
+                </a:lnSpc>
+              </a:pPr>
+              <a:r>
+                <a:rPr lang="en-US" altLang="ko-KR" sz="1100" b="1" kern="0" dirty="0">
+                  <a:solidFill>
+                    <a:schemeClr val="tx1">
+                      <a:lumMod val="50000"/>
+                      <a:lumOff val="50000"/>
+                    </a:schemeClr>
+                  </a:solidFill>
+                  <a:latin typeface="Calibri" panose="020F0502020204030204" pitchFamily="34" charset="0"/>
+                  <a:ea typeface="맑은 고딕"/>
+                </a:rPr>
+                <a:t>IAM</a:t>
+              </a:r>
+              <a:endParaRPr lang="ko-KR" altLang="en-US" sz="1100" b="1" kern="0" dirty="0">
+                <a:solidFill>
+                  <a:schemeClr val="tx1">
+                    <a:lumMod val="50000"/>
+                    <a:lumOff val="50000"/>
+                  </a:schemeClr>
+                </a:solidFill>
+                <a:latin typeface="Calibri" panose="020F0502020204030204" pitchFamily="34" charset="0"/>
+                <a:ea typeface="맑은 고딕"/>
+              </a:endParaRPr>
+            </a:p>
+          </p:txBody>
+        </p:sp>
+        <p:sp>
+          <p:nvSpPr>
+            <p:cNvPr id="95" name="직사각형 363">
+              <a:extLst>
+                <a:ext uri="{FF2B5EF4-FFF2-40B4-BE49-F238E27FC236}">
+                  <a16:creationId xmlns:a16="http://schemas.microsoft.com/office/drawing/2014/main" id="{77200AD0-E744-1E41-BC79-B0BB1B92F1A5}"/>
+                </a:ext>
+              </a:extLst>
+            </p:cNvPr>
+            <p:cNvSpPr/>
+            <p:nvPr/>
+          </p:nvSpPr>
+          <p:spPr>
+            <a:xfrm rot="16200000">
+              <a:off x="7524648" y="5466643"/>
+              <a:ext cx="294848" cy="1150612"/>
+            </a:xfrm>
+            <a:prstGeom prst="rect">
+              <a:avLst/>
+            </a:prstGeom>
+            <a:solidFill>
+              <a:schemeClr val="bg1"/>
+            </a:solidFill>
+            <a:ln w="3175" cap="flat" cmpd="sng" algn="ctr">
+              <a:solidFill>
+                <a:schemeClr val="tx1">
+                  <a:lumMod val="50000"/>
+                  <a:lumOff val="50000"/>
+                </a:schemeClr>
+              </a:solidFill>
+              <a:prstDash val="dash"/>
+              <a:miter lim="800000"/>
+            </a:ln>
+            <a:effectLst/>
+          </p:spPr>
+          <p:txBody>
+            <a:bodyPr vert="vert" lIns="45720" tIns="45720" rIns="91440" bIns="45720" rtlCol="0" anchor="ctr" anchorCtr="0"/>
+            <a:lstStyle/>
+            <a:p>
+              <a:pPr algn="ctr">
+                <a:lnSpc>
+                  <a:spcPct val="80000"/>
+                </a:lnSpc>
+              </a:pPr>
+              <a:r>
+                <a:rPr lang="en-US" altLang="ko-KR" sz="1100" b="1" kern="0" dirty="0">
+                  <a:solidFill>
+                    <a:schemeClr val="tx1">
+                      <a:lumMod val="50000"/>
+                      <a:lumOff val="50000"/>
+                    </a:schemeClr>
+                  </a:solidFill>
+                  <a:latin typeface="Calibri" panose="020F0502020204030204" pitchFamily="34" charset="0"/>
+                  <a:ea typeface="맑은 고딕"/>
+                </a:rPr>
+                <a:t>ECS</a:t>
+              </a:r>
+              <a:endParaRPr lang="ko-KR" altLang="en-US" sz="1100" b="1" kern="0" dirty="0">
+                <a:solidFill>
+                  <a:schemeClr val="tx1">
+                    <a:lumMod val="50000"/>
+                    <a:lumOff val="50000"/>
+                  </a:schemeClr>
+                </a:solidFill>
+                <a:latin typeface="Calibri" panose="020F0502020204030204" pitchFamily="34" charset="0"/>
+                <a:ea typeface="맑은 고딕"/>
+              </a:endParaRPr>
+            </a:p>
+          </p:txBody>
+        </p:sp>
+        <p:sp>
+          <p:nvSpPr>
+            <p:cNvPr id="96" name="직사각형 363">
+              <a:extLst>
+                <a:ext uri="{FF2B5EF4-FFF2-40B4-BE49-F238E27FC236}">
+                  <a16:creationId xmlns:a16="http://schemas.microsoft.com/office/drawing/2014/main" id="{00A1A0E6-5018-5850-A7E8-AF2CFA7A6112}"/>
+                </a:ext>
+              </a:extLst>
+            </p:cNvPr>
+            <p:cNvSpPr/>
+            <p:nvPr/>
+          </p:nvSpPr>
+          <p:spPr>
+            <a:xfrm rot="16200000">
+              <a:off x="8750993" y="5467714"/>
+              <a:ext cx="294848" cy="1150612"/>
+            </a:xfrm>
+            <a:prstGeom prst="rect">
+              <a:avLst/>
+            </a:prstGeom>
+            <a:solidFill>
+              <a:schemeClr val="bg1"/>
+            </a:solidFill>
+            <a:ln w="3175" cap="flat" cmpd="sng" algn="ctr">
+              <a:solidFill>
+                <a:schemeClr val="tx1">
+                  <a:lumMod val="50000"/>
+                  <a:lumOff val="50000"/>
+                </a:schemeClr>
+              </a:solidFill>
+              <a:prstDash val="dash"/>
+              <a:miter lim="800000"/>
+            </a:ln>
+            <a:effectLst/>
+          </p:spPr>
+          <p:txBody>
+            <a:bodyPr vert="vert" lIns="45720" tIns="45720" rIns="91440" bIns="45720" rtlCol="0" anchor="ctr" anchorCtr="0"/>
+            <a:lstStyle/>
+            <a:p>
+              <a:pPr algn="ctr">
+                <a:lnSpc>
+                  <a:spcPct val="80000"/>
+                </a:lnSpc>
+              </a:pPr>
+              <a:r>
+                <a:rPr lang="en-US" altLang="ko-KR" sz="1100" b="1" kern="0" dirty="0">
+                  <a:solidFill>
+                    <a:schemeClr val="tx1">
+                      <a:lumMod val="50000"/>
+                      <a:lumOff val="50000"/>
+                    </a:schemeClr>
+                  </a:solidFill>
+                  <a:latin typeface="Calibri" panose="020F0502020204030204" pitchFamily="34" charset="0"/>
+                  <a:ea typeface="맑은 고딕"/>
+                </a:rPr>
+                <a:t>EKS</a:t>
+              </a:r>
+              <a:endParaRPr lang="ko-KR" altLang="en-US" sz="1100" b="1" kern="0" dirty="0">
+                <a:solidFill>
+                  <a:schemeClr val="tx1">
+                    <a:lumMod val="50000"/>
+                    <a:lumOff val="50000"/>
+                  </a:schemeClr>
+                </a:solidFill>
+                <a:latin typeface="Calibri" panose="020F0502020204030204" pitchFamily="34" charset="0"/>
+                <a:ea typeface="맑은 고딕"/>
+              </a:endParaRPr>
+            </a:p>
+          </p:txBody>
+        </p:sp>
+        <p:sp>
+          <p:nvSpPr>
+            <p:cNvPr id="97" name="직사각형 363">
+              <a:extLst>
+                <a:ext uri="{FF2B5EF4-FFF2-40B4-BE49-F238E27FC236}">
+                  <a16:creationId xmlns:a16="http://schemas.microsoft.com/office/drawing/2014/main" id="{E17F6383-4377-2F35-C1A5-59B16BDA132A}"/>
+                </a:ext>
+              </a:extLst>
+            </p:cNvPr>
+            <p:cNvSpPr/>
+            <p:nvPr/>
+          </p:nvSpPr>
+          <p:spPr>
+            <a:xfrm rot="16200000">
+              <a:off x="9977256" y="5466642"/>
+              <a:ext cx="294848" cy="1150612"/>
+            </a:xfrm>
+            <a:prstGeom prst="rect">
+              <a:avLst/>
+            </a:prstGeom>
+            <a:solidFill>
+              <a:schemeClr val="bg1"/>
+            </a:solidFill>
+            <a:ln w="3175" cap="flat" cmpd="sng" algn="ctr">
+              <a:solidFill>
+                <a:schemeClr val="tx1">
+                  <a:lumMod val="50000"/>
+                  <a:lumOff val="50000"/>
+                </a:schemeClr>
+              </a:solidFill>
+              <a:prstDash val="dash"/>
+              <a:miter lim="800000"/>
+            </a:ln>
+            <a:effectLst/>
+          </p:spPr>
+          <p:txBody>
+            <a:bodyPr vert="vert" lIns="45720" tIns="45720" rIns="91440" bIns="45720" rtlCol="0" anchor="ctr" anchorCtr="0"/>
+            <a:lstStyle/>
+            <a:p>
+              <a:pPr algn="ctr">
+                <a:lnSpc>
+                  <a:spcPct val="80000"/>
+                </a:lnSpc>
+              </a:pPr>
+              <a:r>
+                <a:rPr lang="en-US" altLang="ko-KR" sz="1100" b="1" kern="0" dirty="0">
+                  <a:solidFill>
+                    <a:schemeClr val="tx1">
+                      <a:lumMod val="50000"/>
+                      <a:lumOff val="50000"/>
+                    </a:schemeClr>
+                  </a:solidFill>
+                  <a:latin typeface="Calibri" panose="020F0502020204030204" pitchFamily="34" charset="0"/>
+                  <a:ea typeface="맑은 고딕"/>
+                </a:rPr>
+                <a:t>STS</a:t>
+              </a:r>
+              <a:endParaRPr lang="ko-KR" altLang="en-US" sz="1100" b="1" kern="0" dirty="0">
+                <a:solidFill>
+                  <a:schemeClr val="tx1">
+                    <a:lumMod val="50000"/>
+                    <a:lumOff val="50000"/>
+                  </a:schemeClr>
+                </a:solidFill>
+                <a:latin typeface="Calibri" panose="020F0502020204030204" pitchFamily="34" charset="0"/>
+                <a:ea typeface="맑은 고딕"/>
+              </a:endParaRPr>
+            </a:p>
+          </p:txBody>
+        </p:sp>
+        <p:sp>
+          <p:nvSpPr>
+            <p:cNvPr id="98" name="직사각형 363">
+              <a:extLst>
+                <a:ext uri="{FF2B5EF4-FFF2-40B4-BE49-F238E27FC236}">
+                  <a16:creationId xmlns:a16="http://schemas.microsoft.com/office/drawing/2014/main" id="{F40303B0-91BA-F488-A4CE-8A5B7B59AFEB}"/>
+                </a:ext>
+              </a:extLst>
+            </p:cNvPr>
+            <p:cNvSpPr/>
+            <p:nvPr/>
+          </p:nvSpPr>
+          <p:spPr>
+            <a:xfrm rot="16200000">
+              <a:off x="11233257" y="5471088"/>
+              <a:ext cx="294848" cy="1150612"/>
+            </a:xfrm>
+            <a:prstGeom prst="rect">
+              <a:avLst/>
+            </a:prstGeom>
+            <a:solidFill>
+              <a:schemeClr val="bg1"/>
+            </a:solidFill>
+            <a:ln w="3175" cap="flat" cmpd="sng" algn="ctr">
+              <a:solidFill>
+                <a:schemeClr val="tx1">
+                  <a:lumMod val="50000"/>
+                  <a:lumOff val="50000"/>
+                </a:schemeClr>
+              </a:solidFill>
+              <a:prstDash val="dash"/>
+              <a:miter lim="800000"/>
+            </a:ln>
+            <a:effectLst/>
+          </p:spPr>
+          <p:txBody>
+            <a:bodyPr vert="vert" lIns="45720" tIns="45720" rIns="91440" bIns="45720" rtlCol="0" anchor="ctr" anchorCtr="0"/>
+            <a:lstStyle/>
+            <a:p>
+              <a:pPr algn="ctr">
+                <a:lnSpc>
+                  <a:spcPct val="80000"/>
+                </a:lnSpc>
+              </a:pPr>
+              <a:r>
+                <a:rPr lang="en-US" altLang="ko-KR" sz="1100" b="1" kern="0" dirty="0">
+                  <a:solidFill>
+                    <a:schemeClr val="tx1">
+                      <a:lumMod val="50000"/>
+                      <a:lumOff val="50000"/>
+                    </a:schemeClr>
+                  </a:solidFill>
+                  <a:latin typeface="Calibri" panose="020F0502020204030204" pitchFamily="34" charset="0"/>
+                  <a:ea typeface="맑은 고딕"/>
+                </a:rPr>
+                <a:t>Etc.</a:t>
+              </a:r>
+              <a:endParaRPr lang="ko-KR" altLang="en-US" sz="1100" b="1" kern="0" dirty="0">
+                <a:solidFill>
+                  <a:schemeClr val="tx1">
+                    <a:lumMod val="50000"/>
+                    <a:lumOff val="50000"/>
+                  </a:schemeClr>
+                </a:solidFill>
+                <a:latin typeface="Calibri" panose="020F0502020204030204" pitchFamily="34" charset="0"/>
+                <a:ea typeface="맑은 고딕"/>
+              </a:endParaRPr>
+            </a:p>
+          </p:txBody>
+        </p:sp>
+      </p:grpSp>
+      <p:sp>
+        <p:nvSpPr>
+          <p:cNvPr id="101" name="직사각형 363">
+            <a:extLst>
+              <a:ext uri="{FF2B5EF4-FFF2-40B4-BE49-F238E27FC236}">
+                <a16:creationId xmlns:a16="http://schemas.microsoft.com/office/drawing/2014/main" id="{FA1017C5-3A79-4A67-D185-25EF69105963}"/>
+              </a:ext>
+            </a:extLst>
+          </p:cNvPr>
+          <p:cNvSpPr/>
+          <p:nvPr/>
+        </p:nvSpPr>
+        <p:spPr>
+          <a:xfrm>
+            <a:off x="3677920" y="2567644"/>
+            <a:ext cx="1661796" cy="520516"/>
+          </a:xfrm>
+          <a:prstGeom prst="rect">
+            <a:avLst/>
+          </a:prstGeom>
+          <a:noFill/>
+          <a:ln w="3175" cap="flat" cmpd="sng" algn="ctr">
+            <a:solidFill>
+              <a:schemeClr val="accent5"/>
+            </a:solidFill>
+            <a:prstDash val="dash"/>
+            <a:miter lim="800000"/>
+          </a:ln>
+          <a:effectLst/>
+        </p:spPr>
+        <p:txBody>
+          <a:bodyPr lIns="45720" rIns="0" rtlCol="0" anchor="ctr"/>
+          <a:lstStyle/>
+          <a:p>
+            <a:pPr marL="57150" marR="0" lvl="0" indent="-57150" algn="l" defTabSz="914400" rtl="0" eaLnBrk="1" fontAlgn="auto" latinLnBrk="0" hangingPunct="1">
+              <a:lnSpc>
+                <a:spcPct val="100000"/>
+              </a:lnSpc>
+              <a:spcBef>
+                <a:spcPts val="0"/>
+              </a:spcBef>
+              <a:spcAft>
+                <a:spcPts val="0"/>
+              </a:spcAft>
+              <a:buClrTx/>
+              <a:buSzTx/>
+              <a:buFont typeface="Arial" panose="020B0604020202020204" pitchFamily="34" charset="0"/>
+              <a:buChar char="•"/>
+              <a:tabLst/>
+              <a:defRPr/>
+            </a:pPr>
+            <a:r>
+              <a:rPr kumimoji="0" lang="en-US" sz="800" b="0" i="0" u="none" strike="noStrike" kern="1200" cap="none" spc="0" normalizeH="0" baseline="0" noProof="0" dirty="0">
+                <a:ln>
+                  <a:noFill/>
+                </a:ln>
+                <a:solidFill>
+                  <a:srgbClr val="000000"/>
+                </a:solidFill>
+                <a:effectLst/>
+                <a:uLnTx/>
+                <a:uFillTx/>
+                <a:latin typeface="Calibri" panose="020F0502020204030204"/>
+                <a:ea typeface="+mn-ea"/>
+                <a:cs typeface="+mn-cs"/>
+              </a:rPr>
+              <a:t>r.internalRedirect(</a:t>
+            </a:r>
+            <a:r>
+              <a:rPr kumimoji="0" lang="en-US" sz="800" b="0" i="0" u="none" strike="noStrike" kern="1200" cap="none" spc="0" normalizeH="0" baseline="0" noProof="0" dirty="0">
+                <a:ln>
+                  <a:noFill/>
+                </a:ln>
+                <a:solidFill>
+                  <a:srgbClr val="A31515"/>
+                </a:solidFill>
+                <a:effectLst/>
+                <a:uLnTx/>
+                <a:uFillTx/>
+                <a:latin typeface="Calibri" panose="020F0502020204030204"/>
+                <a:ea typeface="+mn-ea"/>
+                <a:cs typeface="+mn-cs"/>
+              </a:rPr>
+              <a:t>"@s3"</a:t>
+            </a:r>
+            <a:r>
+              <a:rPr kumimoji="0" lang="en-US" sz="800" b="0" i="0" u="none" strike="noStrike" kern="1200" cap="none" spc="0" normalizeH="0" baseline="0" noProof="0" dirty="0">
+                <a:ln>
+                  <a:noFill/>
+                </a:ln>
+                <a:solidFill>
+                  <a:srgbClr val="000000"/>
+                </a:solidFill>
+                <a:effectLst/>
+                <a:uLnTx/>
+                <a:uFillTx/>
+                <a:latin typeface="Calibri" panose="020F0502020204030204"/>
+                <a:ea typeface="+mn-ea"/>
+                <a:cs typeface="+mn-cs"/>
+              </a:rPr>
+              <a:t>);</a:t>
+            </a:r>
+          </a:p>
+          <a:p>
+            <a:pPr marR="0" lvl="0" algn="ctr" defTabSz="914400" rtl="0" eaLnBrk="1" fontAlgn="auto" latinLnBrk="0" hangingPunct="1">
+              <a:lnSpc>
+                <a:spcPct val="100000"/>
+              </a:lnSpc>
+              <a:spcBef>
+                <a:spcPts val="0"/>
+              </a:spcBef>
+              <a:spcAft>
+                <a:spcPts val="0"/>
+              </a:spcAft>
+              <a:buClrTx/>
+              <a:buSzTx/>
+              <a:tabLst/>
+              <a:defRPr/>
+            </a:pPr>
+            <a:r>
+              <a:rPr lang="en-US" sz="800" dirty="0">
+                <a:solidFill>
+                  <a:srgbClr val="000000"/>
+                </a:solidFill>
+                <a:latin typeface="Calibri" panose="020F0502020204030204"/>
+              </a:rPr>
+              <a:t>:</a:t>
+            </a:r>
+            <a:endParaRPr kumimoji="0" lang="en-US" sz="800" b="0" i="0" u="none" strike="noStrike" kern="1200" cap="none" spc="0" normalizeH="0" baseline="0" noProof="0" dirty="0">
+              <a:ln>
+                <a:noFill/>
+              </a:ln>
+              <a:solidFill>
+                <a:srgbClr val="000000"/>
+              </a:solidFill>
+              <a:effectLst/>
+              <a:uLnTx/>
+              <a:uFillTx/>
+              <a:latin typeface="Calibri" panose="020F0502020204030204"/>
+              <a:ea typeface="+mn-ea"/>
+              <a:cs typeface="+mn-cs"/>
+            </a:endParaRPr>
+          </a:p>
+          <a:p>
+            <a:pPr marL="57150" marR="0" lvl="0" indent="-57150" algn="l" defTabSz="914400" rtl="0" eaLnBrk="1" fontAlgn="auto" latinLnBrk="0" hangingPunct="1">
+              <a:lnSpc>
+                <a:spcPct val="100000"/>
+              </a:lnSpc>
+              <a:spcBef>
+                <a:spcPts val="0"/>
+              </a:spcBef>
+              <a:spcAft>
+                <a:spcPts val="0"/>
+              </a:spcAft>
+              <a:buClrTx/>
+              <a:buSzTx/>
+              <a:buFont typeface="Arial" panose="020B0604020202020204" pitchFamily="34" charset="0"/>
+              <a:buChar char="•"/>
+              <a:tabLst/>
+              <a:defRPr/>
+            </a:pPr>
+            <a:r>
+              <a:rPr kumimoji="0" lang="en-US" sz="800" b="0" i="0" u="none" strike="noStrike" kern="1200" cap="none" spc="0" normalizeH="0" baseline="0" noProof="0" dirty="0">
+                <a:ln>
+                  <a:noFill/>
+                </a:ln>
+                <a:solidFill>
+                  <a:srgbClr val="000000"/>
+                </a:solidFill>
+                <a:effectLst/>
+                <a:uLnTx/>
+                <a:uFillTx/>
+                <a:latin typeface="Calibri" panose="020F0502020204030204"/>
+                <a:ea typeface="+mn-ea"/>
+                <a:cs typeface="+mn-cs"/>
+              </a:rPr>
+              <a:t>r.internalRedirect(</a:t>
+            </a:r>
+            <a:r>
+              <a:rPr kumimoji="0" lang="en-US" sz="800" b="0" i="0" u="none" strike="noStrike" kern="1200" cap="none" spc="0" normalizeH="0" baseline="0" noProof="0" dirty="0">
+                <a:ln>
+                  <a:noFill/>
+                </a:ln>
+                <a:solidFill>
+                  <a:srgbClr val="A31515"/>
+                </a:solidFill>
+                <a:effectLst/>
+                <a:uLnTx/>
+                <a:uFillTx/>
+                <a:latin typeface="Calibri" panose="020F0502020204030204"/>
+                <a:ea typeface="+mn-ea"/>
+                <a:cs typeface="+mn-cs"/>
+              </a:rPr>
+              <a:t>"@lambda"</a:t>
+            </a:r>
+            <a:r>
+              <a:rPr kumimoji="0" lang="en-US" sz="800" b="0" i="0" u="none" strike="noStrike" kern="1200" cap="none" spc="0" normalizeH="0" baseline="0" noProof="0" dirty="0">
+                <a:ln>
+                  <a:noFill/>
+                </a:ln>
+                <a:solidFill>
+                  <a:srgbClr val="000000"/>
+                </a:solidFill>
+                <a:effectLst/>
+                <a:uLnTx/>
+                <a:uFillTx/>
+                <a:latin typeface="Calibri" panose="020F0502020204030204"/>
+                <a:ea typeface="+mn-ea"/>
+                <a:cs typeface="+mn-cs"/>
+              </a:rPr>
+              <a:t>); </a:t>
+            </a:r>
+          </a:p>
+          <a:p>
+            <a:pPr marL="57150" marR="0" lvl="0" indent="-57150" algn="l" defTabSz="914400" rtl="0" eaLnBrk="1" fontAlgn="auto" latinLnBrk="0" hangingPunct="1">
+              <a:lnSpc>
+                <a:spcPct val="100000"/>
+              </a:lnSpc>
+              <a:spcBef>
+                <a:spcPts val="0"/>
+              </a:spcBef>
+              <a:spcAft>
+                <a:spcPts val="0"/>
+              </a:spcAft>
+              <a:buClrTx/>
+              <a:buSzTx/>
+              <a:buFont typeface="Arial" panose="020B0604020202020204" pitchFamily="34" charset="0"/>
+              <a:buChar char="•"/>
+              <a:tabLst/>
+              <a:defRPr/>
+            </a:pPr>
+            <a:r>
+              <a:rPr kumimoji="0" lang="en-US" sz="800" b="0" i="0" u="none" strike="noStrike" kern="1200" cap="none" spc="0" normalizeH="0" baseline="0" noProof="0" dirty="0">
+                <a:ln>
+                  <a:noFill/>
+                </a:ln>
+                <a:solidFill>
+                  <a:srgbClr val="000000"/>
+                </a:solidFill>
+                <a:effectLst/>
+                <a:uLnTx/>
+                <a:uFillTx/>
+                <a:latin typeface="Calibri" panose="020F0502020204030204"/>
+                <a:ea typeface="+mn-ea"/>
+                <a:cs typeface="+mn-cs"/>
+              </a:rPr>
+              <a:t>r.internalRedirect(</a:t>
+            </a:r>
+            <a:r>
+              <a:rPr kumimoji="0" lang="en-US" sz="800" b="0" i="0" u="none" strike="noStrike" kern="1200" cap="none" spc="0" normalizeH="0" baseline="0" noProof="0" dirty="0">
+                <a:ln>
+                  <a:noFill/>
+                </a:ln>
+                <a:solidFill>
+                  <a:srgbClr val="A31515"/>
+                </a:solidFill>
+                <a:effectLst/>
+                <a:uLnTx/>
+                <a:uFillTx/>
+                <a:latin typeface="Calibri" panose="020F0502020204030204"/>
+                <a:ea typeface="+mn-ea"/>
+                <a:cs typeface="+mn-cs"/>
+              </a:rPr>
+              <a:t>"@error404"</a:t>
+            </a:r>
+            <a:r>
+              <a:rPr kumimoji="0" lang="en-US" sz="800" b="0" i="0" u="none" strike="noStrike" kern="1200" cap="none" spc="0" normalizeH="0" baseline="0" noProof="0" dirty="0">
+                <a:ln>
+                  <a:noFill/>
+                </a:ln>
+                <a:solidFill>
+                  <a:srgbClr val="000000"/>
+                </a:solidFill>
+                <a:effectLst/>
+                <a:uLnTx/>
+                <a:uFillTx/>
+                <a:latin typeface="Calibri" panose="020F0502020204030204"/>
+                <a:ea typeface="+mn-ea"/>
+                <a:cs typeface="+mn-cs"/>
+              </a:rPr>
+              <a:t>);</a:t>
+            </a:r>
+          </a:p>
+        </p:txBody>
+      </p:sp>
+      <p:sp>
+        <p:nvSpPr>
+          <p:cNvPr id="107" name="직사각형 363">
+            <a:extLst>
+              <a:ext uri="{FF2B5EF4-FFF2-40B4-BE49-F238E27FC236}">
+                <a16:creationId xmlns:a16="http://schemas.microsoft.com/office/drawing/2014/main" id="{A69F4771-782F-F41B-5FB2-0D04D5A361B5}"/>
+              </a:ext>
+            </a:extLst>
+          </p:cNvPr>
+          <p:cNvSpPr/>
+          <p:nvPr/>
+        </p:nvSpPr>
+        <p:spPr>
+          <a:xfrm>
+            <a:off x="1749810" y="3472387"/>
+            <a:ext cx="1684708" cy="325931"/>
+          </a:xfrm>
+          <a:prstGeom prst="rect">
+            <a:avLst/>
+          </a:prstGeom>
+          <a:noFill/>
+          <a:ln w="3175" cap="flat" cmpd="sng" algn="ctr">
+            <a:solidFill>
+              <a:schemeClr val="tx1">
+                <a:lumMod val="50000"/>
+                <a:lumOff val="50000"/>
+              </a:schemeClr>
+            </a:solidFill>
+            <a:prstDash val="dash"/>
+            <a:miter lim="800000"/>
+          </a:ln>
+          <a:effectLst/>
+        </p:spPr>
+        <p:txBody>
+          <a:bodyPr lIns="45720" rIns="0" rtlCol="0" anchor="ctr"/>
+          <a:lstStyle/>
+          <a:p>
+            <a:r>
+              <a:rPr kumimoji="0" lang="en-US" sz="800" b="0" i="0" u="none" strike="noStrike" kern="1200" cap="none" spc="0" normalizeH="0" baseline="0" noProof="0" dirty="0">
+                <a:ln>
+                  <a:noFill/>
+                </a:ln>
+                <a:solidFill>
+                  <a:schemeClr val="tx1">
+                    <a:lumMod val="50000"/>
+                    <a:lumOff val="50000"/>
+                  </a:schemeClr>
+                </a:solidFill>
+                <a:effectLst/>
+                <a:uLnTx/>
+                <a:uFillTx/>
+                <a:latin typeface="Calibri" panose="020F0502020204030204"/>
+                <a:ea typeface="+mn-ea"/>
+                <a:cs typeface="+mn-cs"/>
+              </a:rPr>
+              <a:t>proxy_set_header</a:t>
+            </a:r>
+            <a:endParaRPr lang="en-US" sz="800" dirty="0">
+              <a:solidFill>
+                <a:schemeClr val="tx1">
+                  <a:lumMod val="50000"/>
+                  <a:lumOff val="50000"/>
+                </a:schemeClr>
+              </a:solidFill>
+            </a:endParaRPr>
+          </a:p>
+          <a:p>
+            <a:r>
+              <a:rPr lang="en-US" sz="800" dirty="0"/>
+              <a:t>Authorization $s3auth</a:t>
+            </a:r>
+          </a:p>
+        </p:txBody>
+      </p:sp>
+      <p:sp>
+        <p:nvSpPr>
+          <p:cNvPr id="108" name="직사각형 363">
+            <a:extLst>
+              <a:ext uri="{FF2B5EF4-FFF2-40B4-BE49-F238E27FC236}">
+                <a16:creationId xmlns:a16="http://schemas.microsoft.com/office/drawing/2014/main" id="{C29391BC-9358-9522-9C2C-ADA6A97A82A2}"/>
+              </a:ext>
+            </a:extLst>
+          </p:cNvPr>
+          <p:cNvSpPr/>
+          <p:nvPr/>
+        </p:nvSpPr>
+        <p:spPr>
+          <a:xfrm>
+            <a:off x="1759538" y="4535562"/>
+            <a:ext cx="1684708" cy="325931"/>
+          </a:xfrm>
+          <a:prstGeom prst="rect">
+            <a:avLst/>
+          </a:prstGeom>
+          <a:noFill/>
+          <a:ln w="3175" cap="flat" cmpd="sng" algn="ctr">
+            <a:solidFill>
+              <a:schemeClr val="tx1">
+                <a:lumMod val="50000"/>
+                <a:lumOff val="50000"/>
+              </a:schemeClr>
+            </a:solidFill>
+            <a:prstDash val="dash"/>
+            <a:miter lim="800000"/>
+          </a:ln>
+          <a:effectLst/>
+        </p:spPr>
+        <p:txBody>
+          <a:bodyPr lIns="45720" rIns="0" rtlCol="0" anchor="ctr"/>
+          <a:lstStyle/>
+          <a:p>
+            <a:r>
+              <a:rPr kumimoji="0" lang="en-US" sz="800" b="0" i="0" u="none" strike="noStrike" kern="1200" cap="none" spc="0" normalizeH="0" baseline="0" noProof="0" dirty="0">
+                <a:ln>
+                  <a:noFill/>
+                </a:ln>
+                <a:solidFill>
+                  <a:schemeClr val="tx1">
+                    <a:lumMod val="50000"/>
+                    <a:lumOff val="50000"/>
+                  </a:schemeClr>
+                </a:solidFill>
+                <a:effectLst/>
+                <a:uLnTx/>
+                <a:uFillTx/>
+                <a:latin typeface="Calibri" panose="020F0502020204030204"/>
+                <a:ea typeface="+mn-ea"/>
+                <a:cs typeface="+mn-cs"/>
+              </a:rPr>
+              <a:t>proxy_set_header</a:t>
+            </a:r>
+            <a:endParaRPr lang="en-US" sz="800" dirty="0">
+              <a:solidFill>
+                <a:schemeClr val="tx1">
+                  <a:lumMod val="50000"/>
+                  <a:lumOff val="50000"/>
+                </a:schemeClr>
+              </a:solidFill>
+            </a:endParaRPr>
+          </a:p>
+          <a:p>
+            <a:r>
+              <a:rPr lang="en-US" sz="800" dirty="0"/>
+              <a:t>X-Amz-Security-Token $sessionToken</a:t>
+            </a:r>
+          </a:p>
+        </p:txBody>
+      </p:sp>
+      <p:sp>
+        <p:nvSpPr>
+          <p:cNvPr id="120" name="직사각형 363">
+            <a:extLst>
+              <a:ext uri="{FF2B5EF4-FFF2-40B4-BE49-F238E27FC236}">
+                <a16:creationId xmlns:a16="http://schemas.microsoft.com/office/drawing/2014/main" id="{BAF8BA63-D090-2ABE-2D07-A2A109474683}"/>
+              </a:ext>
+            </a:extLst>
+          </p:cNvPr>
+          <p:cNvSpPr/>
+          <p:nvPr/>
+        </p:nvSpPr>
+        <p:spPr>
+          <a:xfrm>
+            <a:off x="3677920" y="5028054"/>
+            <a:ext cx="1668493" cy="359218"/>
+          </a:xfrm>
+          <a:prstGeom prst="rect">
+            <a:avLst/>
+          </a:prstGeom>
+          <a:solidFill>
+            <a:schemeClr val="accent5">
+              <a:lumMod val="20000"/>
+              <a:lumOff val="80000"/>
+            </a:schemeClr>
+          </a:solidFill>
+          <a:ln w="3175" cap="flat" cmpd="sng" algn="ctr">
+            <a:noFill/>
+            <a:prstDash val="solid"/>
+            <a:miter lim="800000"/>
+          </a:ln>
+          <a:effectLst/>
+        </p:spPr>
+        <p:txBody>
+          <a:bodyPr lIns="0" rIns="0" rtlCol="0" anchor="ctr"/>
+          <a:lstStyle/>
+          <a:p>
+            <a:pPr marL="0" marR="0" lvl="0" indent="0" algn="ctr" defTabSz="914400" eaLnBrk="1" fontAlgn="auto" latinLnBrk="0" hangingPunct="1">
+              <a:spcBef>
+                <a:spcPts val="0"/>
+              </a:spcBef>
+              <a:spcAft>
+                <a:spcPts val="0"/>
+              </a:spcAft>
+              <a:buClrTx/>
+              <a:buSzTx/>
+              <a:buFontTx/>
+              <a:buNone/>
+              <a:tabLst/>
+              <a:defRPr/>
+            </a:pPr>
+            <a:r>
+              <a:rPr kumimoji="0" lang="en-US" altLang="ko-KR" sz="1200" b="0" i="0" u="none" strike="noStrike" kern="0" cap="none" spc="0" normalizeH="0" baseline="0" noProof="0" dirty="0">
+                <a:ln>
+                  <a:noFill/>
+                </a:ln>
+                <a:solidFill>
+                  <a:prstClr val="black"/>
+                </a:solidFill>
+                <a:effectLst/>
+                <a:uLnTx/>
+                <a:uFillTx/>
+                <a:latin typeface="Calibri" panose="020F0502020204030204" pitchFamily="34" charset="0"/>
+                <a:ea typeface="맑은 고딕"/>
+              </a:rPr>
+              <a:t>Edit Headers</a:t>
+            </a:r>
+            <a:endParaRPr kumimoji="0" lang="ko-KR" altLang="en-US" sz="1200" b="0" i="0" u="none" strike="noStrike" kern="0" cap="none" spc="0" normalizeH="0" baseline="0" noProof="0" dirty="0">
+              <a:ln>
+                <a:noFill/>
+              </a:ln>
+              <a:solidFill>
+                <a:schemeClr val="tx1">
+                  <a:lumMod val="50000"/>
+                  <a:lumOff val="50000"/>
+                </a:schemeClr>
+              </a:solidFill>
+              <a:effectLst/>
+              <a:uLnTx/>
+              <a:uFillTx/>
+              <a:latin typeface="Calibri" panose="020F0502020204030204" pitchFamily="34" charset="0"/>
+              <a:ea typeface="맑은 고딕"/>
+            </a:endParaRPr>
+          </a:p>
+        </p:txBody>
+      </p:sp>
+      <p:sp>
+        <p:nvSpPr>
+          <p:cNvPr id="121" name="직사각형 363">
+            <a:extLst>
+              <a:ext uri="{FF2B5EF4-FFF2-40B4-BE49-F238E27FC236}">
+                <a16:creationId xmlns:a16="http://schemas.microsoft.com/office/drawing/2014/main" id="{A4B109AD-C567-48BD-0F48-6200677E5262}"/>
+              </a:ext>
+            </a:extLst>
+          </p:cNvPr>
+          <p:cNvSpPr/>
+          <p:nvPr/>
+        </p:nvSpPr>
+        <p:spPr>
+          <a:xfrm>
+            <a:off x="3668192" y="3869723"/>
+            <a:ext cx="1684708" cy="186285"/>
+          </a:xfrm>
+          <a:prstGeom prst="rect">
+            <a:avLst/>
+          </a:prstGeom>
+          <a:noFill/>
+          <a:ln w="3175" cap="flat" cmpd="sng" algn="ctr">
+            <a:solidFill>
+              <a:schemeClr val="accent5"/>
+            </a:solidFill>
+            <a:prstDash val="dash"/>
+            <a:miter lim="800000"/>
+          </a:ln>
+          <a:effectLst/>
+        </p:spPr>
+        <p:txBody>
+          <a:bodyPr lIns="45720" rIns="0" rtlCol="0" anchor="ctr"/>
+          <a:lstStyle/>
+          <a:p>
+            <a:pPr marL="57150" marR="0" lvl="0" indent="-57150" algn="l" defTabSz="914400" rtl="0" eaLnBrk="1" fontAlgn="auto" latinLnBrk="0" hangingPunct="1">
+              <a:lnSpc>
+                <a:spcPct val="100000"/>
+              </a:lnSpc>
+              <a:spcBef>
+                <a:spcPts val="0"/>
+              </a:spcBef>
+              <a:spcAft>
+                <a:spcPts val="0"/>
+              </a:spcAft>
+              <a:buClrTx/>
+              <a:buSzTx/>
+              <a:buFont typeface="Arial" panose="020B0604020202020204" pitchFamily="34" charset="0"/>
+              <a:buChar char="•"/>
+              <a:tabLst/>
+              <a:defRPr/>
+            </a:pPr>
+            <a:r>
+              <a:rPr kumimoji="0" lang="en-US" sz="800" b="0" i="0" u="none" strike="noStrike" kern="1200" cap="none" spc="0" normalizeH="0" baseline="0" noProof="0" dirty="0">
+                <a:ln>
+                  <a:noFill/>
+                </a:ln>
+                <a:solidFill>
+                  <a:srgbClr val="000000"/>
+                </a:solidFill>
+                <a:effectLst/>
+                <a:uLnTx/>
+                <a:uFillTx/>
+                <a:latin typeface="Calibri" panose="020F0502020204030204"/>
+                <a:ea typeface="+mn-ea"/>
+                <a:cs typeface="+mn-cs"/>
+              </a:rPr>
+              <a:t>Read credentials</a:t>
+            </a:r>
+          </a:p>
+        </p:txBody>
+      </p:sp>
+      <p:sp>
+        <p:nvSpPr>
+          <p:cNvPr id="122" name="직사각형 363">
+            <a:extLst>
+              <a:ext uri="{FF2B5EF4-FFF2-40B4-BE49-F238E27FC236}">
+                <a16:creationId xmlns:a16="http://schemas.microsoft.com/office/drawing/2014/main" id="{B4E9DA27-4B2E-C29C-179B-06448E240F8A}"/>
+              </a:ext>
+            </a:extLst>
+          </p:cNvPr>
+          <p:cNvSpPr/>
+          <p:nvPr/>
+        </p:nvSpPr>
+        <p:spPr>
+          <a:xfrm>
+            <a:off x="3664949" y="4099947"/>
+            <a:ext cx="1684708" cy="186285"/>
+          </a:xfrm>
+          <a:prstGeom prst="rect">
+            <a:avLst/>
+          </a:prstGeom>
+          <a:noFill/>
+          <a:ln w="3175" cap="flat" cmpd="sng" algn="ctr">
+            <a:solidFill>
+              <a:schemeClr val="accent5"/>
+            </a:solidFill>
+            <a:prstDash val="dash"/>
+            <a:miter lim="800000"/>
+          </a:ln>
+          <a:effectLst/>
+        </p:spPr>
+        <p:txBody>
+          <a:bodyPr lIns="45720" rIns="0" rtlCol="0" anchor="ctr"/>
+          <a:lstStyle/>
+          <a:p>
+            <a:pPr marL="57150" marR="0" lvl="0" indent="-57150" algn="l" defTabSz="914400" rtl="0" eaLnBrk="1" fontAlgn="auto" latinLnBrk="0" hangingPunct="1">
+              <a:lnSpc>
+                <a:spcPct val="100000"/>
+              </a:lnSpc>
+              <a:spcBef>
+                <a:spcPts val="0"/>
+              </a:spcBef>
+              <a:spcAft>
+                <a:spcPts val="0"/>
+              </a:spcAft>
+              <a:buClrTx/>
+              <a:buSzTx/>
+              <a:buFont typeface="Arial" panose="020B0604020202020204" pitchFamily="34" charset="0"/>
+              <a:buChar char="•"/>
+              <a:tabLst/>
+              <a:defRPr/>
+            </a:pPr>
+            <a:r>
+              <a:rPr kumimoji="0" lang="en-US" sz="800" b="0" i="0" u="none" strike="noStrike" kern="1200" cap="none" spc="0" normalizeH="0" baseline="0" noProof="0" dirty="0">
+                <a:ln>
+                  <a:noFill/>
+                </a:ln>
+                <a:solidFill>
+                  <a:srgbClr val="000000"/>
+                </a:solidFill>
+                <a:effectLst/>
+                <a:uLnTx/>
+                <a:uFillTx/>
+                <a:latin typeface="Calibri" panose="020F0502020204030204"/>
+                <a:ea typeface="+mn-ea"/>
+                <a:cs typeface="+mn-cs"/>
+              </a:rPr>
+              <a:t>Generate canonical request params</a:t>
+            </a:r>
+          </a:p>
+        </p:txBody>
+      </p:sp>
+      <p:sp>
+        <p:nvSpPr>
+          <p:cNvPr id="123" name="직사각형 363">
+            <a:extLst>
+              <a:ext uri="{FF2B5EF4-FFF2-40B4-BE49-F238E27FC236}">
+                <a16:creationId xmlns:a16="http://schemas.microsoft.com/office/drawing/2014/main" id="{3414D48A-141C-E8B9-BB92-DE199E558FB8}"/>
+              </a:ext>
+            </a:extLst>
+          </p:cNvPr>
+          <p:cNvSpPr/>
+          <p:nvPr/>
+        </p:nvSpPr>
+        <p:spPr>
+          <a:xfrm>
+            <a:off x="3661706" y="4320443"/>
+            <a:ext cx="1684708" cy="186285"/>
+          </a:xfrm>
+          <a:prstGeom prst="rect">
+            <a:avLst/>
+          </a:prstGeom>
+          <a:noFill/>
+          <a:ln w="3175" cap="flat" cmpd="sng" algn="ctr">
+            <a:solidFill>
+              <a:schemeClr val="accent5"/>
+            </a:solidFill>
+            <a:prstDash val="dash"/>
+            <a:miter lim="800000"/>
+          </a:ln>
+          <a:effectLst/>
+        </p:spPr>
+        <p:txBody>
+          <a:bodyPr lIns="45720" rIns="0" rtlCol="0" anchor="ctr"/>
+          <a:lstStyle/>
+          <a:p>
+            <a:pPr marL="57150" marR="0" lvl="0" indent="-57150" algn="l" defTabSz="914400" rtl="0" eaLnBrk="1" fontAlgn="auto" latinLnBrk="0" hangingPunct="1">
+              <a:lnSpc>
+                <a:spcPct val="100000"/>
+              </a:lnSpc>
+              <a:spcBef>
+                <a:spcPts val="0"/>
+              </a:spcBef>
+              <a:spcAft>
+                <a:spcPts val="0"/>
+              </a:spcAft>
+              <a:buClrTx/>
+              <a:buSzTx/>
+              <a:buFont typeface="Arial" panose="020B0604020202020204" pitchFamily="34" charset="0"/>
+              <a:buChar char="•"/>
+              <a:tabLst/>
+              <a:defRPr/>
+            </a:pPr>
+            <a:r>
+              <a:rPr kumimoji="0" lang="en-US" sz="800" b="0" i="0" u="none" strike="noStrike" kern="1200" cap="none" spc="0" normalizeH="0" baseline="0" noProof="0" dirty="0">
+                <a:ln>
+                  <a:noFill/>
+                </a:ln>
+                <a:solidFill>
+                  <a:srgbClr val="000000"/>
+                </a:solidFill>
+                <a:effectLst/>
+                <a:uLnTx/>
+                <a:uFillTx/>
+                <a:latin typeface="Calibri" panose="020F0502020204030204"/>
+                <a:ea typeface="+mn-ea"/>
+                <a:cs typeface="+mn-cs"/>
+              </a:rPr>
+              <a:t>Build and return signature ver. XX</a:t>
+            </a:r>
+          </a:p>
+        </p:txBody>
+      </p:sp>
+      <p:cxnSp>
+        <p:nvCxnSpPr>
+          <p:cNvPr id="124" name="Elbow Connector 123">
+            <a:extLst>
+              <a:ext uri="{FF2B5EF4-FFF2-40B4-BE49-F238E27FC236}">
+                <a16:creationId xmlns:a16="http://schemas.microsoft.com/office/drawing/2014/main" id="{46A61FF2-014E-E315-438A-26D25FBE516D}"/>
+              </a:ext>
+            </a:extLst>
+          </p:cNvPr>
+          <p:cNvCxnSpPr>
+            <a:cxnSpLocks/>
+            <a:stCxn id="18" idx="3"/>
+            <a:endCxn id="121" idx="3"/>
+          </p:cNvCxnSpPr>
+          <p:nvPr/>
+        </p:nvCxnSpPr>
+        <p:spPr>
+          <a:xfrm flipH="1">
+            <a:off x="5352900" y="1294790"/>
+            <a:ext cx="1843144" cy="2668076"/>
+          </a:xfrm>
+          <a:prstGeom prst="bentConnector3">
+            <a:avLst>
+              <a:gd name="adj1" fmla="val -4486"/>
+            </a:avLst>
+          </a:prstGeom>
+          <a:ln w="3175">
+            <a:solidFill>
+              <a:schemeClr val="tx1">
+                <a:lumMod val="50000"/>
+                <a:lumOff val="50000"/>
+              </a:schemeClr>
+            </a:solidFill>
+            <a:prstDash val="dash"/>
+            <a:tailEnd type="triangle" w="sm" len="sm"/>
+          </a:ln>
+        </p:spPr>
+        <p:style>
+          <a:lnRef idx="1">
+            <a:schemeClr val="accent1"/>
+          </a:lnRef>
+          <a:fillRef idx="0">
+            <a:schemeClr val="accent1"/>
+          </a:fillRef>
+          <a:effectRef idx="0">
+            <a:schemeClr val="accent1"/>
+          </a:effectRef>
+          <a:fontRef idx="minor">
+            <a:schemeClr val="tx1"/>
+          </a:fontRef>
+        </p:style>
+      </p:cxnSp>
+      <p:cxnSp>
+        <p:nvCxnSpPr>
+          <p:cNvPr id="129" name="Straight Arrow Connector 128">
+            <a:extLst>
+              <a:ext uri="{FF2B5EF4-FFF2-40B4-BE49-F238E27FC236}">
+                <a16:creationId xmlns:a16="http://schemas.microsoft.com/office/drawing/2014/main" id="{86FDE022-62E5-F49C-33FB-863D139B0E7A}"/>
+              </a:ext>
+            </a:extLst>
+          </p:cNvPr>
+          <p:cNvCxnSpPr>
+            <a:cxnSpLocks/>
+            <a:stCxn id="107" idx="3"/>
+            <a:endCxn id="8" idx="1"/>
+          </p:cNvCxnSpPr>
+          <p:nvPr/>
+        </p:nvCxnSpPr>
+        <p:spPr>
+          <a:xfrm>
+            <a:off x="3434518" y="3635353"/>
+            <a:ext cx="234310" cy="6921"/>
+          </a:xfrm>
+          <a:prstGeom prst="straightConnector1">
+            <a:avLst/>
+          </a:prstGeom>
+          <a:ln>
+            <a:solidFill>
+              <a:schemeClr val="accent6"/>
+            </a:solidFill>
+            <a:prstDash val="dash"/>
+            <a:headEnd type="none" w="sm" len="sm"/>
+            <a:tailEnd type="triangle" w="sm" len="sm"/>
+          </a:ln>
+        </p:spPr>
+        <p:style>
+          <a:lnRef idx="1">
+            <a:schemeClr val="accent1"/>
+          </a:lnRef>
+          <a:fillRef idx="0">
+            <a:schemeClr val="accent1"/>
+          </a:fillRef>
+          <a:effectRef idx="0">
+            <a:schemeClr val="accent1"/>
+          </a:effectRef>
+          <a:fontRef idx="minor">
+            <a:schemeClr val="tx1"/>
+          </a:fontRef>
+        </p:style>
+      </p:cxnSp>
+      <p:cxnSp>
+        <p:nvCxnSpPr>
+          <p:cNvPr id="132" name="Elbow Connector 131">
+            <a:extLst>
+              <a:ext uri="{FF2B5EF4-FFF2-40B4-BE49-F238E27FC236}">
+                <a16:creationId xmlns:a16="http://schemas.microsoft.com/office/drawing/2014/main" id="{D515B811-7D52-90A4-6022-A899CD07BEDF}"/>
+              </a:ext>
+            </a:extLst>
+          </p:cNvPr>
+          <p:cNvCxnSpPr>
+            <a:cxnSpLocks/>
+            <a:stCxn id="66" idx="3"/>
+            <a:endCxn id="50" idx="2"/>
+          </p:cNvCxnSpPr>
+          <p:nvPr/>
+        </p:nvCxnSpPr>
+        <p:spPr>
+          <a:xfrm>
+            <a:off x="7196044" y="1674619"/>
+            <a:ext cx="3986408" cy="4741531"/>
+          </a:xfrm>
+          <a:prstGeom prst="bentConnector3">
+            <a:avLst>
+              <a:gd name="adj1" fmla="val 105050"/>
+            </a:avLst>
+          </a:prstGeom>
+          <a:ln w="3175">
+            <a:solidFill>
+              <a:schemeClr val="tx1">
+                <a:lumMod val="50000"/>
+                <a:lumOff val="50000"/>
+              </a:schemeClr>
+            </a:solidFill>
+            <a:prstDash val="dash"/>
+            <a:headEnd type="triangle" w="sm" len="sm"/>
+            <a:tailEnd type="oval" w="sm" len="sm"/>
+          </a:ln>
+        </p:spPr>
+        <p:style>
+          <a:lnRef idx="1">
+            <a:schemeClr val="accent1"/>
+          </a:lnRef>
+          <a:fillRef idx="0">
+            <a:schemeClr val="accent1"/>
+          </a:fillRef>
+          <a:effectRef idx="0">
+            <a:schemeClr val="accent1"/>
+          </a:effectRef>
+          <a:fontRef idx="minor">
+            <a:schemeClr val="tx1"/>
+          </a:fontRef>
+        </p:style>
+      </p:cxnSp>
+      <p:sp>
+        <p:nvSpPr>
+          <p:cNvPr id="136" name="직사각형 363">
+            <a:extLst>
+              <a:ext uri="{FF2B5EF4-FFF2-40B4-BE49-F238E27FC236}">
+                <a16:creationId xmlns:a16="http://schemas.microsoft.com/office/drawing/2014/main" id="{CC187E40-1974-B545-D964-AC80DA4BC0E9}"/>
+              </a:ext>
+            </a:extLst>
+          </p:cNvPr>
+          <p:cNvSpPr/>
+          <p:nvPr/>
+        </p:nvSpPr>
+        <p:spPr>
+          <a:xfrm>
+            <a:off x="2660436" y="1281787"/>
+            <a:ext cx="778213" cy="233967"/>
+          </a:xfrm>
+          <a:prstGeom prst="rect">
+            <a:avLst/>
+          </a:prstGeom>
+          <a:solidFill>
+            <a:schemeClr val="accent6">
+              <a:lumMod val="20000"/>
+              <a:lumOff val="80000"/>
+            </a:schemeClr>
+          </a:solidFill>
+          <a:ln w="3175" cap="flat" cmpd="sng" algn="ctr">
+            <a:noFill/>
+            <a:prstDash val="solid"/>
+            <a:miter lim="800000"/>
+          </a:ln>
+          <a:effectLst/>
+        </p:spPr>
+        <p:txBody>
+          <a:bodyPr lIns="0" rIns="0" rtlCol="0" anchor="ctr"/>
+          <a:lstStyle/>
+          <a:p>
+            <a:pPr marL="0" marR="0" lvl="0" indent="0" algn="ctr" defTabSz="914400" eaLnBrk="1" fontAlgn="auto" latinLnBrk="0" hangingPunct="1">
+              <a:spcBef>
+                <a:spcPts val="0"/>
+              </a:spcBef>
+              <a:spcAft>
+                <a:spcPts val="0"/>
+              </a:spcAft>
+              <a:buClrTx/>
+              <a:buSzTx/>
+              <a:buFontTx/>
+              <a:buNone/>
+              <a:tabLst/>
+              <a:defRPr/>
+            </a:pPr>
+            <a:r>
+              <a:rPr kumimoji="0" lang="en-US" altLang="ko-KR" sz="1200" b="0" i="0" u="none" strike="noStrike" kern="0" cap="none" spc="0" normalizeH="0" baseline="0" noProof="0" dirty="0">
+                <a:ln>
+                  <a:noFill/>
+                </a:ln>
+                <a:solidFill>
+                  <a:prstClr val="black"/>
+                </a:solidFill>
+                <a:effectLst/>
+                <a:uLnTx/>
+                <a:uFillTx/>
+                <a:latin typeface="Calibri" panose="020F0502020204030204" pitchFamily="34" charset="0"/>
+                <a:ea typeface="맑은 고딕"/>
+              </a:rPr>
+              <a:t>Env Vars</a:t>
+            </a:r>
+            <a:endParaRPr kumimoji="0" lang="ko-KR" altLang="en-US" sz="1200" b="0" i="0" u="none" strike="noStrike" kern="0" cap="none" spc="0" normalizeH="0" baseline="0" noProof="0" dirty="0">
+              <a:ln>
+                <a:noFill/>
+              </a:ln>
+              <a:solidFill>
+                <a:schemeClr val="tx1">
+                  <a:lumMod val="50000"/>
+                  <a:lumOff val="50000"/>
+                </a:schemeClr>
+              </a:solidFill>
+              <a:effectLst/>
+              <a:uLnTx/>
+              <a:uFillTx/>
+              <a:latin typeface="Calibri" panose="020F0502020204030204" pitchFamily="34" charset="0"/>
+              <a:ea typeface="맑은 고딕"/>
+            </a:endParaRPr>
+          </a:p>
+        </p:txBody>
+      </p:sp>
+      <p:cxnSp>
+        <p:nvCxnSpPr>
+          <p:cNvPr id="138" name="Elbow Connector 137">
+            <a:extLst>
+              <a:ext uri="{FF2B5EF4-FFF2-40B4-BE49-F238E27FC236}">
+                <a16:creationId xmlns:a16="http://schemas.microsoft.com/office/drawing/2014/main" id="{99F8FF7B-7FE0-D58A-5C52-C0F1DE353F80}"/>
+              </a:ext>
+            </a:extLst>
+          </p:cNvPr>
+          <p:cNvCxnSpPr>
+            <a:cxnSpLocks/>
+            <a:stCxn id="136" idx="3"/>
+            <a:endCxn id="18" idx="1"/>
+          </p:cNvCxnSpPr>
+          <p:nvPr/>
+        </p:nvCxnSpPr>
+        <p:spPr>
+          <a:xfrm flipV="1">
+            <a:off x="3438649" y="1294790"/>
+            <a:ext cx="2184766" cy="103981"/>
+          </a:xfrm>
+          <a:prstGeom prst="bentConnector3">
+            <a:avLst>
+              <a:gd name="adj1" fmla="val 50000"/>
+            </a:avLst>
+          </a:prstGeom>
+          <a:ln w="3175">
+            <a:solidFill>
+              <a:schemeClr val="tx1">
+                <a:lumMod val="50000"/>
+                <a:lumOff val="50000"/>
+              </a:schemeClr>
+            </a:solidFill>
+            <a:prstDash val="dash"/>
+            <a:tailEnd type="triangle" w="sm" len="sm"/>
+          </a:ln>
+        </p:spPr>
+        <p:style>
+          <a:lnRef idx="1">
+            <a:schemeClr val="accent1"/>
+          </a:lnRef>
+          <a:fillRef idx="0">
+            <a:schemeClr val="accent1"/>
+          </a:fillRef>
+          <a:effectRef idx="0">
+            <a:schemeClr val="accent1"/>
+          </a:effectRef>
+          <a:fontRef idx="minor">
+            <a:schemeClr val="tx1"/>
+          </a:fontRef>
+        </p:style>
+      </p:cxnSp>
+      <p:cxnSp>
+        <p:nvCxnSpPr>
+          <p:cNvPr id="141" name="Elbow Connector 140">
+            <a:extLst>
+              <a:ext uri="{FF2B5EF4-FFF2-40B4-BE49-F238E27FC236}">
+                <a16:creationId xmlns:a16="http://schemas.microsoft.com/office/drawing/2014/main" id="{8809E2D5-A187-123E-A17F-DCD7D2F02F77}"/>
+              </a:ext>
+            </a:extLst>
+          </p:cNvPr>
+          <p:cNvCxnSpPr>
+            <a:cxnSpLocks/>
+            <a:endCxn id="18" idx="1"/>
+          </p:cNvCxnSpPr>
+          <p:nvPr/>
+        </p:nvCxnSpPr>
+        <p:spPr>
+          <a:xfrm flipV="1">
+            <a:off x="3445241" y="1294790"/>
+            <a:ext cx="2178174" cy="274974"/>
+          </a:xfrm>
+          <a:prstGeom prst="bentConnector3">
+            <a:avLst>
+              <a:gd name="adj1" fmla="val 50000"/>
+            </a:avLst>
+          </a:prstGeom>
+          <a:ln w="3175">
+            <a:solidFill>
+              <a:schemeClr val="tx1">
+                <a:lumMod val="50000"/>
+                <a:lumOff val="50000"/>
+              </a:schemeClr>
+            </a:solidFill>
+            <a:prstDash val="dash"/>
+            <a:tailEnd type="triangle" w="sm" len="sm"/>
+          </a:ln>
+        </p:spPr>
+        <p:style>
+          <a:lnRef idx="1">
+            <a:schemeClr val="accent1"/>
+          </a:lnRef>
+          <a:fillRef idx="0">
+            <a:schemeClr val="accent1"/>
+          </a:fillRef>
+          <a:effectRef idx="0">
+            <a:schemeClr val="accent1"/>
+          </a:effectRef>
+          <a:fontRef idx="minor">
+            <a:schemeClr val="tx1"/>
+          </a:fontRef>
+        </p:style>
+      </p:cxnSp>
+      <p:sp>
+        <p:nvSpPr>
+          <p:cNvPr id="145" name="직사각형 363">
+            <a:extLst>
+              <a:ext uri="{FF2B5EF4-FFF2-40B4-BE49-F238E27FC236}">
+                <a16:creationId xmlns:a16="http://schemas.microsoft.com/office/drawing/2014/main" id="{B9EFC93D-43C2-3D09-F6C6-553A16B3D15B}"/>
+              </a:ext>
+            </a:extLst>
+          </p:cNvPr>
+          <p:cNvSpPr/>
+          <p:nvPr/>
+        </p:nvSpPr>
+        <p:spPr>
+          <a:xfrm>
+            <a:off x="2656644" y="1569764"/>
+            <a:ext cx="775413" cy="233967"/>
+          </a:xfrm>
+          <a:prstGeom prst="rect">
+            <a:avLst/>
+          </a:prstGeom>
+          <a:solidFill>
+            <a:schemeClr val="accent6">
+              <a:lumMod val="20000"/>
+              <a:lumOff val="80000"/>
+            </a:schemeClr>
+          </a:solidFill>
+          <a:ln w="3175" cap="flat" cmpd="sng" algn="ctr">
+            <a:noFill/>
+            <a:prstDash val="solid"/>
+            <a:miter lim="800000"/>
+          </a:ln>
+          <a:effectLst/>
+        </p:spPr>
+        <p:txBody>
+          <a:bodyPr lIns="0" rIns="0" rtlCol="0" anchor="ctr"/>
+          <a:lstStyle/>
+          <a:p>
+            <a:pPr marL="0" marR="0" lvl="0" indent="0" algn="ctr" defTabSz="914400" eaLnBrk="1" fontAlgn="auto" latinLnBrk="0" hangingPunct="1">
+              <a:spcBef>
+                <a:spcPts val="0"/>
+              </a:spcBef>
+              <a:spcAft>
+                <a:spcPts val="0"/>
+              </a:spcAft>
+              <a:buClrTx/>
+              <a:buSzTx/>
+              <a:buFontTx/>
+              <a:buNone/>
+              <a:tabLst/>
+              <a:defRPr/>
+            </a:pPr>
+            <a:r>
+              <a:rPr kumimoji="0" lang="en-US" altLang="ko-KR" sz="1200" b="0" i="0" u="none" strike="noStrike" kern="0" cap="none" spc="0" normalizeH="0" baseline="0" noProof="0" dirty="0">
+                <a:ln>
+                  <a:noFill/>
+                </a:ln>
+                <a:solidFill>
+                  <a:prstClr val="black"/>
+                </a:solidFill>
+                <a:effectLst/>
+                <a:uLnTx/>
+                <a:uFillTx/>
+                <a:latin typeface="Calibri" panose="020F0502020204030204" pitchFamily="34" charset="0"/>
+                <a:ea typeface="맑은 고딕"/>
+              </a:rPr>
+              <a:t>Temp File</a:t>
+            </a:r>
+            <a:endParaRPr kumimoji="0" lang="ko-KR" altLang="en-US" sz="1200" b="0" i="0" u="none" strike="noStrike" kern="0" cap="none" spc="0" normalizeH="0" baseline="0" noProof="0" dirty="0">
+              <a:ln>
+                <a:noFill/>
+              </a:ln>
+              <a:solidFill>
+                <a:schemeClr val="tx1">
+                  <a:lumMod val="50000"/>
+                  <a:lumOff val="50000"/>
+                </a:schemeClr>
+              </a:solidFill>
+              <a:effectLst/>
+              <a:uLnTx/>
+              <a:uFillTx/>
+              <a:latin typeface="Calibri" panose="020F0502020204030204" pitchFamily="34" charset="0"/>
+              <a:ea typeface="맑은 고딕"/>
+            </a:endParaRPr>
+          </a:p>
+        </p:txBody>
+      </p:sp>
+      <p:cxnSp>
+        <p:nvCxnSpPr>
+          <p:cNvPr id="150" name="Elbow Connector 149">
+            <a:extLst>
+              <a:ext uri="{FF2B5EF4-FFF2-40B4-BE49-F238E27FC236}">
+                <a16:creationId xmlns:a16="http://schemas.microsoft.com/office/drawing/2014/main" id="{CFB17CEE-668F-6AAC-F71F-5B5E3CCAF82D}"/>
+              </a:ext>
+            </a:extLst>
+          </p:cNvPr>
+          <p:cNvCxnSpPr>
+            <a:cxnSpLocks/>
+            <a:endCxn id="18" idx="1"/>
+          </p:cNvCxnSpPr>
+          <p:nvPr/>
+        </p:nvCxnSpPr>
+        <p:spPr>
+          <a:xfrm flipV="1">
+            <a:off x="3445241" y="1294790"/>
+            <a:ext cx="2178174" cy="647801"/>
+          </a:xfrm>
+          <a:prstGeom prst="bentConnector3">
+            <a:avLst>
+              <a:gd name="adj1" fmla="val 50000"/>
+            </a:avLst>
+          </a:prstGeom>
+          <a:ln w="3175">
+            <a:solidFill>
+              <a:schemeClr val="tx1">
+                <a:lumMod val="50000"/>
+                <a:lumOff val="50000"/>
+              </a:schemeClr>
+            </a:solidFill>
+            <a:prstDash val="dash"/>
+            <a:tailEnd type="triangle" w="sm" len="sm"/>
+          </a:ln>
+        </p:spPr>
+        <p:style>
+          <a:lnRef idx="1">
+            <a:schemeClr val="accent1"/>
+          </a:lnRef>
+          <a:fillRef idx="0">
+            <a:schemeClr val="accent1"/>
+          </a:fillRef>
+          <a:effectRef idx="0">
+            <a:schemeClr val="accent1"/>
+          </a:effectRef>
+          <a:fontRef idx="minor">
+            <a:schemeClr val="tx1"/>
+          </a:fontRef>
+        </p:style>
+      </p:cxnSp>
+      <p:cxnSp>
+        <p:nvCxnSpPr>
+          <p:cNvPr id="154" name="Straight Arrow Connector 153">
+            <a:extLst>
+              <a:ext uri="{FF2B5EF4-FFF2-40B4-BE49-F238E27FC236}">
+                <a16:creationId xmlns:a16="http://schemas.microsoft.com/office/drawing/2014/main" id="{071749ED-3FE5-7E68-DF1E-F496A87E2F48}"/>
+              </a:ext>
+            </a:extLst>
+          </p:cNvPr>
+          <p:cNvCxnSpPr>
+            <a:cxnSpLocks/>
+            <a:stCxn id="67" idx="1"/>
+          </p:cNvCxnSpPr>
+          <p:nvPr/>
+        </p:nvCxnSpPr>
+        <p:spPr>
+          <a:xfrm flipH="1" flipV="1">
+            <a:off x="3445241" y="2050312"/>
+            <a:ext cx="2178173" cy="1"/>
+          </a:xfrm>
+          <a:prstGeom prst="straightConnector1">
+            <a:avLst/>
+          </a:prstGeom>
+          <a:ln>
+            <a:solidFill>
+              <a:schemeClr val="tx1">
+                <a:lumMod val="50000"/>
+                <a:lumOff val="50000"/>
+              </a:schemeClr>
+            </a:solidFill>
+            <a:prstDash val="dash"/>
+            <a:headEnd type="none" w="sm" len="sm"/>
+            <a:tailEnd type="triangle" w="sm" len="sm"/>
+          </a:ln>
+        </p:spPr>
+        <p:style>
+          <a:lnRef idx="1">
+            <a:schemeClr val="accent1"/>
+          </a:lnRef>
+          <a:fillRef idx="0">
+            <a:schemeClr val="accent1"/>
+          </a:fillRef>
+          <a:effectRef idx="0">
+            <a:schemeClr val="accent1"/>
+          </a:effectRef>
+          <a:fontRef idx="minor">
+            <a:schemeClr val="tx1"/>
+          </a:fontRef>
+        </p:style>
+      </p:cxnSp>
+      <p:cxnSp>
+        <p:nvCxnSpPr>
+          <p:cNvPr id="159" name="Elbow Connector 158">
+            <a:extLst>
+              <a:ext uri="{FF2B5EF4-FFF2-40B4-BE49-F238E27FC236}">
+                <a16:creationId xmlns:a16="http://schemas.microsoft.com/office/drawing/2014/main" id="{A1293C01-C470-3779-409C-95034BD248E6}"/>
+              </a:ext>
+            </a:extLst>
+          </p:cNvPr>
+          <p:cNvCxnSpPr>
+            <a:cxnSpLocks/>
+            <a:stCxn id="67" idx="1"/>
+          </p:cNvCxnSpPr>
+          <p:nvPr/>
+        </p:nvCxnSpPr>
+        <p:spPr>
+          <a:xfrm rot="10800000">
+            <a:off x="3451834" y="1792211"/>
+            <a:ext cx="2171581" cy="258102"/>
+          </a:xfrm>
+          <a:prstGeom prst="bentConnector3">
+            <a:avLst>
+              <a:gd name="adj1" fmla="val 25811"/>
+            </a:avLst>
+          </a:prstGeom>
+          <a:ln w="3175">
+            <a:solidFill>
+              <a:schemeClr val="tx1">
+                <a:lumMod val="50000"/>
+                <a:lumOff val="50000"/>
+              </a:schemeClr>
+            </a:solidFill>
+            <a:prstDash val="dash"/>
+            <a:tailEnd type="triangle" w="sm" len="sm"/>
+          </a:ln>
+        </p:spPr>
+        <p:style>
+          <a:lnRef idx="1">
+            <a:schemeClr val="accent1"/>
+          </a:lnRef>
+          <a:fillRef idx="0">
+            <a:schemeClr val="accent1"/>
+          </a:fillRef>
+          <a:effectRef idx="0">
+            <a:schemeClr val="accent1"/>
+          </a:effectRef>
+          <a:fontRef idx="minor">
+            <a:schemeClr val="tx1"/>
+          </a:fontRef>
+        </p:style>
+      </p:cxnSp>
+      <p:cxnSp>
+        <p:nvCxnSpPr>
+          <p:cNvPr id="168" name="Straight Arrow Connector 167">
+            <a:extLst>
+              <a:ext uri="{FF2B5EF4-FFF2-40B4-BE49-F238E27FC236}">
+                <a16:creationId xmlns:a16="http://schemas.microsoft.com/office/drawing/2014/main" id="{7FA2CC23-6270-4914-027E-70D18E31E0D1}"/>
+              </a:ext>
+            </a:extLst>
+          </p:cNvPr>
+          <p:cNvCxnSpPr>
+            <a:cxnSpLocks/>
+            <a:stCxn id="123" idx="3"/>
+            <a:endCxn id="13" idx="1"/>
+          </p:cNvCxnSpPr>
+          <p:nvPr/>
+        </p:nvCxnSpPr>
+        <p:spPr>
+          <a:xfrm>
+            <a:off x="5346414" y="4413586"/>
+            <a:ext cx="2156786" cy="34444"/>
+          </a:xfrm>
+          <a:prstGeom prst="straightConnector1">
+            <a:avLst/>
+          </a:prstGeom>
+          <a:ln>
+            <a:solidFill>
+              <a:schemeClr val="tx1">
+                <a:lumMod val="50000"/>
+                <a:lumOff val="50000"/>
+              </a:schemeClr>
+            </a:solidFill>
+            <a:prstDash val="dash"/>
+            <a:headEnd type="none" w="sm" len="sm"/>
+            <a:tailEnd type="triangle" w="sm" len="sm"/>
+          </a:ln>
+        </p:spPr>
+        <p:style>
+          <a:lnRef idx="1">
+            <a:schemeClr val="accent1"/>
+          </a:lnRef>
+          <a:fillRef idx="0">
+            <a:schemeClr val="accent1"/>
+          </a:fillRef>
+          <a:effectRef idx="0">
+            <a:schemeClr val="accent1"/>
+          </a:effectRef>
+          <a:fontRef idx="minor">
+            <a:schemeClr val="tx1"/>
+          </a:fontRef>
+        </p:style>
+      </p:cxnSp>
+      <p:sp>
+        <p:nvSpPr>
+          <p:cNvPr id="171" name="TextBox 170">
+            <a:extLst>
+              <a:ext uri="{FF2B5EF4-FFF2-40B4-BE49-F238E27FC236}">
+                <a16:creationId xmlns:a16="http://schemas.microsoft.com/office/drawing/2014/main" id="{4B2EB409-64DF-48CA-EA26-85D9A280CF99}"/>
+              </a:ext>
+            </a:extLst>
+          </p:cNvPr>
+          <p:cNvSpPr txBox="1"/>
+          <p:nvPr/>
+        </p:nvSpPr>
+        <p:spPr>
+          <a:xfrm>
+            <a:off x="7508546" y="4687130"/>
+            <a:ext cx="1654909" cy="338554"/>
+          </a:xfrm>
+          <a:prstGeom prst="rect">
+            <a:avLst/>
+          </a:prstGeom>
+          <a:noFill/>
+          <a:ln>
+            <a:solidFill>
+              <a:schemeClr val="accent6"/>
+            </a:solidFill>
+            <a:prstDash val="dash"/>
+          </a:ln>
+        </p:spPr>
+        <p:txBody>
+          <a:bodyPr wrap="square" lIns="45720" tIns="45720" rIns="0" bIns="45720">
+            <a:spAutoFit/>
+          </a:bodyPr>
+          <a:lstStyle/>
+          <a:p>
+            <a:pPr marL="57150" indent="-57150">
+              <a:buFont typeface="Arial" panose="020B0604020202020204" pitchFamily="34" charset="0"/>
+              <a:buChar char="•"/>
+            </a:pPr>
+            <a:r>
+              <a:rPr lang="en-US" sz="800" b="0" dirty="0">
+                <a:solidFill>
+                  <a:srgbClr val="000000"/>
+                </a:solidFill>
+                <a:effectLst/>
+              </a:rPr>
+              <a:t>Get eight digits date</a:t>
+            </a:r>
+          </a:p>
+          <a:p>
+            <a:pPr marL="57150" indent="-57150">
+              <a:buFont typeface="Arial" panose="020B0604020202020204" pitchFamily="34" charset="0"/>
+              <a:buChar char="•"/>
+            </a:pPr>
+            <a:r>
+              <a:rPr lang="en-US" sz="800" b="0" dirty="0">
+                <a:solidFill>
+                  <a:srgbClr val="000000"/>
+                </a:solidFill>
+                <a:effectLst/>
+              </a:rPr>
+              <a:t>Get Amz date/time &amp; 8 digits dates</a:t>
+            </a:r>
+          </a:p>
+        </p:txBody>
+      </p:sp>
+      <p:sp>
+        <p:nvSpPr>
+          <p:cNvPr id="172" name="Oval 171">
+            <a:extLst>
+              <a:ext uri="{FF2B5EF4-FFF2-40B4-BE49-F238E27FC236}">
+                <a16:creationId xmlns:a16="http://schemas.microsoft.com/office/drawing/2014/main" id="{10C57D21-EE84-5804-D305-3604374835AF}"/>
+              </a:ext>
+            </a:extLst>
+          </p:cNvPr>
+          <p:cNvSpPr>
+            <a:spLocks/>
+          </p:cNvSpPr>
+          <p:nvPr/>
+        </p:nvSpPr>
+        <p:spPr>
+          <a:xfrm>
+            <a:off x="7607209" y="4373743"/>
+            <a:ext cx="137160" cy="137160"/>
+          </a:xfrm>
+          <a:prstGeom prst="ellipse">
+            <a:avLst/>
+          </a:prstGeom>
+          <a:solidFill>
+            <a:schemeClr val="accent6">
+              <a:lumMod val="75000"/>
+            </a:schemeClr>
+          </a:solidFill>
+          <a:ln>
+            <a:solidFill>
+              <a:schemeClr val="accent6">
+                <a:lumMod val="50000"/>
+              </a:schemeClr>
+            </a:solidFill>
+          </a:ln>
+        </p:spPr>
+        <p:style>
+          <a:lnRef idx="2">
+            <a:schemeClr val="accent1">
+              <a:shade val="50000"/>
+            </a:schemeClr>
+          </a:lnRef>
+          <a:fillRef idx="1">
+            <a:schemeClr val="accent1"/>
+          </a:fillRef>
+          <a:effectRef idx="0">
+            <a:schemeClr val="accent1"/>
+          </a:effectRef>
+          <a:fontRef idx="minor">
+            <a:schemeClr val="lt1"/>
+          </a:fontRef>
+        </p:style>
+        <p:txBody>
+          <a:bodyPr lIns="0" tIns="0" rIns="0" bIns="0" rtlCol="0" anchor="ctr"/>
+          <a:lstStyle/>
+          <a:p>
+            <a:pPr algn="ctr"/>
+            <a:r>
+              <a:rPr lang="en-US" sz="800" dirty="0">
+                <a:solidFill>
+                  <a:schemeClr val="bg1"/>
+                </a:solidFill>
+              </a:rPr>
+              <a:t>7</a:t>
+            </a:r>
+          </a:p>
+        </p:txBody>
+      </p:sp>
+      <p:sp>
+        <p:nvSpPr>
+          <p:cNvPr id="174" name="TextBox 173">
+            <a:extLst>
+              <a:ext uri="{FF2B5EF4-FFF2-40B4-BE49-F238E27FC236}">
+                <a16:creationId xmlns:a16="http://schemas.microsoft.com/office/drawing/2014/main" id="{F3165B72-0632-5B75-6268-9A87BC0BCC3F}"/>
+              </a:ext>
+            </a:extLst>
+          </p:cNvPr>
+          <p:cNvSpPr txBox="1"/>
+          <p:nvPr/>
+        </p:nvSpPr>
+        <p:spPr>
+          <a:xfrm>
+            <a:off x="5622968" y="4929704"/>
+            <a:ext cx="1572629" cy="215444"/>
+          </a:xfrm>
+          <a:prstGeom prst="rect">
+            <a:avLst/>
+          </a:prstGeom>
+          <a:noFill/>
+          <a:ln>
+            <a:solidFill>
+              <a:schemeClr val="accent6"/>
+            </a:solidFill>
+            <a:prstDash val="dash"/>
+          </a:ln>
+        </p:spPr>
+        <p:txBody>
+          <a:bodyPr wrap="square" lIns="45720" tIns="45720" rIns="0" bIns="45720">
+            <a:spAutoFit/>
+          </a:bodyPr>
+          <a:lstStyle/>
+          <a:p>
+            <a:pPr marL="57150" indent="-57150">
+              <a:buFont typeface="Arial" panose="020B0604020202020204" pitchFamily="34" charset="0"/>
+              <a:buChar char="•"/>
+            </a:pPr>
+            <a:r>
+              <a:rPr lang="en-US" sz="800" dirty="0"/>
+              <a:t>readCredentials()</a:t>
+            </a:r>
+          </a:p>
+        </p:txBody>
+      </p:sp>
+      <p:sp>
+        <p:nvSpPr>
+          <p:cNvPr id="175" name="TextBox 174">
+            <a:extLst>
+              <a:ext uri="{FF2B5EF4-FFF2-40B4-BE49-F238E27FC236}">
+                <a16:creationId xmlns:a16="http://schemas.microsoft.com/office/drawing/2014/main" id="{44BDB131-17EE-0E77-82D9-4FEA4FDDEA27}"/>
+              </a:ext>
+            </a:extLst>
+          </p:cNvPr>
+          <p:cNvSpPr txBox="1"/>
+          <p:nvPr/>
+        </p:nvSpPr>
+        <p:spPr>
+          <a:xfrm>
+            <a:off x="5619724" y="5179383"/>
+            <a:ext cx="1572629" cy="215444"/>
+          </a:xfrm>
+          <a:prstGeom prst="rect">
+            <a:avLst/>
+          </a:prstGeom>
+          <a:noFill/>
+          <a:ln>
+            <a:solidFill>
+              <a:schemeClr val="accent6"/>
+            </a:solidFill>
+            <a:prstDash val="dash"/>
+          </a:ln>
+        </p:spPr>
+        <p:txBody>
+          <a:bodyPr wrap="square" lIns="45720" tIns="45720" rIns="0" bIns="45720">
+            <a:spAutoFit/>
+          </a:bodyPr>
+          <a:lstStyle/>
+          <a:p>
+            <a:pPr marL="57150" indent="-57150">
+              <a:buFont typeface="Arial" panose="020B0604020202020204" pitchFamily="34" charset="0"/>
+              <a:buChar char="•"/>
+            </a:pPr>
+            <a:r>
+              <a:rPr lang="en-US" sz="800" dirty="0"/>
+              <a:t>Return a session token</a:t>
+            </a:r>
+          </a:p>
+        </p:txBody>
+      </p:sp>
+      <p:cxnSp>
+        <p:nvCxnSpPr>
+          <p:cNvPr id="176" name="Straight Arrow Connector 175">
+            <a:extLst>
+              <a:ext uri="{FF2B5EF4-FFF2-40B4-BE49-F238E27FC236}">
+                <a16:creationId xmlns:a16="http://schemas.microsoft.com/office/drawing/2014/main" id="{6B810A35-8B7E-98B4-91F1-80D37C68D84C}"/>
+              </a:ext>
+            </a:extLst>
+          </p:cNvPr>
+          <p:cNvCxnSpPr>
+            <a:cxnSpLocks/>
+            <a:stCxn id="108" idx="3"/>
+          </p:cNvCxnSpPr>
+          <p:nvPr/>
+        </p:nvCxnSpPr>
+        <p:spPr>
+          <a:xfrm>
+            <a:off x="3444246" y="4698528"/>
+            <a:ext cx="2175478" cy="1364"/>
+          </a:xfrm>
+          <a:prstGeom prst="straightConnector1">
+            <a:avLst/>
+          </a:prstGeom>
+          <a:ln>
+            <a:solidFill>
+              <a:schemeClr val="accent6"/>
+            </a:solidFill>
+            <a:prstDash val="dash"/>
+            <a:headEnd type="triangle" w="sm" len="sm"/>
+            <a:tailEnd type="none" w="sm" len="sm"/>
+          </a:ln>
+        </p:spPr>
+        <p:style>
+          <a:lnRef idx="1">
+            <a:schemeClr val="accent1"/>
+          </a:lnRef>
+          <a:fillRef idx="0">
+            <a:schemeClr val="accent1"/>
+          </a:fillRef>
+          <a:effectRef idx="0">
+            <a:schemeClr val="accent1"/>
+          </a:effectRef>
+          <a:fontRef idx="minor">
+            <a:schemeClr val="tx1"/>
+          </a:fontRef>
+        </p:style>
+      </p:cxnSp>
+      <p:sp>
+        <p:nvSpPr>
+          <p:cNvPr id="181" name="Oval 180">
+            <a:extLst>
+              <a:ext uri="{FF2B5EF4-FFF2-40B4-BE49-F238E27FC236}">
+                <a16:creationId xmlns:a16="http://schemas.microsoft.com/office/drawing/2014/main" id="{37951D75-CFD0-12CB-1115-2EB3F2B2E80A}"/>
+              </a:ext>
+            </a:extLst>
+          </p:cNvPr>
+          <p:cNvSpPr>
+            <a:spLocks/>
+          </p:cNvSpPr>
+          <p:nvPr/>
+        </p:nvSpPr>
+        <p:spPr>
+          <a:xfrm>
+            <a:off x="5668158" y="4633151"/>
+            <a:ext cx="137160" cy="137160"/>
+          </a:xfrm>
+          <a:prstGeom prst="ellipse">
+            <a:avLst/>
+          </a:prstGeom>
+          <a:solidFill>
+            <a:schemeClr val="accent6">
+              <a:lumMod val="75000"/>
+            </a:schemeClr>
+          </a:solidFill>
+          <a:ln>
+            <a:solidFill>
+              <a:schemeClr val="accent6">
+                <a:lumMod val="50000"/>
+              </a:schemeClr>
+            </a:solidFill>
+          </a:ln>
+        </p:spPr>
+        <p:style>
+          <a:lnRef idx="2">
+            <a:schemeClr val="accent1">
+              <a:shade val="50000"/>
+            </a:schemeClr>
+          </a:lnRef>
+          <a:fillRef idx="1">
+            <a:schemeClr val="accent1"/>
+          </a:fillRef>
+          <a:effectRef idx="0">
+            <a:schemeClr val="accent1"/>
+          </a:effectRef>
+          <a:fontRef idx="minor">
+            <a:schemeClr val="lt1"/>
+          </a:fontRef>
+        </p:style>
+        <p:txBody>
+          <a:bodyPr lIns="0" tIns="0" rIns="0" bIns="0" rtlCol="0" anchor="ctr"/>
+          <a:lstStyle/>
+          <a:p>
+            <a:pPr algn="ctr"/>
+            <a:r>
+              <a:rPr lang="en-US" sz="800" dirty="0">
+                <a:solidFill>
+                  <a:schemeClr val="bg1"/>
+                </a:solidFill>
+              </a:rPr>
+              <a:t>8</a:t>
+            </a:r>
+          </a:p>
+        </p:txBody>
+      </p:sp>
+      <p:sp>
+        <p:nvSpPr>
+          <p:cNvPr id="183" name="TextBox 182">
+            <a:extLst>
+              <a:ext uri="{FF2B5EF4-FFF2-40B4-BE49-F238E27FC236}">
+                <a16:creationId xmlns:a16="http://schemas.microsoft.com/office/drawing/2014/main" id="{17AC2EB1-8C6F-1AE9-8E32-9A568EC87028}"/>
+              </a:ext>
+            </a:extLst>
+          </p:cNvPr>
+          <p:cNvSpPr txBox="1"/>
+          <p:nvPr/>
+        </p:nvSpPr>
+        <p:spPr>
+          <a:xfrm>
+            <a:off x="1759108" y="5847105"/>
+            <a:ext cx="1743936" cy="123111"/>
+          </a:xfrm>
+          <a:prstGeom prst="rect">
+            <a:avLst/>
+          </a:prstGeom>
+          <a:noFill/>
+        </p:spPr>
+        <p:txBody>
+          <a:bodyPr wrap="square" lIns="0" tIns="0" rIns="0" bIns="0">
+            <a:spAutoFit/>
+          </a:bodyPr>
+          <a:lstStyle/>
+          <a:p>
+            <a:r>
+              <a:rPr lang="en-US" sz="800" dirty="0"/>
+              <a:t>proxy_pass {AWS_SERVICES};</a:t>
+            </a:r>
+          </a:p>
+        </p:txBody>
+      </p:sp>
+      <p:sp>
+        <p:nvSpPr>
+          <p:cNvPr id="184" name="직사각형 363">
+            <a:extLst>
+              <a:ext uri="{FF2B5EF4-FFF2-40B4-BE49-F238E27FC236}">
+                <a16:creationId xmlns:a16="http://schemas.microsoft.com/office/drawing/2014/main" id="{EE96AA9F-1D20-E1EC-425E-64E3FB2AA0EC}"/>
+              </a:ext>
+            </a:extLst>
+          </p:cNvPr>
+          <p:cNvSpPr/>
+          <p:nvPr/>
+        </p:nvSpPr>
+        <p:spPr>
+          <a:xfrm>
+            <a:off x="1753942" y="5087330"/>
+            <a:ext cx="1684708" cy="227388"/>
+          </a:xfrm>
+          <a:prstGeom prst="rect">
+            <a:avLst/>
+          </a:prstGeom>
+          <a:noFill/>
+          <a:ln w="3175" cap="flat" cmpd="sng" algn="ctr">
+            <a:solidFill>
+              <a:schemeClr val="tx1">
+                <a:lumMod val="50000"/>
+                <a:lumOff val="50000"/>
+              </a:schemeClr>
+            </a:solidFill>
+            <a:prstDash val="dash"/>
+            <a:miter lim="800000"/>
+          </a:ln>
+          <a:effectLst/>
+        </p:spPr>
+        <p:txBody>
+          <a:bodyPr lIns="45720" rIns="0" rtlCol="0" anchor="ctr"/>
+          <a:lstStyle/>
+          <a:p>
+            <a:r>
+              <a:rPr lang="en-US" sz="800" dirty="0"/>
+              <a:t>js_header_filter editHeaders</a:t>
+            </a:r>
+          </a:p>
+        </p:txBody>
+      </p:sp>
+      <p:cxnSp>
+        <p:nvCxnSpPr>
+          <p:cNvPr id="185" name="Straight Arrow Connector 184">
+            <a:extLst>
+              <a:ext uri="{FF2B5EF4-FFF2-40B4-BE49-F238E27FC236}">
+                <a16:creationId xmlns:a16="http://schemas.microsoft.com/office/drawing/2014/main" id="{AC9263CA-BC94-AD5A-E061-C54B518FB36A}"/>
+              </a:ext>
+            </a:extLst>
+          </p:cNvPr>
+          <p:cNvCxnSpPr>
+            <a:cxnSpLocks/>
+            <a:stCxn id="184" idx="3"/>
+            <a:endCxn id="120" idx="1"/>
+          </p:cNvCxnSpPr>
+          <p:nvPr/>
+        </p:nvCxnSpPr>
+        <p:spPr>
+          <a:xfrm>
+            <a:off x="3438650" y="5201024"/>
+            <a:ext cx="239270" cy="6639"/>
+          </a:xfrm>
+          <a:prstGeom prst="straightConnector1">
+            <a:avLst/>
+          </a:prstGeom>
+          <a:ln>
+            <a:solidFill>
+              <a:schemeClr val="accent6"/>
+            </a:solidFill>
+            <a:prstDash val="dash"/>
+            <a:headEnd type="none" w="sm" len="sm"/>
+            <a:tailEnd type="triangle" w="sm" len="sm"/>
+          </a:ln>
+        </p:spPr>
+        <p:style>
+          <a:lnRef idx="1">
+            <a:schemeClr val="accent1"/>
+          </a:lnRef>
+          <a:fillRef idx="0">
+            <a:schemeClr val="accent1"/>
+          </a:fillRef>
+          <a:effectRef idx="0">
+            <a:schemeClr val="accent1"/>
+          </a:effectRef>
+          <a:fontRef idx="minor">
+            <a:schemeClr val="tx1"/>
+          </a:fontRef>
+        </p:style>
+      </p:cxnSp>
+      <p:cxnSp>
+        <p:nvCxnSpPr>
+          <p:cNvPr id="191" name="Straight Arrow Connector 190">
+            <a:extLst>
+              <a:ext uri="{FF2B5EF4-FFF2-40B4-BE49-F238E27FC236}">
+                <a16:creationId xmlns:a16="http://schemas.microsoft.com/office/drawing/2014/main" id="{5E897FA6-AEFC-69EE-37DD-7B7B20263B68}"/>
+              </a:ext>
+            </a:extLst>
+          </p:cNvPr>
+          <p:cNvCxnSpPr>
+            <a:cxnSpLocks/>
+          </p:cNvCxnSpPr>
+          <p:nvPr/>
+        </p:nvCxnSpPr>
+        <p:spPr>
+          <a:xfrm>
+            <a:off x="2556985" y="5970216"/>
+            <a:ext cx="0" cy="325513"/>
+          </a:xfrm>
+          <a:prstGeom prst="straightConnector1">
+            <a:avLst/>
+          </a:prstGeom>
+          <a:ln>
+            <a:solidFill>
+              <a:schemeClr val="accent6"/>
+            </a:solidFill>
+            <a:prstDash val="dash"/>
+            <a:headEnd type="none" w="sm" len="sm"/>
+            <a:tailEnd type="triangle" w="sm" len="sm"/>
+          </a:ln>
+        </p:spPr>
+        <p:style>
+          <a:lnRef idx="1">
+            <a:schemeClr val="accent1"/>
+          </a:lnRef>
+          <a:fillRef idx="0">
+            <a:schemeClr val="accent1"/>
+          </a:fillRef>
+          <a:effectRef idx="0">
+            <a:schemeClr val="accent1"/>
+          </a:effectRef>
+          <a:fontRef idx="minor">
+            <a:schemeClr val="tx1"/>
+          </a:fontRef>
+        </p:style>
+      </p:cxnSp>
+      <p:sp>
+        <p:nvSpPr>
+          <p:cNvPr id="194" name="Oval 193">
+            <a:extLst>
+              <a:ext uri="{FF2B5EF4-FFF2-40B4-BE49-F238E27FC236}">
+                <a16:creationId xmlns:a16="http://schemas.microsoft.com/office/drawing/2014/main" id="{C3B8B4B6-424A-002B-6830-DEE61EB61FB6}"/>
+              </a:ext>
+            </a:extLst>
+          </p:cNvPr>
+          <p:cNvSpPr>
+            <a:spLocks/>
+          </p:cNvSpPr>
+          <p:nvPr/>
+        </p:nvSpPr>
+        <p:spPr>
+          <a:xfrm>
+            <a:off x="3855568" y="5126020"/>
+            <a:ext cx="137160" cy="137160"/>
+          </a:xfrm>
+          <a:prstGeom prst="ellipse">
+            <a:avLst/>
+          </a:prstGeom>
+          <a:solidFill>
+            <a:schemeClr val="accent6">
+              <a:lumMod val="75000"/>
+            </a:schemeClr>
+          </a:solidFill>
+          <a:ln>
+            <a:solidFill>
+              <a:schemeClr val="accent6">
+                <a:lumMod val="50000"/>
+              </a:schemeClr>
+            </a:solidFill>
+          </a:ln>
+        </p:spPr>
+        <p:style>
+          <a:lnRef idx="2">
+            <a:schemeClr val="accent1">
+              <a:shade val="50000"/>
+            </a:schemeClr>
+          </a:lnRef>
+          <a:fillRef idx="1">
+            <a:schemeClr val="accent1"/>
+          </a:fillRef>
+          <a:effectRef idx="0">
+            <a:schemeClr val="accent1"/>
+          </a:effectRef>
+          <a:fontRef idx="minor">
+            <a:schemeClr val="lt1"/>
+          </a:fontRef>
+        </p:style>
+        <p:txBody>
+          <a:bodyPr lIns="0" tIns="0" rIns="0" bIns="0" rtlCol="0" anchor="ctr"/>
+          <a:lstStyle/>
+          <a:p>
+            <a:pPr algn="ctr"/>
+            <a:r>
+              <a:rPr lang="en-US" sz="800" dirty="0">
+                <a:solidFill>
+                  <a:schemeClr val="bg1"/>
+                </a:solidFill>
+              </a:rPr>
+              <a:t>9</a:t>
+            </a:r>
+          </a:p>
+        </p:txBody>
+      </p:sp>
+      <p:sp>
+        <p:nvSpPr>
+          <p:cNvPr id="195" name="Oval 194">
+            <a:extLst>
+              <a:ext uri="{FF2B5EF4-FFF2-40B4-BE49-F238E27FC236}">
+                <a16:creationId xmlns:a16="http://schemas.microsoft.com/office/drawing/2014/main" id="{B59F1DF4-C8E4-10D0-2E92-B5A66C181EEC}"/>
+              </a:ext>
+            </a:extLst>
+          </p:cNvPr>
+          <p:cNvSpPr>
+            <a:spLocks/>
+          </p:cNvSpPr>
+          <p:nvPr/>
+        </p:nvSpPr>
+        <p:spPr>
+          <a:xfrm>
+            <a:off x="1731686" y="5404880"/>
+            <a:ext cx="155448" cy="155448"/>
+          </a:xfrm>
+          <a:prstGeom prst="ellipse">
+            <a:avLst/>
+          </a:prstGeom>
+          <a:solidFill>
+            <a:schemeClr val="accent6">
+              <a:lumMod val="75000"/>
+            </a:schemeClr>
+          </a:solidFill>
+          <a:ln>
+            <a:solidFill>
+              <a:schemeClr val="accent6">
+                <a:lumMod val="50000"/>
+              </a:schemeClr>
+            </a:solidFill>
+          </a:ln>
+        </p:spPr>
+        <p:style>
+          <a:lnRef idx="2">
+            <a:schemeClr val="accent1">
+              <a:shade val="50000"/>
+            </a:schemeClr>
+          </a:lnRef>
+          <a:fillRef idx="1">
+            <a:schemeClr val="accent1"/>
+          </a:fillRef>
+          <a:effectRef idx="0">
+            <a:schemeClr val="accent1"/>
+          </a:effectRef>
+          <a:fontRef idx="minor">
+            <a:schemeClr val="lt1"/>
+          </a:fontRef>
+        </p:style>
+        <p:txBody>
+          <a:bodyPr lIns="0" tIns="0" rIns="0" bIns="0" rtlCol="0" anchor="ctr"/>
+          <a:lstStyle/>
+          <a:p>
+            <a:pPr algn="ctr"/>
+            <a:r>
+              <a:rPr lang="en-US" sz="800" dirty="0">
+                <a:solidFill>
+                  <a:schemeClr val="bg1"/>
+                </a:solidFill>
+              </a:rPr>
+              <a:t>10</a:t>
+            </a:r>
+          </a:p>
+        </p:txBody>
+      </p:sp>
+      <p:sp>
+        <p:nvSpPr>
+          <p:cNvPr id="196" name="TextBox 195">
+            <a:extLst>
+              <a:ext uri="{FF2B5EF4-FFF2-40B4-BE49-F238E27FC236}">
+                <a16:creationId xmlns:a16="http://schemas.microsoft.com/office/drawing/2014/main" id="{6318EF1C-2775-C1D2-316E-06D00739F97C}"/>
+              </a:ext>
+            </a:extLst>
+          </p:cNvPr>
+          <p:cNvSpPr txBox="1"/>
+          <p:nvPr/>
+        </p:nvSpPr>
+        <p:spPr>
+          <a:xfrm>
+            <a:off x="9429794" y="4683483"/>
+            <a:ext cx="1630558" cy="338554"/>
+          </a:xfrm>
+          <a:prstGeom prst="rect">
+            <a:avLst/>
+          </a:prstGeom>
+          <a:noFill/>
+          <a:ln>
+            <a:solidFill>
+              <a:schemeClr val="accent6"/>
+            </a:solidFill>
+            <a:prstDash val="dash"/>
+          </a:ln>
+        </p:spPr>
+        <p:txBody>
+          <a:bodyPr wrap="square" lIns="45720" tIns="45720" rIns="0" bIns="45720">
+            <a:spAutoFit/>
+          </a:bodyPr>
+          <a:lstStyle/>
+          <a:p>
+            <a:pPr marL="57150" indent="-57150">
+              <a:buFont typeface="Arial" panose="020B0604020202020204" pitchFamily="34" charset="0"/>
+              <a:buChar char="•"/>
+            </a:pPr>
+            <a:r>
+              <a:rPr lang="en-US" sz="800" b="0" dirty="0">
+                <a:solidFill>
+                  <a:srgbClr val="000000"/>
+                </a:solidFill>
+                <a:effectLst/>
+              </a:rPr>
+              <a:t>getEightDigitDate()</a:t>
+            </a:r>
+          </a:p>
+          <a:p>
+            <a:pPr marL="57150" indent="-57150">
+              <a:buFont typeface="Arial" panose="020B0604020202020204" pitchFamily="34" charset="0"/>
+              <a:buChar char="•"/>
+            </a:pPr>
+            <a:r>
+              <a:rPr lang="en-US" sz="800" b="0" dirty="0">
+                <a:solidFill>
+                  <a:srgbClr val="000000"/>
+                </a:solidFill>
+                <a:effectLst/>
+              </a:rPr>
+              <a:t>getAmzDatetime()</a:t>
+            </a:r>
+          </a:p>
+        </p:txBody>
+      </p:sp>
+      <p:sp>
+        <p:nvSpPr>
+          <p:cNvPr id="197" name="TextBox 196">
+            <a:extLst>
+              <a:ext uri="{FF2B5EF4-FFF2-40B4-BE49-F238E27FC236}">
+                <a16:creationId xmlns:a16="http://schemas.microsoft.com/office/drawing/2014/main" id="{C45F2EE3-7B04-96A1-075B-0031DE836CC4}"/>
+              </a:ext>
+            </a:extLst>
+          </p:cNvPr>
+          <p:cNvSpPr txBox="1"/>
+          <p:nvPr/>
+        </p:nvSpPr>
+        <p:spPr>
+          <a:xfrm>
+            <a:off x="7513552" y="5064370"/>
+            <a:ext cx="1654909" cy="584775"/>
+          </a:xfrm>
+          <a:prstGeom prst="rect">
+            <a:avLst/>
+          </a:prstGeom>
+          <a:noFill/>
+          <a:ln>
+            <a:solidFill>
+              <a:schemeClr val="accent6"/>
+            </a:solidFill>
+            <a:prstDash val="dash"/>
+          </a:ln>
+        </p:spPr>
+        <p:txBody>
+          <a:bodyPr wrap="square" lIns="45720" tIns="45720" rIns="0" bIns="45720">
+            <a:spAutoFit/>
+          </a:bodyPr>
+          <a:lstStyle/>
+          <a:p>
+            <a:pPr marL="57150" indent="-57150">
+              <a:buFont typeface="Arial" panose="020B0604020202020204" pitchFamily="34" charset="0"/>
+              <a:buChar char="•"/>
+            </a:pPr>
+            <a:r>
+              <a:rPr lang="en-US" sz="800" b="0" dirty="0">
+                <a:solidFill>
+                  <a:srgbClr val="000000"/>
+                </a:solidFill>
+                <a:effectLst/>
+              </a:rPr>
+              <a:t>Create a canonical request</a:t>
+            </a:r>
+          </a:p>
+          <a:p>
+            <a:pPr marL="57150" indent="-57150">
+              <a:buFont typeface="Arial" panose="020B0604020202020204" pitchFamily="34" charset="0"/>
+              <a:buChar char="•"/>
+            </a:pPr>
+            <a:r>
+              <a:rPr lang="en-US" sz="800" b="0" dirty="0">
+                <a:solidFill>
+                  <a:srgbClr val="000000"/>
+                </a:solidFill>
+                <a:effectLst/>
+              </a:rPr>
+              <a:t>Create the string to sign</a:t>
+            </a:r>
+          </a:p>
+          <a:p>
+            <a:pPr marL="57150" indent="-57150">
+              <a:buFont typeface="Arial" panose="020B0604020202020204" pitchFamily="34" charset="0"/>
+              <a:buChar char="•"/>
+            </a:pPr>
+            <a:r>
+              <a:rPr lang="en-US" sz="800" dirty="0">
+                <a:solidFill>
+                  <a:srgbClr val="000000"/>
+                </a:solidFill>
+              </a:rPr>
+              <a:t>Calculate the signature</a:t>
+            </a:r>
+          </a:p>
+          <a:p>
+            <a:pPr marL="57150" indent="-57150">
+              <a:buFont typeface="Arial" panose="020B0604020202020204" pitchFamily="34" charset="0"/>
+              <a:buChar char="•"/>
+            </a:pPr>
+            <a:r>
+              <a:rPr lang="en-US" sz="800" dirty="0">
+                <a:solidFill>
+                  <a:srgbClr val="000000"/>
+                </a:solidFill>
+              </a:rPr>
+              <a:t>Generate auth signature header</a:t>
+            </a:r>
+          </a:p>
+        </p:txBody>
+      </p:sp>
+      <p:sp>
+        <p:nvSpPr>
+          <p:cNvPr id="201" name="직사각형 363">
+            <a:extLst>
+              <a:ext uri="{FF2B5EF4-FFF2-40B4-BE49-F238E27FC236}">
+                <a16:creationId xmlns:a16="http://schemas.microsoft.com/office/drawing/2014/main" id="{8FCA8D52-85C1-6365-F15F-6FA878A82614}"/>
+              </a:ext>
+            </a:extLst>
+          </p:cNvPr>
+          <p:cNvSpPr/>
+          <p:nvPr/>
+        </p:nvSpPr>
+        <p:spPr>
+          <a:xfrm>
+            <a:off x="1756293" y="3089760"/>
+            <a:ext cx="1684708" cy="325931"/>
+          </a:xfrm>
+          <a:prstGeom prst="rect">
+            <a:avLst/>
+          </a:prstGeom>
+          <a:noFill/>
+          <a:ln w="3175" cap="flat" cmpd="sng" algn="ctr">
+            <a:solidFill>
+              <a:schemeClr val="tx1">
+                <a:lumMod val="50000"/>
+                <a:lumOff val="50000"/>
+              </a:schemeClr>
+            </a:solidFill>
+            <a:prstDash val="dash"/>
+            <a:miter lim="800000"/>
+          </a:ln>
+          <a:effectLst/>
+        </p:spPr>
+        <p:txBody>
+          <a:bodyPr lIns="45720" rIns="0" rtlCol="0" anchor="ctr"/>
+          <a:lstStyle/>
+          <a:p>
+            <a:r>
+              <a:rPr kumimoji="0" lang="en-US" sz="800" b="0" i="0" u="none" strike="noStrike" kern="1200" cap="none" spc="0" normalizeH="0" baseline="0" noProof="0" dirty="0">
+                <a:ln>
+                  <a:noFill/>
+                </a:ln>
+                <a:solidFill>
+                  <a:schemeClr val="tx1">
+                    <a:lumMod val="50000"/>
+                    <a:lumOff val="50000"/>
+                  </a:schemeClr>
+                </a:solidFill>
+                <a:effectLst/>
+                <a:uLnTx/>
+                <a:uFillTx/>
+                <a:latin typeface="Calibri" panose="020F0502020204030204"/>
+                <a:ea typeface="+mn-ea"/>
+                <a:cs typeface="+mn-cs"/>
+              </a:rPr>
+              <a:t>proxy_set_header</a:t>
+            </a:r>
+            <a:endParaRPr lang="en-US" sz="800" dirty="0">
+              <a:solidFill>
+                <a:schemeClr val="tx1">
+                  <a:lumMod val="50000"/>
+                  <a:lumOff val="50000"/>
+                </a:schemeClr>
+              </a:solidFill>
+            </a:endParaRPr>
+          </a:p>
+          <a:p>
+            <a:r>
+              <a:rPr lang="en-US" sz="800" dirty="0"/>
+              <a:t>x-amz-date $awsDate</a:t>
+            </a:r>
+          </a:p>
+        </p:txBody>
+      </p:sp>
+      <p:sp>
+        <p:nvSpPr>
+          <p:cNvPr id="202" name="직사각형 363">
+            <a:extLst>
+              <a:ext uri="{FF2B5EF4-FFF2-40B4-BE49-F238E27FC236}">
+                <a16:creationId xmlns:a16="http://schemas.microsoft.com/office/drawing/2014/main" id="{5F3CE81E-05ED-786F-6113-93A66DD44100}"/>
+              </a:ext>
+            </a:extLst>
+          </p:cNvPr>
+          <p:cNvSpPr/>
+          <p:nvPr/>
+        </p:nvSpPr>
+        <p:spPr>
+          <a:xfrm>
+            <a:off x="7494097" y="3070349"/>
+            <a:ext cx="1660255" cy="359218"/>
+          </a:xfrm>
+          <a:prstGeom prst="rect">
+            <a:avLst/>
+          </a:prstGeom>
+          <a:solidFill>
+            <a:schemeClr val="accent6">
+              <a:lumMod val="20000"/>
+              <a:lumOff val="80000"/>
+            </a:schemeClr>
+          </a:solidFill>
+          <a:ln w="3175" cap="flat" cmpd="sng" algn="ctr">
+            <a:noFill/>
+            <a:prstDash val="solid"/>
+            <a:miter lim="800000"/>
+          </a:ln>
+          <a:effectLst/>
+        </p:spPr>
+        <p:txBody>
+          <a:bodyPr lIns="0" rIns="0" rtlCol="0" anchor="ctr"/>
+          <a:lstStyle/>
+          <a:p>
+            <a:pPr marL="0" marR="0" lvl="0" indent="0" algn="ctr" defTabSz="914400" eaLnBrk="1" fontAlgn="auto" latinLnBrk="0" hangingPunct="1">
+              <a:spcBef>
+                <a:spcPts val="0"/>
+              </a:spcBef>
+              <a:spcAft>
+                <a:spcPts val="0"/>
+              </a:spcAft>
+              <a:buClrTx/>
+              <a:buSzTx/>
+              <a:buFontTx/>
+              <a:buNone/>
+              <a:tabLst/>
+              <a:defRPr/>
+            </a:pPr>
+            <a:r>
+              <a:rPr kumimoji="0" lang="en-US" altLang="ko-KR" sz="1200" b="0" i="0" u="none" strike="noStrike" kern="0" cap="none" spc="0" normalizeH="0" baseline="0" noProof="0" dirty="0">
+                <a:ln>
+                  <a:noFill/>
+                </a:ln>
+                <a:solidFill>
+                  <a:prstClr val="black"/>
+                </a:solidFill>
+                <a:effectLst/>
+                <a:uLnTx/>
+                <a:uFillTx/>
+                <a:latin typeface="Calibri" panose="020F0502020204030204" pitchFamily="34" charset="0"/>
+                <a:ea typeface="맑은 고딕"/>
+              </a:rPr>
+              <a:t>Get Amz Date</a:t>
+            </a:r>
+            <a:endParaRPr kumimoji="0" lang="ko-KR" altLang="en-US" sz="1200" b="0" i="0" u="none" strike="noStrike" kern="0" cap="none" spc="0" normalizeH="0" baseline="0" noProof="0" dirty="0">
+              <a:ln>
+                <a:noFill/>
+              </a:ln>
+              <a:solidFill>
+                <a:schemeClr val="tx1">
+                  <a:lumMod val="50000"/>
+                  <a:lumOff val="50000"/>
+                </a:schemeClr>
+              </a:solidFill>
+              <a:effectLst/>
+              <a:uLnTx/>
+              <a:uFillTx/>
+              <a:latin typeface="Calibri" panose="020F0502020204030204" pitchFamily="34" charset="0"/>
+              <a:ea typeface="맑은 고딕"/>
+            </a:endParaRPr>
+          </a:p>
+        </p:txBody>
+      </p:sp>
+      <p:sp>
+        <p:nvSpPr>
+          <p:cNvPr id="206" name="TextBox 205">
+            <a:extLst>
+              <a:ext uri="{FF2B5EF4-FFF2-40B4-BE49-F238E27FC236}">
+                <a16:creationId xmlns:a16="http://schemas.microsoft.com/office/drawing/2014/main" id="{1ADB81F0-050D-B817-F32E-69E0E1E270EB}"/>
+              </a:ext>
+            </a:extLst>
+          </p:cNvPr>
+          <p:cNvSpPr txBox="1"/>
+          <p:nvPr/>
+        </p:nvSpPr>
+        <p:spPr>
+          <a:xfrm>
+            <a:off x="7513443" y="3461212"/>
+            <a:ext cx="1630558" cy="215444"/>
+          </a:xfrm>
+          <a:prstGeom prst="rect">
+            <a:avLst/>
+          </a:prstGeom>
+          <a:noFill/>
+          <a:ln>
+            <a:solidFill>
+              <a:schemeClr val="accent6"/>
+            </a:solidFill>
+            <a:prstDash val="dash"/>
+          </a:ln>
+        </p:spPr>
+        <p:txBody>
+          <a:bodyPr wrap="square" lIns="45720" tIns="45720" rIns="0" bIns="45720">
+            <a:spAutoFit/>
+          </a:bodyPr>
+          <a:lstStyle/>
+          <a:p>
+            <a:pPr marL="57150" indent="-57150">
+              <a:buFont typeface="Arial" panose="020B0604020202020204" pitchFamily="34" charset="0"/>
+              <a:buChar char="•"/>
+            </a:pPr>
+            <a:r>
+              <a:rPr lang="en-US" sz="800" dirty="0"/>
+              <a:t>awsHeaderDate()</a:t>
+            </a:r>
+          </a:p>
+        </p:txBody>
+      </p:sp>
+      <p:cxnSp>
+        <p:nvCxnSpPr>
+          <p:cNvPr id="209" name="Straight Arrow Connector 208">
+            <a:extLst>
+              <a:ext uri="{FF2B5EF4-FFF2-40B4-BE49-F238E27FC236}">
+                <a16:creationId xmlns:a16="http://schemas.microsoft.com/office/drawing/2014/main" id="{271282C6-0B19-779E-5849-B95307A9C557}"/>
+              </a:ext>
+            </a:extLst>
+          </p:cNvPr>
+          <p:cNvCxnSpPr>
+            <a:cxnSpLocks/>
+            <a:stCxn id="202" idx="1"/>
+          </p:cNvCxnSpPr>
+          <p:nvPr/>
+        </p:nvCxnSpPr>
+        <p:spPr>
+          <a:xfrm flipH="1" flipV="1">
+            <a:off x="3432057" y="3215514"/>
+            <a:ext cx="4062040" cy="34444"/>
+          </a:xfrm>
+          <a:prstGeom prst="straightConnector1">
+            <a:avLst/>
+          </a:prstGeom>
+          <a:ln>
+            <a:solidFill>
+              <a:schemeClr val="tx1">
+                <a:lumMod val="50000"/>
+                <a:lumOff val="50000"/>
+              </a:schemeClr>
+            </a:solidFill>
+            <a:prstDash val="dash"/>
+            <a:headEnd type="none" w="sm" len="sm"/>
+            <a:tailEnd type="triangle" w="sm" len="sm"/>
+          </a:ln>
+        </p:spPr>
+        <p:style>
+          <a:lnRef idx="1">
+            <a:schemeClr val="accent1"/>
+          </a:lnRef>
+          <a:fillRef idx="0">
+            <a:schemeClr val="accent1"/>
+          </a:fillRef>
+          <a:effectRef idx="0">
+            <a:schemeClr val="accent1"/>
+          </a:effectRef>
+          <a:fontRef idx="minor">
+            <a:schemeClr val="tx1"/>
+          </a:fontRef>
+        </p:style>
+      </p:cxnSp>
+      <p:cxnSp>
+        <p:nvCxnSpPr>
+          <p:cNvPr id="220" name="Straight Arrow Connector 219">
+            <a:extLst>
+              <a:ext uri="{FF2B5EF4-FFF2-40B4-BE49-F238E27FC236}">
+                <a16:creationId xmlns:a16="http://schemas.microsoft.com/office/drawing/2014/main" id="{D2B7118B-8396-F724-5B16-A8B611171F23}"/>
+              </a:ext>
+            </a:extLst>
+          </p:cNvPr>
+          <p:cNvCxnSpPr>
+            <a:cxnSpLocks/>
+            <a:stCxn id="196" idx="1"/>
+            <a:endCxn id="171" idx="3"/>
+          </p:cNvCxnSpPr>
+          <p:nvPr/>
+        </p:nvCxnSpPr>
+        <p:spPr>
+          <a:xfrm flipH="1">
+            <a:off x="9163455" y="4852760"/>
+            <a:ext cx="266339" cy="3647"/>
+          </a:xfrm>
+          <a:prstGeom prst="straightConnector1">
+            <a:avLst/>
+          </a:prstGeom>
+          <a:ln>
+            <a:solidFill>
+              <a:schemeClr val="tx1">
+                <a:lumMod val="50000"/>
+                <a:lumOff val="50000"/>
+              </a:schemeClr>
+            </a:solidFill>
+            <a:prstDash val="dash"/>
+            <a:headEnd type="none" w="sm" len="sm"/>
+            <a:tailEnd type="triangle" w="sm" len="sm"/>
+          </a:ln>
+        </p:spPr>
+        <p:style>
+          <a:lnRef idx="1">
+            <a:schemeClr val="accent1"/>
+          </a:lnRef>
+          <a:fillRef idx="0">
+            <a:schemeClr val="accent1"/>
+          </a:fillRef>
+          <a:effectRef idx="0">
+            <a:schemeClr val="accent1"/>
+          </a:effectRef>
+          <a:fontRef idx="minor">
+            <a:schemeClr val="tx1"/>
+          </a:fontRef>
+        </p:style>
+      </p:cxnSp>
+      <p:sp>
+        <p:nvSpPr>
+          <p:cNvPr id="226" name="직사각형 363">
+            <a:extLst>
+              <a:ext uri="{FF2B5EF4-FFF2-40B4-BE49-F238E27FC236}">
+                <a16:creationId xmlns:a16="http://schemas.microsoft.com/office/drawing/2014/main" id="{1AFA64BE-5361-F0AC-271E-C89293A7C714}"/>
+              </a:ext>
+            </a:extLst>
+          </p:cNvPr>
+          <p:cNvSpPr/>
+          <p:nvPr/>
+        </p:nvSpPr>
+        <p:spPr>
+          <a:xfrm>
+            <a:off x="9410376" y="1794076"/>
+            <a:ext cx="1630558" cy="359218"/>
+          </a:xfrm>
+          <a:prstGeom prst="rect">
+            <a:avLst/>
+          </a:prstGeom>
+          <a:solidFill>
+            <a:schemeClr val="accent6">
+              <a:lumMod val="20000"/>
+              <a:lumOff val="80000"/>
+            </a:schemeClr>
+          </a:solidFill>
+          <a:ln w="3175" cap="flat" cmpd="sng" algn="ctr">
+            <a:noFill/>
+            <a:prstDash val="solid"/>
+            <a:miter lim="800000"/>
+          </a:ln>
+          <a:effectLst/>
+        </p:spPr>
+        <p:txBody>
+          <a:bodyPr lIns="0" rIns="0" rtlCol="0" anchor="ctr"/>
+          <a:lstStyle/>
+          <a:p>
+            <a:pPr marL="0" marR="0" lvl="0" indent="0" algn="ctr" defTabSz="914400" eaLnBrk="1" fontAlgn="auto" latinLnBrk="0" hangingPunct="1">
+              <a:spcBef>
+                <a:spcPts val="0"/>
+              </a:spcBef>
+              <a:spcAft>
+                <a:spcPts val="0"/>
+              </a:spcAft>
+              <a:buClrTx/>
+              <a:buSzTx/>
+              <a:buFontTx/>
+              <a:buNone/>
+              <a:tabLst/>
+              <a:defRPr/>
+            </a:pPr>
+            <a:r>
+              <a:rPr kumimoji="0" lang="en-US" altLang="ko-KR" sz="1200" b="0" i="0" u="none" strike="noStrike" kern="0" cap="none" spc="0" normalizeH="0" baseline="0" noProof="0" dirty="0">
+                <a:ln>
+                  <a:noFill/>
+                </a:ln>
+                <a:solidFill>
+                  <a:prstClr val="black"/>
+                </a:solidFill>
+                <a:effectLst/>
+                <a:uLnTx/>
+                <a:uFillTx/>
+                <a:latin typeface="Calibri" panose="020F0502020204030204" pitchFamily="34" charset="0"/>
+                <a:ea typeface="맑은 고딕"/>
+              </a:rPr>
+              <a:t>Common Functions</a:t>
+            </a:r>
+            <a:endParaRPr kumimoji="0" lang="ko-KR" altLang="en-US" sz="1200" b="0" i="0" u="none" strike="noStrike" kern="0" cap="none" spc="0" normalizeH="0" baseline="0" noProof="0" dirty="0">
+              <a:ln>
+                <a:noFill/>
+              </a:ln>
+              <a:solidFill>
+                <a:schemeClr val="tx1">
+                  <a:lumMod val="50000"/>
+                  <a:lumOff val="50000"/>
+                </a:schemeClr>
+              </a:solidFill>
+              <a:effectLst/>
+              <a:uLnTx/>
+              <a:uFillTx/>
+              <a:latin typeface="Calibri" panose="020F0502020204030204" pitchFamily="34" charset="0"/>
+              <a:ea typeface="맑은 고딕"/>
+            </a:endParaRPr>
+          </a:p>
+        </p:txBody>
+      </p:sp>
+      <p:sp>
+        <p:nvSpPr>
+          <p:cNvPr id="227" name="TextBox 226">
+            <a:extLst>
+              <a:ext uri="{FF2B5EF4-FFF2-40B4-BE49-F238E27FC236}">
+                <a16:creationId xmlns:a16="http://schemas.microsoft.com/office/drawing/2014/main" id="{3E16634B-49D5-9D63-9DE3-1B5157622CFB}"/>
+              </a:ext>
+            </a:extLst>
+          </p:cNvPr>
+          <p:cNvSpPr txBox="1"/>
+          <p:nvPr/>
+        </p:nvSpPr>
+        <p:spPr>
+          <a:xfrm>
+            <a:off x="9410375" y="2211695"/>
+            <a:ext cx="1630558" cy="707886"/>
+          </a:xfrm>
+          <a:prstGeom prst="rect">
+            <a:avLst/>
+          </a:prstGeom>
+          <a:noFill/>
+          <a:ln>
+            <a:solidFill>
+              <a:schemeClr val="accent6"/>
+            </a:solidFill>
+            <a:prstDash val="dash"/>
+          </a:ln>
+        </p:spPr>
+        <p:txBody>
+          <a:bodyPr wrap="square" lIns="45720" tIns="45720" rIns="0" bIns="45720">
+            <a:spAutoFit/>
+          </a:bodyPr>
+          <a:lstStyle/>
+          <a:p>
+            <a:pPr marL="57150" indent="-57150">
+              <a:buFont typeface="Arial" panose="020B0604020202020204" pitchFamily="34" charset="0"/>
+              <a:buChar char="•"/>
+            </a:pPr>
+            <a:r>
+              <a:rPr lang="en-US" sz="800" dirty="0"/>
+              <a:t>sign()</a:t>
+            </a:r>
+          </a:p>
+          <a:p>
+            <a:pPr marL="57150" indent="-57150">
+              <a:buFont typeface="Arial" panose="020B0604020202020204" pitchFamily="34" charset="0"/>
+              <a:buChar char="•"/>
+            </a:pPr>
+            <a:r>
+              <a:rPr lang="en-US" sz="800" dirty="0"/>
+              <a:t>debug_log()</a:t>
+            </a:r>
+          </a:p>
+          <a:p>
+            <a:pPr marL="57150" indent="-57150">
+              <a:buFont typeface="Arial" panose="020B0604020202020204" pitchFamily="34" charset="0"/>
+              <a:buChar char="•"/>
+            </a:pPr>
+            <a:r>
+              <a:rPr lang="en-US" sz="800" dirty="0"/>
+              <a:t>padWithLeadingZeros()</a:t>
+            </a:r>
+          </a:p>
+          <a:p>
+            <a:pPr marL="57150" indent="-57150">
+              <a:buFont typeface="Arial" panose="020B0604020202020204" pitchFamily="34" charset="0"/>
+              <a:buChar char="•"/>
+            </a:pPr>
+            <a:r>
+              <a:rPr lang="en-US" sz="800" dirty="0"/>
+              <a:t>parseBoolean()</a:t>
+            </a:r>
+          </a:p>
+          <a:p>
+            <a:r>
+              <a:rPr lang="en-US" sz="800" dirty="0"/>
+              <a:t>                :</a:t>
+            </a:r>
+          </a:p>
+        </p:txBody>
+      </p:sp>
+      <p:sp>
+        <p:nvSpPr>
+          <p:cNvPr id="228" name="Oval 227">
+            <a:extLst>
+              <a:ext uri="{FF2B5EF4-FFF2-40B4-BE49-F238E27FC236}">
+                <a16:creationId xmlns:a16="http://schemas.microsoft.com/office/drawing/2014/main" id="{A1A6C116-5F5F-B2A0-F6BF-04B62BDAB1E2}"/>
+              </a:ext>
+            </a:extLst>
+          </p:cNvPr>
+          <p:cNvSpPr>
+            <a:spLocks/>
+          </p:cNvSpPr>
+          <p:nvPr/>
+        </p:nvSpPr>
+        <p:spPr>
+          <a:xfrm>
+            <a:off x="9458718" y="1906146"/>
+            <a:ext cx="137160" cy="137160"/>
+          </a:xfrm>
+          <a:prstGeom prst="ellipse">
+            <a:avLst/>
+          </a:prstGeom>
+          <a:solidFill>
+            <a:schemeClr val="accent6">
+              <a:lumMod val="75000"/>
+            </a:schemeClr>
+          </a:solidFill>
+          <a:ln>
+            <a:solidFill>
+              <a:schemeClr val="accent6">
+                <a:lumMod val="50000"/>
+              </a:schemeClr>
+            </a:solidFill>
+          </a:ln>
+        </p:spPr>
+        <p:style>
+          <a:lnRef idx="2">
+            <a:schemeClr val="accent1">
+              <a:shade val="50000"/>
+            </a:schemeClr>
+          </a:lnRef>
+          <a:fillRef idx="1">
+            <a:schemeClr val="accent1"/>
+          </a:fillRef>
+          <a:effectRef idx="0">
+            <a:schemeClr val="accent1"/>
+          </a:effectRef>
+          <a:fontRef idx="minor">
+            <a:schemeClr val="lt1"/>
+          </a:fontRef>
+        </p:style>
+        <p:txBody>
+          <a:bodyPr lIns="0" tIns="0" rIns="0" bIns="0" rtlCol="0" anchor="ctr"/>
+          <a:lstStyle/>
+          <a:p>
+            <a:pPr algn="ctr"/>
+            <a:r>
+              <a:rPr lang="en-US" sz="800" dirty="0">
+                <a:solidFill>
+                  <a:schemeClr val="bg1"/>
+                </a:solidFill>
+              </a:rPr>
+              <a:t>a</a:t>
+            </a:r>
+          </a:p>
+        </p:txBody>
+      </p:sp>
+      <p:cxnSp>
+        <p:nvCxnSpPr>
+          <p:cNvPr id="229" name="Elbow Connector 228">
+            <a:extLst>
+              <a:ext uri="{FF2B5EF4-FFF2-40B4-BE49-F238E27FC236}">
+                <a16:creationId xmlns:a16="http://schemas.microsoft.com/office/drawing/2014/main" id="{85BFAAF7-5BE7-2984-08BC-D88D9A89981B}"/>
+              </a:ext>
+            </a:extLst>
+          </p:cNvPr>
+          <p:cNvCxnSpPr>
+            <a:cxnSpLocks/>
+            <a:stCxn id="196" idx="0"/>
+            <a:endCxn id="206" idx="3"/>
+          </p:cNvCxnSpPr>
+          <p:nvPr/>
+        </p:nvCxnSpPr>
+        <p:spPr>
+          <a:xfrm rot="16200000" flipV="1">
+            <a:off x="9137263" y="3575673"/>
+            <a:ext cx="1114549" cy="1101072"/>
+          </a:xfrm>
+          <a:prstGeom prst="bentConnector2">
+            <a:avLst/>
+          </a:prstGeom>
+          <a:ln w="3175">
+            <a:solidFill>
+              <a:schemeClr val="tx1">
+                <a:lumMod val="50000"/>
+                <a:lumOff val="50000"/>
+              </a:schemeClr>
+            </a:solidFill>
+            <a:prstDash val="dash"/>
+            <a:tailEnd type="triangle" w="sm" len="sm"/>
+          </a:ln>
+        </p:spPr>
+        <p:style>
+          <a:lnRef idx="1">
+            <a:schemeClr val="accent1"/>
+          </a:lnRef>
+          <a:fillRef idx="0">
+            <a:schemeClr val="accent1"/>
+          </a:fillRef>
+          <a:effectRef idx="0">
+            <a:schemeClr val="accent1"/>
+          </a:effectRef>
+          <a:fontRef idx="minor">
+            <a:schemeClr val="tx1"/>
+          </a:fontRef>
+        </p:style>
+      </p:cxnSp>
+      <p:sp>
+        <p:nvSpPr>
+          <p:cNvPr id="234" name="Oval 233">
+            <a:extLst>
+              <a:ext uri="{FF2B5EF4-FFF2-40B4-BE49-F238E27FC236}">
+                <a16:creationId xmlns:a16="http://schemas.microsoft.com/office/drawing/2014/main" id="{522B5AAF-0852-ACBD-7FB0-7B779D8AA0D5}"/>
+              </a:ext>
+            </a:extLst>
+          </p:cNvPr>
+          <p:cNvSpPr>
+            <a:spLocks/>
+          </p:cNvSpPr>
+          <p:nvPr/>
+        </p:nvSpPr>
+        <p:spPr>
+          <a:xfrm>
+            <a:off x="7629916" y="3180472"/>
+            <a:ext cx="137160" cy="137160"/>
+          </a:xfrm>
+          <a:prstGeom prst="ellipse">
+            <a:avLst/>
+          </a:prstGeom>
+          <a:solidFill>
+            <a:schemeClr val="accent6">
+              <a:lumMod val="75000"/>
+            </a:schemeClr>
+          </a:solidFill>
+          <a:ln>
+            <a:solidFill>
+              <a:schemeClr val="accent6">
+                <a:lumMod val="50000"/>
+              </a:schemeClr>
+            </a:solidFill>
+          </a:ln>
+        </p:spPr>
+        <p:style>
+          <a:lnRef idx="2">
+            <a:schemeClr val="accent1">
+              <a:shade val="50000"/>
+            </a:schemeClr>
+          </a:lnRef>
+          <a:fillRef idx="1">
+            <a:schemeClr val="accent1"/>
+          </a:fillRef>
+          <a:effectRef idx="0">
+            <a:schemeClr val="accent1"/>
+          </a:effectRef>
+          <a:fontRef idx="minor">
+            <a:schemeClr val="lt1"/>
+          </a:fontRef>
+        </p:style>
+        <p:txBody>
+          <a:bodyPr lIns="0" tIns="0" rIns="0" bIns="0" rtlCol="0" anchor="ctr"/>
+          <a:lstStyle/>
+          <a:p>
+            <a:pPr algn="ctr"/>
+            <a:r>
+              <a:rPr lang="en-US" sz="800" dirty="0">
+                <a:solidFill>
+                  <a:schemeClr val="bg1"/>
+                </a:solidFill>
+              </a:rPr>
+              <a:t>5</a:t>
+            </a:r>
+          </a:p>
+        </p:txBody>
+      </p:sp>
+      <p:cxnSp>
+        <p:nvCxnSpPr>
+          <p:cNvPr id="245" name="Elbow Connector 244">
+            <a:extLst>
+              <a:ext uri="{FF2B5EF4-FFF2-40B4-BE49-F238E27FC236}">
+                <a16:creationId xmlns:a16="http://schemas.microsoft.com/office/drawing/2014/main" id="{AF7B12F7-B26C-E17E-2330-98A451DC2E9B}"/>
+              </a:ext>
+            </a:extLst>
+          </p:cNvPr>
+          <p:cNvCxnSpPr>
+            <a:cxnSpLocks/>
+            <a:stCxn id="18" idx="3"/>
+            <a:endCxn id="226" idx="0"/>
+          </p:cNvCxnSpPr>
+          <p:nvPr/>
+        </p:nvCxnSpPr>
+        <p:spPr>
+          <a:xfrm>
+            <a:off x="7196044" y="1294790"/>
+            <a:ext cx="3029611" cy="499286"/>
+          </a:xfrm>
+          <a:prstGeom prst="bentConnector2">
+            <a:avLst/>
+          </a:prstGeom>
+          <a:ln w="3175">
+            <a:solidFill>
+              <a:schemeClr val="tx1">
+                <a:lumMod val="50000"/>
+                <a:lumOff val="50000"/>
+              </a:schemeClr>
+            </a:solidFill>
+            <a:prstDash val="dash"/>
+            <a:tailEnd type="none" w="sm" len="sm"/>
+          </a:ln>
+        </p:spPr>
+        <p:style>
+          <a:lnRef idx="1">
+            <a:schemeClr val="accent1"/>
+          </a:lnRef>
+          <a:fillRef idx="0">
+            <a:schemeClr val="accent1"/>
+          </a:fillRef>
+          <a:effectRef idx="0">
+            <a:schemeClr val="accent1"/>
+          </a:effectRef>
+          <a:fontRef idx="minor">
+            <a:schemeClr val="tx1"/>
+          </a:fontRef>
+        </p:style>
+      </p:cxnSp>
+      <p:cxnSp>
+        <p:nvCxnSpPr>
+          <p:cNvPr id="248" name="Elbow Connector 247">
+            <a:extLst>
+              <a:ext uri="{FF2B5EF4-FFF2-40B4-BE49-F238E27FC236}">
+                <a16:creationId xmlns:a16="http://schemas.microsoft.com/office/drawing/2014/main" id="{AE1EC76D-5870-BB49-0DF5-FE26B85B319E}"/>
+              </a:ext>
+            </a:extLst>
+          </p:cNvPr>
+          <p:cNvCxnSpPr>
+            <a:cxnSpLocks/>
+            <a:stCxn id="101" idx="3"/>
+            <a:endCxn id="226" idx="1"/>
+          </p:cNvCxnSpPr>
+          <p:nvPr/>
+        </p:nvCxnSpPr>
+        <p:spPr>
+          <a:xfrm flipV="1">
+            <a:off x="5339716" y="1973685"/>
+            <a:ext cx="4070660" cy="854217"/>
+          </a:xfrm>
+          <a:prstGeom prst="bentConnector3">
+            <a:avLst>
+              <a:gd name="adj1" fmla="val 73897"/>
+            </a:avLst>
+          </a:prstGeom>
+          <a:ln w="3175">
+            <a:solidFill>
+              <a:schemeClr val="tx1">
+                <a:lumMod val="50000"/>
+                <a:lumOff val="50000"/>
+              </a:schemeClr>
+            </a:solidFill>
+            <a:prstDash val="dash"/>
+            <a:tailEnd type="none" w="sm" len="sm"/>
+          </a:ln>
+        </p:spPr>
+        <p:style>
+          <a:lnRef idx="1">
+            <a:schemeClr val="accent1"/>
+          </a:lnRef>
+          <a:fillRef idx="0">
+            <a:schemeClr val="accent1"/>
+          </a:fillRef>
+          <a:effectRef idx="0">
+            <a:schemeClr val="accent1"/>
+          </a:effectRef>
+          <a:fontRef idx="minor">
+            <a:schemeClr val="tx1"/>
+          </a:fontRef>
+        </p:style>
+      </p:cxnSp>
+      <p:cxnSp>
+        <p:nvCxnSpPr>
+          <p:cNvPr id="258" name="Elbow Connector 257">
+            <a:extLst>
+              <a:ext uri="{FF2B5EF4-FFF2-40B4-BE49-F238E27FC236}">
+                <a16:creationId xmlns:a16="http://schemas.microsoft.com/office/drawing/2014/main" id="{7DFBFEC5-4984-652D-8A75-80A7D14F8D53}"/>
+              </a:ext>
+            </a:extLst>
+          </p:cNvPr>
+          <p:cNvCxnSpPr>
+            <a:cxnSpLocks/>
+            <a:stCxn id="101" idx="1"/>
+            <a:endCxn id="49" idx="3"/>
+          </p:cNvCxnSpPr>
+          <p:nvPr/>
+        </p:nvCxnSpPr>
+        <p:spPr>
+          <a:xfrm rot="10800000">
+            <a:off x="3438650" y="2750388"/>
+            <a:ext cx="239270" cy="77515"/>
+          </a:xfrm>
+          <a:prstGeom prst="bentConnector3">
+            <a:avLst>
+              <a:gd name="adj1" fmla="val 50000"/>
+            </a:avLst>
+          </a:prstGeom>
+          <a:ln w="3175">
+            <a:solidFill>
+              <a:schemeClr val="tx1">
+                <a:lumMod val="50000"/>
+                <a:lumOff val="50000"/>
+              </a:schemeClr>
+            </a:solidFill>
+            <a:prstDash val="dash"/>
+            <a:tailEnd type="triangle" w="sm" len="sm"/>
+          </a:ln>
+        </p:spPr>
+        <p:style>
+          <a:lnRef idx="1">
+            <a:schemeClr val="accent1"/>
+          </a:lnRef>
+          <a:fillRef idx="0">
+            <a:schemeClr val="accent1"/>
+          </a:fillRef>
+          <a:effectRef idx="0">
+            <a:schemeClr val="accent1"/>
+          </a:effectRef>
+          <a:fontRef idx="minor">
+            <a:schemeClr val="tx1"/>
+          </a:fontRef>
+        </p:style>
+      </p:cxnSp>
+      <p:sp>
+        <p:nvSpPr>
+          <p:cNvPr id="261" name="직사각형 363">
+            <a:extLst>
+              <a:ext uri="{FF2B5EF4-FFF2-40B4-BE49-F238E27FC236}">
+                <a16:creationId xmlns:a16="http://schemas.microsoft.com/office/drawing/2014/main" id="{9B0E8E43-1527-84E5-79A9-80C4D3242482}"/>
+              </a:ext>
+            </a:extLst>
+          </p:cNvPr>
+          <p:cNvSpPr/>
+          <p:nvPr/>
+        </p:nvSpPr>
+        <p:spPr>
+          <a:xfrm>
+            <a:off x="1756294" y="3858254"/>
+            <a:ext cx="1684708" cy="325931"/>
+          </a:xfrm>
+          <a:prstGeom prst="rect">
+            <a:avLst/>
+          </a:prstGeom>
+          <a:noFill/>
+          <a:ln w="3175" cap="flat" cmpd="sng" algn="ctr">
+            <a:solidFill>
+              <a:schemeClr val="tx1">
+                <a:lumMod val="50000"/>
+                <a:lumOff val="50000"/>
+              </a:schemeClr>
+            </a:solidFill>
+            <a:prstDash val="dash"/>
+            <a:miter lim="800000"/>
+          </a:ln>
+          <a:effectLst/>
+        </p:spPr>
+        <p:txBody>
+          <a:bodyPr lIns="45720" rIns="0" rtlCol="0" anchor="ctr"/>
+          <a:lstStyle/>
+          <a:p>
+            <a:r>
+              <a:rPr kumimoji="0" lang="en-US" sz="800" b="0" i="0" u="none" strike="noStrike" kern="1200" cap="none" spc="0" normalizeH="0" baseline="0" noProof="0" dirty="0">
+                <a:ln>
+                  <a:noFill/>
+                </a:ln>
+                <a:solidFill>
+                  <a:schemeClr val="tx1">
+                    <a:lumMod val="50000"/>
+                    <a:lumOff val="50000"/>
+                  </a:schemeClr>
+                </a:solidFill>
+                <a:effectLst/>
+                <a:uLnTx/>
+                <a:uFillTx/>
+                <a:latin typeface="Calibri" panose="020F0502020204030204"/>
+                <a:ea typeface="+mn-ea"/>
+                <a:cs typeface="+mn-cs"/>
+              </a:rPr>
+              <a:t>proxy_set_header</a:t>
+            </a:r>
+            <a:endParaRPr lang="en-US" sz="800" dirty="0">
+              <a:solidFill>
+                <a:schemeClr val="tx1">
+                  <a:lumMod val="50000"/>
+                  <a:lumOff val="50000"/>
+                </a:schemeClr>
+              </a:solidFill>
+            </a:endParaRPr>
+          </a:p>
+          <a:p>
+            <a:r>
+              <a:rPr lang="en-US" sz="800" dirty="0"/>
+              <a:t>x-amz-content-sha256 xxxxxx</a:t>
+            </a:r>
+          </a:p>
+        </p:txBody>
+      </p:sp>
     </p:spTree>
     <p:extLst>
       <p:ext uri="{BB962C8B-B14F-4D97-AF65-F5344CB8AC3E}">
-        <p14:creationId xmlns:p14="http://schemas.microsoft.com/office/powerpoint/2010/main" val="2629733936"/>
+        <p14:creationId xmlns:p14="http://schemas.microsoft.com/office/powerpoint/2010/main" val="1964994062"/>
       </p:ext>
     </p:extLst>
   </p:cSld>

--- a/docs/nginx-aws-signature.pptx
+++ b/docs/nginx-aws-signature.pptx
@@ -7,6 +7,7 @@
   <p:sldIdLst>
     <p:sldId id="256" r:id="rId2"/>
     <p:sldId id="259" r:id="rId3"/>
+    <p:sldId id="260" r:id="rId4"/>
   </p:sldIdLst>
   <p:sldSz cx="12192000" cy="6858000"/>
   <p:notesSz cx="6858000" cy="9144000"/>
@@ -13034,6 +13035,6676 @@
 </p:sld>
 </file>
 
+<file path=ppt/slides/slide3.xml><?xml version="1.0" encoding="utf-8"?>
+<p:sld xmlns:a="http://schemas.openxmlformats.org/drawingml/2006/main" xmlns:r="http://schemas.openxmlformats.org/officeDocument/2006/relationships" xmlns:p="http://schemas.openxmlformats.org/presentationml/2006/main">
+  <p:cSld>
+    <p:spTree>
+      <p:nvGrpSpPr>
+        <p:cNvPr id="1" name=""/>
+        <p:cNvGrpSpPr/>
+        <p:nvPr/>
+      </p:nvGrpSpPr>
+      <p:grpSpPr>
+        <a:xfrm>
+          <a:off x="0" y="0"/>
+          <a:ext cx="0" cy="0"/>
+          <a:chOff x="0" y="0"/>
+          <a:chExt cx="0" cy="0"/>
+        </a:xfrm>
+      </p:grpSpPr>
+      <p:graphicFrame>
+        <p:nvGraphicFramePr>
+          <p:cNvPr id="28" name="Table 28">
+            <a:extLst>
+              <a:ext uri="{FF2B5EF4-FFF2-40B4-BE49-F238E27FC236}">
+                <a16:creationId xmlns:a16="http://schemas.microsoft.com/office/drawing/2014/main" id="{022FCA07-C118-174D-A5FA-9EADE3DEED17}"/>
+              </a:ext>
+            </a:extLst>
+          </p:cNvPr>
+          <p:cNvGraphicFramePr>
+            <a:graphicFrameLocks noGrp="1"/>
+          </p:cNvGraphicFramePr>
+          <p:nvPr>
+            <p:extLst>
+              <p:ext uri="{D42A27DB-BD31-4B8C-83A1-F6EECF244321}">
+                <p14:modId xmlns:p14="http://schemas.microsoft.com/office/powerpoint/2010/main" val="3230801061"/>
+              </p:ext>
+            </p:extLst>
+          </p:nvPr>
+        </p:nvGraphicFramePr>
+        <p:xfrm>
+          <a:off x="1643304" y="156025"/>
+          <a:ext cx="9547415" cy="5879341"/>
+        </p:xfrm>
+        <a:graphic>
+          <a:graphicData uri="http://schemas.openxmlformats.org/drawingml/2006/table">
+            <a:tbl>
+              <a:tblPr firstRow="1" bandRow="1">
+                <a:tableStyleId>{5C22544A-7EE6-4342-B048-85BDC9FD1C3A}</a:tableStyleId>
+              </a:tblPr>
+              <a:tblGrid>
+                <a:gridCol w="1909483">
+                  <a:extLst>
+                    <a:ext uri="{9D8B030D-6E8A-4147-A177-3AD203B41FA5}">
+                      <a16:colId xmlns:a16="http://schemas.microsoft.com/office/drawing/2014/main" val="4233905034"/>
+                    </a:ext>
+                  </a:extLst>
+                </a:gridCol>
+                <a:gridCol w="1909483">
+                  <a:extLst>
+                    <a:ext uri="{9D8B030D-6E8A-4147-A177-3AD203B41FA5}">
+                      <a16:colId xmlns:a16="http://schemas.microsoft.com/office/drawing/2014/main" val="466365736"/>
+                    </a:ext>
+                  </a:extLst>
+                </a:gridCol>
+                <a:gridCol w="1909483">
+                  <a:extLst>
+                    <a:ext uri="{9D8B030D-6E8A-4147-A177-3AD203B41FA5}">
+                      <a16:colId xmlns:a16="http://schemas.microsoft.com/office/drawing/2014/main" val="651253926"/>
+                    </a:ext>
+                  </a:extLst>
+                </a:gridCol>
+                <a:gridCol w="1909483">
+                  <a:extLst>
+                    <a:ext uri="{9D8B030D-6E8A-4147-A177-3AD203B41FA5}">
+                      <a16:colId xmlns:a16="http://schemas.microsoft.com/office/drawing/2014/main" val="582833771"/>
+                    </a:ext>
+                  </a:extLst>
+                </a:gridCol>
+                <a:gridCol w="1909483">
+                  <a:extLst>
+                    <a:ext uri="{9D8B030D-6E8A-4147-A177-3AD203B41FA5}">
+                      <a16:colId xmlns:a16="http://schemas.microsoft.com/office/drawing/2014/main" val="2606722960"/>
+                    </a:ext>
+                  </a:extLst>
+                </a:gridCol>
+              </a:tblGrid>
+              <a:tr h="308368">
+                <a:tc>
+                  <a:txBody>
+                    <a:bodyPr/>
+                    <a:lstStyle/>
+                    <a:p>
+                      <a:pPr algn="ctr"/>
+                      <a:r>
+                        <a:rPr lang="en-US" sz="1200" dirty="0">
+                          <a:solidFill>
+                            <a:schemeClr val="tx1"/>
+                          </a:solidFill>
+                        </a:rPr>
+                        <a:t>NIGNX Proxy</a:t>
+                      </a:r>
+                    </a:p>
+                    <a:p>
+                      <a:pPr algn="ctr"/>
+                      <a:r>
+                        <a:rPr lang="en-US" sz="1100" dirty="0">
+                          <a:solidFill>
+                            <a:schemeClr val="tx1">
+                              <a:lumMod val="50000"/>
+                              <a:lumOff val="50000"/>
+                            </a:schemeClr>
+                          </a:solidFill>
+                        </a:rPr>
+                        <a:t>(nginx.conf, Cache)</a:t>
+                      </a:r>
+                    </a:p>
+                  </a:txBody>
+                  <a:tcPr>
+                    <a:lnL w="28575" cap="flat" cmpd="sng" algn="ctr">
+                      <a:solidFill>
+                        <a:schemeClr val="accent6"/>
+                      </a:solidFill>
+                      <a:prstDash val="solid"/>
+                      <a:round/>
+                      <a:headEnd type="none" w="med" len="med"/>
+                      <a:tailEnd type="none" w="med" len="med"/>
+                    </a:lnL>
+                    <a:lnR w="3175" cap="flat" cmpd="sng" algn="ctr">
+                      <a:solidFill>
+                        <a:schemeClr val="tx1">
+                          <a:lumMod val="50000"/>
+                          <a:lumOff val="50000"/>
+                        </a:schemeClr>
+                      </a:solidFill>
+                      <a:prstDash val="solid"/>
+                      <a:round/>
+                      <a:headEnd type="none" w="med" len="med"/>
+                      <a:tailEnd type="none" w="med" len="med"/>
+                    </a:lnR>
+                    <a:lnT w="28575" cap="flat" cmpd="sng" algn="ctr">
+                      <a:solidFill>
+                        <a:schemeClr val="accent6"/>
+                      </a:solidFill>
+                      <a:prstDash val="solid"/>
+                      <a:round/>
+                      <a:headEnd type="none" w="med" len="med"/>
+                      <a:tailEnd type="none" w="med" len="med"/>
+                    </a:lnT>
+                    <a:lnB w="3175" cap="flat" cmpd="sng" algn="ctr">
+                      <a:solidFill>
+                        <a:schemeClr val="tx1">
+                          <a:lumMod val="50000"/>
+                          <a:lumOff val="50000"/>
+                        </a:schemeClr>
+                      </a:solidFill>
+                      <a:prstDash val="solid"/>
+                      <a:round/>
+                      <a:headEnd type="none" w="med" len="med"/>
+                      <a:tailEnd type="none" w="med" len="med"/>
+                    </a:lnB>
+                    <a:solidFill>
+                      <a:schemeClr val="bg1">
+                        <a:lumMod val="95000"/>
+                      </a:schemeClr>
+                    </a:solidFill>
+                  </a:tcPr>
+                </a:tc>
+                <a:tc>
+                  <a:txBody>
+                    <a:bodyPr/>
+                    <a:lstStyle/>
+                    <a:p>
+                      <a:pPr algn="ctr"/>
+                      <a:r>
+                        <a:rPr lang="en-US" sz="1200" dirty="0">
+                          <a:solidFill>
+                            <a:schemeClr val="tx1"/>
+                          </a:solidFill>
+                        </a:rPr>
+                        <a:t>AWS Service Integration</a:t>
+                      </a:r>
+                    </a:p>
+                    <a:p>
+                      <a:pPr algn="ctr"/>
+                      <a:r>
+                        <a:rPr lang="en-US" sz="1100" dirty="0">
+                          <a:solidFill>
+                            <a:schemeClr val="tx1">
+                              <a:lumMod val="50000"/>
+                              <a:lumOff val="50000"/>
+                            </a:schemeClr>
+                          </a:solidFill>
+                        </a:rPr>
+                        <a:t>(e.g., s3gateway.js)</a:t>
+                      </a:r>
+                    </a:p>
+                  </a:txBody>
+                  <a:tcPr>
+                    <a:lnL w="3175" cap="flat" cmpd="sng" algn="ctr">
+                      <a:solidFill>
+                        <a:schemeClr val="tx1">
+                          <a:lumMod val="50000"/>
+                          <a:lumOff val="50000"/>
+                        </a:schemeClr>
+                      </a:solidFill>
+                      <a:prstDash val="solid"/>
+                      <a:round/>
+                      <a:headEnd type="none" w="med" len="med"/>
+                      <a:tailEnd type="none" w="med" len="med"/>
+                    </a:lnL>
+                    <a:lnR w="3175" cap="flat" cmpd="sng" algn="ctr">
+                      <a:solidFill>
+                        <a:schemeClr val="tx1">
+                          <a:lumMod val="50000"/>
+                          <a:lumOff val="50000"/>
+                        </a:schemeClr>
+                      </a:solidFill>
+                      <a:prstDash val="solid"/>
+                      <a:round/>
+                      <a:headEnd type="none" w="med" len="med"/>
+                      <a:tailEnd type="none" w="med" len="med"/>
+                    </a:lnR>
+                    <a:lnT w="28575" cap="flat" cmpd="sng" algn="ctr">
+                      <a:solidFill>
+                        <a:schemeClr val="accent6"/>
+                      </a:solidFill>
+                      <a:prstDash val="solid"/>
+                      <a:round/>
+                      <a:headEnd type="none" w="med" len="med"/>
+                      <a:tailEnd type="none" w="med" len="med"/>
+                    </a:lnT>
+                    <a:lnB w="3175" cap="flat" cmpd="sng" algn="ctr">
+                      <a:solidFill>
+                        <a:schemeClr val="tx1">
+                          <a:lumMod val="50000"/>
+                          <a:lumOff val="50000"/>
+                        </a:schemeClr>
+                      </a:solidFill>
+                      <a:prstDash val="solid"/>
+                      <a:round/>
+                      <a:headEnd type="none" w="med" len="med"/>
+                      <a:tailEnd type="none" w="med" len="med"/>
+                    </a:lnB>
+                    <a:solidFill>
+                      <a:schemeClr val="bg1">
+                        <a:lumMod val="95000"/>
+                      </a:schemeClr>
+                    </a:solidFill>
+                  </a:tcPr>
+                </a:tc>
+                <a:tc>
+                  <a:txBody>
+                    <a:bodyPr/>
+                    <a:lstStyle/>
+                    <a:p>
+                      <a:pPr algn="ctr"/>
+                      <a:r>
+                        <a:rPr lang="en-US" sz="1200" dirty="0">
+                          <a:solidFill>
+                            <a:schemeClr val="tx1"/>
+                          </a:solidFill>
+                        </a:rPr>
+                        <a:t>AWS Credentials Lib</a:t>
+                      </a:r>
+                    </a:p>
+                    <a:p>
+                      <a:pPr algn="ctr"/>
+                      <a:r>
+                        <a:rPr lang="en-US" sz="1100" dirty="0">
+                          <a:solidFill>
+                            <a:schemeClr val="tx1">
+                              <a:lumMod val="50000"/>
+                              <a:lumOff val="50000"/>
+                            </a:schemeClr>
+                          </a:solidFill>
+                        </a:rPr>
+                        <a:t>(awscredentials.js)</a:t>
+                      </a:r>
+                    </a:p>
+                  </a:txBody>
+                  <a:tcPr>
+                    <a:lnL w="3175" cap="flat" cmpd="sng" algn="ctr">
+                      <a:solidFill>
+                        <a:schemeClr val="tx1">
+                          <a:lumMod val="50000"/>
+                          <a:lumOff val="50000"/>
+                        </a:schemeClr>
+                      </a:solidFill>
+                      <a:prstDash val="solid"/>
+                      <a:round/>
+                      <a:headEnd type="none" w="med" len="med"/>
+                      <a:tailEnd type="none" w="med" len="med"/>
+                    </a:lnL>
+                    <a:lnR w="3175" cap="flat" cmpd="sng" algn="ctr">
+                      <a:solidFill>
+                        <a:schemeClr val="tx1">
+                          <a:lumMod val="50000"/>
+                          <a:lumOff val="50000"/>
+                        </a:schemeClr>
+                      </a:solidFill>
+                      <a:prstDash val="solid"/>
+                      <a:round/>
+                      <a:headEnd type="none" w="med" len="med"/>
+                      <a:tailEnd type="none" w="med" len="med"/>
+                    </a:lnR>
+                    <a:lnT w="28575" cap="flat" cmpd="sng" algn="ctr">
+                      <a:solidFill>
+                        <a:schemeClr val="accent6"/>
+                      </a:solidFill>
+                      <a:prstDash val="solid"/>
+                      <a:round/>
+                      <a:headEnd type="none" w="med" len="med"/>
+                      <a:tailEnd type="none" w="med" len="med"/>
+                    </a:lnT>
+                    <a:lnB w="3175" cap="flat" cmpd="sng" algn="ctr">
+                      <a:solidFill>
+                        <a:schemeClr val="tx1">
+                          <a:lumMod val="50000"/>
+                          <a:lumOff val="50000"/>
+                        </a:schemeClr>
+                      </a:solidFill>
+                      <a:prstDash val="solid"/>
+                      <a:round/>
+                      <a:headEnd type="none" w="med" len="med"/>
+                      <a:tailEnd type="none" w="med" len="med"/>
+                    </a:lnB>
+                    <a:solidFill>
+                      <a:schemeClr val="bg1">
+                        <a:lumMod val="95000"/>
+                      </a:schemeClr>
+                    </a:solidFill>
+                  </a:tcPr>
+                </a:tc>
+                <a:tc>
+                  <a:txBody>
+                    <a:bodyPr/>
+                    <a:lstStyle/>
+                    <a:p>
+                      <a:pPr algn="ctr"/>
+                      <a:r>
+                        <a:rPr lang="en-US" sz="1200" dirty="0">
+                          <a:solidFill>
+                            <a:schemeClr val="tx1"/>
+                          </a:solidFill>
+                        </a:rPr>
+                        <a:t>AWS Signature Lib per Ver.</a:t>
+                      </a:r>
+                    </a:p>
+                    <a:p>
+                      <a:pPr algn="ctr"/>
+                      <a:r>
+                        <a:rPr lang="en-US" sz="1100" dirty="0">
+                          <a:solidFill>
+                            <a:schemeClr val="tx1">
+                              <a:lumMod val="50000"/>
+                              <a:lumOff val="50000"/>
+                            </a:schemeClr>
+                          </a:solidFill>
+                        </a:rPr>
+                        <a:t>(e.g., awssig-v4a/v4/v2/.js)</a:t>
+                      </a:r>
+                    </a:p>
+                  </a:txBody>
+                  <a:tcPr>
+                    <a:lnL w="3175" cap="flat" cmpd="sng" algn="ctr">
+                      <a:solidFill>
+                        <a:schemeClr val="tx1">
+                          <a:lumMod val="50000"/>
+                          <a:lumOff val="50000"/>
+                        </a:schemeClr>
+                      </a:solidFill>
+                      <a:prstDash val="solid"/>
+                      <a:round/>
+                      <a:headEnd type="none" w="med" len="med"/>
+                      <a:tailEnd type="none" w="med" len="med"/>
+                    </a:lnL>
+                    <a:lnR w="3175" cap="flat" cmpd="sng" algn="ctr">
+                      <a:solidFill>
+                        <a:schemeClr val="tx1">
+                          <a:lumMod val="50000"/>
+                          <a:lumOff val="50000"/>
+                        </a:schemeClr>
+                      </a:solidFill>
+                      <a:prstDash val="solid"/>
+                      <a:round/>
+                      <a:headEnd type="none" w="med" len="med"/>
+                      <a:tailEnd type="none" w="med" len="med"/>
+                    </a:lnR>
+                    <a:lnT w="28575" cap="flat" cmpd="sng" algn="ctr">
+                      <a:solidFill>
+                        <a:schemeClr val="accent6"/>
+                      </a:solidFill>
+                      <a:prstDash val="solid"/>
+                      <a:round/>
+                      <a:headEnd type="none" w="med" len="med"/>
+                      <a:tailEnd type="none" w="med" len="med"/>
+                    </a:lnT>
+                    <a:lnB w="3175" cap="flat" cmpd="sng" algn="ctr">
+                      <a:solidFill>
+                        <a:schemeClr val="tx1">
+                          <a:lumMod val="50000"/>
+                          <a:lumOff val="50000"/>
+                        </a:schemeClr>
+                      </a:solidFill>
+                      <a:prstDash val="solid"/>
+                      <a:round/>
+                      <a:headEnd type="none" w="med" len="med"/>
+                      <a:tailEnd type="none" w="med" len="med"/>
+                    </a:lnB>
+                    <a:solidFill>
+                      <a:schemeClr val="bg1">
+                        <a:lumMod val="95000"/>
+                      </a:schemeClr>
+                    </a:solidFill>
+                  </a:tcPr>
+                </a:tc>
+                <a:tc>
+                  <a:txBody>
+                    <a:bodyPr/>
+                    <a:lstStyle/>
+                    <a:p>
+                      <a:pPr algn="ctr"/>
+                      <a:r>
+                        <a:rPr lang="en-US" sz="1200" dirty="0">
+                          <a:solidFill>
+                            <a:schemeClr val="tx1"/>
+                          </a:solidFill>
+                        </a:rPr>
+                        <a:t>General Lib</a:t>
+                      </a:r>
+                    </a:p>
+                    <a:p>
+                      <a:pPr algn="ctr"/>
+                      <a:r>
+                        <a:rPr lang="en-US" sz="1100" dirty="0">
+                          <a:solidFill>
+                            <a:schemeClr val="tx1">
+                              <a:lumMod val="50000"/>
+                              <a:lumOff val="50000"/>
+                            </a:schemeClr>
+                          </a:solidFill>
+                        </a:rPr>
+                        <a:t>(utils.js)</a:t>
+                      </a:r>
+                    </a:p>
+                  </a:txBody>
+                  <a:tcPr>
+                    <a:lnL w="3175" cap="flat" cmpd="sng" algn="ctr">
+                      <a:solidFill>
+                        <a:schemeClr val="tx1">
+                          <a:lumMod val="50000"/>
+                          <a:lumOff val="50000"/>
+                        </a:schemeClr>
+                      </a:solidFill>
+                      <a:prstDash val="solid"/>
+                      <a:round/>
+                      <a:headEnd type="none" w="med" len="med"/>
+                      <a:tailEnd type="none" w="med" len="med"/>
+                    </a:lnL>
+                    <a:lnR w="28575" cap="flat" cmpd="sng" algn="ctr">
+                      <a:solidFill>
+                        <a:schemeClr val="accent6"/>
+                      </a:solidFill>
+                      <a:prstDash val="solid"/>
+                      <a:round/>
+                      <a:headEnd type="none" w="med" len="med"/>
+                      <a:tailEnd type="none" w="med" len="med"/>
+                    </a:lnR>
+                    <a:lnT w="28575" cap="flat" cmpd="sng" algn="ctr">
+                      <a:solidFill>
+                        <a:schemeClr val="accent6"/>
+                      </a:solidFill>
+                      <a:prstDash val="solid"/>
+                      <a:round/>
+                      <a:headEnd type="none" w="med" len="med"/>
+                      <a:tailEnd type="none" w="med" len="med"/>
+                    </a:lnT>
+                    <a:lnB w="3175" cap="flat" cmpd="sng" algn="ctr">
+                      <a:solidFill>
+                        <a:schemeClr val="tx1">
+                          <a:lumMod val="50000"/>
+                          <a:lumOff val="50000"/>
+                        </a:schemeClr>
+                      </a:solidFill>
+                      <a:prstDash val="solid"/>
+                      <a:round/>
+                      <a:headEnd type="none" w="med" len="med"/>
+                      <a:tailEnd type="none" w="med" len="med"/>
+                    </a:lnB>
+                    <a:solidFill>
+                      <a:schemeClr val="bg1">
+                        <a:lumMod val="95000"/>
+                      </a:schemeClr>
+                    </a:solidFill>
+                  </a:tcPr>
+                </a:tc>
+                <a:extLst>
+                  <a:ext uri="{0D108BD9-81ED-4DB2-BD59-A6C34878D82A}">
+                    <a16:rowId xmlns:a16="http://schemas.microsoft.com/office/drawing/2014/main" val="3317296117"/>
+                  </a:ext>
+                </a:extLst>
+              </a:tr>
+              <a:tr h="5437381">
+                <a:tc>
+                  <a:txBody>
+                    <a:bodyPr/>
+                    <a:lstStyle/>
+                    <a:p>
+                      <a:endParaRPr lang="en-US" sz="1200" dirty="0">
+                        <a:solidFill>
+                          <a:schemeClr val="tx1"/>
+                        </a:solidFill>
+                      </a:endParaRPr>
+                    </a:p>
+                  </a:txBody>
+                  <a:tcPr>
+                    <a:lnL w="28575" cap="flat" cmpd="sng" algn="ctr">
+                      <a:solidFill>
+                        <a:schemeClr val="accent6"/>
+                      </a:solidFill>
+                      <a:prstDash val="solid"/>
+                      <a:round/>
+                      <a:headEnd type="none" w="med" len="med"/>
+                      <a:tailEnd type="none" w="med" len="med"/>
+                    </a:lnL>
+                    <a:lnR w="3175" cap="flat" cmpd="sng" algn="ctr">
+                      <a:solidFill>
+                        <a:schemeClr val="tx1">
+                          <a:lumMod val="50000"/>
+                          <a:lumOff val="50000"/>
+                        </a:schemeClr>
+                      </a:solidFill>
+                      <a:prstDash val="solid"/>
+                      <a:round/>
+                      <a:headEnd type="none" w="med" len="med"/>
+                      <a:tailEnd type="none" w="med" len="med"/>
+                    </a:lnR>
+                    <a:lnT w="3175" cap="flat" cmpd="sng" algn="ctr">
+                      <a:solidFill>
+                        <a:schemeClr val="tx1">
+                          <a:lumMod val="50000"/>
+                          <a:lumOff val="50000"/>
+                        </a:schemeClr>
+                      </a:solidFill>
+                      <a:prstDash val="solid"/>
+                      <a:round/>
+                      <a:headEnd type="none" w="med" len="med"/>
+                      <a:tailEnd type="none" w="med" len="med"/>
+                    </a:lnT>
+                    <a:lnB w="28575" cap="flat" cmpd="sng" algn="ctr">
+                      <a:solidFill>
+                        <a:schemeClr val="accent6"/>
+                      </a:solidFill>
+                      <a:prstDash val="solid"/>
+                      <a:round/>
+                      <a:headEnd type="none" w="med" len="med"/>
+                      <a:tailEnd type="none" w="med" len="med"/>
+                    </a:lnB>
+                    <a:noFill/>
+                  </a:tcPr>
+                </a:tc>
+                <a:tc>
+                  <a:txBody>
+                    <a:bodyPr/>
+                    <a:lstStyle/>
+                    <a:p>
+                      <a:endParaRPr lang="en-US" sz="1200" dirty="0">
+                        <a:solidFill>
+                          <a:schemeClr val="tx1"/>
+                        </a:solidFill>
+                      </a:endParaRPr>
+                    </a:p>
+                  </a:txBody>
+                  <a:tcPr>
+                    <a:lnL w="3175" cap="flat" cmpd="sng" algn="ctr">
+                      <a:solidFill>
+                        <a:schemeClr val="tx1">
+                          <a:lumMod val="50000"/>
+                          <a:lumOff val="50000"/>
+                        </a:schemeClr>
+                      </a:solidFill>
+                      <a:prstDash val="solid"/>
+                      <a:round/>
+                      <a:headEnd type="none" w="med" len="med"/>
+                      <a:tailEnd type="none" w="med" len="med"/>
+                    </a:lnL>
+                    <a:lnR w="3175" cap="flat" cmpd="sng" algn="ctr">
+                      <a:solidFill>
+                        <a:schemeClr val="tx1">
+                          <a:lumMod val="50000"/>
+                          <a:lumOff val="50000"/>
+                        </a:schemeClr>
+                      </a:solidFill>
+                      <a:prstDash val="solid"/>
+                      <a:round/>
+                      <a:headEnd type="none" w="med" len="med"/>
+                      <a:tailEnd type="none" w="med" len="med"/>
+                    </a:lnR>
+                    <a:lnT w="3175" cap="flat" cmpd="sng" algn="ctr">
+                      <a:solidFill>
+                        <a:schemeClr val="tx1">
+                          <a:lumMod val="50000"/>
+                          <a:lumOff val="50000"/>
+                        </a:schemeClr>
+                      </a:solidFill>
+                      <a:prstDash val="solid"/>
+                      <a:round/>
+                      <a:headEnd type="none" w="med" len="med"/>
+                      <a:tailEnd type="none" w="med" len="med"/>
+                    </a:lnT>
+                    <a:lnB w="28575" cap="flat" cmpd="sng" algn="ctr">
+                      <a:solidFill>
+                        <a:schemeClr val="accent6"/>
+                      </a:solidFill>
+                      <a:prstDash val="solid"/>
+                      <a:round/>
+                      <a:headEnd type="none" w="med" len="med"/>
+                      <a:tailEnd type="none" w="med" len="med"/>
+                    </a:lnB>
+                    <a:noFill/>
+                  </a:tcPr>
+                </a:tc>
+                <a:tc>
+                  <a:txBody>
+                    <a:bodyPr/>
+                    <a:lstStyle/>
+                    <a:p>
+                      <a:endParaRPr lang="en-US" sz="1200">
+                        <a:solidFill>
+                          <a:schemeClr val="tx1"/>
+                        </a:solidFill>
+                      </a:endParaRPr>
+                    </a:p>
+                  </a:txBody>
+                  <a:tcPr>
+                    <a:lnL w="3175" cap="flat" cmpd="sng" algn="ctr">
+                      <a:solidFill>
+                        <a:schemeClr val="tx1">
+                          <a:lumMod val="50000"/>
+                          <a:lumOff val="50000"/>
+                        </a:schemeClr>
+                      </a:solidFill>
+                      <a:prstDash val="solid"/>
+                      <a:round/>
+                      <a:headEnd type="none" w="med" len="med"/>
+                      <a:tailEnd type="none" w="med" len="med"/>
+                    </a:lnL>
+                    <a:lnR w="3175" cap="flat" cmpd="sng" algn="ctr">
+                      <a:solidFill>
+                        <a:schemeClr val="tx1">
+                          <a:lumMod val="50000"/>
+                          <a:lumOff val="50000"/>
+                        </a:schemeClr>
+                      </a:solidFill>
+                      <a:prstDash val="solid"/>
+                      <a:round/>
+                      <a:headEnd type="none" w="med" len="med"/>
+                      <a:tailEnd type="none" w="med" len="med"/>
+                    </a:lnR>
+                    <a:lnT w="3175" cap="flat" cmpd="sng" algn="ctr">
+                      <a:solidFill>
+                        <a:schemeClr val="tx1">
+                          <a:lumMod val="50000"/>
+                          <a:lumOff val="50000"/>
+                        </a:schemeClr>
+                      </a:solidFill>
+                      <a:prstDash val="solid"/>
+                      <a:round/>
+                      <a:headEnd type="none" w="med" len="med"/>
+                      <a:tailEnd type="none" w="med" len="med"/>
+                    </a:lnT>
+                    <a:lnB w="28575" cap="flat" cmpd="sng" algn="ctr">
+                      <a:solidFill>
+                        <a:schemeClr val="accent6"/>
+                      </a:solidFill>
+                      <a:prstDash val="solid"/>
+                      <a:round/>
+                      <a:headEnd type="none" w="med" len="med"/>
+                      <a:tailEnd type="none" w="med" len="med"/>
+                    </a:lnB>
+                    <a:noFill/>
+                  </a:tcPr>
+                </a:tc>
+                <a:tc>
+                  <a:txBody>
+                    <a:bodyPr/>
+                    <a:lstStyle/>
+                    <a:p>
+                      <a:endParaRPr lang="en-US" sz="1200" dirty="0">
+                        <a:solidFill>
+                          <a:schemeClr val="tx1"/>
+                        </a:solidFill>
+                      </a:endParaRPr>
+                    </a:p>
+                  </a:txBody>
+                  <a:tcPr>
+                    <a:lnL w="3175" cap="flat" cmpd="sng" algn="ctr">
+                      <a:solidFill>
+                        <a:schemeClr val="tx1">
+                          <a:lumMod val="50000"/>
+                          <a:lumOff val="50000"/>
+                        </a:schemeClr>
+                      </a:solidFill>
+                      <a:prstDash val="solid"/>
+                      <a:round/>
+                      <a:headEnd type="none" w="med" len="med"/>
+                      <a:tailEnd type="none" w="med" len="med"/>
+                    </a:lnL>
+                    <a:lnR w="3175" cap="flat" cmpd="sng" algn="ctr">
+                      <a:solidFill>
+                        <a:schemeClr val="tx1">
+                          <a:lumMod val="50000"/>
+                          <a:lumOff val="50000"/>
+                        </a:schemeClr>
+                      </a:solidFill>
+                      <a:prstDash val="solid"/>
+                      <a:round/>
+                      <a:headEnd type="none" w="med" len="med"/>
+                      <a:tailEnd type="none" w="med" len="med"/>
+                    </a:lnR>
+                    <a:lnT w="3175" cap="flat" cmpd="sng" algn="ctr">
+                      <a:solidFill>
+                        <a:schemeClr val="tx1">
+                          <a:lumMod val="50000"/>
+                          <a:lumOff val="50000"/>
+                        </a:schemeClr>
+                      </a:solidFill>
+                      <a:prstDash val="solid"/>
+                      <a:round/>
+                      <a:headEnd type="none" w="med" len="med"/>
+                      <a:tailEnd type="none" w="med" len="med"/>
+                    </a:lnT>
+                    <a:lnB w="28575" cap="flat" cmpd="sng" algn="ctr">
+                      <a:solidFill>
+                        <a:schemeClr val="accent6"/>
+                      </a:solidFill>
+                      <a:prstDash val="solid"/>
+                      <a:round/>
+                      <a:headEnd type="none" w="med" len="med"/>
+                      <a:tailEnd type="none" w="med" len="med"/>
+                    </a:lnB>
+                    <a:noFill/>
+                  </a:tcPr>
+                </a:tc>
+                <a:tc>
+                  <a:txBody>
+                    <a:bodyPr/>
+                    <a:lstStyle/>
+                    <a:p>
+                      <a:endParaRPr lang="en-US" sz="1200" dirty="0">
+                        <a:solidFill>
+                          <a:schemeClr val="tx1"/>
+                        </a:solidFill>
+                      </a:endParaRPr>
+                    </a:p>
+                  </a:txBody>
+                  <a:tcPr>
+                    <a:lnL w="3175" cap="flat" cmpd="sng" algn="ctr">
+                      <a:solidFill>
+                        <a:schemeClr val="tx1">
+                          <a:lumMod val="50000"/>
+                          <a:lumOff val="50000"/>
+                        </a:schemeClr>
+                      </a:solidFill>
+                      <a:prstDash val="solid"/>
+                      <a:round/>
+                      <a:headEnd type="none" w="med" len="med"/>
+                      <a:tailEnd type="none" w="med" len="med"/>
+                    </a:lnL>
+                    <a:lnR w="28575" cap="flat" cmpd="sng" algn="ctr">
+                      <a:solidFill>
+                        <a:schemeClr val="accent6"/>
+                      </a:solidFill>
+                      <a:prstDash val="solid"/>
+                      <a:round/>
+                      <a:headEnd type="none" w="med" len="med"/>
+                      <a:tailEnd type="none" w="med" len="med"/>
+                    </a:lnR>
+                    <a:lnT w="3175" cap="flat" cmpd="sng" algn="ctr">
+                      <a:solidFill>
+                        <a:schemeClr val="tx1">
+                          <a:lumMod val="50000"/>
+                          <a:lumOff val="50000"/>
+                        </a:schemeClr>
+                      </a:solidFill>
+                      <a:prstDash val="solid"/>
+                      <a:round/>
+                      <a:headEnd type="none" w="med" len="med"/>
+                      <a:tailEnd type="none" w="med" len="med"/>
+                    </a:lnT>
+                    <a:lnB w="28575" cap="flat" cmpd="sng" algn="ctr">
+                      <a:solidFill>
+                        <a:schemeClr val="accent6"/>
+                      </a:solidFill>
+                      <a:prstDash val="solid"/>
+                      <a:round/>
+                      <a:headEnd type="none" w="med" len="med"/>
+                      <a:tailEnd type="none" w="med" len="med"/>
+                    </a:lnB>
+                    <a:noFill/>
+                  </a:tcPr>
+                </a:tc>
+                <a:extLst>
+                  <a:ext uri="{0D108BD9-81ED-4DB2-BD59-A6C34878D82A}">
+                    <a16:rowId xmlns:a16="http://schemas.microsoft.com/office/drawing/2014/main" val="1166572198"/>
+                  </a:ext>
+                </a:extLst>
+              </a:tr>
+            </a:tbl>
+          </a:graphicData>
+        </a:graphic>
+      </p:graphicFrame>
+      <p:sp>
+        <p:nvSpPr>
+          <p:cNvPr id="2" name="직사각형 363">
+            <a:extLst>
+              <a:ext uri="{FF2B5EF4-FFF2-40B4-BE49-F238E27FC236}">
+                <a16:creationId xmlns:a16="http://schemas.microsoft.com/office/drawing/2014/main" id="{4AF70573-37F5-0E4D-DA27-E061D8DE73CA}"/>
+              </a:ext>
+            </a:extLst>
+          </p:cNvPr>
+          <p:cNvSpPr/>
+          <p:nvPr/>
+        </p:nvSpPr>
+        <p:spPr>
+          <a:xfrm>
+            <a:off x="1759538" y="774511"/>
+            <a:ext cx="1684708" cy="359218"/>
+          </a:xfrm>
+          <a:prstGeom prst="rect">
+            <a:avLst/>
+          </a:prstGeom>
+          <a:solidFill>
+            <a:schemeClr val="accent6">
+              <a:lumMod val="20000"/>
+              <a:lumOff val="80000"/>
+            </a:schemeClr>
+          </a:solidFill>
+          <a:ln w="3175" cap="flat" cmpd="sng" algn="ctr">
+            <a:noFill/>
+            <a:prstDash val="solid"/>
+            <a:miter lim="800000"/>
+          </a:ln>
+          <a:effectLst/>
+        </p:spPr>
+        <p:txBody>
+          <a:bodyPr lIns="0" rIns="0" rtlCol="0" anchor="ctr"/>
+          <a:lstStyle/>
+          <a:p>
+            <a:pPr marL="0" marR="0" lvl="0" indent="0" algn="ctr" defTabSz="914400" eaLnBrk="1" fontAlgn="auto" latinLnBrk="0" hangingPunct="1">
+              <a:spcBef>
+                <a:spcPts val="0"/>
+              </a:spcBef>
+              <a:spcAft>
+                <a:spcPts val="0"/>
+              </a:spcAft>
+              <a:buClrTx/>
+              <a:buSzTx/>
+              <a:buFontTx/>
+              <a:buNone/>
+              <a:tabLst/>
+              <a:defRPr/>
+            </a:pPr>
+            <a:r>
+              <a:rPr kumimoji="0" lang="en-US" altLang="ko-KR" sz="1200" b="0" i="0" u="none" strike="noStrike" kern="0" cap="none" spc="0" normalizeH="0" baseline="0" noProof="0" dirty="0">
+                <a:ln>
+                  <a:noFill/>
+                </a:ln>
+                <a:solidFill>
+                  <a:prstClr val="black"/>
+                </a:solidFill>
+                <a:effectLst/>
+                <a:uLnTx/>
+                <a:uFillTx/>
+                <a:latin typeface="Calibri" panose="020F0502020204030204" pitchFamily="34" charset="0"/>
+                <a:ea typeface="맑은 고딕"/>
+              </a:rPr>
+              <a:t>Auth </a:t>
+            </a:r>
+            <a:r>
+              <a:rPr lang="en-US" altLang="ko-KR" sz="1200" kern="0" dirty="0">
+                <a:solidFill>
+                  <a:prstClr val="black"/>
+                </a:solidFill>
+                <a:latin typeface="Calibri" panose="020F0502020204030204" pitchFamily="34" charset="0"/>
+                <a:ea typeface="맑은 고딕"/>
+              </a:rPr>
+              <a:t>Request</a:t>
+            </a:r>
+            <a:endParaRPr kumimoji="0" lang="ko-KR" altLang="en-US" sz="1200" b="0" i="0" u="none" strike="noStrike" kern="0" cap="none" spc="0" normalizeH="0" baseline="0" noProof="0" dirty="0">
+              <a:ln>
+                <a:noFill/>
+              </a:ln>
+              <a:solidFill>
+                <a:schemeClr val="tx1">
+                  <a:lumMod val="50000"/>
+                  <a:lumOff val="50000"/>
+                </a:schemeClr>
+              </a:solidFill>
+              <a:effectLst/>
+              <a:uLnTx/>
+              <a:uFillTx/>
+              <a:latin typeface="Calibri" panose="020F0502020204030204" pitchFamily="34" charset="0"/>
+              <a:ea typeface="맑은 고딕"/>
+            </a:endParaRPr>
+          </a:p>
+        </p:txBody>
+      </p:sp>
+      <p:sp>
+        <p:nvSpPr>
+          <p:cNvPr id="3" name="직사각형 363">
+            <a:extLst>
+              <a:ext uri="{FF2B5EF4-FFF2-40B4-BE49-F238E27FC236}">
+                <a16:creationId xmlns:a16="http://schemas.microsoft.com/office/drawing/2014/main" id="{6895FC14-6F16-4968-F3F2-640AE6ABFB8B}"/>
+              </a:ext>
+            </a:extLst>
+          </p:cNvPr>
+          <p:cNvSpPr/>
+          <p:nvPr/>
+        </p:nvSpPr>
+        <p:spPr>
+          <a:xfrm>
+            <a:off x="5629008" y="774511"/>
+            <a:ext cx="1567035" cy="359218"/>
+          </a:xfrm>
+          <a:prstGeom prst="rect">
+            <a:avLst/>
+          </a:prstGeom>
+          <a:solidFill>
+            <a:schemeClr val="accent6">
+              <a:lumMod val="20000"/>
+              <a:lumOff val="80000"/>
+            </a:schemeClr>
+          </a:solidFill>
+          <a:ln w="3175" cap="flat" cmpd="sng" algn="ctr">
+            <a:noFill/>
+            <a:prstDash val="solid"/>
+            <a:miter lim="800000"/>
+          </a:ln>
+          <a:effectLst/>
+        </p:spPr>
+        <p:txBody>
+          <a:bodyPr lIns="0" rIns="0" rtlCol="0" anchor="ctr"/>
+          <a:lstStyle/>
+          <a:p>
+            <a:pPr marL="0" marR="0" lvl="0" indent="0" algn="ctr" defTabSz="914400" eaLnBrk="1" fontAlgn="auto" latinLnBrk="0" hangingPunct="1">
+              <a:spcBef>
+                <a:spcPts val="0"/>
+              </a:spcBef>
+              <a:spcAft>
+                <a:spcPts val="0"/>
+              </a:spcAft>
+              <a:buClrTx/>
+              <a:buSzTx/>
+              <a:buFontTx/>
+              <a:buNone/>
+              <a:tabLst/>
+              <a:defRPr/>
+            </a:pPr>
+            <a:r>
+              <a:rPr kumimoji="0" lang="en-US" altLang="ko-KR" sz="1200" b="0" i="0" u="none" strike="noStrike" kern="0" cap="none" spc="0" normalizeH="0" baseline="0" noProof="0" dirty="0">
+                <a:ln>
+                  <a:noFill/>
+                </a:ln>
+                <a:solidFill>
+                  <a:prstClr val="black"/>
+                </a:solidFill>
+                <a:effectLst/>
+                <a:uLnTx/>
+                <a:uFillTx/>
+                <a:latin typeface="Calibri" panose="020F0502020204030204" pitchFamily="34" charset="0"/>
+                <a:ea typeface="맑은 고딕"/>
+              </a:rPr>
+              <a:t>Fetch Credentials</a:t>
+            </a:r>
+            <a:endParaRPr kumimoji="0" lang="ko-KR" altLang="en-US" sz="1200" b="0" i="0" u="none" strike="noStrike" kern="0" cap="none" spc="0" normalizeH="0" baseline="0" noProof="0" dirty="0">
+              <a:ln>
+                <a:noFill/>
+              </a:ln>
+              <a:solidFill>
+                <a:schemeClr val="tx1">
+                  <a:lumMod val="50000"/>
+                  <a:lumOff val="50000"/>
+                </a:schemeClr>
+              </a:solidFill>
+              <a:effectLst/>
+              <a:uLnTx/>
+              <a:uFillTx/>
+              <a:latin typeface="Calibri" panose="020F0502020204030204" pitchFamily="34" charset="0"/>
+              <a:ea typeface="맑은 고딕"/>
+            </a:endParaRPr>
+          </a:p>
+        </p:txBody>
+      </p:sp>
+      <p:cxnSp>
+        <p:nvCxnSpPr>
+          <p:cNvPr id="4" name="Straight Arrow Connector 3">
+            <a:extLst>
+              <a:ext uri="{FF2B5EF4-FFF2-40B4-BE49-F238E27FC236}">
+                <a16:creationId xmlns:a16="http://schemas.microsoft.com/office/drawing/2014/main" id="{AAACC8DF-108F-9355-B6A9-9FEAA8ABD1D4}"/>
+              </a:ext>
+            </a:extLst>
+          </p:cNvPr>
+          <p:cNvCxnSpPr>
+            <a:cxnSpLocks/>
+          </p:cNvCxnSpPr>
+          <p:nvPr/>
+        </p:nvCxnSpPr>
+        <p:spPr>
+          <a:xfrm>
+            <a:off x="3444246" y="876296"/>
+            <a:ext cx="2184762" cy="0"/>
+          </a:xfrm>
+          <a:prstGeom prst="straightConnector1">
+            <a:avLst/>
+          </a:prstGeom>
+          <a:ln>
+            <a:solidFill>
+              <a:schemeClr val="accent6"/>
+            </a:solidFill>
+            <a:prstDash val="dash"/>
+            <a:headEnd type="none" w="sm" len="sm"/>
+            <a:tailEnd type="triangle" w="sm" len="sm"/>
+          </a:ln>
+        </p:spPr>
+        <p:style>
+          <a:lnRef idx="1">
+            <a:schemeClr val="accent1"/>
+          </a:lnRef>
+          <a:fillRef idx="0">
+            <a:schemeClr val="accent1"/>
+          </a:fillRef>
+          <a:effectRef idx="0">
+            <a:schemeClr val="accent1"/>
+          </a:effectRef>
+          <a:fontRef idx="minor">
+            <a:schemeClr val="tx1"/>
+          </a:fontRef>
+        </p:style>
+      </p:cxnSp>
+      <p:sp>
+        <p:nvSpPr>
+          <p:cNvPr id="7" name="Diamond 6">
+            <a:extLst>
+              <a:ext uri="{FF2B5EF4-FFF2-40B4-BE49-F238E27FC236}">
+                <a16:creationId xmlns:a16="http://schemas.microsoft.com/office/drawing/2014/main" id="{2F21EB05-F348-5CB0-E769-C85A55B87D2F}"/>
+              </a:ext>
+            </a:extLst>
+          </p:cNvPr>
+          <p:cNvSpPr/>
+          <p:nvPr/>
+        </p:nvSpPr>
+        <p:spPr>
+          <a:xfrm>
+            <a:off x="1773470" y="2160238"/>
+            <a:ext cx="1572629" cy="359219"/>
+          </a:xfrm>
+          <a:prstGeom prst="diamond">
+            <a:avLst/>
+          </a:prstGeom>
+          <a:noFill/>
+          <a:ln w="3175" cap="flat" cmpd="sng" algn="ctr">
+            <a:solidFill>
+              <a:schemeClr val="accent6">
+                <a:lumMod val="50000"/>
+              </a:schemeClr>
+            </a:solidFill>
+            <a:prstDash val="solid"/>
+            <a:miter lim="800000"/>
+          </a:ln>
+          <a:effectLst/>
+        </p:spPr>
+        <p:txBody>
+          <a:bodyPr lIns="0" rIns="0" rtlCol="0" anchor="ctr"/>
+          <a:lstStyle/>
+          <a:p>
+            <a:pPr algn="ctr"/>
+            <a:r>
+              <a:rPr lang="en-US" sz="1200" kern="0" dirty="0">
+                <a:solidFill>
+                  <a:prstClr val="black"/>
+                </a:solidFill>
+                <a:latin typeface="Calibri" panose="020F0502020204030204" pitchFamily="34" charset="0"/>
+                <a:ea typeface="맑은 고딕"/>
+              </a:rPr>
+              <a:t>Fetched?</a:t>
+            </a:r>
+          </a:p>
+        </p:txBody>
+      </p:sp>
+      <p:sp>
+        <p:nvSpPr>
+          <p:cNvPr id="8" name="직사각형 363">
+            <a:extLst>
+              <a:ext uri="{FF2B5EF4-FFF2-40B4-BE49-F238E27FC236}">
+                <a16:creationId xmlns:a16="http://schemas.microsoft.com/office/drawing/2014/main" id="{943AFE63-3E79-B995-5B3A-D4E307285A0E}"/>
+              </a:ext>
+            </a:extLst>
+          </p:cNvPr>
+          <p:cNvSpPr/>
+          <p:nvPr/>
+        </p:nvSpPr>
+        <p:spPr>
+          <a:xfrm>
+            <a:off x="3668828" y="3462665"/>
+            <a:ext cx="1684708" cy="359218"/>
+          </a:xfrm>
+          <a:prstGeom prst="rect">
+            <a:avLst/>
+          </a:prstGeom>
+          <a:solidFill>
+            <a:schemeClr val="accent5">
+              <a:lumMod val="20000"/>
+              <a:lumOff val="80000"/>
+            </a:schemeClr>
+          </a:solidFill>
+          <a:ln w="3175" cap="flat" cmpd="sng" algn="ctr">
+            <a:noFill/>
+            <a:prstDash val="solid"/>
+            <a:miter lim="800000"/>
+          </a:ln>
+          <a:effectLst/>
+        </p:spPr>
+        <p:txBody>
+          <a:bodyPr lIns="0" rIns="0" rtlCol="0" anchor="ctr"/>
+          <a:lstStyle/>
+          <a:p>
+            <a:pPr marL="0" marR="0" lvl="0" indent="0" algn="ctr" defTabSz="914400" eaLnBrk="1" fontAlgn="auto" latinLnBrk="0" hangingPunct="1">
+              <a:spcBef>
+                <a:spcPts val="0"/>
+              </a:spcBef>
+              <a:spcAft>
+                <a:spcPts val="0"/>
+              </a:spcAft>
+              <a:buClrTx/>
+              <a:buSzTx/>
+              <a:buFontTx/>
+              <a:buNone/>
+              <a:tabLst/>
+              <a:defRPr/>
+            </a:pPr>
+            <a:r>
+              <a:rPr kumimoji="0" lang="en-US" altLang="ko-KR" sz="1200" b="0" i="0" u="none" strike="noStrike" kern="0" cap="none" spc="0" normalizeH="0" baseline="0" noProof="0" dirty="0">
+                <a:ln>
+                  <a:noFill/>
+                </a:ln>
+                <a:solidFill>
+                  <a:prstClr val="black"/>
+                </a:solidFill>
+                <a:effectLst/>
+                <a:uLnTx/>
+                <a:uFillTx/>
+                <a:latin typeface="Calibri" panose="020F0502020204030204" pitchFamily="34" charset="0"/>
+                <a:ea typeface="맑은 고딕"/>
+              </a:rPr>
+              <a:t>Create Auth Signature</a:t>
+            </a:r>
+            <a:endParaRPr kumimoji="0" lang="ko-KR" altLang="en-US" sz="1200" b="0" i="0" u="none" strike="noStrike" kern="0" cap="none" spc="0" normalizeH="0" baseline="0" noProof="0" dirty="0">
+              <a:ln>
+                <a:noFill/>
+              </a:ln>
+              <a:solidFill>
+                <a:schemeClr val="tx1">
+                  <a:lumMod val="50000"/>
+                  <a:lumOff val="50000"/>
+                </a:schemeClr>
+              </a:solidFill>
+              <a:effectLst/>
+              <a:uLnTx/>
+              <a:uFillTx/>
+              <a:latin typeface="Calibri" panose="020F0502020204030204" pitchFamily="34" charset="0"/>
+              <a:ea typeface="맑은 고딕"/>
+            </a:endParaRPr>
+          </a:p>
+        </p:txBody>
+      </p:sp>
+      <p:sp>
+        <p:nvSpPr>
+          <p:cNvPr id="9" name="TextBox 8">
+            <a:extLst>
+              <a:ext uri="{FF2B5EF4-FFF2-40B4-BE49-F238E27FC236}">
+                <a16:creationId xmlns:a16="http://schemas.microsoft.com/office/drawing/2014/main" id="{FC98CE17-0B0E-E3F7-4610-C744BD0E6F1A}"/>
+              </a:ext>
+            </a:extLst>
+          </p:cNvPr>
+          <p:cNvSpPr txBox="1"/>
+          <p:nvPr/>
+        </p:nvSpPr>
+        <p:spPr>
+          <a:xfrm>
+            <a:off x="1763742" y="1132532"/>
+            <a:ext cx="1743936" cy="123110"/>
+          </a:xfrm>
+          <a:prstGeom prst="rect">
+            <a:avLst/>
+          </a:prstGeom>
+          <a:noFill/>
+        </p:spPr>
+        <p:txBody>
+          <a:bodyPr wrap="square" lIns="0" tIns="0" rIns="0" bIns="0">
+            <a:spAutoFit/>
+          </a:bodyPr>
+          <a:lstStyle/>
+          <a:p>
+            <a:r>
+              <a:rPr lang="en-US" sz="800" dirty="0"/>
+              <a:t> auth_request /aws/credentials/retrieve</a:t>
+            </a:r>
+          </a:p>
+        </p:txBody>
+      </p:sp>
+      <p:sp>
+        <p:nvSpPr>
+          <p:cNvPr id="10" name="직사각형 363">
+            <a:extLst>
+              <a:ext uri="{FF2B5EF4-FFF2-40B4-BE49-F238E27FC236}">
+                <a16:creationId xmlns:a16="http://schemas.microsoft.com/office/drawing/2014/main" id="{8DDE7B83-A002-B7E1-B7EC-794963EA010A}"/>
+              </a:ext>
+            </a:extLst>
+          </p:cNvPr>
+          <p:cNvSpPr/>
+          <p:nvPr/>
+        </p:nvSpPr>
+        <p:spPr>
+          <a:xfrm>
+            <a:off x="1753942" y="5458351"/>
+            <a:ext cx="1691299" cy="359218"/>
+          </a:xfrm>
+          <a:prstGeom prst="rect">
+            <a:avLst/>
+          </a:prstGeom>
+          <a:solidFill>
+            <a:schemeClr val="accent5">
+              <a:lumMod val="20000"/>
+              <a:lumOff val="80000"/>
+            </a:schemeClr>
+          </a:solidFill>
+          <a:ln w="3175" cap="flat" cmpd="sng" algn="ctr">
+            <a:noFill/>
+            <a:prstDash val="solid"/>
+            <a:miter lim="800000"/>
+          </a:ln>
+          <a:effectLst/>
+        </p:spPr>
+        <p:txBody>
+          <a:bodyPr lIns="0" rIns="0" rtlCol="0" anchor="ctr"/>
+          <a:lstStyle/>
+          <a:p>
+            <a:pPr marL="0" marR="0" lvl="0" indent="0" algn="ctr" defTabSz="914400" eaLnBrk="1" fontAlgn="auto" latinLnBrk="0" hangingPunct="1">
+              <a:spcBef>
+                <a:spcPts val="0"/>
+              </a:spcBef>
+              <a:spcAft>
+                <a:spcPts val="0"/>
+              </a:spcAft>
+              <a:buClrTx/>
+              <a:buSzTx/>
+              <a:buFontTx/>
+              <a:buNone/>
+              <a:tabLst/>
+              <a:defRPr/>
+            </a:pPr>
+            <a:r>
+              <a:rPr kumimoji="0" lang="en-US" altLang="ko-KR" sz="1200" b="0" i="0" u="none" strike="noStrike" kern="0" cap="none" spc="0" normalizeH="0" baseline="0" noProof="0" dirty="0">
+                <a:ln>
+                  <a:noFill/>
+                </a:ln>
+                <a:solidFill>
+                  <a:prstClr val="black"/>
+                </a:solidFill>
+                <a:effectLst/>
+                <a:uLnTx/>
+                <a:uFillTx/>
+                <a:latin typeface="Calibri" panose="020F0502020204030204" pitchFamily="34" charset="0"/>
+                <a:ea typeface="맑은 고딕"/>
+              </a:rPr>
+              <a:t>Signing AWS API </a:t>
+            </a:r>
+            <a:r>
+              <a:rPr lang="en-US" altLang="ko-KR" sz="1200" kern="0" dirty="0">
+                <a:solidFill>
+                  <a:prstClr val="black"/>
+                </a:solidFill>
+                <a:latin typeface="Calibri" panose="020F0502020204030204" pitchFamily="34" charset="0"/>
+                <a:ea typeface="맑은 고딕"/>
+              </a:rPr>
+              <a:t>Request</a:t>
+            </a:r>
+            <a:endParaRPr kumimoji="0" lang="ko-KR" altLang="en-US" sz="1200" b="0" i="0" u="none" strike="noStrike" kern="0" cap="none" spc="0" normalizeH="0" baseline="0" noProof="0" dirty="0">
+              <a:ln>
+                <a:noFill/>
+              </a:ln>
+              <a:solidFill>
+                <a:schemeClr val="tx1">
+                  <a:lumMod val="50000"/>
+                  <a:lumOff val="50000"/>
+                </a:schemeClr>
+              </a:solidFill>
+              <a:effectLst/>
+              <a:uLnTx/>
+              <a:uFillTx/>
+              <a:latin typeface="Calibri" panose="020F0502020204030204" pitchFamily="34" charset="0"/>
+              <a:ea typeface="맑은 고딕"/>
+            </a:endParaRPr>
+          </a:p>
+        </p:txBody>
+      </p:sp>
+      <p:sp>
+        <p:nvSpPr>
+          <p:cNvPr id="11" name="직사각형 363">
+            <a:extLst>
+              <a:ext uri="{FF2B5EF4-FFF2-40B4-BE49-F238E27FC236}">
+                <a16:creationId xmlns:a16="http://schemas.microsoft.com/office/drawing/2014/main" id="{85ADCF17-34B4-7638-6C62-0C94CE815C3E}"/>
+              </a:ext>
+            </a:extLst>
+          </p:cNvPr>
+          <p:cNvSpPr/>
+          <p:nvPr/>
+        </p:nvSpPr>
+        <p:spPr>
+          <a:xfrm>
+            <a:off x="5623414" y="4516766"/>
+            <a:ext cx="1572627" cy="359218"/>
+          </a:xfrm>
+          <a:prstGeom prst="rect">
+            <a:avLst/>
+          </a:prstGeom>
+          <a:solidFill>
+            <a:schemeClr val="accent6">
+              <a:lumMod val="20000"/>
+              <a:lumOff val="80000"/>
+            </a:schemeClr>
+          </a:solidFill>
+          <a:ln w="3175" cap="flat" cmpd="sng" algn="ctr">
+            <a:noFill/>
+            <a:prstDash val="solid"/>
+            <a:miter lim="800000"/>
+          </a:ln>
+          <a:effectLst/>
+        </p:spPr>
+        <p:txBody>
+          <a:bodyPr lIns="0" rIns="0" rtlCol="0" anchor="ctr"/>
+          <a:lstStyle/>
+          <a:p>
+            <a:pPr marL="0" marR="0" lvl="0" indent="0" algn="ctr" defTabSz="914400" eaLnBrk="1" fontAlgn="auto" latinLnBrk="0" hangingPunct="1">
+              <a:spcBef>
+                <a:spcPts val="0"/>
+              </a:spcBef>
+              <a:spcAft>
+                <a:spcPts val="0"/>
+              </a:spcAft>
+              <a:buClrTx/>
+              <a:buSzTx/>
+              <a:buFontTx/>
+              <a:buNone/>
+              <a:tabLst/>
+              <a:defRPr/>
+            </a:pPr>
+            <a:r>
+              <a:rPr kumimoji="0" lang="en-US" altLang="ko-KR" sz="1200" b="0" i="0" u="none" strike="noStrike" kern="0" cap="none" spc="0" normalizeH="0" baseline="0" noProof="0" dirty="0">
+                <a:ln>
+                  <a:noFill/>
+                </a:ln>
+                <a:solidFill>
+                  <a:prstClr val="black"/>
+                </a:solidFill>
+                <a:effectLst/>
+                <a:uLnTx/>
+                <a:uFillTx/>
+                <a:latin typeface="Calibri" panose="020F0502020204030204" pitchFamily="34" charset="0"/>
+                <a:ea typeface="맑은 고딕"/>
+              </a:rPr>
+              <a:t>Get Session Token</a:t>
+            </a:r>
+            <a:endParaRPr kumimoji="0" lang="ko-KR" altLang="en-US" sz="1200" b="0" i="0" u="none" strike="noStrike" kern="0" cap="none" spc="0" normalizeH="0" baseline="0" noProof="0" dirty="0">
+              <a:ln>
+                <a:noFill/>
+              </a:ln>
+              <a:solidFill>
+                <a:schemeClr val="tx1">
+                  <a:lumMod val="50000"/>
+                  <a:lumOff val="50000"/>
+                </a:schemeClr>
+              </a:solidFill>
+              <a:effectLst/>
+              <a:uLnTx/>
+              <a:uFillTx/>
+              <a:latin typeface="Calibri" panose="020F0502020204030204" pitchFamily="34" charset="0"/>
+              <a:ea typeface="맑은 고딕"/>
+            </a:endParaRPr>
+          </a:p>
+        </p:txBody>
+      </p:sp>
+      <p:sp>
+        <p:nvSpPr>
+          <p:cNvPr id="13" name="직사각형 363">
+            <a:extLst>
+              <a:ext uri="{FF2B5EF4-FFF2-40B4-BE49-F238E27FC236}">
+                <a16:creationId xmlns:a16="http://schemas.microsoft.com/office/drawing/2014/main" id="{BAE6F43D-9E34-1AF1-4ECE-5A367B91BC04}"/>
+              </a:ext>
+            </a:extLst>
+          </p:cNvPr>
+          <p:cNvSpPr/>
+          <p:nvPr/>
+        </p:nvSpPr>
+        <p:spPr>
+          <a:xfrm>
+            <a:off x="7503200" y="4268421"/>
+            <a:ext cx="1660255" cy="359218"/>
+          </a:xfrm>
+          <a:prstGeom prst="rect">
+            <a:avLst/>
+          </a:prstGeom>
+          <a:solidFill>
+            <a:schemeClr val="accent6">
+              <a:lumMod val="20000"/>
+              <a:lumOff val="80000"/>
+            </a:schemeClr>
+          </a:solidFill>
+          <a:ln w="3175" cap="flat" cmpd="sng" algn="ctr">
+            <a:noFill/>
+            <a:prstDash val="solid"/>
+            <a:miter lim="800000"/>
+          </a:ln>
+          <a:effectLst/>
+        </p:spPr>
+        <p:txBody>
+          <a:bodyPr lIns="0" rIns="0" rtlCol="0" anchor="ctr"/>
+          <a:lstStyle/>
+          <a:p>
+            <a:pPr marL="0" marR="0" lvl="0" indent="0" algn="ctr" defTabSz="914400" eaLnBrk="1" fontAlgn="auto" latinLnBrk="0" hangingPunct="1">
+              <a:spcBef>
+                <a:spcPts val="0"/>
+              </a:spcBef>
+              <a:spcAft>
+                <a:spcPts val="0"/>
+              </a:spcAft>
+              <a:buClrTx/>
+              <a:buSzTx/>
+              <a:buFontTx/>
+              <a:buNone/>
+              <a:tabLst/>
+              <a:defRPr/>
+            </a:pPr>
+            <a:r>
+              <a:rPr kumimoji="0" lang="en-US" altLang="ko-KR" sz="1200" b="0" i="0" u="none" strike="noStrike" kern="0" cap="none" spc="0" normalizeH="0" baseline="0" noProof="0" dirty="0">
+                <a:ln>
+                  <a:noFill/>
+                </a:ln>
+                <a:solidFill>
+                  <a:prstClr val="black"/>
+                </a:solidFill>
+                <a:effectLst/>
+                <a:uLnTx/>
+                <a:uFillTx/>
+                <a:latin typeface="Calibri" panose="020F0502020204030204" pitchFamily="34" charset="0"/>
+                <a:ea typeface="맑은 고딕"/>
+              </a:rPr>
+              <a:t>Build Signature</a:t>
+            </a:r>
+            <a:endParaRPr kumimoji="0" lang="ko-KR" altLang="en-US" sz="1200" b="0" i="0" u="none" strike="noStrike" kern="0" cap="none" spc="0" normalizeH="0" baseline="0" noProof="0" dirty="0">
+              <a:ln>
+                <a:noFill/>
+              </a:ln>
+              <a:solidFill>
+                <a:schemeClr val="tx1">
+                  <a:lumMod val="50000"/>
+                  <a:lumOff val="50000"/>
+                </a:schemeClr>
+              </a:solidFill>
+              <a:effectLst/>
+              <a:uLnTx/>
+              <a:uFillTx/>
+              <a:latin typeface="Calibri" panose="020F0502020204030204" pitchFamily="34" charset="0"/>
+              <a:ea typeface="맑은 고딕"/>
+            </a:endParaRPr>
+          </a:p>
+        </p:txBody>
+      </p:sp>
+      <p:sp>
+        <p:nvSpPr>
+          <p:cNvPr id="16" name="Oval 15">
+            <a:extLst>
+              <a:ext uri="{FF2B5EF4-FFF2-40B4-BE49-F238E27FC236}">
+                <a16:creationId xmlns:a16="http://schemas.microsoft.com/office/drawing/2014/main" id="{9BB23812-6657-390A-8F33-20382A893B63}"/>
+              </a:ext>
+            </a:extLst>
+          </p:cNvPr>
+          <p:cNvSpPr>
+            <a:spLocks/>
+          </p:cNvSpPr>
+          <p:nvPr/>
+        </p:nvSpPr>
+        <p:spPr>
+          <a:xfrm>
+            <a:off x="1955428" y="881498"/>
+            <a:ext cx="137160" cy="137160"/>
+          </a:xfrm>
+          <a:prstGeom prst="ellipse">
+            <a:avLst/>
+          </a:prstGeom>
+          <a:solidFill>
+            <a:schemeClr val="accent6">
+              <a:lumMod val="75000"/>
+            </a:schemeClr>
+          </a:solidFill>
+          <a:ln>
+            <a:solidFill>
+              <a:schemeClr val="accent6">
+                <a:lumMod val="50000"/>
+              </a:schemeClr>
+            </a:solidFill>
+          </a:ln>
+        </p:spPr>
+        <p:style>
+          <a:lnRef idx="2">
+            <a:schemeClr val="accent1">
+              <a:shade val="50000"/>
+            </a:schemeClr>
+          </a:lnRef>
+          <a:fillRef idx="1">
+            <a:schemeClr val="accent1"/>
+          </a:fillRef>
+          <a:effectRef idx="0">
+            <a:schemeClr val="accent1"/>
+          </a:effectRef>
+          <a:fontRef idx="minor">
+            <a:schemeClr val="lt1"/>
+          </a:fontRef>
+        </p:style>
+        <p:txBody>
+          <a:bodyPr lIns="0" tIns="0" rIns="0" bIns="0" rtlCol="0" anchor="ctr"/>
+          <a:lstStyle/>
+          <a:p>
+            <a:pPr algn="ctr"/>
+            <a:r>
+              <a:rPr lang="en-US" sz="800" dirty="0">
+                <a:solidFill>
+                  <a:schemeClr val="bg1"/>
+                </a:solidFill>
+              </a:rPr>
+              <a:t>1</a:t>
+            </a:r>
+          </a:p>
+        </p:txBody>
+      </p:sp>
+      <p:sp>
+        <p:nvSpPr>
+          <p:cNvPr id="17" name="Oval 16">
+            <a:extLst>
+              <a:ext uri="{FF2B5EF4-FFF2-40B4-BE49-F238E27FC236}">
+                <a16:creationId xmlns:a16="http://schemas.microsoft.com/office/drawing/2014/main" id="{32006966-0F59-73DF-1428-888AC96F4B09}"/>
+              </a:ext>
+            </a:extLst>
+          </p:cNvPr>
+          <p:cNvSpPr>
+            <a:spLocks/>
+          </p:cNvSpPr>
+          <p:nvPr/>
+        </p:nvSpPr>
+        <p:spPr>
+          <a:xfrm>
+            <a:off x="5687617" y="887980"/>
+            <a:ext cx="137160" cy="137160"/>
+          </a:xfrm>
+          <a:prstGeom prst="ellipse">
+            <a:avLst/>
+          </a:prstGeom>
+          <a:solidFill>
+            <a:schemeClr val="accent6">
+              <a:lumMod val="75000"/>
+            </a:schemeClr>
+          </a:solidFill>
+          <a:ln>
+            <a:solidFill>
+              <a:schemeClr val="accent6">
+                <a:lumMod val="50000"/>
+              </a:schemeClr>
+            </a:solidFill>
+          </a:ln>
+        </p:spPr>
+        <p:style>
+          <a:lnRef idx="2">
+            <a:schemeClr val="accent1">
+              <a:shade val="50000"/>
+            </a:schemeClr>
+          </a:lnRef>
+          <a:fillRef idx="1">
+            <a:schemeClr val="accent1"/>
+          </a:fillRef>
+          <a:effectRef idx="0">
+            <a:schemeClr val="accent1"/>
+          </a:effectRef>
+          <a:fontRef idx="minor">
+            <a:schemeClr val="lt1"/>
+          </a:fontRef>
+        </p:style>
+        <p:txBody>
+          <a:bodyPr lIns="0" tIns="0" rIns="0" bIns="0" rtlCol="0" anchor="ctr"/>
+          <a:lstStyle/>
+          <a:p>
+            <a:pPr algn="ctr"/>
+            <a:r>
+              <a:rPr lang="en-US" sz="800" dirty="0">
+                <a:solidFill>
+                  <a:schemeClr val="bg1"/>
+                </a:solidFill>
+              </a:rPr>
+              <a:t>2</a:t>
+            </a:r>
+          </a:p>
+        </p:txBody>
+      </p:sp>
+      <p:sp>
+        <p:nvSpPr>
+          <p:cNvPr id="18" name="TextBox 17">
+            <a:extLst>
+              <a:ext uri="{FF2B5EF4-FFF2-40B4-BE49-F238E27FC236}">
+                <a16:creationId xmlns:a16="http://schemas.microsoft.com/office/drawing/2014/main" id="{27C9C299-E296-719C-9637-02CB341D6E28}"/>
+              </a:ext>
+            </a:extLst>
+          </p:cNvPr>
+          <p:cNvSpPr txBox="1"/>
+          <p:nvPr/>
+        </p:nvSpPr>
+        <p:spPr>
+          <a:xfrm>
+            <a:off x="5623415" y="1187068"/>
+            <a:ext cx="1572629" cy="215444"/>
+          </a:xfrm>
+          <a:prstGeom prst="rect">
+            <a:avLst/>
+          </a:prstGeom>
+          <a:noFill/>
+          <a:ln>
+            <a:solidFill>
+              <a:schemeClr val="accent6"/>
+            </a:solidFill>
+            <a:prstDash val="dash"/>
+          </a:ln>
+        </p:spPr>
+        <p:txBody>
+          <a:bodyPr wrap="square" lIns="45720" tIns="45720" rIns="0" bIns="45720">
+            <a:spAutoFit/>
+          </a:bodyPr>
+          <a:lstStyle/>
+          <a:p>
+            <a:pPr marL="57150" indent="-57150">
+              <a:buFont typeface="Arial" panose="020B0604020202020204" pitchFamily="34" charset="0"/>
+              <a:buChar char="•"/>
+            </a:pPr>
+            <a:r>
+              <a:rPr lang="en-US" sz="800" dirty="0"/>
+              <a:t>readCredentials()</a:t>
+            </a:r>
+          </a:p>
+        </p:txBody>
+      </p:sp>
+      <p:sp>
+        <p:nvSpPr>
+          <p:cNvPr id="19" name="직사각형 363">
+            <a:extLst>
+              <a:ext uri="{FF2B5EF4-FFF2-40B4-BE49-F238E27FC236}">
+                <a16:creationId xmlns:a16="http://schemas.microsoft.com/office/drawing/2014/main" id="{85A64ADA-859E-A6DF-671F-92CE3B373A64}"/>
+              </a:ext>
+            </a:extLst>
+          </p:cNvPr>
+          <p:cNvSpPr/>
+          <p:nvPr/>
+        </p:nvSpPr>
+        <p:spPr>
+          <a:xfrm>
+            <a:off x="3668829" y="2162680"/>
+            <a:ext cx="1684708" cy="359218"/>
+          </a:xfrm>
+          <a:prstGeom prst="rect">
+            <a:avLst/>
+          </a:prstGeom>
+          <a:solidFill>
+            <a:schemeClr val="accent5">
+              <a:lumMod val="20000"/>
+              <a:lumOff val="80000"/>
+            </a:schemeClr>
+          </a:solidFill>
+          <a:ln w="3175" cap="flat" cmpd="sng" algn="ctr">
+            <a:noFill/>
+            <a:prstDash val="solid"/>
+            <a:miter lim="800000"/>
+          </a:ln>
+          <a:effectLst/>
+        </p:spPr>
+        <p:txBody>
+          <a:bodyPr lIns="0" rIns="0" rtlCol="0" anchor="ctr"/>
+          <a:lstStyle/>
+          <a:p>
+            <a:pPr algn="ctr">
+              <a:defRPr/>
+            </a:pPr>
+            <a:r>
+              <a:rPr kumimoji="0" lang="en-US" altLang="ko-KR" sz="1200" b="0" i="0" u="none" strike="noStrike" kern="0" cap="none" spc="0" normalizeH="0" baseline="0" noProof="0" dirty="0">
+                <a:ln>
+                  <a:noFill/>
+                </a:ln>
+                <a:solidFill>
+                  <a:prstClr val="black"/>
+                </a:solidFill>
+                <a:effectLst/>
+                <a:uLnTx/>
+                <a:uFillTx/>
+                <a:latin typeface="Calibri" panose="020F0502020204030204" pitchFamily="34" charset="0"/>
+                <a:ea typeface="맑은 고딕"/>
+              </a:rPr>
+              <a:t>Redirect To AWS Service</a:t>
+            </a:r>
+            <a:endParaRPr kumimoji="0" lang="ko-KR" altLang="en-US" sz="1200" b="0" i="0" u="none" strike="noStrike" kern="0" cap="none" spc="0" normalizeH="0" baseline="0" noProof="0" dirty="0">
+              <a:ln>
+                <a:noFill/>
+              </a:ln>
+              <a:solidFill>
+                <a:schemeClr val="tx1">
+                  <a:lumMod val="50000"/>
+                  <a:lumOff val="50000"/>
+                </a:schemeClr>
+              </a:solidFill>
+              <a:effectLst/>
+              <a:uLnTx/>
+              <a:uFillTx/>
+              <a:latin typeface="Calibri" panose="020F0502020204030204" pitchFamily="34" charset="0"/>
+              <a:ea typeface="맑은 고딕"/>
+            </a:endParaRPr>
+          </a:p>
+        </p:txBody>
+      </p:sp>
+      <p:sp>
+        <p:nvSpPr>
+          <p:cNvPr id="21" name="직사각형 363">
+            <a:extLst>
+              <a:ext uri="{FF2B5EF4-FFF2-40B4-BE49-F238E27FC236}">
+                <a16:creationId xmlns:a16="http://schemas.microsoft.com/office/drawing/2014/main" id="{EC6B1DC8-24F8-2AEE-E803-CF08DAB18E33}"/>
+              </a:ext>
+            </a:extLst>
+          </p:cNvPr>
+          <p:cNvSpPr/>
+          <p:nvPr/>
+        </p:nvSpPr>
+        <p:spPr>
+          <a:xfrm rot="16200000">
+            <a:off x="1282476" y="531179"/>
+            <a:ext cx="85733" cy="58050"/>
+          </a:xfrm>
+          <a:prstGeom prst="rect">
+            <a:avLst/>
+          </a:prstGeom>
+          <a:solidFill>
+            <a:schemeClr val="bg1"/>
+          </a:solidFill>
+          <a:ln w="3175" cap="flat" cmpd="sng" algn="ctr">
+            <a:solidFill>
+              <a:schemeClr val="bg1">
+                <a:lumMod val="65000"/>
+              </a:schemeClr>
+            </a:solidFill>
+            <a:prstDash val="dash"/>
+            <a:miter lim="800000"/>
+          </a:ln>
+          <a:effectLst/>
+        </p:spPr>
+        <p:txBody>
+          <a:bodyPr vert="vert" lIns="0" tIns="0" rIns="0" bIns="0" rtlCol="0" anchor="ctr" anchorCtr="0"/>
+          <a:lstStyle/>
+          <a:p>
+            <a:pPr algn="ctr">
+              <a:lnSpc>
+                <a:spcPct val="80000"/>
+              </a:lnSpc>
+            </a:pPr>
+            <a:endParaRPr lang="ko-KR" altLang="en-US" sz="1200" kern="0" dirty="0">
+              <a:solidFill>
+                <a:schemeClr val="bg1">
+                  <a:lumMod val="65000"/>
+                </a:schemeClr>
+              </a:solidFill>
+              <a:latin typeface="Calibri" panose="020F0502020204030204" pitchFamily="34" charset="0"/>
+              <a:ea typeface="맑은 고딕"/>
+            </a:endParaRPr>
+          </a:p>
+        </p:txBody>
+      </p:sp>
+      <p:cxnSp>
+        <p:nvCxnSpPr>
+          <p:cNvPr id="22" name="Elbow Connector 21">
+            <a:extLst>
+              <a:ext uri="{FF2B5EF4-FFF2-40B4-BE49-F238E27FC236}">
+                <a16:creationId xmlns:a16="http://schemas.microsoft.com/office/drawing/2014/main" id="{0ECC90D6-5695-8544-E2BD-BEEFF3248B6A}"/>
+              </a:ext>
+            </a:extLst>
+          </p:cNvPr>
+          <p:cNvCxnSpPr>
+            <a:cxnSpLocks/>
+            <a:stCxn id="21" idx="1"/>
+            <a:endCxn id="2" idx="1"/>
+          </p:cNvCxnSpPr>
+          <p:nvPr/>
+        </p:nvCxnSpPr>
+        <p:spPr>
+          <a:xfrm rot="16200000" flipH="1">
+            <a:off x="1366916" y="561497"/>
+            <a:ext cx="351049" cy="434195"/>
+          </a:xfrm>
+          <a:prstGeom prst="bentConnector2">
+            <a:avLst/>
+          </a:prstGeom>
+          <a:ln w="3175">
+            <a:solidFill>
+              <a:schemeClr val="tx1">
+                <a:lumMod val="50000"/>
+                <a:lumOff val="50000"/>
+              </a:schemeClr>
+            </a:solidFill>
+            <a:prstDash val="dash"/>
+            <a:tailEnd type="triangle" w="sm" len="sm"/>
+          </a:ln>
+        </p:spPr>
+        <p:style>
+          <a:lnRef idx="1">
+            <a:schemeClr val="accent1"/>
+          </a:lnRef>
+          <a:fillRef idx="0">
+            <a:schemeClr val="accent1"/>
+          </a:fillRef>
+          <a:effectRef idx="0">
+            <a:schemeClr val="accent1"/>
+          </a:effectRef>
+          <a:fontRef idx="minor">
+            <a:schemeClr val="tx1"/>
+          </a:fontRef>
+        </p:style>
+      </p:cxnSp>
+      <p:sp>
+        <p:nvSpPr>
+          <p:cNvPr id="25" name="직사각형 363">
+            <a:extLst>
+              <a:ext uri="{FF2B5EF4-FFF2-40B4-BE49-F238E27FC236}">
+                <a16:creationId xmlns:a16="http://schemas.microsoft.com/office/drawing/2014/main" id="{77B99383-53ED-61BE-60F1-32FD546C5523}"/>
+              </a:ext>
+            </a:extLst>
+          </p:cNvPr>
+          <p:cNvSpPr/>
+          <p:nvPr/>
+        </p:nvSpPr>
+        <p:spPr>
+          <a:xfrm rot="16200000">
+            <a:off x="943780" y="48821"/>
+            <a:ext cx="456803" cy="671208"/>
+          </a:xfrm>
+          <a:prstGeom prst="rect">
+            <a:avLst/>
+          </a:prstGeom>
+          <a:solidFill>
+            <a:schemeClr val="bg1"/>
+          </a:solidFill>
+          <a:ln w="3175" cap="flat" cmpd="sng" algn="ctr">
+            <a:solidFill>
+              <a:schemeClr val="tx1">
+                <a:lumMod val="50000"/>
+                <a:lumOff val="50000"/>
+              </a:schemeClr>
+            </a:solidFill>
+            <a:prstDash val="dash"/>
+            <a:miter lim="800000"/>
+          </a:ln>
+          <a:effectLst/>
+        </p:spPr>
+        <p:txBody>
+          <a:bodyPr vert="vert" lIns="45720" tIns="45720" rIns="91440" bIns="45720" rtlCol="0" anchor="ctr" anchorCtr="0"/>
+          <a:lstStyle/>
+          <a:p>
+            <a:pPr algn="ctr">
+              <a:lnSpc>
+                <a:spcPct val="80000"/>
+              </a:lnSpc>
+            </a:pPr>
+            <a:r>
+              <a:rPr lang="en-US" altLang="ko-KR" sz="1100" b="1" kern="0" dirty="0">
+                <a:solidFill>
+                  <a:schemeClr val="tx1">
+                    <a:lumMod val="50000"/>
+                    <a:lumOff val="50000"/>
+                  </a:schemeClr>
+                </a:solidFill>
+                <a:latin typeface="Calibri" panose="020F0502020204030204" pitchFamily="34" charset="0"/>
+                <a:ea typeface="맑은 고딕"/>
+              </a:rPr>
+              <a:t>FE/BE</a:t>
+            </a:r>
+          </a:p>
+          <a:p>
+            <a:pPr algn="ctr">
+              <a:lnSpc>
+                <a:spcPct val="80000"/>
+              </a:lnSpc>
+            </a:pPr>
+            <a:r>
+              <a:rPr lang="en-US" altLang="ko-KR" sz="1100" b="1" kern="0" dirty="0">
+                <a:solidFill>
+                  <a:schemeClr val="tx1">
+                    <a:lumMod val="50000"/>
+                    <a:lumOff val="50000"/>
+                  </a:schemeClr>
+                </a:solidFill>
+                <a:latin typeface="Calibri" panose="020F0502020204030204" pitchFamily="34" charset="0"/>
+                <a:ea typeface="맑은 고딕"/>
+              </a:rPr>
+              <a:t>App</a:t>
+            </a:r>
+            <a:endParaRPr lang="ko-KR" altLang="en-US" sz="1100" b="1" kern="0" dirty="0">
+              <a:solidFill>
+                <a:schemeClr val="tx1">
+                  <a:lumMod val="50000"/>
+                  <a:lumOff val="50000"/>
+                </a:schemeClr>
+              </a:solidFill>
+              <a:latin typeface="Calibri" panose="020F0502020204030204" pitchFamily="34" charset="0"/>
+              <a:ea typeface="맑은 고딕"/>
+            </a:endParaRPr>
+          </a:p>
+        </p:txBody>
+      </p:sp>
+      <p:cxnSp>
+        <p:nvCxnSpPr>
+          <p:cNvPr id="26" name="Straight Arrow Connector 25">
+            <a:extLst>
+              <a:ext uri="{FF2B5EF4-FFF2-40B4-BE49-F238E27FC236}">
+                <a16:creationId xmlns:a16="http://schemas.microsoft.com/office/drawing/2014/main" id="{FE271A53-2DE6-83FA-A557-E89651277689}"/>
+              </a:ext>
+            </a:extLst>
+          </p:cNvPr>
+          <p:cNvCxnSpPr>
+            <a:cxnSpLocks/>
+            <a:endCxn id="7" idx="0"/>
+          </p:cNvCxnSpPr>
+          <p:nvPr/>
+        </p:nvCxnSpPr>
+        <p:spPr>
+          <a:xfrm>
+            <a:off x="2556985" y="1207002"/>
+            <a:ext cx="2800" cy="953236"/>
+          </a:xfrm>
+          <a:prstGeom prst="straightConnector1">
+            <a:avLst/>
+          </a:prstGeom>
+          <a:ln>
+            <a:solidFill>
+              <a:schemeClr val="tx1">
+                <a:lumMod val="50000"/>
+                <a:lumOff val="50000"/>
+              </a:schemeClr>
+            </a:solidFill>
+            <a:prstDash val="dash"/>
+            <a:headEnd type="none" w="sm" len="sm"/>
+            <a:tailEnd type="triangle" w="sm" len="sm"/>
+          </a:ln>
+        </p:spPr>
+        <p:style>
+          <a:lnRef idx="1">
+            <a:schemeClr val="accent1"/>
+          </a:lnRef>
+          <a:fillRef idx="0">
+            <a:schemeClr val="accent1"/>
+          </a:fillRef>
+          <a:effectRef idx="0">
+            <a:schemeClr val="accent1"/>
+          </a:effectRef>
+          <a:fontRef idx="minor">
+            <a:schemeClr val="tx1"/>
+          </a:fontRef>
+        </p:style>
+      </p:cxnSp>
+      <p:sp>
+        <p:nvSpPr>
+          <p:cNvPr id="38" name="Can 37">
+            <a:extLst>
+              <a:ext uri="{FF2B5EF4-FFF2-40B4-BE49-F238E27FC236}">
+                <a16:creationId xmlns:a16="http://schemas.microsoft.com/office/drawing/2014/main" id="{F8EB3F79-A766-254B-0ED2-E106E01F5587}"/>
+              </a:ext>
+            </a:extLst>
+          </p:cNvPr>
+          <p:cNvSpPr/>
+          <p:nvPr/>
+        </p:nvSpPr>
+        <p:spPr>
+          <a:xfrm>
+            <a:off x="2660437" y="1856534"/>
+            <a:ext cx="778212" cy="258103"/>
+          </a:xfrm>
+          <a:prstGeom prst="can">
+            <a:avLst/>
+          </a:prstGeom>
+          <a:solidFill>
+            <a:schemeClr val="accent6">
+              <a:lumMod val="20000"/>
+              <a:lumOff val="80000"/>
+            </a:schemeClr>
+          </a:solidFill>
+          <a:ln w="3175">
+            <a:solidFill>
+              <a:schemeClr val="accent6">
+                <a:lumMod val="60000"/>
+                <a:lumOff val="40000"/>
+              </a:schemeClr>
+            </a:solidFill>
+          </a:ln>
+        </p:spPr>
+        <p:style>
+          <a:lnRef idx="2">
+            <a:schemeClr val="accent1">
+              <a:shade val="50000"/>
+            </a:schemeClr>
+          </a:lnRef>
+          <a:fillRef idx="1">
+            <a:schemeClr val="accent1"/>
+          </a:fillRef>
+          <a:effectRef idx="0">
+            <a:schemeClr val="accent1"/>
+          </a:effectRef>
+          <a:fontRef idx="minor">
+            <a:schemeClr val="lt1"/>
+          </a:fontRef>
+        </p:style>
+        <p:txBody>
+          <a:bodyPr rtlCol="0" anchor="ctr"/>
+          <a:lstStyle/>
+          <a:p>
+            <a:pPr algn="ctr"/>
+            <a:r>
+              <a:rPr lang="en-US" sz="1200" dirty="0">
+                <a:solidFill>
+                  <a:schemeClr val="tx1"/>
+                </a:solidFill>
+              </a:rPr>
+              <a:t>Cache</a:t>
+            </a:r>
+          </a:p>
+        </p:txBody>
+      </p:sp>
+      <p:sp>
+        <p:nvSpPr>
+          <p:cNvPr id="43" name="TextBox 42">
+            <a:extLst>
+              <a:ext uri="{FF2B5EF4-FFF2-40B4-BE49-F238E27FC236}">
+                <a16:creationId xmlns:a16="http://schemas.microsoft.com/office/drawing/2014/main" id="{D8891CD3-5FEA-55A3-13DF-6E4283927FB0}"/>
+              </a:ext>
+            </a:extLst>
+          </p:cNvPr>
+          <p:cNvSpPr txBox="1"/>
+          <p:nvPr/>
+        </p:nvSpPr>
+        <p:spPr>
+          <a:xfrm>
+            <a:off x="3355729" y="2179628"/>
+            <a:ext cx="159901" cy="123110"/>
+          </a:xfrm>
+          <a:prstGeom prst="rect">
+            <a:avLst/>
+          </a:prstGeom>
+          <a:noFill/>
+        </p:spPr>
+        <p:txBody>
+          <a:bodyPr wrap="square" lIns="0" tIns="0" rIns="0" bIns="0">
+            <a:spAutoFit/>
+          </a:bodyPr>
+          <a:lstStyle/>
+          <a:p>
+            <a:r>
+              <a:rPr lang="en-US" sz="800" dirty="0"/>
+              <a:t>Y</a:t>
+            </a:r>
+          </a:p>
+        </p:txBody>
+      </p:sp>
+      <p:cxnSp>
+        <p:nvCxnSpPr>
+          <p:cNvPr id="44" name="Elbow Connector 43">
+            <a:extLst>
+              <a:ext uri="{FF2B5EF4-FFF2-40B4-BE49-F238E27FC236}">
+                <a16:creationId xmlns:a16="http://schemas.microsoft.com/office/drawing/2014/main" id="{14531A8F-1D2C-5028-23CB-1E0C11C20D41}"/>
+              </a:ext>
+            </a:extLst>
+          </p:cNvPr>
+          <p:cNvCxnSpPr>
+            <a:cxnSpLocks/>
+            <a:stCxn id="7" idx="1"/>
+          </p:cNvCxnSpPr>
+          <p:nvPr/>
+        </p:nvCxnSpPr>
+        <p:spPr>
+          <a:xfrm rot="10800000">
+            <a:off x="1001282" y="612828"/>
+            <a:ext cx="772189" cy="1727021"/>
+          </a:xfrm>
+          <a:prstGeom prst="bentConnector2">
+            <a:avLst/>
+          </a:prstGeom>
+          <a:ln w="3175">
+            <a:solidFill>
+              <a:schemeClr val="tx1">
+                <a:lumMod val="50000"/>
+                <a:lumOff val="50000"/>
+              </a:schemeClr>
+            </a:solidFill>
+            <a:prstDash val="dash"/>
+            <a:tailEnd type="triangle" w="sm" len="sm"/>
+          </a:ln>
+        </p:spPr>
+        <p:style>
+          <a:lnRef idx="1">
+            <a:schemeClr val="accent1"/>
+          </a:lnRef>
+          <a:fillRef idx="0">
+            <a:schemeClr val="accent1"/>
+          </a:fillRef>
+          <a:effectRef idx="0">
+            <a:schemeClr val="accent1"/>
+          </a:effectRef>
+          <a:fontRef idx="minor">
+            <a:schemeClr val="tx1"/>
+          </a:fontRef>
+        </p:style>
+      </p:cxnSp>
+      <p:sp>
+        <p:nvSpPr>
+          <p:cNvPr id="48" name="TextBox 47">
+            <a:extLst>
+              <a:ext uri="{FF2B5EF4-FFF2-40B4-BE49-F238E27FC236}">
+                <a16:creationId xmlns:a16="http://schemas.microsoft.com/office/drawing/2014/main" id="{3162BE85-1BDC-EA13-B1EA-8CA18571038E}"/>
+              </a:ext>
+            </a:extLst>
+          </p:cNvPr>
+          <p:cNvSpPr txBox="1"/>
+          <p:nvPr/>
+        </p:nvSpPr>
+        <p:spPr>
+          <a:xfrm>
+            <a:off x="1718238" y="2186112"/>
+            <a:ext cx="159901" cy="123110"/>
+          </a:xfrm>
+          <a:prstGeom prst="rect">
+            <a:avLst/>
+          </a:prstGeom>
+          <a:noFill/>
+        </p:spPr>
+        <p:txBody>
+          <a:bodyPr wrap="square" lIns="0" tIns="0" rIns="0" bIns="0">
+            <a:spAutoFit/>
+          </a:bodyPr>
+          <a:lstStyle/>
+          <a:p>
+            <a:r>
+              <a:rPr lang="en-US" sz="800" dirty="0"/>
+              <a:t>N</a:t>
+            </a:r>
+          </a:p>
+        </p:txBody>
+      </p:sp>
+      <p:sp>
+        <p:nvSpPr>
+          <p:cNvPr id="49" name="직사각형 363">
+            <a:extLst>
+              <a:ext uri="{FF2B5EF4-FFF2-40B4-BE49-F238E27FC236}">
+                <a16:creationId xmlns:a16="http://schemas.microsoft.com/office/drawing/2014/main" id="{70F3C3A1-F9DE-6B52-E89E-B8FE1C3AA6E1}"/>
+              </a:ext>
+            </a:extLst>
+          </p:cNvPr>
+          <p:cNvSpPr/>
+          <p:nvPr/>
+        </p:nvSpPr>
+        <p:spPr>
+          <a:xfrm>
+            <a:off x="1753942" y="2570778"/>
+            <a:ext cx="1684708" cy="359218"/>
+          </a:xfrm>
+          <a:prstGeom prst="rect">
+            <a:avLst/>
+          </a:prstGeom>
+          <a:solidFill>
+            <a:schemeClr val="accent5">
+              <a:lumMod val="20000"/>
+              <a:lumOff val="80000"/>
+            </a:schemeClr>
+          </a:solidFill>
+          <a:ln w="3175" cap="flat" cmpd="sng" algn="ctr">
+            <a:noFill/>
+            <a:prstDash val="solid"/>
+            <a:miter lim="800000"/>
+          </a:ln>
+          <a:effectLst/>
+        </p:spPr>
+        <p:txBody>
+          <a:bodyPr lIns="0" rIns="0" rtlCol="0" anchor="ctr"/>
+          <a:lstStyle/>
+          <a:p>
+            <a:pPr algn="ctr">
+              <a:defRPr/>
+            </a:pPr>
+            <a:r>
+              <a:rPr kumimoji="0" lang="en-US" altLang="ko-KR" sz="1200" b="0" i="0" u="none" strike="noStrike" kern="0" cap="none" spc="0" normalizeH="0" baseline="0" noProof="0" dirty="0">
+                <a:ln>
+                  <a:noFill/>
+                </a:ln>
+                <a:solidFill>
+                  <a:prstClr val="black"/>
+                </a:solidFill>
+                <a:effectLst/>
+                <a:uLnTx/>
+                <a:uFillTx/>
+                <a:latin typeface="Calibri" panose="020F0502020204030204" pitchFamily="34" charset="0"/>
+                <a:ea typeface="맑은 고딕"/>
+              </a:rPr>
+              <a:t>   AWS Service Location</a:t>
+            </a:r>
+          </a:p>
+          <a:p>
+            <a:pPr algn="ctr">
+              <a:defRPr/>
+            </a:pPr>
+            <a:r>
+              <a:rPr lang="en-US" altLang="ko-KR" sz="800" kern="0" dirty="0">
+                <a:solidFill>
+                  <a:schemeClr val="tx1">
+                    <a:lumMod val="50000"/>
+                    <a:lumOff val="50000"/>
+                  </a:schemeClr>
+                </a:solidFill>
+                <a:latin typeface="Calibri" panose="020F0502020204030204" pitchFamily="34" charset="0"/>
+                <a:ea typeface="맑은 고딕"/>
+              </a:rPr>
+              <a:t>(e.g. @s3, @lambda)</a:t>
+            </a:r>
+            <a:endParaRPr kumimoji="0" lang="ko-KR" altLang="en-US" sz="800" b="0" i="0" u="none" strike="noStrike" kern="0" cap="none" spc="0" normalizeH="0" baseline="0" noProof="0" dirty="0">
+              <a:ln>
+                <a:noFill/>
+              </a:ln>
+              <a:solidFill>
+                <a:schemeClr val="tx1">
+                  <a:lumMod val="50000"/>
+                  <a:lumOff val="50000"/>
+                </a:schemeClr>
+              </a:solidFill>
+              <a:effectLst/>
+              <a:uLnTx/>
+              <a:uFillTx/>
+              <a:latin typeface="Calibri" panose="020F0502020204030204" pitchFamily="34" charset="0"/>
+              <a:ea typeface="맑은 고딕"/>
+            </a:endParaRPr>
+          </a:p>
+        </p:txBody>
+      </p:sp>
+      <p:sp>
+        <p:nvSpPr>
+          <p:cNvPr id="50" name="직사각형 363">
+            <a:extLst>
+              <a:ext uri="{FF2B5EF4-FFF2-40B4-BE49-F238E27FC236}">
+                <a16:creationId xmlns:a16="http://schemas.microsoft.com/office/drawing/2014/main" id="{692572AD-0090-62A2-2F49-36542DD2FCC3}"/>
+              </a:ext>
+            </a:extLst>
+          </p:cNvPr>
+          <p:cNvSpPr/>
+          <p:nvPr/>
+        </p:nvSpPr>
+        <p:spPr>
+          <a:xfrm rot="16200000">
+            <a:off x="6162396" y="1642982"/>
+            <a:ext cx="493776" cy="9546336"/>
+          </a:xfrm>
+          <a:prstGeom prst="rect">
+            <a:avLst/>
+          </a:prstGeom>
+          <a:solidFill>
+            <a:schemeClr val="bg1"/>
+          </a:solidFill>
+          <a:ln w="3175" cap="flat" cmpd="sng" algn="ctr">
+            <a:solidFill>
+              <a:schemeClr val="tx1">
+                <a:lumMod val="50000"/>
+                <a:lumOff val="50000"/>
+              </a:schemeClr>
+            </a:solidFill>
+            <a:prstDash val="dash"/>
+            <a:miter lim="800000"/>
+          </a:ln>
+          <a:effectLst/>
+        </p:spPr>
+        <p:txBody>
+          <a:bodyPr vert="vert" lIns="45720" tIns="45720" rIns="91440" bIns="45720" rtlCol="0" anchor="ctr" anchorCtr="0"/>
+          <a:lstStyle/>
+          <a:p>
+            <a:pPr algn="ctr">
+              <a:lnSpc>
+                <a:spcPct val="80000"/>
+              </a:lnSpc>
+            </a:pPr>
+            <a:endParaRPr lang="ko-KR" altLang="en-US" sz="1100" b="1" kern="0" dirty="0">
+              <a:solidFill>
+                <a:schemeClr val="tx1">
+                  <a:lumMod val="50000"/>
+                  <a:lumOff val="50000"/>
+                </a:schemeClr>
+              </a:solidFill>
+              <a:latin typeface="Calibri" panose="020F0502020204030204" pitchFamily="34" charset="0"/>
+              <a:ea typeface="맑은 고딕"/>
+            </a:endParaRPr>
+          </a:p>
+        </p:txBody>
+      </p:sp>
+      <p:pic>
+        <p:nvPicPr>
+          <p:cNvPr id="51" name="Picture 50">
+            <a:extLst>
+              <a:ext uri="{FF2B5EF4-FFF2-40B4-BE49-F238E27FC236}">
+                <a16:creationId xmlns:a16="http://schemas.microsoft.com/office/drawing/2014/main" id="{D610BF9E-70B6-9CCD-C83B-B572FA9E6C72}"/>
+              </a:ext>
+            </a:extLst>
+          </p:cNvPr>
+          <p:cNvPicPr>
+            <a:picLocks noChangeAspect="1"/>
+          </p:cNvPicPr>
+          <p:nvPr/>
+        </p:nvPicPr>
+        <p:blipFill>
+          <a:blip r:embed="rId2">
+            <a:duotone>
+              <a:schemeClr val="bg2">
+                <a:shade val="45000"/>
+                <a:satMod val="135000"/>
+              </a:schemeClr>
+              <a:prstClr val="white"/>
+            </a:duotone>
+          </a:blip>
+          <a:stretch>
+            <a:fillRect/>
+          </a:stretch>
+        </p:blipFill>
+        <p:spPr>
+          <a:xfrm>
+            <a:off x="1722022" y="6260352"/>
+            <a:ext cx="312233" cy="302476"/>
+          </a:xfrm>
+          <a:prstGeom prst="rect">
+            <a:avLst/>
+          </a:prstGeom>
+        </p:spPr>
+      </p:pic>
+      <p:sp>
+        <p:nvSpPr>
+          <p:cNvPr id="53" name="TextBox 52">
+            <a:extLst>
+              <a:ext uri="{FF2B5EF4-FFF2-40B4-BE49-F238E27FC236}">
+                <a16:creationId xmlns:a16="http://schemas.microsoft.com/office/drawing/2014/main" id="{EE40D7F5-61DF-E0B4-C2E5-D358DE977641}"/>
+              </a:ext>
+            </a:extLst>
+          </p:cNvPr>
+          <p:cNvSpPr txBox="1"/>
+          <p:nvPr/>
+        </p:nvSpPr>
+        <p:spPr>
+          <a:xfrm>
+            <a:off x="1773468" y="2936666"/>
+            <a:ext cx="1665182" cy="1600438"/>
+          </a:xfrm>
+          <a:prstGeom prst="rect">
+            <a:avLst/>
+          </a:prstGeom>
+          <a:noFill/>
+        </p:spPr>
+        <p:txBody>
+          <a:bodyPr wrap="square" lIns="0" tIns="0" rIns="0" bIns="0">
+            <a:spAutoFit/>
+          </a:bodyPr>
+          <a:lstStyle/>
+          <a:p>
+            <a:pPr algn="ctr"/>
+            <a:r>
+              <a:rPr lang="en-US" sz="800" dirty="0"/>
+              <a:t>:</a:t>
+            </a:r>
+          </a:p>
+          <a:p>
+            <a:pPr algn="ctr"/>
+            <a:endParaRPr lang="en-US" sz="800" dirty="0"/>
+          </a:p>
+          <a:p>
+            <a:pPr algn="ctr"/>
+            <a:endParaRPr lang="en-US" sz="800" dirty="0"/>
+          </a:p>
+          <a:p>
+            <a:pPr algn="ctr"/>
+            <a:endParaRPr lang="en-US" sz="800" dirty="0"/>
+          </a:p>
+          <a:p>
+            <a:pPr algn="ctr"/>
+            <a:endParaRPr lang="en-US" sz="800" dirty="0"/>
+          </a:p>
+          <a:p>
+            <a:pPr algn="ctr"/>
+            <a:endParaRPr lang="en-US" sz="800" dirty="0"/>
+          </a:p>
+          <a:p>
+            <a:pPr algn="ctr"/>
+            <a:endParaRPr lang="en-US" sz="800" dirty="0"/>
+          </a:p>
+          <a:p>
+            <a:pPr algn="ctr"/>
+            <a:endParaRPr lang="en-US" sz="800" dirty="0"/>
+          </a:p>
+          <a:p>
+            <a:pPr algn="ctr"/>
+            <a:endParaRPr lang="en-US" sz="800" dirty="0"/>
+          </a:p>
+          <a:p>
+            <a:pPr algn="ctr"/>
+            <a:endParaRPr lang="en-US" sz="800" dirty="0"/>
+          </a:p>
+          <a:p>
+            <a:pPr algn="ctr"/>
+            <a:endParaRPr lang="en-US" sz="800" dirty="0"/>
+          </a:p>
+          <a:p>
+            <a:pPr algn="ctr"/>
+            <a:endParaRPr lang="en-US" sz="800" dirty="0"/>
+          </a:p>
+          <a:p>
+            <a:pPr algn="ctr"/>
+            <a:r>
+              <a:rPr lang="en-US" sz="800" dirty="0"/>
+              <a:t>:</a:t>
+            </a:r>
+          </a:p>
+        </p:txBody>
+      </p:sp>
+      <p:cxnSp>
+        <p:nvCxnSpPr>
+          <p:cNvPr id="57" name="Straight Arrow Connector 56">
+            <a:extLst>
+              <a:ext uri="{FF2B5EF4-FFF2-40B4-BE49-F238E27FC236}">
+                <a16:creationId xmlns:a16="http://schemas.microsoft.com/office/drawing/2014/main" id="{ED8EB100-0D0D-DAAD-FE23-E8A9990B4CA4}"/>
+              </a:ext>
+            </a:extLst>
+          </p:cNvPr>
+          <p:cNvCxnSpPr>
+            <a:cxnSpLocks/>
+            <a:stCxn id="7" idx="3"/>
+            <a:endCxn id="19" idx="1"/>
+          </p:cNvCxnSpPr>
+          <p:nvPr/>
+        </p:nvCxnSpPr>
+        <p:spPr>
+          <a:xfrm>
+            <a:off x="3346099" y="2339848"/>
+            <a:ext cx="322730" cy="2441"/>
+          </a:xfrm>
+          <a:prstGeom prst="straightConnector1">
+            <a:avLst/>
+          </a:prstGeom>
+          <a:ln>
+            <a:solidFill>
+              <a:schemeClr val="accent6"/>
+            </a:solidFill>
+            <a:prstDash val="dash"/>
+            <a:headEnd type="none" w="sm" len="sm"/>
+            <a:tailEnd type="triangle" w="sm" len="sm"/>
+          </a:ln>
+        </p:spPr>
+        <p:style>
+          <a:lnRef idx="1">
+            <a:schemeClr val="accent1"/>
+          </a:lnRef>
+          <a:fillRef idx="0">
+            <a:schemeClr val="accent1"/>
+          </a:fillRef>
+          <a:effectRef idx="0">
+            <a:schemeClr val="accent1"/>
+          </a:effectRef>
+          <a:fontRef idx="minor">
+            <a:schemeClr val="tx1"/>
+          </a:fontRef>
+        </p:style>
+      </p:cxnSp>
+      <p:sp>
+        <p:nvSpPr>
+          <p:cNvPr id="66" name="TextBox 65">
+            <a:extLst>
+              <a:ext uri="{FF2B5EF4-FFF2-40B4-BE49-F238E27FC236}">
+                <a16:creationId xmlns:a16="http://schemas.microsoft.com/office/drawing/2014/main" id="{6011405F-15E2-3489-2982-E503FA4ABE98}"/>
+              </a:ext>
+            </a:extLst>
+          </p:cNvPr>
+          <p:cNvSpPr txBox="1"/>
+          <p:nvPr/>
+        </p:nvSpPr>
+        <p:spPr>
+          <a:xfrm>
+            <a:off x="5623415" y="1443786"/>
+            <a:ext cx="1572629" cy="461665"/>
+          </a:xfrm>
+          <a:prstGeom prst="rect">
+            <a:avLst/>
+          </a:prstGeom>
+          <a:noFill/>
+          <a:ln>
+            <a:solidFill>
+              <a:schemeClr val="accent6"/>
+            </a:solidFill>
+            <a:prstDash val="dash"/>
+          </a:ln>
+        </p:spPr>
+        <p:txBody>
+          <a:bodyPr wrap="square" lIns="45720" tIns="45720" rIns="0" bIns="45720">
+            <a:spAutoFit/>
+          </a:bodyPr>
+          <a:lstStyle/>
+          <a:p>
+            <a:pPr marL="57150" indent="-57150">
+              <a:buFont typeface="Arial" panose="020B0604020202020204" pitchFamily="34" charset="0"/>
+              <a:buChar char="•"/>
+            </a:pPr>
+            <a:r>
+              <a:rPr lang="en-US" sz="800" b="0" dirty="0">
+                <a:solidFill>
+                  <a:srgbClr val="000000"/>
+                </a:solidFill>
+                <a:effectLst/>
+              </a:rPr>
+              <a:t>_fetchEcsRoleCredentials()</a:t>
+            </a:r>
+          </a:p>
+          <a:p>
+            <a:pPr marL="57150" indent="-57150">
+              <a:buFont typeface="Arial" panose="020B0604020202020204" pitchFamily="34" charset="0"/>
+              <a:buChar char="•"/>
+            </a:pPr>
+            <a:r>
+              <a:rPr lang="en-US" sz="800" b="0" dirty="0">
+                <a:solidFill>
+                  <a:srgbClr val="000000"/>
+                </a:solidFill>
+                <a:effectLst/>
+              </a:rPr>
+              <a:t>_fetchWebIdentityCredentials()</a:t>
+            </a:r>
+          </a:p>
+          <a:p>
+            <a:pPr marL="57150" indent="-57150">
+              <a:buFont typeface="Arial" panose="020B0604020202020204" pitchFamily="34" charset="0"/>
+              <a:buChar char="•"/>
+            </a:pPr>
+            <a:r>
+              <a:rPr lang="en-US" sz="800" b="0" dirty="0">
+                <a:solidFill>
+                  <a:srgbClr val="000000"/>
+                </a:solidFill>
+                <a:effectLst/>
+              </a:rPr>
+              <a:t>_fetchEC2RoleCredentials()</a:t>
+            </a:r>
+          </a:p>
+        </p:txBody>
+      </p:sp>
+      <p:sp>
+        <p:nvSpPr>
+          <p:cNvPr id="67" name="TextBox 66">
+            <a:extLst>
+              <a:ext uri="{FF2B5EF4-FFF2-40B4-BE49-F238E27FC236}">
+                <a16:creationId xmlns:a16="http://schemas.microsoft.com/office/drawing/2014/main" id="{29CD4E00-05ED-98CC-CEC2-27C7B2F6937D}"/>
+              </a:ext>
+            </a:extLst>
+          </p:cNvPr>
+          <p:cNvSpPr txBox="1"/>
+          <p:nvPr/>
+        </p:nvSpPr>
+        <p:spPr>
+          <a:xfrm>
+            <a:off x="5623414" y="1942591"/>
+            <a:ext cx="1572629" cy="215444"/>
+          </a:xfrm>
+          <a:prstGeom prst="rect">
+            <a:avLst/>
+          </a:prstGeom>
+          <a:noFill/>
+          <a:ln>
+            <a:solidFill>
+              <a:schemeClr val="accent6"/>
+            </a:solidFill>
+            <a:prstDash val="dash"/>
+          </a:ln>
+        </p:spPr>
+        <p:txBody>
+          <a:bodyPr wrap="square" lIns="45720" tIns="45720" rIns="0" bIns="45720">
+            <a:spAutoFit/>
+          </a:bodyPr>
+          <a:lstStyle/>
+          <a:p>
+            <a:pPr marL="57150" indent="-57150">
+              <a:buFont typeface="Arial" panose="020B0604020202020204" pitchFamily="34" charset="0"/>
+              <a:buChar char="•"/>
+            </a:pPr>
+            <a:r>
+              <a:rPr lang="en-US" sz="800" dirty="0"/>
+              <a:t>writeCredentials()</a:t>
+            </a:r>
+          </a:p>
+        </p:txBody>
+      </p:sp>
+      <p:sp>
+        <p:nvSpPr>
+          <p:cNvPr id="79" name="Oval 78">
+            <a:extLst>
+              <a:ext uri="{FF2B5EF4-FFF2-40B4-BE49-F238E27FC236}">
+                <a16:creationId xmlns:a16="http://schemas.microsoft.com/office/drawing/2014/main" id="{8971C176-5135-DDA9-1169-7B7F52145B47}"/>
+              </a:ext>
+            </a:extLst>
+          </p:cNvPr>
+          <p:cNvSpPr>
+            <a:spLocks/>
+          </p:cNvSpPr>
+          <p:nvPr/>
+        </p:nvSpPr>
+        <p:spPr>
+          <a:xfrm>
+            <a:off x="3648040" y="2136362"/>
+            <a:ext cx="137160" cy="137160"/>
+          </a:xfrm>
+          <a:prstGeom prst="ellipse">
+            <a:avLst/>
+          </a:prstGeom>
+          <a:solidFill>
+            <a:schemeClr val="accent6">
+              <a:lumMod val="75000"/>
+            </a:schemeClr>
+          </a:solidFill>
+          <a:ln>
+            <a:solidFill>
+              <a:schemeClr val="accent6">
+                <a:lumMod val="50000"/>
+              </a:schemeClr>
+            </a:solidFill>
+          </a:ln>
+        </p:spPr>
+        <p:style>
+          <a:lnRef idx="2">
+            <a:schemeClr val="accent1">
+              <a:shade val="50000"/>
+            </a:schemeClr>
+          </a:lnRef>
+          <a:fillRef idx="1">
+            <a:schemeClr val="accent1"/>
+          </a:fillRef>
+          <a:effectRef idx="0">
+            <a:schemeClr val="accent1"/>
+          </a:effectRef>
+          <a:fontRef idx="minor">
+            <a:schemeClr val="lt1"/>
+          </a:fontRef>
+        </p:style>
+        <p:txBody>
+          <a:bodyPr lIns="0" tIns="0" rIns="0" bIns="0" rtlCol="0" anchor="ctr"/>
+          <a:lstStyle/>
+          <a:p>
+            <a:pPr algn="ctr"/>
+            <a:r>
+              <a:rPr lang="en-US" sz="800" dirty="0">
+                <a:solidFill>
+                  <a:schemeClr val="bg1"/>
+                </a:solidFill>
+              </a:rPr>
+              <a:t>3</a:t>
+            </a:r>
+          </a:p>
+        </p:txBody>
+      </p:sp>
+      <p:sp>
+        <p:nvSpPr>
+          <p:cNvPr id="89" name="Oval 88">
+            <a:extLst>
+              <a:ext uri="{FF2B5EF4-FFF2-40B4-BE49-F238E27FC236}">
+                <a16:creationId xmlns:a16="http://schemas.microsoft.com/office/drawing/2014/main" id="{1885EF79-D978-8054-C3A3-4289EA5DD4EA}"/>
+              </a:ext>
+            </a:extLst>
+          </p:cNvPr>
+          <p:cNvSpPr>
+            <a:spLocks/>
+          </p:cNvSpPr>
+          <p:nvPr/>
+        </p:nvSpPr>
+        <p:spPr>
+          <a:xfrm>
+            <a:off x="1806271" y="2619505"/>
+            <a:ext cx="137160" cy="137160"/>
+          </a:xfrm>
+          <a:prstGeom prst="ellipse">
+            <a:avLst/>
+          </a:prstGeom>
+          <a:solidFill>
+            <a:schemeClr val="accent6">
+              <a:lumMod val="75000"/>
+            </a:schemeClr>
+          </a:solidFill>
+          <a:ln>
+            <a:solidFill>
+              <a:schemeClr val="accent6">
+                <a:lumMod val="50000"/>
+              </a:schemeClr>
+            </a:solidFill>
+          </a:ln>
+        </p:spPr>
+        <p:style>
+          <a:lnRef idx="2">
+            <a:schemeClr val="accent1">
+              <a:shade val="50000"/>
+            </a:schemeClr>
+          </a:lnRef>
+          <a:fillRef idx="1">
+            <a:schemeClr val="accent1"/>
+          </a:fillRef>
+          <a:effectRef idx="0">
+            <a:schemeClr val="accent1"/>
+          </a:effectRef>
+          <a:fontRef idx="minor">
+            <a:schemeClr val="lt1"/>
+          </a:fontRef>
+        </p:style>
+        <p:txBody>
+          <a:bodyPr lIns="0" tIns="0" rIns="0" bIns="0" rtlCol="0" anchor="ctr"/>
+          <a:lstStyle/>
+          <a:p>
+            <a:pPr algn="ctr"/>
+            <a:r>
+              <a:rPr lang="en-US" sz="800" dirty="0">
+                <a:solidFill>
+                  <a:schemeClr val="bg1"/>
+                </a:solidFill>
+              </a:rPr>
+              <a:t>4</a:t>
+            </a:r>
+          </a:p>
+        </p:txBody>
+      </p:sp>
+      <p:sp>
+        <p:nvSpPr>
+          <p:cNvPr id="90" name="Oval 89">
+            <a:extLst>
+              <a:ext uri="{FF2B5EF4-FFF2-40B4-BE49-F238E27FC236}">
+                <a16:creationId xmlns:a16="http://schemas.microsoft.com/office/drawing/2014/main" id="{1844A579-22B2-55F9-04BE-B3C9DCFC2891}"/>
+              </a:ext>
+            </a:extLst>
+          </p:cNvPr>
+          <p:cNvSpPr>
+            <a:spLocks/>
+          </p:cNvSpPr>
+          <p:nvPr/>
+        </p:nvSpPr>
+        <p:spPr>
+          <a:xfrm>
+            <a:off x="3661012" y="3443125"/>
+            <a:ext cx="137160" cy="137160"/>
+          </a:xfrm>
+          <a:prstGeom prst="ellipse">
+            <a:avLst/>
+          </a:prstGeom>
+          <a:solidFill>
+            <a:schemeClr val="accent6">
+              <a:lumMod val="75000"/>
+            </a:schemeClr>
+          </a:solidFill>
+          <a:ln>
+            <a:solidFill>
+              <a:schemeClr val="accent6">
+                <a:lumMod val="50000"/>
+              </a:schemeClr>
+            </a:solidFill>
+          </a:ln>
+        </p:spPr>
+        <p:style>
+          <a:lnRef idx="2">
+            <a:schemeClr val="accent1">
+              <a:shade val="50000"/>
+            </a:schemeClr>
+          </a:lnRef>
+          <a:fillRef idx="1">
+            <a:schemeClr val="accent1"/>
+          </a:fillRef>
+          <a:effectRef idx="0">
+            <a:schemeClr val="accent1"/>
+          </a:effectRef>
+          <a:fontRef idx="minor">
+            <a:schemeClr val="lt1"/>
+          </a:fontRef>
+        </p:style>
+        <p:txBody>
+          <a:bodyPr lIns="0" tIns="0" rIns="0" bIns="0" rtlCol="0" anchor="ctr"/>
+          <a:lstStyle/>
+          <a:p>
+            <a:pPr algn="ctr"/>
+            <a:r>
+              <a:rPr lang="en-US" sz="800" dirty="0">
+                <a:solidFill>
+                  <a:schemeClr val="bg1"/>
+                </a:solidFill>
+              </a:rPr>
+              <a:t>6</a:t>
+            </a:r>
+          </a:p>
+        </p:txBody>
+      </p:sp>
+      <p:grpSp>
+        <p:nvGrpSpPr>
+          <p:cNvPr id="99" name="Group 98">
+            <a:extLst>
+              <a:ext uri="{FF2B5EF4-FFF2-40B4-BE49-F238E27FC236}">
+                <a16:creationId xmlns:a16="http://schemas.microsoft.com/office/drawing/2014/main" id="{69F771B3-E42E-26C6-87BA-5DF12D14896D}"/>
+              </a:ext>
+            </a:extLst>
+          </p:cNvPr>
+          <p:cNvGrpSpPr/>
+          <p:nvPr/>
+        </p:nvGrpSpPr>
+        <p:grpSpPr>
+          <a:xfrm>
+            <a:off x="2105237" y="6256013"/>
+            <a:ext cx="9003750" cy="307445"/>
+            <a:chOff x="2105237" y="5886373"/>
+            <a:chExt cx="9850750" cy="307445"/>
+          </a:xfrm>
+        </p:grpSpPr>
+        <p:sp>
+          <p:nvSpPr>
+            <p:cNvPr id="91" name="직사각형 363">
+              <a:extLst>
+                <a:ext uri="{FF2B5EF4-FFF2-40B4-BE49-F238E27FC236}">
+                  <a16:creationId xmlns:a16="http://schemas.microsoft.com/office/drawing/2014/main" id="{7392C2C8-7494-E2ED-FA5C-BD5C422671EA}"/>
+                </a:ext>
+              </a:extLst>
+            </p:cNvPr>
+            <p:cNvSpPr/>
+            <p:nvPr/>
+          </p:nvSpPr>
+          <p:spPr>
+            <a:xfrm rot="16200000">
+              <a:off x="2533119" y="5469109"/>
+              <a:ext cx="294848" cy="1150612"/>
+            </a:xfrm>
+            <a:prstGeom prst="rect">
+              <a:avLst/>
+            </a:prstGeom>
+            <a:solidFill>
+              <a:schemeClr val="bg1"/>
+            </a:solidFill>
+            <a:ln w="3175" cap="flat" cmpd="sng" algn="ctr">
+              <a:solidFill>
+                <a:schemeClr val="tx1">
+                  <a:lumMod val="50000"/>
+                  <a:lumOff val="50000"/>
+                </a:schemeClr>
+              </a:solidFill>
+              <a:prstDash val="dash"/>
+              <a:miter lim="800000"/>
+            </a:ln>
+            <a:effectLst/>
+          </p:spPr>
+          <p:txBody>
+            <a:bodyPr vert="vert" lIns="45720" tIns="45720" rIns="91440" bIns="45720" rtlCol="0" anchor="ctr" anchorCtr="0"/>
+            <a:lstStyle/>
+            <a:p>
+              <a:pPr algn="ctr">
+                <a:lnSpc>
+                  <a:spcPct val="80000"/>
+                </a:lnSpc>
+              </a:pPr>
+              <a:r>
+                <a:rPr lang="en-US" altLang="ko-KR" sz="1100" b="1" kern="0" dirty="0">
+                  <a:solidFill>
+                    <a:schemeClr val="tx1">
+                      <a:lumMod val="50000"/>
+                      <a:lumOff val="50000"/>
+                    </a:schemeClr>
+                  </a:solidFill>
+                  <a:latin typeface="Calibri" panose="020F0502020204030204" pitchFamily="34" charset="0"/>
+                  <a:ea typeface="맑은 고딕"/>
+                </a:rPr>
+                <a:t>S3 or S3 compatible svc</a:t>
+              </a:r>
+              <a:endParaRPr lang="ko-KR" altLang="en-US" sz="1100" b="1" kern="0" dirty="0">
+                <a:solidFill>
+                  <a:schemeClr val="tx1">
+                    <a:lumMod val="50000"/>
+                    <a:lumOff val="50000"/>
+                  </a:schemeClr>
+                </a:solidFill>
+                <a:latin typeface="Calibri" panose="020F0502020204030204" pitchFamily="34" charset="0"/>
+                <a:ea typeface="맑은 고딕"/>
+              </a:endParaRPr>
+            </a:p>
+          </p:txBody>
+        </p:sp>
+        <p:sp>
+          <p:nvSpPr>
+            <p:cNvPr id="92" name="직사각형 363">
+              <a:extLst>
+                <a:ext uri="{FF2B5EF4-FFF2-40B4-BE49-F238E27FC236}">
+                  <a16:creationId xmlns:a16="http://schemas.microsoft.com/office/drawing/2014/main" id="{0BA67543-E648-74A0-FF14-4DAAFA77D069}"/>
+                </a:ext>
+              </a:extLst>
+            </p:cNvPr>
+            <p:cNvSpPr/>
+            <p:nvPr/>
+          </p:nvSpPr>
+          <p:spPr>
+            <a:xfrm rot="16200000">
+              <a:off x="3773823" y="5462830"/>
+              <a:ext cx="294848" cy="1150612"/>
+            </a:xfrm>
+            <a:prstGeom prst="rect">
+              <a:avLst/>
+            </a:prstGeom>
+            <a:solidFill>
+              <a:schemeClr val="bg1"/>
+            </a:solidFill>
+            <a:ln w="3175" cap="flat" cmpd="sng" algn="ctr">
+              <a:solidFill>
+                <a:schemeClr val="tx1">
+                  <a:lumMod val="50000"/>
+                  <a:lumOff val="50000"/>
+                </a:schemeClr>
+              </a:solidFill>
+              <a:prstDash val="dash"/>
+              <a:miter lim="800000"/>
+            </a:ln>
+            <a:effectLst/>
+          </p:spPr>
+          <p:txBody>
+            <a:bodyPr vert="vert" lIns="45720" tIns="45720" rIns="91440" bIns="45720" rtlCol="0" anchor="ctr" anchorCtr="0"/>
+            <a:lstStyle/>
+            <a:p>
+              <a:pPr algn="ctr">
+                <a:lnSpc>
+                  <a:spcPct val="80000"/>
+                </a:lnSpc>
+              </a:pPr>
+              <a:r>
+                <a:rPr lang="en-US" altLang="ko-KR" sz="1100" b="1" kern="0" dirty="0">
+                  <a:solidFill>
+                    <a:schemeClr val="tx1">
+                      <a:lumMod val="50000"/>
+                      <a:lumOff val="50000"/>
+                    </a:schemeClr>
+                  </a:solidFill>
+                  <a:latin typeface="Calibri" panose="020F0502020204030204" pitchFamily="34" charset="0"/>
+                  <a:ea typeface="맑은 고딕"/>
+                </a:rPr>
+                <a:t>Lambda</a:t>
+              </a:r>
+              <a:endParaRPr lang="ko-KR" altLang="en-US" sz="1100" b="1" kern="0" dirty="0">
+                <a:solidFill>
+                  <a:schemeClr val="tx1">
+                    <a:lumMod val="50000"/>
+                    <a:lumOff val="50000"/>
+                  </a:schemeClr>
+                </a:solidFill>
+                <a:latin typeface="Calibri" panose="020F0502020204030204" pitchFamily="34" charset="0"/>
+                <a:ea typeface="맑은 고딕"/>
+              </a:endParaRPr>
+            </a:p>
+          </p:txBody>
+        </p:sp>
+        <p:sp>
+          <p:nvSpPr>
+            <p:cNvPr id="93" name="직사각형 363">
+              <a:extLst>
+                <a:ext uri="{FF2B5EF4-FFF2-40B4-BE49-F238E27FC236}">
+                  <a16:creationId xmlns:a16="http://schemas.microsoft.com/office/drawing/2014/main" id="{2A7FBCD4-A442-0C93-F4E6-737554713EFA}"/>
+                </a:ext>
+              </a:extLst>
+            </p:cNvPr>
+            <p:cNvSpPr/>
+            <p:nvPr/>
+          </p:nvSpPr>
+          <p:spPr>
+            <a:xfrm rot="16200000">
+              <a:off x="5014526" y="5458491"/>
+              <a:ext cx="294848" cy="1150612"/>
+            </a:xfrm>
+            <a:prstGeom prst="rect">
+              <a:avLst/>
+            </a:prstGeom>
+            <a:solidFill>
+              <a:schemeClr val="bg1"/>
+            </a:solidFill>
+            <a:ln w="3175" cap="flat" cmpd="sng" algn="ctr">
+              <a:solidFill>
+                <a:schemeClr val="tx1">
+                  <a:lumMod val="50000"/>
+                  <a:lumOff val="50000"/>
+                </a:schemeClr>
+              </a:solidFill>
+              <a:prstDash val="dash"/>
+              <a:miter lim="800000"/>
+            </a:ln>
+            <a:effectLst/>
+          </p:spPr>
+          <p:txBody>
+            <a:bodyPr vert="vert" lIns="45720" tIns="45720" rIns="91440" bIns="45720" rtlCol="0" anchor="ctr" anchorCtr="0"/>
+            <a:lstStyle/>
+            <a:p>
+              <a:pPr algn="ctr">
+                <a:lnSpc>
+                  <a:spcPct val="80000"/>
+                </a:lnSpc>
+              </a:pPr>
+              <a:r>
+                <a:rPr lang="en-US" altLang="ko-KR" sz="1100" b="1" kern="0" dirty="0">
+                  <a:solidFill>
+                    <a:schemeClr val="tx1">
+                      <a:lumMod val="50000"/>
+                      <a:lumOff val="50000"/>
+                    </a:schemeClr>
+                  </a:solidFill>
+                  <a:latin typeface="Calibri" panose="020F0502020204030204" pitchFamily="34" charset="0"/>
+                  <a:ea typeface="맑은 고딕"/>
+                </a:rPr>
+                <a:t>EC2</a:t>
+              </a:r>
+              <a:endParaRPr lang="ko-KR" altLang="en-US" sz="1100" b="1" kern="0" dirty="0">
+                <a:solidFill>
+                  <a:schemeClr val="tx1">
+                    <a:lumMod val="50000"/>
+                    <a:lumOff val="50000"/>
+                  </a:schemeClr>
+                </a:solidFill>
+                <a:latin typeface="Calibri" panose="020F0502020204030204" pitchFamily="34" charset="0"/>
+                <a:ea typeface="맑은 고딕"/>
+              </a:endParaRPr>
+            </a:p>
+          </p:txBody>
+        </p:sp>
+        <p:sp>
+          <p:nvSpPr>
+            <p:cNvPr id="94" name="직사각형 363">
+              <a:extLst>
+                <a:ext uri="{FF2B5EF4-FFF2-40B4-BE49-F238E27FC236}">
+                  <a16:creationId xmlns:a16="http://schemas.microsoft.com/office/drawing/2014/main" id="{54E28704-FA83-B3AA-9FD1-01D89DA13236}"/>
+                </a:ext>
+              </a:extLst>
+            </p:cNvPr>
+            <p:cNvSpPr/>
+            <p:nvPr/>
+          </p:nvSpPr>
+          <p:spPr>
+            <a:xfrm rot="16200000">
+              <a:off x="6269587" y="5466644"/>
+              <a:ext cx="294848" cy="1150612"/>
+            </a:xfrm>
+            <a:prstGeom prst="rect">
+              <a:avLst/>
+            </a:prstGeom>
+            <a:solidFill>
+              <a:schemeClr val="bg1"/>
+            </a:solidFill>
+            <a:ln w="3175" cap="flat" cmpd="sng" algn="ctr">
+              <a:solidFill>
+                <a:schemeClr val="tx1">
+                  <a:lumMod val="50000"/>
+                  <a:lumOff val="50000"/>
+                </a:schemeClr>
+              </a:solidFill>
+              <a:prstDash val="dash"/>
+              <a:miter lim="800000"/>
+            </a:ln>
+            <a:effectLst/>
+          </p:spPr>
+          <p:txBody>
+            <a:bodyPr vert="vert" lIns="45720" tIns="45720" rIns="91440" bIns="45720" rtlCol="0" anchor="ctr" anchorCtr="0"/>
+            <a:lstStyle/>
+            <a:p>
+              <a:pPr algn="ctr">
+                <a:lnSpc>
+                  <a:spcPct val="80000"/>
+                </a:lnSpc>
+              </a:pPr>
+              <a:r>
+                <a:rPr lang="en-US" altLang="ko-KR" sz="1100" b="1" kern="0" dirty="0">
+                  <a:solidFill>
+                    <a:schemeClr val="tx1">
+                      <a:lumMod val="50000"/>
+                      <a:lumOff val="50000"/>
+                    </a:schemeClr>
+                  </a:solidFill>
+                  <a:latin typeface="Calibri" panose="020F0502020204030204" pitchFamily="34" charset="0"/>
+                  <a:ea typeface="맑은 고딕"/>
+                </a:rPr>
+                <a:t>IAM</a:t>
+              </a:r>
+              <a:endParaRPr lang="ko-KR" altLang="en-US" sz="1100" b="1" kern="0" dirty="0">
+                <a:solidFill>
+                  <a:schemeClr val="tx1">
+                    <a:lumMod val="50000"/>
+                    <a:lumOff val="50000"/>
+                  </a:schemeClr>
+                </a:solidFill>
+                <a:latin typeface="Calibri" panose="020F0502020204030204" pitchFamily="34" charset="0"/>
+                <a:ea typeface="맑은 고딕"/>
+              </a:endParaRPr>
+            </a:p>
+          </p:txBody>
+        </p:sp>
+        <p:sp>
+          <p:nvSpPr>
+            <p:cNvPr id="95" name="직사각형 363">
+              <a:extLst>
+                <a:ext uri="{FF2B5EF4-FFF2-40B4-BE49-F238E27FC236}">
+                  <a16:creationId xmlns:a16="http://schemas.microsoft.com/office/drawing/2014/main" id="{77200AD0-E744-1E41-BC79-B0BB1B92F1A5}"/>
+                </a:ext>
+              </a:extLst>
+            </p:cNvPr>
+            <p:cNvSpPr/>
+            <p:nvPr/>
+          </p:nvSpPr>
+          <p:spPr>
+            <a:xfrm rot="16200000">
+              <a:off x="7524648" y="5466643"/>
+              <a:ext cx="294848" cy="1150612"/>
+            </a:xfrm>
+            <a:prstGeom prst="rect">
+              <a:avLst/>
+            </a:prstGeom>
+            <a:solidFill>
+              <a:schemeClr val="bg1"/>
+            </a:solidFill>
+            <a:ln w="3175" cap="flat" cmpd="sng" algn="ctr">
+              <a:solidFill>
+                <a:schemeClr val="tx1">
+                  <a:lumMod val="50000"/>
+                  <a:lumOff val="50000"/>
+                </a:schemeClr>
+              </a:solidFill>
+              <a:prstDash val="dash"/>
+              <a:miter lim="800000"/>
+            </a:ln>
+            <a:effectLst/>
+          </p:spPr>
+          <p:txBody>
+            <a:bodyPr vert="vert" lIns="45720" tIns="45720" rIns="91440" bIns="45720" rtlCol="0" anchor="ctr" anchorCtr="0"/>
+            <a:lstStyle/>
+            <a:p>
+              <a:pPr algn="ctr">
+                <a:lnSpc>
+                  <a:spcPct val="80000"/>
+                </a:lnSpc>
+              </a:pPr>
+              <a:r>
+                <a:rPr lang="en-US" altLang="ko-KR" sz="1100" b="1" kern="0" dirty="0">
+                  <a:solidFill>
+                    <a:schemeClr val="tx1">
+                      <a:lumMod val="50000"/>
+                      <a:lumOff val="50000"/>
+                    </a:schemeClr>
+                  </a:solidFill>
+                  <a:latin typeface="Calibri" panose="020F0502020204030204" pitchFamily="34" charset="0"/>
+                  <a:ea typeface="맑은 고딕"/>
+                </a:rPr>
+                <a:t>ECS</a:t>
+              </a:r>
+              <a:endParaRPr lang="ko-KR" altLang="en-US" sz="1100" b="1" kern="0" dirty="0">
+                <a:solidFill>
+                  <a:schemeClr val="tx1">
+                    <a:lumMod val="50000"/>
+                    <a:lumOff val="50000"/>
+                  </a:schemeClr>
+                </a:solidFill>
+                <a:latin typeface="Calibri" panose="020F0502020204030204" pitchFamily="34" charset="0"/>
+                <a:ea typeface="맑은 고딕"/>
+              </a:endParaRPr>
+            </a:p>
+          </p:txBody>
+        </p:sp>
+        <p:sp>
+          <p:nvSpPr>
+            <p:cNvPr id="96" name="직사각형 363">
+              <a:extLst>
+                <a:ext uri="{FF2B5EF4-FFF2-40B4-BE49-F238E27FC236}">
+                  <a16:creationId xmlns:a16="http://schemas.microsoft.com/office/drawing/2014/main" id="{00A1A0E6-5018-5850-A7E8-AF2CFA7A6112}"/>
+                </a:ext>
+              </a:extLst>
+            </p:cNvPr>
+            <p:cNvSpPr/>
+            <p:nvPr/>
+          </p:nvSpPr>
+          <p:spPr>
+            <a:xfrm rot="16200000">
+              <a:off x="8750993" y="5467714"/>
+              <a:ext cx="294848" cy="1150612"/>
+            </a:xfrm>
+            <a:prstGeom prst="rect">
+              <a:avLst/>
+            </a:prstGeom>
+            <a:solidFill>
+              <a:schemeClr val="bg1"/>
+            </a:solidFill>
+            <a:ln w="3175" cap="flat" cmpd="sng" algn="ctr">
+              <a:solidFill>
+                <a:schemeClr val="tx1">
+                  <a:lumMod val="50000"/>
+                  <a:lumOff val="50000"/>
+                </a:schemeClr>
+              </a:solidFill>
+              <a:prstDash val="dash"/>
+              <a:miter lim="800000"/>
+            </a:ln>
+            <a:effectLst/>
+          </p:spPr>
+          <p:txBody>
+            <a:bodyPr vert="vert" lIns="45720" tIns="45720" rIns="91440" bIns="45720" rtlCol="0" anchor="ctr" anchorCtr="0"/>
+            <a:lstStyle/>
+            <a:p>
+              <a:pPr algn="ctr">
+                <a:lnSpc>
+                  <a:spcPct val="80000"/>
+                </a:lnSpc>
+              </a:pPr>
+              <a:r>
+                <a:rPr lang="en-US" altLang="ko-KR" sz="1100" b="1" kern="0" dirty="0">
+                  <a:solidFill>
+                    <a:schemeClr val="tx1">
+                      <a:lumMod val="50000"/>
+                      <a:lumOff val="50000"/>
+                    </a:schemeClr>
+                  </a:solidFill>
+                  <a:latin typeface="Calibri" panose="020F0502020204030204" pitchFamily="34" charset="0"/>
+                  <a:ea typeface="맑은 고딕"/>
+                </a:rPr>
+                <a:t>EKS</a:t>
+              </a:r>
+              <a:endParaRPr lang="ko-KR" altLang="en-US" sz="1100" b="1" kern="0" dirty="0">
+                <a:solidFill>
+                  <a:schemeClr val="tx1">
+                    <a:lumMod val="50000"/>
+                    <a:lumOff val="50000"/>
+                  </a:schemeClr>
+                </a:solidFill>
+                <a:latin typeface="Calibri" panose="020F0502020204030204" pitchFamily="34" charset="0"/>
+                <a:ea typeface="맑은 고딕"/>
+              </a:endParaRPr>
+            </a:p>
+          </p:txBody>
+        </p:sp>
+        <p:sp>
+          <p:nvSpPr>
+            <p:cNvPr id="97" name="직사각형 363">
+              <a:extLst>
+                <a:ext uri="{FF2B5EF4-FFF2-40B4-BE49-F238E27FC236}">
+                  <a16:creationId xmlns:a16="http://schemas.microsoft.com/office/drawing/2014/main" id="{E17F6383-4377-2F35-C1A5-59B16BDA132A}"/>
+                </a:ext>
+              </a:extLst>
+            </p:cNvPr>
+            <p:cNvSpPr/>
+            <p:nvPr/>
+          </p:nvSpPr>
+          <p:spPr>
+            <a:xfrm rot="16200000">
+              <a:off x="9977256" y="5466642"/>
+              <a:ext cx="294848" cy="1150612"/>
+            </a:xfrm>
+            <a:prstGeom prst="rect">
+              <a:avLst/>
+            </a:prstGeom>
+            <a:solidFill>
+              <a:schemeClr val="bg1"/>
+            </a:solidFill>
+            <a:ln w="3175" cap="flat" cmpd="sng" algn="ctr">
+              <a:solidFill>
+                <a:schemeClr val="tx1">
+                  <a:lumMod val="50000"/>
+                  <a:lumOff val="50000"/>
+                </a:schemeClr>
+              </a:solidFill>
+              <a:prstDash val="dash"/>
+              <a:miter lim="800000"/>
+            </a:ln>
+            <a:effectLst/>
+          </p:spPr>
+          <p:txBody>
+            <a:bodyPr vert="vert" lIns="45720" tIns="45720" rIns="91440" bIns="45720" rtlCol="0" anchor="ctr" anchorCtr="0"/>
+            <a:lstStyle/>
+            <a:p>
+              <a:pPr algn="ctr">
+                <a:lnSpc>
+                  <a:spcPct val="80000"/>
+                </a:lnSpc>
+              </a:pPr>
+              <a:r>
+                <a:rPr lang="en-US" altLang="ko-KR" sz="1100" b="1" kern="0" dirty="0">
+                  <a:solidFill>
+                    <a:schemeClr val="tx1">
+                      <a:lumMod val="50000"/>
+                      <a:lumOff val="50000"/>
+                    </a:schemeClr>
+                  </a:solidFill>
+                  <a:latin typeface="Calibri" panose="020F0502020204030204" pitchFamily="34" charset="0"/>
+                  <a:ea typeface="맑은 고딕"/>
+                </a:rPr>
+                <a:t>STS</a:t>
+              </a:r>
+              <a:endParaRPr lang="ko-KR" altLang="en-US" sz="1100" b="1" kern="0" dirty="0">
+                <a:solidFill>
+                  <a:schemeClr val="tx1">
+                    <a:lumMod val="50000"/>
+                    <a:lumOff val="50000"/>
+                  </a:schemeClr>
+                </a:solidFill>
+                <a:latin typeface="Calibri" panose="020F0502020204030204" pitchFamily="34" charset="0"/>
+                <a:ea typeface="맑은 고딕"/>
+              </a:endParaRPr>
+            </a:p>
+          </p:txBody>
+        </p:sp>
+        <p:sp>
+          <p:nvSpPr>
+            <p:cNvPr id="98" name="직사각형 363">
+              <a:extLst>
+                <a:ext uri="{FF2B5EF4-FFF2-40B4-BE49-F238E27FC236}">
+                  <a16:creationId xmlns:a16="http://schemas.microsoft.com/office/drawing/2014/main" id="{F40303B0-91BA-F488-A4CE-8A5B7B59AFEB}"/>
+                </a:ext>
+              </a:extLst>
+            </p:cNvPr>
+            <p:cNvSpPr/>
+            <p:nvPr/>
+          </p:nvSpPr>
+          <p:spPr>
+            <a:xfrm rot="16200000">
+              <a:off x="11233257" y="5471088"/>
+              <a:ext cx="294848" cy="1150612"/>
+            </a:xfrm>
+            <a:prstGeom prst="rect">
+              <a:avLst/>
+            </a:prstGeom>
+            <a:solidFill>
+              <a:schemeClr val="bg1"/>
+            </a:solidFill>
+            <a:ln w="3175" cap="flat" cmpd="sng" algn="ctr">
+              <a:solidFill>
+                <a:schemeClr val="tx1">
+                  <a:lumMod val="50000"/>
+                  <a:lumOff val="50000"/>
+                </a:schemeClr>
+              </a:solidFill>
+              <a:prstDash val="dash"/>
+              <a:miter lim="800000"/>
+            </a:ln>
+            <a:effectLst/>
+          </p:spPr>
+          <p:txBody>
+            <a:bodyPr vert="vert" lIns="45720" tIns="45720" rIns="91440" bIns="45720" rtlCol="0" anchor="ctr" anchorCtr="0"/>
+            <a:lstStyle/>
+            <a:p>
+              <a:pPr algn="ctr">
+                <a:lnSpc>
+                  <a:spcPct val="80000"/>
+                </a:lnSpc>
+              </a:pPr>
+              <a:r>
+                <a:rPr lang="en-US" altLang="ko-KR" sz="1100" b="1" kern="0" dirty="0">
+                  <a:solidFill>
+                    <a:schemeClr val="tx1">
+                      <a:lumMod val="50000"/>
+                      <a:lumOff val="50000"/>
+                    </a:schemeClr>
+                  </a:solidFill>
+                  <a:latin typeface="Calibri" panose="020F0502020204030204" pitchFamily="34" charset="0"/>
+                  <a:ea typeface="맑은 고딕"/>
+                </a:rPr>
+                <a:t>Etc.</a:t>
+              </a:r>
+              <a:endParaRPr lang="ko-KR" altLang="en-US" sz="1100" b="1" kern="0" dirty="0">
+                <a:solidFill>
+                  <a:schemeClr val="tx1">
+                    <a:lumMod val="50000"/>
+                    <a:lumOff val="50000"/>
+                  </a:schemeClr>
+                </a:solidFill>
+                <a:latin typeface="Calibri" panose="020F0502020204030204" pitchFamily="34" charset="0"/>
+                <a:ea typeface="맑은 고딕"/>
+              </a:endParaRPr>
+            </a:p>
+          </p:txBody>
+        </p:sp>
+      </p:grpSp>
+      <p:sp>
+        <p:nvSpPr>
+          <p:cNvPr id="101" name="직사각형 363">
+            <a:extLst>
+              <a:ext uri="{FF2B5EF4-FFF2-40B4-BE49-F238E27FC236}">
+                <a16:creationId xmlns:a16="http://schemas.microsoft.com/office/drawing/2014/main" id="{FA1017C5-3A79-4A67-D185-25EF69105963}"/>
+              </a:ext>
+            </a:extLst>
+          </p:cNvPr>
+          <p:cNvSpPr/>
+          <p:nvPr/>
+        </p:nvSpPr>
+        <p:spPr>
+          <a:xfrm>
+            <a:off x="3677920" y="2567644"/>
+            <a:ext cx="1661796" cy="520516"/>
+          </a:xfrm>
+          <a:prstGeom prst="rect">
+            <a:avLst/>
+          </a:prstGeom>
+          <a:noFill/>
+          <a:ln w="3175" cap="flat" cmpd="sng" algn="ctr">
+            <a:solidFill>
+              <a:schemeClr val="accent5"/>
+            </a:solidFill>
+            <a:prstDash val="dash"/>
+            <a:miter lim="800000"/>
+          </a:ln>
+          <a:effectLst/>
+        </p:spPr>
+        <p:txBody>
+          <a:bodyPr lIns="45720" rIns="0" rtlCol="0" anchor="ctr"/>
+          <a:lstStyle/>
+          <a:p>
+            <a:pPr marL="57150" marR="0" lvl="0" indent="-57150" algn="l" defTabSz="914400" rtl="0" eaLnBrk="1" fontAlgn="auto" latinLnBrk="0" hangingPunct="1">
+              <a:lnSpc>
+                <a:spcPct val="100000"/>
+              </a:lnSpc>
+              <a:spcBef>
+                <a:spcPts val="0"/>
+              </a:spcBef>
+              <a:spcAft>
+                <a:spcPts val="0"/>
+              </a:spcAft>
+              <a:buClrTx/>
+              <a:buSzTx/>
+              <a:buFont typeface="Arial" panose="020B0604020202020204" pitchFamily="34" charset="0"/>
+              <a:buChar char="•"/>
+              <a:tabLst/>
+              <a:defRPr/>
+            </a:pPr>
+            <a:r>
+              <a:rPr kumimoji="0" lang="en-US" sz="800" b="0" i="0" u="none" strike="noStrike" kern="1200" cap="none" spc="0" normalizeH="0" baseline="0" noProof="0" dirty="0">
+                <a:ln>
+                  <a:noFill/>
+                </a:ln>
+                <a:solidFill>
+                  <a:srgbClr val="000000"/>
+                </a:solidFill>
+                <a:effectLst/>
+                <a:uLnTx/>
+                <a:uFillTx/>
+                <a:latin typeface="Calibri" panose="020F0502020204030204"/>
+                <a:ea typeface="+mn-ea"/>
+                <a:cs typeface="+mn-cs"/>
+              </a:rPr>
+              <a:t>r.internalRedirect(</a:t>
+            </a:r>
+            <a:r>
+              <a:rPr kumimoji="0" lang="en-US" sz="800" b="0" i="0" u="none" strike="noStrike" kern="1200" cap="none" spc="0" normalizeH="0" baseline="0" noProof="0" dirty="0">
+                <a:ln>
+                  <a:noFill/>
+                </a:ln>
+                <a:solidFill>
+                  <a:srgbClr val="A31515"/>
+                </a:solidFill>
+                <a:effectLst/>
+                <a:uLnTx/>
+                <a:uFillTx/>
+                <a:latin typeface="Calibri" panose="020F0502020204030204"/>
+                <a:ea typeface="+mn-ea"/>
+                <a:cs typeface="+mn-cs"/>
+              </a:rPr>
+              <a:t>"@s3"</a:t>
+            </a:r>
+            <a:r>
+              <a:rPr kumimoji="0" lang="en-US" sz="800" b="0" i="0" u="none" strike="noStrike" kern="1200" cap="none" spc="0" normalizeH="0" baseline="0" noProof="0" dirty="0">
+                <a:ln>
+                  <a:noFill/>
+                </a:ln>
+                <a:solidFill>
+                  <a:srgbClr val="000000"/>
+                </a:solidFill>
+                <a:effectLst/>
+                <a:uLnTx/>
+                <a:uFillTx/>
+                <a:latin typeface="Calibri" panose="020F0502020204030204"/>
+                <a:ea typeface="+mn-ea"/>
+                <a:cs typeface="+mn-cs"/>
+              </a:rPr>
+              <a:t>);</a:t>
+            </a:r>
+          </a:p>
+          <a:p>
+            <a:pPr marL="57150" marR="0" lvl="0" indent="-57150" algn="l" defTabSz="914400" rtl="0" eaLnBrk="1" fontAlgn="auto" latinLnBrk="0" hangingPunct="1">
+              <a:lnSpc>
+                <a:spcPct val="100000"/>
+              </a:lnSpc>
+              <a:spcBef>
+                <a:spcPts val="0"/>
+              </a:spcBef>
+              <a:spcAft>
+                <a:spcPts val="0"/>
+              </a:spcAft>
+              <a:buClrTx/>
+              <a:buSzTx/>
+              <a:buFont typeface="Arial" panose="020B0604020202020204" pitchFamily="34" charset="0"/>
+              <a:buChar char="•"/>
+              <a:tabLst/>
+              <a:defRPr/>
+            </a:pPr>
+            <a:r>
+              <a:rPr kumimoji="0" lang="en-US" sz="800" b="0" i="0" u="none" strike="noStrike" kern="1200" cap="none" spc="0" normalizeH="0" baseline="0" noProof="0" dirty="0">
+                <a:ln>
+                  <a:noFill/>
+                </a:ln>
+                <a:solidFill>
+                  <a:srgbClr val="000000"/>
+                </a:solidFill>
+                <a:effectLst/>
+                <a:uLnTx/>
+                <a:uFillTx/>
+                <a:latin typeface="Calibri" panose="020F0502020204030204"/>
+                <a:ea typeface="+mn-ea"/>
+                <a:cs typeface="+mn-cs"/>
+              </a:rPr>
+              <a:t>r.internalRedirect(</a:t>
+            </a:r>
+            <a:r>
+              <a:rPr kumimoji="0" lang="en-US" sz="800" b="0" i="0" u="none" strike="noStrike" kern="1200" cap="none" spc="0" normalizeH="0" baseline="0" noProof="0" dirty="0">
+                <a:ln>
+                  <a:noFill/>
+                </a:ln>
+                <a:solidFill>
+                  <a:srgbClr val="A31515"/>
+                </a:solidFill>
+                <a:effectLst/>
+                <a:uLnTx/>
+                <a:uFillTx/>
+                <a:latin typeface="Calibri" panose="020F0502020204030204"/>
+                <a:ea typeface="+mn-ea"/>
+                <a:cs typeface="+mn-cs"/>
+              </a:rPr>
+              <a:t>"@lambda"</a:t>
+            </a:r>
+            <a:r>
+              <a:rPr kumimoji="0" lang="en-US" sz="800" b="0" i="0" u="none" strike="noStrike" kern="1200" cap="none" spc="0" normalizeH="0" baseline="0" noProof="0" dirty="0">
+                <a:ln>
+                  <a:noFill/>
+                </a:ln>
+                <a:solidFill>
+                  <a:srgbClr val="000000"/>
+                </a:solidFill>
+                <a:effectLst/>
+                <a:uLnTx/>
+                <a:uFillTx/>
+                <a:latin typeface="Calibri" panose="020F0502020204030204"/>
+                <a:ea typeface="+mn-ea"/>
+                <a:cs typeface="+mn-cs"/>
+              </a:rPr>
+              <a:t>); </a:t>
+            </a:r>
+          </a:p>
+          <a:p>
+            <a:pPr marL="57150" marR="0" lvl="0" indent="-57150" algn="l" defTabSz="914400" rtl="0" eaLnBrk="1" fontAlgn="auto" latinLnBrk="0" hangingPunct="1">
+              <a:lnSpc>
+                <a:spcPct val="100000"/>
+              </a:lnSpc>
+              <a:spcBef>
+                <a:spcPts val="0"/>
+              </a:spcBef>
+              <a:spcAft>
+                <a:spcPts val="0"/>
+              </a:spcAft>
+              <a:buClrTx/>
+              <a:buSzTx/>
+              <a:buFont typeface="Arial" panose="020B0604020202020204" pitchFamily="34" charset="0"/>
+              <a:buChar char="•"/>
+              <a:tabLst/>
+              <a:defRPr/>
+            </a:pPr>
+            <a:r>
+              <a:rPr kumimoji="0" lang="en-US" sz="800" b="0" i="0" u="none" strike="noStrike" kern="1200" cap="none" spc="0" normalizeH="0" baseline="0" noProof="0" dirty="0">
+                <a:ln>
+                  <a:noFill/>
+                </a:ln>
+                <a:solidFill>
+                  <a:srgbClr val="000000"/>
+                </a:solidFill>
+                <a:effectLst/>
+                <a:uLnTx/>
+                <a:uFillTx/>
+                <a:latin typeface="Calibri" panose="020F0502020204030204"/>
+                <a:ea typeface="+mn-ea"/>
+                <a:cs typeface="+mn-cs"/>
+              </a:rPr>
+              <a:t>r.internalRedirect(</a:t>
+            </a:r>
+            <a:r>
+              <a:rPr kumimoji="0" lang="en-US" sz="800" b="0" i="0" u="none" strike="noStrike" kern="1200" cap="none" spc="0" normalizeH="0" baseline="0" noProof="0" dirty="0">
+                <a:ln>
+                  <a:noFill/>
+                </a:ln>
+                <a:solidFill>
+                  <a:srgbClr val="A31515"/>
+                </a:solidFill>
+                <a:effectLst/>
+                <a:uLnTx/>
+                <a:uFillTx/>
+                <a:latin typeface="Calibri" panose="020F0502020204030204"/>
+                <a:ea typeface="+mn-ea"/>
+                <a:cs typeface="+mn-cs"/>
+              </a:rPr>
+              <a:t>"@error404"</a:t>
+            </a:r>
+            <a:r>
+              <a:rPr kumimoji="0" lang="en-US" sz="800" b="0" i="0" u="none" strike="noStrike" kern="1200" cap="none" spc="0" normalizeH="0" baseline="0" noProof="0" dirty="0">
+                <a:ln>
+                  <a:noFill/>
+                </a:ln>
+                <a:solidFill>
+                  <a:srgbClr val="000000"/>
+                </a:solidFill>
+                <a:effectLst/>
+                <a:uLnTx/>
+                <a:uFillTx/>
+                <a:latin typeface="Calibri" panose="020F0502020204030204"/>
+                <a:ea typeface="+mn-ea"/>
+                <a:cs typeface="+mn-cs"/>
+              </a:rPr>
+              <a:t>);</a:t>
+            </a:r>
+          </a:p>
+        </p:txBody>
+      </p:sp>
+      <p:sp>
+        <p:nvSpPr>
+          <p:cNvPr id="107" name="직사각형 363">
+            <a:extLst>
+              <a:ext uri="{FF2B5EF4-FFF2-40B4-BE49-F238E27FC236}">
+                <a16:creationId xmlns:a16="http://schemas.microsoft.com/office/drawing/2014/main" id="{A69F4771-782F-F41B-5FB2-0D04D5A361B5}"/>
+              </a:ext>
+            </a:extLst>
+          </p:cNvPr>
+          <p:cNvSpPr/>
+          <p:nvPr/>
+        </p:nvSpPr>
+        <p:spPr>
+          <a:xfrm>
+            <a:off x="1749810" y="3472387"/>
+            <a:ext cx="1684708" cy="325931"/>
+          </a:xfrm>
+          <a:prstGeom prst="rect">
+            <a:avLst/>
+          </a:prstGeom>
+          <a:noFill/>
+          <a:ln w="3175" cap="flat" cmpd="sng" algn="ctr">
+            <a:solidFill>
+              <a:schemeClr val="tx1">
+                <a:lumMod val="50000"/>
+                <a:lumOff val="50000"/>
+              </a:schemeClr>
+            </a:solidFill>
+            <a:prstDash val="dash"/>
+            <a:miter lim="800000"/>
+          </a:ln>
+          <a:effectLst/>
+        </p:spPr>
+        <p:txBody>
+          <a:bodyPr lIns="45720" rIns="0" rtlCol="0" anchor="ctr"/>
+          <a:lstStyle/>
+          <a:p>
+            <a:r>
+              <a:rPr kumimoji="0" lang="en-US" sz="800" b="0" i="0" u="none" strike="noStrike" kern="1200" cap="none" spc="0" normalizeH="0" baseline="0" noProof="0" dirty="0">
+                <a:ln>
+                  <a:noFill/>
+                </a:ln>
+                <a:solidFill>
+                  <a:schemeClr val="tx1">
+                    <a:lumMod val="50000"/>
+                    <a:lumOff val="50000"/>
+                  </a:schemeClr>
+                </a:solidFill>
+                <a:effectLst/>
+                <a:uLnTx/>
+                <a:uFillTx/>
+                <a:latin typeface="Calibri" panose="020F0502020204030204"/>
+                <a:ea typeface="+mn-ea"/>
+                <a:cs typeface="+mn-cs"/>
+              </a:rPr>
+              <a:t>proxy_set_header</a:t>
+            </a:r>
+            <a:endParaRPr lang="en-US" sz="800" dirty="0">
+              <a:solidFill>
+                <a:schemeClr val="tx1">
+                  <a:lumMod val="50000"/>
+                  <a:lumOff val="50000"/>
+                </a:schemeClr>
+              </a:solidFill>
+            </a:endParaRPr>
+          </a:p>
+          <a:p>
+            <a:r>
+              <a:rPr lang="en-US" sz="800" dirty="0"/>
+              <a:t>Authorization $s3auth</a:t>
+            </a:r>
+          </a:p>
+        </p:txBody>
+      </p:sp>
+      <p:sp>
+        <p:nvSpPr>
+          <p:cNvPr id="108" name="직사각형 363">
+            <a:extLst>
+              <a:ext uri="{FF2B5EF4-FFF2-40B4-BE49-F238E27FC236}">
+                <a16:creationId xmlns:a16="http://schemas.microsoft.com/office/drawing/2014/main" id="{C29391BC-9358-9522-9C2C-ADA6A97A82A2}"/>
+              </a:ext>
+            </a:extLst>
+          </p:cNvPr>
+          <p:cNvSpPr/>
+          <p:nvPr/>
+        </p:nvSpPr>
+        <p:spPr>
+          <a:xfrm>
+            <a:off x="1759538" y="4535562"/>
+            <a:ext cx="1684708" cy="325931"/>
+          </a:xfrm>
+          <a:prstGeom prst="rect">
+            <a:avLst/>
+          </a:prstGeom>
+          <a:noFill/>
+          <a:ln w="3175" cap="flat" cmpd="sng" algn="ctr">
+            <a:solidFill>
+              <a:schemeClr val="tx1">
+                <a:lumMod val="50000"/>
+                <a:lumOff val="50000"/>
+              </a:schemeClr>
+            </a:solidFill>
+            <a:prstDash val="dash"/>
+            <a:miter lim="800000"/>
+          </a:ln>
+          <a:effectLst/>
+        </p:spPr>
+        <p:txBody>
+          <a:bodyPr lIns="45720" rIns="0" rtlCol="0" anchor="ctr"/>
+          <a:lstStyle/>
+          <a:p>
+            <a:r>
+              <a:rPr kumimoji="0" lang="en-US" sz="800" b="0" i="0" u="none" strike="noStrike" kern="1200" cap="none" spc="0" normalizeH="0" baseline="0" noProof="0" dirty="0">
+                <a:ln>
+                  <a:noFill/>
+                </a:ln>
+                <a:solidFill>
+                  <a:schemeClr val="tx1">
+                    <a:lumMod val="50000"/>
+                    <a:lumOff val="50000"/>
+                  </a:schemeClr>
+                </a:solidFill>
+                <a:effectLst/>
+                <a:uLnTx/>
+                <a:uFillTx/>
+                <a:latin typeface="Calibri" panose="020F0502020204030204"/>
+                <a:ea typeface="+mn-ea"/>
+                <a:cs typeface="+mn-cs"/>
+              </a:rPr>
+              <a:t>proxy_set_header</a:t>
+            </a:r>
+            <a:endParaRPr lang="en-US" sz="800" dirty="0">
+              <a:solidFill>
+                <a:schemeClr val="tx1">
+                  <a:lumMod val="50000"/>
+                  <a:lumOff val="50000"/>
+                </a:schemeClr>
+              </a:solidFill>
+            </a:endParaRPr>
+          </a:p>
+          <a:p>
+            <a:r>
+              <a:rPr lang="en-US" sz="800" dirty="0"/>
+              <a:t>X-Amz-Security-Token $sessionToken</a:t>
+            </a:r>
+          </a:p>
+        </p:txBody>
+      </p:sp>
+      <p:sp>
+        <p:nvSpPr>
+          <p:cNvPr id="120" name="직사각형 363">
+            <a:extLst>
+              <a:ext uri="{FF2B5EF4-FFF2-40B4-BE49-F238E27FC236}">
+                <a16:creationId xmlns:a16="http://schemas.microsoft.com/office/drawing/2014/main" id="{BAF8BA63-D090-2ABE-2D07-A2A109474683}"/>
+              </a:ext>
+            </a:extLst>
+          </p:cNvPr>
+          <p:cNvSpPr/>
+          <p:nvPr/>
+        </p:nvSpPr>
+        <p:spPr>
+          <a:xfrm>
+            <a:off x="3677920" y="5028054"/>
+            <a:ext cx="1668493" cy="359218"/>
+          </a:xfrm>
+          <a:prstGeom prst="rect">
+            <a:avLst/>
+          </a:prstGeom>
+          <a:solidFill>
+            <a:schemeClr val="accent5">
+              <a:lumMod val="20000"/>
+              <a:lumOff val="80000"/>
+            </a:schemeClr>
+          </a:solidFill>
+          <a:ln w="3175" cap="flat" cmpd="sng" algn="ctr">
+            <a:noFill/>
+            <a:prstDash val="solid"/>
+            <a:miter lim="800000"/>
+          </a:ln>
+          <a:effectLst/>
+        </p:spPr>
+        <p:txBody>
+          <a:bodyPr lIns="0" rIns="0" rtlCol="0" anchor="ctr"/>
+          <a:lstStyle/>
+          <a:p>
+            <a:pPr marL="0" marR="0" lvl="0" indent="0" algn="ctr" defTabSz="914400" eaLnBrk="1" fontAlgn="auto" latinLnBrk="0" hangingPunct="1">
+              <a:spcBef>
+                <a:spcPts val="0"/>
+              </a:spcBef>
+              <a:spcAft>
+                <a:spcPts val="0"/>
+              </a:spcAft>
+              <a:buClrTx/>
+              <a:buSzTx/>
+              <a:buFontTx/>
+              <a:buNone/>
+              <a:tabLst/>
+              <a:defRPr/>
+            </a:pPr>
+            <a:r>
+              <a:rPr kumimoji="0" lang="en-US" altLang="ko-KR" sz="1200" b="0" i="0" u="none" strike="noStrike" kern="0" cap="none" spc="0" normalizeH="0" baseline="0" noProof="0" dirty="0">
+                <a:ln>
+                  <a:noFill/>
+                </a:ln>
+                <a:solidFill>
+                  <a:prstClr val="black"/>
+                </a:solidFill>
+                <a:effectLst/>
+                <a:uLnTx/>
+                <a:uFillTx/>
+                <a:latin typeface="Calibri" panose="020F0502020204030204" pitchFamily="34" charset="0"/>
+                <a:ea typeface="맑은 고딕"/>
+              </a:rPr>
+              <a:t>Edit Headers</a:t>
+            </a:r>
+            <a:endParaRPr kumimoji="0" lang="ko-KR" altLang="en-US" sz="1200" b="0" i="0" u="none" strike="noStrike" kern="0" cap="none" spc="0" normalizeH="0" baseline="0" noProof="0" dirty="0">
+              <a:ln>
+                <a:noFill/>
+              </a:ln>
+              <a:solidFill>
+                <a:schemeClr val="tx1">
+                  <a:lumMod val="50000"/>
+                  <a:lumOff val="50000"/>
+                </a:schemeClr>
+              </a:solidFill>
+              <a:effectLst/>
+              <a:uLnTx/>
+              <a:uFillTx/>
+              <a:latin typeface="Calibri" panose="020F0502020204030204" pitchFamily="34" charset="0"/>
+              <a:ea typeface="맑은 고딕"/>
+            </a:endParaRPr>
+          </a:p>
+        </p:txBody>
+      </p:sp>
+      <p:sp>
+        <p:nvSpPr>
+          <p:cNvPr id="121" name="직사각형 363">
+            <a:extLst>
+              <a:ext uri="{FF2B5EF4-FFF2-40B4-BE49-F238E27FC236}">
+                <a16:creationId xmlns:a16="http://schemas.microsoft.com/office/drawing/2014/main" id="{A4B109AD-C567-48BD-0F48-6200677E5262}"/>
+              </a:ext>
+            </a:extLst>
+          </p:cNvPr>
+          <p:cNvSpPr/>
+          <p:nvPr/>
+        </p:nvSpPr>
+        <p:spPr>
+          <a:xfrm>
+            <a:off x="3668192" y="3869723"/>
+            <a:ext cx="1684708" cy="186285"/>
+          </a:xfrm>
+          <a:prstGeom prst="rect">
+            <a:avLst/>
+          </a:prstGeom>
+          <a:noFill/>
+          <a:ln w="3175" cap="flat" cmpd="sng" algn="ctr">
+            <a:solidFill>
+              <a:schemeClr val="accent5"/>
+            </a:solidFill>
+            <a:prstDash val="dash"/>
+            <a:miter lim="800000"/>
+          </a:ln>
+          <a:effectLst/>
+        </p:spPr>
+        <p:txBody>
+          <a:bodyPr lIns="45720" rIns="0" rtlCol="0" anchor="ctr"/>
+          <a:lstStyle/>
+          <a:p>
+            <a:pPr marL="57150" marR="0" lvl="0" indent="-57150" algn="l" defTabSz="914400" rtl="0" eaLnBrk="1" fontAlgn="auto" latinLnBrk="0" hangingPunct="1">
+              <a:lnSpc>
+                <a:spcPct val="100000"/>
+              </a:lnSpc>
+              <a:spcBef>
+                <a:spcPts val="0"/>
+              </a:spcBef>
+              <a:spcAft>
+                <a:spcPts val="0"/>
+              </a:spcAft>
+              <a:buClrTx/>
+              <a:buSzTx/>
+              <a:buFont typeface="Arial" panose="020B0604020202020204" pitchFamily="34" charset="0"/>
+              <a:buChar char="•"/>
+              <a:tabLst/>
+              <a:defRPr/>
+            </a:pPr>
+            <a:r>
+              <a:rPr kumimoji="0" lang="en-US" sz="800" b="0" i="0" u="none" strike="noStrike" kern="1200" cap="none" spc="0" normalizeH="0" baseline="0" noProof="0" dirty="0">
+                <a:ln>
+                  <a:noFill/>
+                </a:ln>
+                <a:solidFill>
+                  <a:srgbClr val="000000"/>
+                </a:solidFill>
+                <a:effectLst/>
+                <a:uLnTx/>
+                <a:uFillTx/>
+                <a:latin typeface="Calibri" panose="020F0502020204030204"/>
+                <a:ea typeface="+mn-ea"/>
+                <a:cs typeface="+mn-cs"/>
+              </a:rPr>
+              <a:t>Read credentials</a:t>
+            </a:r>
+          </a:p>
+        </p:txBody>
+      </p:sp>
+      <p:sp>
+        <p:nvSpPr>
+          <p:cNvPr id="122" name="직사각형 363">
+            <a:extLst>
+              <a:ext uri="{FF2B5EF4-FFF2-40B4-BE49-F238E27FC236}">
+                <a16:creationId xmlns:a16="http://schemas.microsoft.com/office/drawing/2014/main" id="{B4E9DA27-4B2E-C29C-179B-06448E240F8A}"/>
+              </a:ext>
+            </a:extLst>
+          </p:cNvPr>
+          <p:cNvSpPr/>
+          <p:nvPr/>
+        </p:nvSpPr>
+        <p:spPr>
+          <a:xfrm>
+            <a:off x="3664949" y="4099947"/>
+            <a:ext cx="1684708" cy="186285"/>
+          </a:xfrm>
+          <a:prstGeom prst="rect">
+            <a:avLst/>
+          </a:prstGeom>
+          <a:noFill/>
+          <a:ln w="3175" cap="flat" cmpd="sng" algn="ctr">
+            <a:solidFill>
+              <a:schemeClr val="accent5"/>
+            </a:solidFill>
+            <a:prstDash val="dash"/>
+            <a:miter lim="800000"/>
+          </a:ln>
+          <a:effectLst/>
+        </p:spPr>
+        <p:txBody>
+          <a:bodyPr lIns="45720" rIns="0" rtlCol="0" anchor="ctr"/>
+          <a:lstStyle/>
+          <a:p>
+            <a:pPr marL="57150" marR="0" lvl="0" indent="-57150" algn="l" defTabSz="914400" rtl="0" eaLnBrk="1" fontAlgn="auto" latinLnBrk="0" hangingPunct="1">
+              <a:lnSpc>
+                <a:spcPct val="100000"/>
+              </a:lnSpc>
+              <a:spcBef>
+                <a:spcPts val="0"/>
+              </a:spcBef>
+              <a:spcAft>
+                <a:spcPts val="0"/>
+              </a:spcAft>
+              <a:buClrTx/>
+              <a:buSzTx/>
+              <a:buFont typeface="Arial" panose="020B0604020202020204" pitchFamily="34" charset="0"/>
+              <a:buChar char="•"/>
+              <a:tabLst/>
+              <a:defRPr/>
+            </a:pPr>
+            <a:r>
+              <a:rPr kumimoji="0" lang="en-US" sz="800" b="0" i="0" u="none" strike="noStrike" kern="1200" cap="none" spc="0" normalizeH="0" baseline="0" noProof="0" dirty="0">
+                <a:ln>
+                  <a:noFill/>
+                </a:ln>
+                <a:solidFill>
+                  <a:srgbClr val="000000"/>
+                </a:solidFill>
+                <a:effectLst/>
+                <a:uLnTx/>
+                <a:uFillTx/>
+                <a:latin typeface="Calibri" panose="020F0502020204030204"/>
+                <a:ea typeface="+mn-ea"/>
+                <a:cs typeface="+mn-cs"/>
+              </a:rPr>
+              <a:t>Generate canonical request params</a:t>
+            </a:r>
+          </a:p>
+        </p:txBody>
+      </p:sp>
+      <p:sp>
+        <p:nvSpPr>
+          <p:cNvPr id="123" name="직사각형 363">
+            <a:extLst>
+              <a:ext uri="{FF2B5EF4-FFF2-40B4-BE49-F238E27FC236}">
+                <a16:creationId xmlns:a16="http://schemas.microsoft.com/office/drawing/2014/main" id="{3414D48A-141C-E8B9-BB92-DE199E558FB8}"/>
+              </a:ext>
+            </a:extLst>
+          </p:cNvPr>
+          <p:cNvSpPr/>
+          <p:nvPr/>
+        </p:nvSpPr>
+        <p:spPr>
+          <a:xfrm>
+            <a:off x="3661706" y="4320443"/>
+            <a:ext cx="1684708" cy="186285"/>
+          </a:xfrm>
+          <a:prstGeom prst="rect">
+            <a:avLst/>
+          </a:prstGeom>
+          <a:noFill/>
+          <a:ln w="3175" cap="flat" cmpd="sng" algn="ctr">
+            <a:solidFill>
+              <a:schemeClr val="accent5"/>
+            </a:solidFill>
+            <a:prstDash val="dash"/>
+            <a:miter lim="800000"/>
+          </a:ln>
+          <a:effectLst/>
+        </p:spPr>
+        <p:txBody>
+          <a:bodyPr lIns="45720" rIns="0" rtlCol="0" anchor="ctr"/>
+          <a:lstStyle/>
+          <a:p>
+            <a:pPr marL="57150" marR="0" lvl="0" indent="-57150" algn="l" defTabSz="914400" rtl="0" eaLnBrk="1" fontAlgn="auto" latinLnBrk="0" hangingPunct="1">
+              <a:lnSpc>
+                <a:spcPct val="100000"/>
+              </a:lnSpc>
+              <a:spcBef>
+                <a:spcPts val="0"/>
+              </a:spcBef>
+              <a:spcAft>
+                <a:spcPts val="0"/>
+              </a:spcAft>
+              <a:buClrTx/>
+              <a:buSzTx/>
+              <a:buFont typeface="Arial" panose="020B0604020202020204" pitchFamily="34" charset="0"/>
+              <a:buChar char="•"/>
+              <a:tabLst/>
+              <a:defRPr/>
+            </a:pPr>
+            <a:r>
+              <a:rPr kumimoji="0" lang="en-US" sz="800" b="0" i="0" u="none" strike="noStrike" kern="1200" cap="none" spc="0" normalizeH="0" baseline="0" noProof="0" dirty="0">
+                <a:ln>
+                  <a:noFill/>
+                </a:ln>
+                <a:solidFill>
+                  <a:srgbClr val="000000"/>
+                </a:solidFill>
+                <a:effectLst/>
+                <a:uLnTx/>
+                <a:uFillTx/>
+                <a:latin typeface="Calibri" panose="020F0502020204030204"/>
+                <a:ea typeface="+mn-ea"/>
+                <a:cs typeface="+mn-cs"/>
+              </a:rPr>
+              <a:t>Build and return signature ver. XX</a:t>
+            </a:r>
+          </a:p>
+        </p:txBody>
+      </p:sp>
+      <p:cxnSp>
+        <p:nvCxnSpPr>
+          <p:cNvPr id="124" name="Elbow Connector 123">
+            <a:extLst>
+              <a:ext uri="{FF2B5EF4-FFF2-40B4-BE49-F238E27FC236}">
+                <a16:creationId xmlns:a16="http://schemas.microsoft.com/office/drawing/2014/main" id="{46A61FF2-014E-E315-438A-26D25FBE516D}"/>
+              </a:ext>
+            </a:extLst>
+          </p:cNvPr>
+          <p:cNvCxnSpPr>
+            <a:cxnSpLocks/>
+            <a:stCxn id="18" idx="3"/>
+            <a:endCxn id="121" idx="3"/>
+          </p:cNvCxnSpPr>
+          <p:nvPr/>
+        </p:nvCxnSpPr>
+        <p:spPr>
+          <a:xfrm flipH="1">
+            <a:off x="5352900" y="1294790"/>
+            <a:ext cx="1843144" cy="2668076"/>
+          </a:xfrm>
+          <a:prstGeom prst="bentConnector3">
+            <a:avLst>
+              <a:gd name="adj1" fmla="val -4486"/>
+            </a:avLst>
+          </a:prstGeom>
+          <a:ln w="3175">
+            <a:solidFill>
+              <a:schemeClr val="tx1">
+                <a:lumMod val="50000"/>
+                <a:lumOff val="50000"/>
+              </a:schemeClr>
+            </a:solidFill>
+            <a:prstDash val="dash"/>
+            <a:tailEnd type="triangle" w="sm" len="sm"/>
+          </a:ln>
+        </p:spPr>
+        <p:style>
+          <a:lnRef idx="1">
+            <a:schemeClr val="accent1"/>
+          </a:lnRef>
+          <a:fillRef idx="0">
+            <a:schemeClr val="accent1"/>
+          </a:fillRef>
+          <a:effectRef idx="0">
+            <a:schemeClr val="accent1"/>
+          </a:effectRef>
+          <a:fontRef idx="minor">
+            <a:schemeClr val="tx1"/>
+          </a:fontRef>
+        </p:style>
+      </p:cxnSp>
+      <p:cxnSp>
+        <p:nvCxnSpPr>
+          <p:cNvPr id="129" name="Straight Arrow Connector 128">
+            <a:extLst>
+              <a:ext uri="{FF2B5EF4-FFF2-40B4-BE49-F238E27FC236}">
+                <a16:creationId xmlns:a16="http://schemas.microsoft.com/office/drawing/2014/main" id="{86FDE022-62E5-F49C-33FB-863D139B0E7A}"/>
+              </a:ext>
+            </a:extLst>
+          </p:cNvPr>
+          <p:cNvCxnSpPr>
+            <a:cxnSpLocks/>
+            <a:stCxn id="107" idx="3"/>
+            <a:endCxn id="8" idx="1"/>
+          </p:cNvCxnSpPr>
+          <p:nvPr/>
+        </p:nvCxnSpPr>
+        <p:spPr>
+          <a:xfrm>
+            <a:off x="3434518" y="3635353"/>
+            <a:ext cx="234310" cy="6921"/>
+          </a:xfrm>
+          <a:prstGeom prst="straightConnector1">
+            <a:avLst/>
+          </a:prstGeom>
+          <a:ln>
+            <a:solidFill>
+              <a:schemeClr val="accent6"/>
+            </a:solidFill>
+            <a:prstDash val="dash"/>
+            <a:headEnd type="none" w="sm" len="sm"/>
+            <a:tailEnd type="triangle" w="sm" len="sm"/>
+          </a:ln>
+        </p:spPr>
+        <p:style>
+          <a:lnRef idx="1">
+            <a:schemeClr val="accent1"/>
+          </a:lnRef>
+          <a:fillRef idx="0">
+            <a:schemeClr val="accent1"/>
+          </a:fillRef>
+          <a:effectRef idx="0">
+            <a:schemeClr val="accent1"/>
+          </a:effectRef>
+          <a:fontRef idx="minor">
+            <a:schemeClr val="tx1"/>
+          </a:fontRef>
+        </p:style>
+      </p:cxnSp>
+      <p:cxnSp>
+        <p:nvCxnSpPr>
+          <p:cNvPr id="132" name="Elbow Connector 131">
+            <a:extLst>
+              <a:ext uri="{FF2B5EF4-FFF2-40B4-BE49-F238E27FC236}">
+                <a16:creationId xmlns:a16="http://schemas.microsoft.com/office/drawing/2014/main" id="{D515B811-7D52-90A4-6022-A899CD07BEDF}"/>
+              </a:ext>
+            </a:extLst>
+          </p:cNvPr>
+          <p:cNvCxnSpPr>
+            <a:cxnSpLocks/>
+            <a:stCxn id="66" idx="3"/>
+            <a:endCxn id="50" idx="2"/>
+          </p:cNvCxnSpPr>
+          <p:nvPr/>
+        </p:nvCxnSpPr>
+        <p:spPr>
+          <a:xfrm>
+            <a:off x="7196044" y="1674619"/>
+            <a:ext cx="3986408" cy="4741531"/>
+          </a:xfrm>
+          <a:prstGeom prst="bentConnector3">
+            <a:avLst>
+              <a:gd name="adj1" fmla="val 105050"/>
+            </a:avLst>
+          </a:prstGeom>
+          <a:ln w="3175">
+            <a:solidFill>
+              <a:schemeClr val="tx1">
+                <a:lumMod val="50000"/>
+                <a:lumOff val="50000"/>
+              </a:schemeClr>
+            </a:solidFill>
+            <a:prstDash val="dash"/>
+            <a:headEnd type="triangle" w="sm" len="sm"/>
+            <a:tailEnd type="oval" w="sm" len="sm"/>
+          </a:ln>
+        </p:spPr>
+        <p:style>
+          <a:lnRef idx="1">
+            <a:schemeClr val="accent1"/>
+          </a:lnRef>
+          <a:fillRef idx="0">
+            <a:schemeClr val="accent1"/>
+          </a:fillRef>
+          <a:effectRef idx="0">
+            <a:schemeClr val="accent1"/>
+          </a:effectRef>
+          <a:fontRef idx="minor">
+            <a:schemeClr val="tx1"/>
+          </a:fontRef>
+        </p:style>
+      </p:cxnSp>
+      <p:sp>
+        <p:nvSpPr>
+          <p:cNvPr id="136" name="직사각형 363">
+            <a:extLst>
+              <a:ext uri="{FF2B5EF4-FFF2-40B4-BE49-F238E27FC236}">
+                <a16:creationId xmlns:a16="http://schemas.microsoft.com/office/drawing/2014/main" id="{CC187E40-1974-B545-D964-AC80DA4BC0E9}"/>
+              </a:ext>
+            </a:extLst>
+          </p:cNvPr>
+          <p:cNvSpPr/>
+          <p:nvPr/>
+        </p:nvSpPr>
+        <p:spPr>
+          <a:xfrm>
+            <a:off x="2660436" y="1281787"/>
+            <a:ext cx="778213" cy="233967"/>
+          </a:xfrm>
+          <a:prstGeom prst="rect">
+            <a:avLst/>
+          </a:prstGeom>
+          <a:solidFill>
+            <a:schemeClr val="accent6">
+              <a:lumMod val="20000"/>
+              <a:lumOff val="80000"/>
+            </a:schemeClr>
+          </a:solidFill>
+          <a:ln w="3175" cap="flat" cmpd="sng" algn="ctr">
+            <a:noFill/>
+            <a:prstDash val="solid"/>
+            <a:miter lim="800000"/>
+          </a:ln>
+          <a:effectLst/>
+        </p:spPr>
+        <p:txBody>
+          <a:bodyPr lIns="0" rIns="0" rtlCol="0" anchor="ctr"/>
+          <a:lstStyle/>
+          <a:p>
+            <a:pPr marL="0" marR="0" lvl="0" indent="0" algn="ctr" defTabSz="914400" eaLnBrk="1" fontAlgn="auto" latinLnBrk="0" hangingPunct="1">
+              <a:spcBef>
+                <a:spcPts val="0"/>
+              </a:spcBef>
+              <a:spcAft>
+                <a:spcPts val="0"/>
+              </a:spcAft>
+              <a:buClrTx/>
+              <a:buSzTx/>
+              <a:buFontTx/>
+              <a:buNone/>
+              <a:tabLst/>
+              <a:defRPr/>
+            </a:pPr>
+            <a:r>
+              <a:rPr kumimoji="0" lang="en-US" altLang="ko-KR" sz="1200" b="0" i="0" u="none" strike="noStrike" kern="0" cap="none" spc="0" normalizeH="0" baseline="0" noProof="0" dirty="0">
+                <a:ln>
+                  <a:noFill/>
+                </a:ln>
+                <a:solidFill>
+                  <a:prstClr val="black"/>
+                </a:solidFill>
+                <a:effectLst/>
+                <a:uLnTx/>
+                <a:uFillTx/>
+                <a:latin typeface="Calibri" panose="020F0502020204030204" pitchFamily="34" charset="0"/>
+                <a:ea typeface="맑은 고딕"/>
+              </a:rPr>
+              <a:t>Env Vars</a:t>
+            </a:r>
+            <a:endParaRPr kumimoji="0" lang="ko-KR" altLang="en-US" sz="1200" b="0" i="0" u="none" strike="noStrike" kern="0" cap="none" spc="0" normalizeH="0" baseline="0" noProof="0" dirty="0">
+              <a:ln>
+                <a:noFill/>
+              </a:ln>
+              <a:solidFill>
+                <a:schemeClr val="tx1">
+                  <a:lumMod val="50000"/>
+                  <a:lumOff val="50000"/>
+                </a:schemeClr>
+              </a:solidFill>
+              <a:effectLst/>
+              <a:uLnTx/>
+              <a:uFillTx/>
+              <a:latin typeface="Calibri" panose="020F0502020204030204" pitchFamily="34" charset="0"/>
+              <a:ea typeface="맑은 고딕"/>
+            </a:endParaRPr>
+          </a:p>
+        </p:txBody>
+      </p:sp>
+      <p:cxnSp>
+        <p:nvCxnSpPr>
+          <p:cNvPr id="138" name="Elbow Connector 137">
+            <a:extLst>
+              <a:ext uri="{FF2B5EF4-FFF2-40B4-BE49-F238E27FC236}">
+                <a16:creationId xmlns:a16="http://schemas.microsoft.com/office/drawing/2014/main" id="{99F8FF7B-7FE0-D58A-5C52-C0F1DE353F80}"/>
+              </a:ext>
+            </a:extLst>
+          </p:cNvPr>
+          <p:cNvCxnSpPr>
+            <a:cxnSpLocks/>
+            <a:stCxn id="136" idx="3"/>
+            <a:endCxn id="18" idx="1"/>
+          </p:cNvCxnSpPr>
+          <p:nvPr/>
+        </p:nvCxnSpPr>
+        <p:spPr>
+          <a:xfrm flipV="1">
+            <a:off x="3438649" y="1294790"/>
+            <a:ext cx="2184766" cy="103981"/>
+          </a:xfrm>
+          <a:prstGeom prst="bentConnector3">
+            <a:avLst>
+              <a:gd name="adj1" fmla="val 50000"/>
+            </a:avLst>
+          </a:prstGeom>
+          <a:ln w="3175">
+            <a:solidFill>
+              <a:schemeClr val="tx1">
+                <a:lumMod val="50000"/>
+                <a:lumOff val="50000"/>
+              </a:schemeClr>
+            </a:solidFill>
+            <a:prstDash val="dash"/>
+            <a:tailEnd type="triangle" w="sm" len="sm"/>
+          </a:ln>
+        </p:spPr>
+        <p:style>
+          <a:lnRef idx="1">
+            <a:schemeClr val="accent1"/>
+          </a:lnRef>
+          <a:fillRef idx="0">
+            <a:schemeClr val="accent1"/>
+          </a:fillRef>
+          <a:effectRef idx="0">
+            <a:schemeClr val="accent1"/>
+          </a:effectRef>
+          <a:fontRef idx="minor">
+            <a:schemeClr val="tx1"/>
+          </a:fontRef>
+        </p:style>
+      </p:cxnSp>
+      <p:cxnSp>
+        <p:nvCxnSpPr>
+          <p:cNvPr id="141" name="Elbow Connector 140">
+            <a:extLst>
+              <a:ext uri="{FF2B5EF4-FFF2-40B4-BE49-F238E27FC236}">
+                <a16:creationId xmlns:a16="http://schemas.microsoft.com/office/drawing/2014/main" id="{8809E2D5-A187-123E-A17F-DCD7D2F02F77}"/>
+              </a:ext>
+            </a:extLst>
+          </p:cNvPr>
+          <p:cNvCxnSpPr>
+            <a:cxnSpLocks/>
+            <a:endCxn id="18" idx="1"/>
+          </p:cNvCxnSpPr>
+          <p:nvPr/>
+        </p:nvCxnSpPr>
+        <p:spPr>
+          <a:xfrm flipV="1">
+            <a:off x="3445241" y="1294790"/>
+            <a:ext cx="2178174" cy="274974"/>
+          </a:xfrm>
+          <a:prstGeom prst="bentConnector3">
+            <a:avLst>
+              <a:gd name="adj1" fmla="val 50000"/>
+            </a:avLst>
+          </a:prstGeom>
+          <a:ln w="3175">
+            <a:solidFill>
+              <a:schemeClr val="tx1">
+                <a:lumMod val="50000"/>
+                <a:lumOff val="50000"/>
+              </a:schemeClr>
+            </a:solidFill>
+            <a:prstDash val="dash"/>
+            <a:tailEnd type="triangle" w="sm" len="sm"/>
+          </a:ln>
+        </p:spPr>
+        <p:style>
+          <a:lnRef idx="1">
+            <a:schemeClr val="accent1"/>
+          </a:lnRef>
+          <a:fillRef idx="0">
+            <a:schemeClr val="accent1"/>
+          </a:fillRef>
+          <a:effectRef idx="0">
+            <a:schemeClr val="accent1"/>
+          </a:effectRef>
+          <a:fontRef idx="minor">
+            <a:schemeClr val="tx1"/>
+          </a:fontRef>
+        </p:style>
+      </p:cxnSp>
+      <p:sp>
+        <p:nvSpPr>
+          <p:cNvPr id="145" name="직사각형 363">
+            <a:extLst>
+              <a:ext uri="{FF2B5EF4-FFF2-40B4-BE49-F238E27FC236}">
+                <a16:creationId xmlns:a16="http://schemas.microsoft.com/office/drawing/2014/main" id="{B9EFC93D-43C2-3D09-F6C6-553A16B3D15B}"/>
+              </a:ext>
+            </a:extLst>
+          </p:cNvPr>
+          <p:cNvSpPr/>
+          <p:nvPr/>
+        </p:nvSpPr>
+        <p:spPr>
+          <a:xfrm>
+            <a:off x="2656644" y="1569764"/>
+            <a:ext cx="775413" cy="233967"/>
+          </a:xfrm>
+          <a:prstGeom prst="rect">
+            <a:avLst/>
+          </a:prstGeom>
+          <a:solidFill>
+            <a:schemeClr val="accent6">
+              <a:lumMod val="20000"/>
+              <a:lumOff val="80000"/>
+            </a:schemeClr>
+          </a:solidFill>
+          <a:ln w="3175" cap="flat" cmpd="sng" algn="ctr">
+            <a:noFill/>
+            <a:prstDash val="solid"/>
+            <a:miter lim="800000"/>
+          </a:ln>
+          <a:effectLst/>
+        </p:spPr>
+        <p:txBody>
+          <a:bodyPr lIns="0" rIns="0" rtlCol="0" anchor="ctr"/>
+          <a:lstStyle/>
+          <a:p>
+            <a:pPr marL="0" marR="0" lvl="0" indent="0" algn="ctr" defTabSz="914400" eaLnBrk="1" fontAlgn="auto" latinLnBrk="0" hangingPunct="1">
+              <a:spcBef>
+                <a:spcPts val="0"/>
+              </a:spcBef>
+              <a:spcAft>
+                <a:spcPts val="0"/>
+              </a:spcAft>
+              <a:buClrTx/>
+              <a:buSzTx/>
+              <a:buFontTx/>
+              <a:buNone/>
+              <a:tabLst/>
+              <a:defRPr/>
+            </a:pPr>
+            <a:r>
+              <a:rPr kumimoji="0" lang="en-US" altLang="ko-KR" sz="1200" b="0" i="0" u="none" strike="noStrike" kern="0" cap="none" spc="0" normalizeH="0" baseline="0" noProof="0" dirty="0">
+                <a:ln>
+                  <a:noFill/>
+                </a:ln>
+                <a:solidFill>
+                  <a:prstClr val="black"/>
+                </a:solidFill>
+                <a:effectLst/>
+                <a:uLnTx/>
+                <a:uFillTx/>
+                <a:latin typeface="Calibri" panose="020F0502020204030204" pitchFamily="34" charset="0"/>
+                <a:ea typeface="맑은 고딕"/>
+              </a:rPr>
+              <a:t>Temp File</a:t>
+            </a:r>
+            <a:endParaRPr kumimoji="0" lang="ko-KR" altLang="en-US" sz="1200" b="0" i="0" u="none" strike="noStrike" kern="0" cap="none" spc="0" normalizeH="0" baseline="0" noProof="0" dirty="0">
+              <a:ln>
+                <a:noFill/>
+              </a:ln>
+              <a:solidFill>
+                <a:schemeClr val="tx1">
+                  <a:lumMod val="50000"/>
+                  <a:lumOff val="50000"/>
+                </a:schemeClr>
+              </a:solidFill>
+              <a:effectLst/>
+              <a:uLnTx/>
+              <a:uFillTx/>
+              <a:latin typeface="Calibri" panose="020F0502020204030204" pitchFamily="34" charset="0"/>
+              <a:ea typeface="맑은 고딕"/>
+            </a:endParaRPr>
+          </a:p>
+        </p:txBody>
+      </p:sp>
+      <p:cxnSp>
+        <p:nvCxnSpPr>
+          <p:cNvPr id="150" name="Elbow Connector 149">
+            <a:extLst>
+              <a:ext uri="{FF2B5EF4-FFF2-40B4-BE49-F238E27FC236}">
+                <a16:creationId xmlns:a16="http://schemas.microsoft.com/office/drawing/2014/main" id="{CFB17CEE-668F-6AAC-F71F-5B5E3CCAF82D}"/>
+              </a:ext>
+            </a:extLst>
+          </p:cNvPr>
+          <p:cNvCxnSpPr>
+            <a:cxnSpLocks/>
+            <a:endCxn id="18" idx="1"/>
+          </p:cNvCxnSpPr>
+          <p:nvPr/>
+        </p:nvCxnSpPr>
+        <p:spPr>
+          <a:xfrm flipV="1">
+            <a:off x="3445241" y="1294790"/>
+            <a:ext cx="2178174" cy="647801"/>
+          </a:xfrm>
+          <a:prstGeom prst="bentConnector3">
+            <a:avLst>
+              <a:gd name="adj1" fmla="val 50000"/>
+            </a:avLst>
+          </a:prstGeom>
+          <a:ln w="3175">
+            <a:solidFill>
+              <a:schemeClr val="tx1">
+                <a:lumMod val="50000"/>
+                <a:lumOff val="50000"/>
+              </a:schemeClr>
+            </a:solidFill>
+            <a:prstDash val="dash"/>
+            <a:tailEnd type="triangle" w="sm" len="sm"/>
+          </a:ln>
+        </p:spPr>
+        <p:style>
+          <a:lnRef idx="1">
+            <a:schemeClr val="accent1"/>
+          </a:lnRef>
+          <a:fillRef idx="0">
+            <a:schemeClr val="accent1"/>
+          </a:fillRef>
+          <a:effectRef idx="0">
+            <a:schemeClr val="accent1"/>
+          </a:effectRef>
+          <a:fontRef idx="minor">
+            <a:schemeClr val="tx1"/>
+          </a:fontRef>
+        </p:style>
+      </p:cxnSp>
+      <p:cxnSp>
+        <p:nvCxnSpPr>
+          <p:cNvPr id="154" name="Straight Arrow Connector 153">
+            <a:extLst>
+              <a:ext uri="{FF2B5EF4-FFF2-40B4-BE49-F238E27FC236}">
+                <a16:creationId xmlns:a16="http://schemas.microsoft.com/office/drawing/2014/main" id="{071749ED-3FE5-7E68-DF1E-F496A87E2F48}"/>
+              </a:ext>
+            </a:extLst>
+          </p:cNvPr>
+          <p:cNvCxnSpPr>
+            <a:cxnSpLocks/>
+            <a:stCxn id="67" idx="1"/>
+          </p:cNvCxnSpPr>
+          <p:nvPr/>
+        </p:nvCxnSpPr>
+        <p:spPr>
+          <a:xfrm flipH="1" flipV="1">
+            <a:off x="3445241" y="2050312"/>
+            <a:ext cx="2178173" cy="1"/>
+          </a:xfrm>
+          <a:prstGeom prst="straightConnector1">
+            <a:avLst/>
+          </a:prstGeom>
+          <a:ln>
+            <a:solidFill>
+              <a:schemeClr val="tx1">
+                <a:lumMod val="50000"/>
+                <a:lumOff val="50000"/>
+              </a:schemeClr>
+            </a:solidFill>
+            <a:prstDash val="dash"/>
+            <a:headEnd type="none" w="sm" len="sm"/>
+            <a:tailEnd type="triangle" w="sm" len="sm"/>
+          </a:ln>
+        </p:spPr>
+        <p:style>
+          <a:lnRef idx="1">
+            <a:schemeClr val="accent1"/>
+          </a:lnRef>
+          <a:fillRef idx="0">
+            <a:schemeClr val="accent1"/>
+          </a:fillRef>
+          <a:effectRef idx="0">
+            <a:schemeClr val="accent1"/>
+          </a:effectRef>
+          <a:fontRef idx="minor">
+            <a:schemeClr val="tx1"/>
+          </a:fontRef>
+        </p:style>
+      </p:cxnSp>
+      <p:cxnSp>
+        <p:nvCxnSpPr>
+          <p:cNvPr id="159" name="Elbow Connector 158">
+            <a:extLst>
+              <a:ext uri="{FF2B5EF4-FFF2-40B4-BE49-F238E27FC236}">
+                <a16:creationId xmlns:a16="http://schemas.microsoft.com/office/drawing/2014/main" id="{A1293C01-C470-3779-409C-95034BD248E6}"/>
+              </a:ext>
+            </a:extLst>
+          </p:cNvPr>
+          <p:cNvCxnSpPr>
+            <a:cxnSpLocks/>
+            <a:stCxn id="67" idx="1"/>
+          </p:cNvCxnSpPr>
+          <p:nvPr/>
+        </p:nvCxnSpPr>
+        <p:spPr>
+          <a:xfrm rot="10800000">
+            <a:off x="3451834" y="1792211"/>
+            <a:ext cx="2171581" cy="258102"/>
+          </a:xfrm>
+          <a:prstGeom prst="bentConnector3">
+            <a:avLst>
+              <a:gd name="adj1" fmla="val 25811"/>
+            </a:avLst>
+          </a:prstGeom>
+          <a:ln w="3175">
+            <a:solidFill>
+              <a:schemeClr val="tx1">
+                <a:lumMod val="50000"/>
+                <a:lumOff val="50000"/>
+              </a:schemeClr>
+            </a:solidFill>
+            <a:prstDash val="dash"/>
+            <a:tailEnd type="triangle" w="sm" len="sm"/>
+          </a:ln>
+        </p:spPr>
+        <p:style>
+          <a:lnRef idx="1">
+            <a:schemeClr val="accent1"/>
+          </a:lnRef>
+          <a:fillRef idx="0">
+            <a:schemeClr val="accent1"/>
+          </a:fillRef>
+          <a:effectRef idx="0">
+            <a:schemeClr val="accent1"/>
+          </a:effectRef>
+          <a:fontRef idx="minor">
+            <a:schemeClr val="tx1"/>
+          </a:fontRef>
+        </p:style>
+      </p:cxnSp>
+      <p:cxnSp>
+        <p:nvCxnSpPr>
+          <p:cNvPr id="168" name="Straight Arrow Connector 167">
+            <a:extLst>
+              <a:ext uri="{FF2B5EF4-FFF2-40B4-BE49-F238E27FC236}">
+                <a16:creationId xmlns:a16="http://schemas.microsoft.com/office/drawing/2014/main" id="{7FA2CC23-6270-4914-027E-70D18E31E0D1}"/>
+              </a:ext>
+            </a:extLst>
+          </p:cNvPr>
+          <p:cNvCxnSpPr>
+            <a:cxnSpLocks/>
+            <a:stCxn id="123" idx="3"/>
+            <a:endCxn id="13" idx="1"/>
+          </p:cNvCxnSpPr>
+          <p:nvPr/>
+        </p:nvCxnSpPr>
+        <p:spPr>
+          <a:xfrm>
+            <a:off x="5346414" y="4413586"/>
+            <a:ext cx="2156786" cy="34444"/>
+          </a:xfrm>
+          <a:prstGeom prst="straightConnector1">
+            <a:avLst/>
+          </a:prstGeom>
+          <a:ln>
+            <a:solidFill>
+              <a:schemeClr val="tx1">
+                <a:lumMod val="50000"/>
+                <a:lumOff val="50000"/>
+              </a:schemeClr>
+            </a:solidFill>
+            <a:prstDash val="dash"/>
+            <a:headEnd type="none" w="sm" len="sm"/>
+            <a:tailEnd type="triangle" w="sm" len="sm"/>
+          </a:ln>
+        </p:spPr>
+        <p:style>
+          <a:lnRef idx="1">
+            <a:schemeClr val="accent1"/>
+          </a:lnRef>
+          <a:fillRef idx="0">
+            <a:schemeClr val="accent1"/>
+          </a:fillRef>
+          <a:effectRef idx="0">
+            <a:schemeClr val="accent1"/>
+          </a:effectRef>
+          <a:fontRef idx="minor">
+            <a:schemeClr val="tx1"/>
+          </a:fontRef>
+        </p:style>
+      </p:cxnSp>
+      <p:sp>
+        <p:nvSpPr>
+          <p:cNvPr id="171" name="TextBox 170">
+            <a:extLst>
+              <a:ext uri="{FF2B5EF4-FFF2-40B4-BE49-F238E27FC236}">
+                <a16:creationId xmlns:a16="http://schemas.microsoft.com/office/drawing/2014/main" id="{4B2EB409-64DF-48CA-EA26-85D9A280CF99}"/>
+              </a:ext>
+            </a:extLst>
+          </p:cNvPr>
+          <p:cNvSpPr txBox="1"/>
+          <p:nvPr/>
+        </p:nvSpPr>
+        <p:spPr>
+          <a:xfrm>
+            <a:off x="7508546" y="4687130"/>
+            <a:ext cx="1654909" cy="338554"/>
+          </a:xfrm>
+          <a:prstGeom prst="rect">
+            <a:avLst/>
+          </a:prstGeom>
+          <a:noFill/>
+          <a:ln>
+            <a:solidFill>
+              <a:schemeClr val="accent6"/>
+            </a:solidFill>
+            <a:prstDash val="dash"/>
+          </a:ln>
+        </p:spPr>
+        <p:txBody>
+          <a:bodyPr wrap="square" lIns="45720" tIns="45720" rIns="0" bIns="45720">
+            <a:spAutoFit/>
+          </a:bodyPr>
+          <a:lstStyle/>
+          <a:p>
+            <a:pPr marL="57150" indent="-57150">
+              <a:buFont typeface="Arial" panose="020B0604020202020204" pitchFamily="34" charset="0"/>
+              <a:buChar char="•"/>
+            </a:pPr>
+            <a:r>
+              <a:rPr lang="en-US" sz="800" b="0" dirty="0">
+                <a:solidFill>
+                  <a:srgbClr val="000000"/>
+                </a:solidFill>
+                <a:effectLst/>
+              </a:rPr>
+              <a:t>Get eight digits date</a:t>
+            </a:r>
+          </a:p>
+          <a:p>
+            <a:pPr marL="57150" indent="-57150">
+              <a:buFont typeface="Arial" panose="020B0604020202020204" pitchFamily="34" charset="0"/>
+              <a:buChar char="•"/>
+            </a:pPr>
+            <a:r>
+              <a:rPr lang="en-US" sz="800" b="0" dirty="0">
+                <a:solidFill>
+                  <a:srgbClr val="000000"/>
+                </a:solidFill>
+                <a:effectLst/>
+              </a:rPr>
+              <a:t>Get Amz date/time &amp; 8 digits dates</a:t>
+            </a:r>
+          </a:p>
+        </p:txBody>
+      </p:sp>
+      <p:sp>
+        <p:nvSpPr>
+          <p:cNvPr id="172" name="Oval 171">
+            <a:extLst>
+              <a:ext uri="{FF2B5EF4-FFF2-40B4-BE49-F238E27FC236}">
+                <a16:creationId xmlns:a16="http://schemas.microsoft.com/office/drawing/2014/main" id="{10C57D21-EE84-5804-D305-3604374835AF}"/>
+              </a:ext>
+            </a:extLst>
+          </p:cNvPr>
+          <p:cNvSpPr>
+            <a:spLocks/>
+          </p:cNvSpPr>
+          <p:nvPr/>
+        </p:nvSpPr>
+        <p:spPr>
+          <a:xfrm>
+            <a:off x="7607209" y="4373743"/>
+            <a:ext cx="137160" cy="137160"/>
+          </a:xfrm>
+          <a:prstGeom prst="ellipse">
+            <a:avLst/>
+          </a:prstGeom>
+          <a:solidFill>
+            <a:schemeClr val="accent6">
+              <a:lumMod val="75000"/>
+            </a:schemeClr>
+          </a:solidFill>
+          <a:ln>
+            <a:solidFill>
+              <a:schemeClr val="accent6">
+                <a:lumMod val="50000"/>
+              </a:schemeClr>
+            </a:solidFill>
+          </a:ln>
+        </p:spPr>
+        <p:style>
+          <a:lnRef idx="2">
+            <a:schemeClr val="accent1">
+              <a:shade val="50000"/>
+            </a:schemeClr>
+          </a:lnRef>
+          <a:fillRef idx="1">
+            <a:schemeClr val="accent1"/>
+          </a:fillRef>
+          <a:effectRef idx="0">
+            <a:schemeClr val="accent1"/>
+          </a:effectRef>
+          <a:fontRef idx="minor">
+            <a:schemeClr val="lt1"/>
+          </a:fontRef>
+        </p:style>
+        <p:txBody>
+          <a:bodyPr lIns="0" tIns="0" rIns="0" bIns="0" rtlCol="0" anchor="ctr"/>
+          <a:lstStyle/>
+          <a:p>
+            <a:pPr algn="ctr"/>
+            <a:r>
+              <a:rPr lang="en-US" sz="800" dirty="0">
+                <a:solidFill>
+                  <a:schemeClr val="bg1"/>
+                </a:solidFill>
+              </a:rPr>
+              <a:t>7</a:t>
+            </a:r>
+          </a:p>
+        </p:txBody>
+      </p:sp>
+      <p:sp>
+        <p:nvSpPr>
+          <p:cNvPr id="174" name="TextBox 173">
+            <a:extLst>
+              <a:ext uri="{FF2B5EF4-FFF2-40B4-BE49-F238E27FC236}">
+                <a16:creationId xmlns:a16="http://schemas.microsoft.com/office/drawing/2014/main" id="{F3165B72-0632-5B75-6268-9A87BC0BCC3F}"/>
+              </a:ext>
+            </a:extLst>
+          </p:cNvPr>
+          <p:cNvSpPr txBox="1"/>
+          <p:nvPr/>
+        </p:nvSpPr>
+        <p:spPr>
+          <a:xfrm>
+            <a:off x="5622968" y="4929704"/>
+            <a:ext cx="1572629" cy="215444"/>
+          </a:xfrm>
+          <a:prstGeom prst="rect">
+            <a:avLst/>
+          </a:prstGeom>
+          <a:noFill/>
+          <a:ln>
+            <a:solidFill>
+              <a:schemeClr val="accent6"/>
+            </a:solidFill>
+            <a:prstDash val="dash"/>
+          </a:ln>
+        </p:spPr>
+        <p:txBody>
+          <a:bodyPr wrap="square" lIns="45720" tIns="45720" rIns="0" bIns="45720">
+            <a:spAutoFit/>
+          </a:bodyPr>
+          <a:lstStyle/>
+          <a:p>
+            <a:pPr marL="57150" indent="-57150">
+              <a:buFont typeface="Arial" panose="020B0604020202020204" pitchFamily="34" charset="0"/>
+              <a:buChar char="•"/>
+            </a:pPr>
+            <a:r>
+              <a:rPr lang="en-US" sz="800" dirty="0"/>
+              <a:t>readCredentials()</a:t>
+            </a:r>
+          </a:p>
+        </p:txBody>
+      </p:sp>
+      <p:sp>
+        <p:nvSpPr>
+          <p:cNvPr id="175" name="TextBox 174">
+            <a:extLst>
+              <a:ext uri="{FF2B5EF4-FFF2-40B4-BE49-F238E27FC236}">
+                <a16:creationId xmlns:a16="http://schemas.microsoft.com/office/drawing/2014/main" id="{44BDB131-17EE-0E77-82D9-4FEA4FDDEA27}"/>
+              </a:ext>
+            </a:extLst>
+          </p:cNvPr>
+          <p:cNvSpPr txBox="1"/>
+          <p:nvPr/>
+        </p:nvSpPr>
+        <p:spPr>
+          <a:xfrm>
+            <a:off x="5619724" y="5179383"/>
+            <a:ext cx="1572629" cy="215444"/>
+          </a:xfrm>
+          <a:prstGeom prst="rect">
+            <a:avLst/>
+          </a:prstGeom>
+          <a:noFill/>
+          <a:ln>
+            <a:solidFill>
+              <a:schemeClr val="accent6"/>
+            </a:solidFill>
+            <a:prstDash val="dash"/>
+          </a:ln>
+        </p:spPr>
+        <p:txBody>
+          <a:bodyPr wrap="square" lIns="45720" tIns="45720" rIns="0" bIns="45720">
+            <a:spAutoFit/>
+          </a:bodyPr>
+          <a:lstStyle/>
+          <a:p>
+            <a:pPr marL="57150" indent="-57150">
+              <a:buFont typeface="Arial" panose="020B0604020202020204" pitchFamily="34" charset="0"/>
+              <a:buChar char="•"/>
+            </a:pPr>
+            <a:r>
+              <a:rPr lang="en-US" sz="800" dirty="0"/>
+              <a:t>Return a session token</a:t>
+            </a:r>
+          </a:p>
+        </p:txBody>
+      </p:sp>
+      <p:cxnSp>
+        <p:nvCxnSpPr>
+          <p:cNvPr id="176" name="Straight Arrow Connector 175">
+            <a:extLst>
+              <a:ext uri="{FF2B5EF4-FFF2-40B4-BE49-F238E27FC236}">
+                <a16:creationId xmlns:a16="http://schemas.microsoft.com/office/drawing/2014/main" id="{6B810A35-8B7E-98B4-91F1-80D37C68D84C}"/>
+              </a:ext>
+            </a:extLst>
+          </p:cNvPr>
+          <p:cNvCxnSpPr>
+            <a:cxnSpLocks/>
+            <a:stCxn id="108" idx="3"/>
+          </p:cNvCxnSpPr>
+          <p:nvPr/>
+        </p:nvCxnSpPr>
+        <p:spPr>
+          <a:xfrm>
+            <a:off x="3444246" y="4698528"/>
+            <a:ext cx="2175478" cy="1364"/>
+          </a:xfrm>
+          <a:prstGeom prst="straightConnector1">
+            <a:avLst/>
+          </a:prstGeom>
+          <a:ln>
+            <a:solidFill>
+              <a:schemeClr val="accent6"/>
+            </a:solidFill>
+            <a:prstDash val="dash"/>
+            <a:headEnd type="triangle" w="sm" len="sm"/>
+            <a:tailEnd type="none" w="sm" len="sm"/>
+          </a:ln>
+        </p:spPr>
+        <p:style>
+          <a:lnRef idx="1">
+            <a:schemeClr val="accent1"/>
+          </a:lnRef>
+          <a:fillRef idx="0">
+            <a:schemeClr val="accent1"/>
+          </a:fillRef>
+          <a:effectRef idx="0">
+            <a:schemeClr val="accent1"/>
+          </a:effectRef>
+          <a:fontRef idx="minor">
+            <a:schemeClr val="tx1"/>
+          </a:fontRef>
+        </p:style>
+      </p:cxnSp>
+      <p:sp>
+        <p:nvSpPr>
+          <p:cNvPr id="181" name="Oval 180">
+            <a:extLst>
+              <a:ext uri="{FF2B5EF4-FFF2-40B4-BE49-F238E27FC236}">
+                <a16:creationId xmlns:a16="http://schemas.microsoft.com/office/drawing/2014/main" id="{37951D75-CFD0-12CB-1115-2EB3F2B2E80A}"/>
+              </a:ext>
+            </a:extLst>
+          </p:cNvPr>
+          <p:cNvSpPr>
+            <a:spLocks/>
+          </p:cNvSpPr>
+          <p:nvPr/>
+        </p:nvSpPr>
+        <p:spPr>
+          <a:xfrm>
+            <a:off x="5668158" y="4633151"/>
+            <a:ext cx="137160" cy="137160"/>
+          </a:xfrm>
+          <a:prstGeom prst="ellipse">
+            <a:avLst/>
+          </a:prstGeom>
+          <a:solidFill>
+            <a:schemeClr val="accent6">
+              <a:lumMod val="75000"/>
+            </a:schemeClr>
+          </a:solidFill>
+          <a:ln>
+            <a:solidFill>
+              <a:schemeClr val="accent6">
+                <a:lumMod val="50000"/>
+              </a:schemeClr>
+            </a:solidFill>
+          </a:ln>
+        </p:spPr>
+        <p:style>
+          <a:lnRef idx="2">
+            <a:schemeClr val="accent1">
+              <a:shade val="50000"/>
+            </a:schemeClr>
+          </a:lnRef>
+          <a:fillRef idx="1">
+            <a:schemeClr val="accent1"/>
+          </a:fillRef>
+          <a:effectRef idx="0">
+            <a:schemeClr val="accent1"/>
+          </a:effectRef>
+          <a:fontRef idx="minor">
+            <a:schemeClr val="lt1"/>
+          </a:fontRef>
+        </p:style>
+        <p:txBody>
+          <a:bodyPr lIns="0" tIns="0" rIns="0" bIns="0" rtlCol="0" anchor="ctr"/>
+          <a:lstStyle/>
+          <a:p>
+            <a:pPr algn="ctr"/>
+            <a:r>
+              <a:rPr lang="en-US" sz="800" dirty="0">
+                <a:solidFill>
+                  <a:schemeClr val="bg1"/>
+                </a:solidFill>
+              </a:rPr>
+              <a:t>8</a:t>
+            </a:r>
+          </a:p>
+        </p:txBody>
+      </p:sp>
+      <p:sp>
+        <p:nvSpPr>
+          <p:cNvPr id="183" name="TextBox 182">
+            <a:extLst>
+              <a:ext uri="{FF2B5EF4-FFF2-40B4-BE49-F238E27FC236}">
+                <a16:creationId xmlns:a16="http://schemas.microsoft.com/office/drawing/2014/main" id="{17AC2EB1-8C6F-1AE9-8E32-9A568EC87028}"/>
+              </a:ext>
+            </a:extLst>
+          </p:cNvPr>
+          <p:cNvSpPr txBox="1"/>
+          <p:nvPr/>
+        </p:nvSpPr>
+        <p:spPr>
+          <a:xfrm>
+            <a:off x="1759108" y="5847105"/>
+            <a:ext cx="1743936" cy="123111"/>
+          </a:xfrm>
+          <a:prstGeom prst="rect">
+            <a:avLst/>
+          </a:prstGeom>
+          <a:noFill/>
+        </p:spPr>
+        <p:txBody>
+          <a:bodyPr wrap="square" lIns="0" tIns="0" rIns="0" bIns="0">
+            <a:spAutoFit/>
+          </a:bodyPr>
+          <a:lstStyle/>
+          <a:p>
+            <a:r>
+              <a:rPr lang="en-US" sz="800" dirty="0"/>
+              <a:t>proxy_pass {AWS_SERVICES};</a:t>
+            </a:r>
+          </a:p>
+        </p:txBody>
+      </p:sp>
+      <p:sp>
+        <p:nvSpPr>
+          <p:cNvPr id="184" name="직사각형 363">
+            <a:extLst>
+              <a:ext uri="{FF2B5EF4-FFF2-40B4-BE49-F238E27FC236}">
+                <a16:creationId xmlns:a16="http://schemas.microsoft.com/office/drawing/2014/main" id="{EE96AA9F-1D20-E1EC-425E-64E3FB2AA0EC}"/>
+              </a:ext>
+            </a:extLst>
+          </p:cNvPr>
+          <p:cNvSpPr/>
+          <p:nvPr/>
+        </p:nvSpPr>
+        <p:spPr>
+          <a:xfrm>
+            <a:off x="1753942" y="5087330"/>
+            <a:ext cx="1684708" cy="227388"/>
+          </a:xfrm>
+          <a:prstGeom prst="rect">
+            <a:avLst/>
+          </a:prstGeom>
+          <a:noFill/>
+          <a:ln w="3175" cap="flat" cmpd="sng" algn="ctr">
+            <a:solidFill>
+              <a:schemeClr val="tx1">
+                <a:lumMod val="50000"/>
+                <a:lumOff val="50000"/>
+              </a:schemeClr>
+            </a:solidFill>
+            <a:prstDash val="dash"/>
+            <a:miter lim="800000"/>
+          </a:ln>
+          <a:effectLst/>
+        </p:spPr>
+        <p:txBody>
+          <a:bodyPr lIns="45720" rIns="0" rtlCol="0" anchor="ctr"/>
+          <a:lstStyle/>
+          <a:p>
+            <a:r>
+              <a:rPr lang="en-US" sz="800" dirty="0"/>
+              <a:t>js_header_filter editHeaders</a:t>
+            </a:r>
+          </a:p>
+        </p:txBody>
+      </p:sp>
+      <p:cxnSp>
+        <p:nvCxnSpPr>
+          <p:cNvPr id="185" name="Straight Arrow Connector 184">
+            <a:extLst>
+              <a:ext uri="{FF2B5EF4-FFF2-40B4-BE49-F238E27FC236}">
+                <a16:creationId xmlns:a16="http://schemas.microsoft.com/office/drawing/2014/main" id="{AC9263CA-BC94-AD5A-E061-C54B518FB36A}"/>
+              </a:ext>
+            </a:extLst>
+          </p:cNvPr>
+          <p:cNvCxnSpPr>
+            <a:cxnSpLocks/>
+            <a:stCxn id="184" idx="3"/>
+            <a:endCxn id="120" idx="1"/>
+          </p:cNvCxnSpPr>
+          <p:nvPr/>
+        </p:nvCxnSpPr>
+        <p:spPr>
+          <a:xfrm>
+            <a:off x="3438650" y="5201024"/>
+            <a:ext cx="239270" cy="6639"/>
+          </a:xfrm>
+          <a:prstGeom prst="straightConnector1">
+            <a:avLst/>
+          </a:prstGeom>
+          <a:ln>
+            <a:solidFill>
+              <a:schemeClr val="accent6"/>
+            </a:solidFill>
+            <a:prstDash val="dash"/>
+            <a:headEnd type="none" w="sm" len="sm"/>
+            <a:tailEnd type="triangle" w="sm" len="sm"/>
+          </a:ln>
+        </p:spPr>
+        <p:style>
+          <a:lnRef idx="1">
+            <a:schemeClr val="accent1"/>
+          </a:lnRef>
+          <a:fillRef idx="0">
+            <a:schemeClr val="accent1"/>
+          </a:fillRef>
+          <a:effectRef idx="0">
+            <a:schemeClr val="accent1"/>
+          </a:effectRef>
+          <a:fontRef idx="minor">
+            <a:schemeClr val="tx1"/>
+          </a:fontRef>
+        </p:style>
+      </p:cxnSp>
+      <p:cxnSp>
+        <p:nvCxnSpPr>
+          <p:cNvPr id="191" name="Straight Arrow Connector 190">
+            <a:extLst>
+              <a:ext uri="{FF2B5EF4-FFF2-40B4-BE49-F238E27FC236}">
+                <a16:creationId xmlns:a16="http://schemas.microsoft.com/office/drawing/2014/main" id="{5E897FA6-AEFC-69EE-37DD-7B7B20263B68}"/>
+              </a:ext>
+            </a:extLst>
+          </p:cNvPr>
+          <p:cNvCxnSpPr>
+            <a:cxnSpLocks/>
+          </p:cNvCxnSpPr>
+          <p:nvPr/>
+        </p:nvCxnSpPr>
+        <p:spPr>
+          <a:xfrm>
+            <a:off x="2556985" y="5970216"/>
+            <a:ext cx="0" cy="325513"/>
+          </a:xfrm>
+          <a:prstGeom prst="straightConnector1">
+            <a:avLst/>
+          </a:prstGeom>
+          <a:ln>
+            <a:solidFill>
+              <a:schemeClr val="accent6"/>
+            </a:solidFill>
+            <a:prstDash val="dash"/>
+            <a:headEnd type="none" w="sm" len="sm"/>
+            <a:tailEnd type="triangle" w="sm" len="sm"/>
+          </a:ln>
+        </p:spPr>
+        <p:style>
+          <a:lnRef idx="1">
+            <a:schemeClr val="accent1"/>
+          </a:lnRef>
+          <a:fillRef idx="0">
+            <a:schemeClr val="accent1"/>
+          </a:fillRef>
+          <a:effectRef idx="0">
+            <a:schemeClr val="accent1"/>
+          </a:effectRef>
+          <a:fontRef idx="minor">
+            <a:schemeClr val="tx1"/>
+          </a:fontRef>
+        </p:style>
+      </p:cxnSp>
+      <p:sp>
+        <p:nvSpPr>
+          <p:cNvPr id="194" name="Oval 193">
+            <a:extLst>
+              <a:ext uri="{FF2B5EF4-FFF2-40B4-BE49-F238E27FC236}">
+                <a16:creationId xmlns:a16="http://schemas.microsoft.com/office/drawing/2014/main" id="{C3B8B4B6-424A-002B-6830-DEE61EB61FB6}"/>
+              </a:ext>
+            </a:extLst>
+          </p:cNvPr>
+          <p:cNvSpPr>
+            <a:spLocks/>
+          </p:cNvSpPr>
+          <p:nvPr/>
+        </p:nvSpPr>
+        <p:spPr>
+          <a:xfrm>
+            <a:off x="3855568" y="5126020"/>
+            <a:ext cx="137160" cy="137160"/>
+          </a:xfrm>
+          <a:prstGeom prst="ellipse">
+            <a:avLst/>
+          </a:prstGeom>
+          <a:solidFill>
+            <a:schemeClr val="accent6">
+              <a:lumMod val="75000"/>
+            </a:schemeClr>
+          </a:solidFill>
+          <a:ln>
+            <a:solidFill>
+              <a:schemeClr val="accent6">
+                <a:lumMod val="50000"/>
+              </a:schemeClr>
+            </a:solidFill>
+          </a:ln>
+        </p:spPr>
+        <p:style>
+          <a:lnRef idx="2">
+            <a:schemeClr val="accent1">
+              <a:shade val="50000"/>
+            </a:schemeClr>
+          </a:lnRef>
+          <a:fillRef idx="1">
+            <a:schemeClr val="accent1"/>
+          </a:fillRef>
+          <a:effectRef idx="0">
+            <a:schemeClr val="accent1"/>
+          </a:effectRef>
+          <a:fontRef idx="minor">
+            <a:schemeClr val="lt1"/>
+          </a:fontRef>
+        </p:style>
+        <p:txBody>
+          <a:bodyPr lIns="0" tIns="0" rIns="0" bIns="0" rtlCol="0" anchor="ctr"/>
+          <a:lstStyle/>
+          <a:p>
+            <a:pPr algn="ctr"/>
+            <a:r>
+              <a:rPr lang="en-US" sz="800" dirty="0">
+                <a:solidFill>
+                  <a:schemeClr val="bg1"/>
+                </a:solidFill>
+              </a:rPr>
+              <a:t>9</a:t>
+            </a:r>
+          </a:p>
+        </p:txBody>
+      </p:sp>
+      <p:sp>
+        <p:nvSpPr>
+          <p:cNvPr id="195" name="Oval 194">
+            <a:extLst>
+              <a:ext uri="{FF2B5EF4-FFF2-40B4-BE49-F238E27FC236}">
+                <a16:creationId xmlns:a16="http://schemas.microsoft.com/office/drawing/2014/main" id="{B59F1DF4-C8E4-10D0-2E92-B5A66C181EEC}"/>
+              </a:ext>
+            </a:extLst>
+          </p:cNvPr>
+          <p:cNvSpPr>
+            <a:spLocks/>
+          </p:cNvSpPr>
+          <p:nvPr/>
+        </p:nvSpPr>
+        <p:spPr>
+          <a:xfrm>
+            <a:off x="1731686" y="5404880"/>
+            <a:ext cx="155448" cy="155448"/>
+          </a:xfrm>
+          <a:prstGeom prst="ellipse">
+            <a:avLst/>
+          </a:prstGeom>
+          <a:solidFill>
+            <a:schemeClr val="accent6">
+              <a:lumMod val="75000"/>
+            </a:schemeClr>
+          </a:solidFill>
+          <a:ln>
+            <a:solidFill>
+              <a:schemeClr val="accent6">
+                <a:lumMod val="50000"/>
+              </a:schemeClr>
+            </a:solidFill>
+          </a:ln>
+        </p:spPr>
+        <p:style>
+          <a:lnRef idx="2">
+            <a:schemeClr val="accent1">
+              <a:shade val="50000"/>
+            </a:schemeClr>
+          </a:lnRef>
+          <a:fillRef idx="1">
+            <a:schemeClr val="accent1"/>
+          </a:fillRef>
+          <a:effectRef idx="0">
+            <a:schemeClr val="accent1"/>
+          </a:effectRef>
+          <a:fontRef idx="minor">
+            <a:schemeClr val="lt1"/>
+          </a:fontRef>
+        </p:style>
+        <p:txBody>
+          <a:bodyPr lIns="0" tIns="0" rIns="0" bIns="0" rtlCol="0" anchor="ctr"/>
+          <a:lstStyle/>
+          <a:p>
+            <a:pPr algn="ctr"/>
+            <a:r>
+              <a:rPr lang="en-US" sz="800" dirty="0">
+                <a:solidFill>
+                  <a:schemeClr val="bg1"/>
+                </a:solidFill>
+              </a:rPr>
+              <a:t>10</a:t>
+            </a:r>
+          </a:p>
+        </p:txBody>
+      </p:sp>
+      <p:sp>
+        <p:nvSpPr>
+          <p:cNvPr id="196" name="TextBox 195">
+            <a:extLst>
+              <a:ext uri="{FF2B5EF4-FFF2-40B4-BE49-F238E27FC236}">
+                <a16:creationId xmlns:a16="http://schemas.microsoft.com/office/drawing/2014/main" id="{6318EF1C-2775-C1D2-316E-06D00739F97C}"/>
+              </a:ext>
+            </a:extLst>
+          </p:cNvPr>
+          <p:cNvSpPr txBox="1"/>
+          <p:nvPr/>
+        </p:nvSpPr>
+        <p:spPr>
+          <a:xfrm>
+            <a:off x="9429794" y="4683483"/>
+            <a:ext cx="1630558" cy="338554"/>
+          </a:xfrm>
+          <a:prstGeom prst="rect">
+            <a:avLst/>
+          </a:prstGeom>
+          <a:noFill/>
+          <a:ln>
+            <a:solidFill>
+              <a:schemeClr val="accent6"/>
+            </a:solidFill>
+            <a:prstDash val="dash"/>
+          </a:ln>
+        </p:spPr>
+        <p:txBody>
+          <a:bodyPr wrap="square" lIns="45720" tIns="45720" rIns="0" bIns="45720">
+            <a:spAutoFit/>
+          </a:bodyPr>
+          <a:lstStyle/>
+          <a:p>
+            <a:pPr marL="57150" indent="-57150">
+              <a:buFont typeface="Arial" panose="020B0604020202020204" pitchFamily="34" charset="0"/>
+              <a:buChar char="•"/>
+            </a:pPr>
+            <a:r>
+              <a:rPr lang="en-US" sz="800" b="0" dirty="0">
+                <a:solidFill>
+                  <a:srgbClr val="000000"/>
+                </a:solidFill>
+                <a:effectLst/>
+              </a:rPr>
+              <a:t>getEightDigitDate()</a:t>
+            </a:r>
+          </a:p>
+          <a:p>
+            <a:pPr marL="57150" indent="-57150">
+              <a:buFont typeface="Arial" panose="020B0604020202020204" pitchFamily="34" charset="0"/>
+              <a:buChar char="•"/>
+            </a:pPr>
+            <a:r>
+              <a:rPr lang="en-US" sz="800" b="0" dirty="0">
+                <a:solidFill>
+                  <a:srgbClr val="000000"/>
+                </a:solidFill>
+                <a:effectLst/>
+              </a:rPr>
+              <a:t>getAmzDatetime()</a:t>
+            </a:r>
+          </a:p>
+        </p:txBody>
+      </p:sp>
+      <p:sp>
+        <p:nvSpPr>
+          <p:cNvPr id="197" name="TextBox 196">
+            <a:extLst>
+              <a:ext uri="{FF2B5EF4-FFF2-40B4-BE49-F238E27FC236}">
+                <a16:creationId xmlns:a16="http://schemas.microsoft.com/office/drawing/2014/main" id="{C45F2EE3-7B04-96A1-075B-0031DE836CC4}"/>
+              </a:ext>
+            </a:extLst>
+          </p:cNvPr>
+          <p:cNvSpPr txBox="1"/>
+          <p:nvPr/>
+        </p:nvSpPr>
+        <p:spPr>
+          <a:xfrm>
+            <a:off x="7513552" y="5064370"/>
+            <a:ext cx="1654909" cy="584775"/>
+          </a:xfrm>
+          <a:prstGeom prst="rect">
+            <a:avLst/>
+          </a:prstGeom>
+          <a:noFill/>
+          <a:ln>
+            <a:solidFill>
+              <a:schemeClr val="accent6"/>
+            </a:solidFill>
+            <a:prstDash val="dash"/>
+          </a:ln>
+        </p:spPr>
+        <p:txBody>
+          <a:bodyPr wrap="square" lIns="45720" tIns="45720" rIns="0" bIns="45720">
+            <a:spAutoFit/>
+          </a:bodyPr>
+          <a:lstStyle/>
+          <a:p>
+            <a:pPr marL="57150" indent="-57150">
+              <a:buFont typeface="Arial" panose="020B0604020202020204" pitchFamily="34" charset="0"/>
+              <a:buChar char="•"/>
+            </a:pPr>
+            <a:r>
+              <a:rPr lang="en-US" sz="800" b="0" dirty="0">
+                <a:solidFill>
+                  <a:srgbClr val="000000"/>
+                </a:solidFill>
+                <a:effectLst/>
+              </a:rPr>
+              <a:t>Create a canonical request</a:t>
+            </a:r>
+          </a:p>
+          <a:p>
+            <a:pPr marL="57150" indent="-57150">
+              <a:buFont typeface="Arial" panose="020B0604020202020204" pitchFamily="34" charset="0"/>
+              <a:buChar char="•"/>
+            </a:pPr>
+            <a:r>
+              <a:rPr lang="en-US" sz="800" b="0" dirty="0">
+                <a:solidFill>
+                  <a:srgbClr val="000000"/>
+                </a:solidFill>
+                <a:effectLst/>
+              </a:rPr>
+              <a:t>Create the string to sign</a:t>
+            </a:r>
+          </a:p>
+          <a:p>
+            <a:pPr marL="57150" indent="-57150">
+              <a:buFont typeface="Arial" panose="020B0604020202020204" pitchFamily="34" charset="0"/>
+              <a:buChar char="•"/>
+            </a:pPr>
+            <a:r>
+              <a:rPr lang="en-US" sz="800" dirty="0">
+                <a:solidFill>
+                  <a:srgbClr val="000000"/>
+                </a:solidFill>
+              </a:rPr>
+              <a:t>Calculate the signature</a:t>
+            </a:r>
+          </a:p>
+          <a:p>
+            <a:pPr marL="57150" indent="-57150">
+              <a:buFont typeface="Arial" panose="020B0604020202020204" pitchFamily="34" charset="0"/>
+              <a:buChar char="•"/>
+            </a:pPr>
+            <a:r>
+              <a:rPr lang="en-US" sz="800" dirty="0">
+                <a:solidFill>
+                  <a:srgbClr val="000000"/>
+                </a:solidFill>
+              </a:rPr>
+              <a:t>Generate auth signature header</a:t>
+            </a:r>
+          </a:p>
+        </p:txBody>
+      </p:sp>
+      <p:sp>
+        <p:nvSpPr>
+          <p:cNvPr id="201" name="직사각형 363">
+            <a:extLst>
+              <a:ext uri="{FF2B5EF4-FFF2-40B4-BE49-F238E27FC236}">
+                <a16:creationId xmlns:a16="http://schemas.microsoft.com/office/drawing/2014/main" id="{8FCA8D52-85C1-6365-F15F-6FA878A82614}"/>
+              </a:ext>
+            </a:extLst>
+          </p:cNvPr>
+          <p:cNvSpPr/>
+          <p:nvPr/>
+        </p:nvSpPr>
+        <p:spPr>
+          <a:xfrm>
+            <a:off x="1756293" y="3089760"/>
+            <a:ext cx="1684708" cy="325931"/>
+          </a:xfrm>
+          <a:prstGeom prst="rect">
+            <a:avLst/>
+          </a:prstGeom>
+          <a:noFill/>
+          <a:ln w="3175" cap="flat" cmpd="sng" algn="ctr">
+            <a:solidFill>
+              <a:schemeClr val="tx1">
+                <a:lumMod val="50000"/>
+                <a:lumOff val="50000"/>
+              </a:schemeClr>
+            </a:solidFill>
+            <a:prstDash val="dash"/>
+            <a:miter lim="800000"/>
+          </a:ln>
+          <a:effectLst/>
+        </p:spPr>
+        <p:txBody>
+          <a:bodyPr lIns="45720" rIns="0" rtlCol="0" anchor="ctr"/>
+          <a:lstStyle/>
+          <a:p>
+            <a:r>
+              <a:rPr kumimoji="0" lang="en-US" sz="800" b="0" i="0" u="none" strike="noStrike" kern="1200" cap="none" spc="0" normalizeH="0" baseline="0" noProof="0" dirty="0">
+                <a:ln>
+                  <a:noFill/>
+                </a:ln>
+                <a:solidFill>
+                  <a:schemeClr val="tx1">
+                    <a:lumMod val="50000"/>
+                    <a:lumOff val="50000"/>
+                  </a:schemeClr>
+                </a:solidFill>
+                <a:effectLst/>
+                <a:uLnTx/>
+                <a:uFillTx/>
+                <a:latin typeface="Calibri" panose="020F0502020204030204"/>
+                <a:ea typeface="+mn-ea"/>
+                <a:cs typeface="+mn-cs"/>
+              </a:rPr>
+              <a:t>proxy_set_header</a:t>
+            </a:r>
+            <a:endParaRPr lang="en-US" sz="800" dirty="0">
+              <a:solidFill>
+                <a:schemeClr val="tx1">
+                  <a:lumMod val="50000"/>
+                  <a:lumOff val="50000"/>
+                </a:schemeClr>
+              </a:solidFill>
+            </a:endParaRPr>
+          </a:p>
+          <a:p>
+            <a:r>
+              <a:rPr lang="en-US" sz="800" dirty="0"/>
+              <a:t>x-amz-date $awsDate</a:t>
+            </a:r>
+          </a:p>
+        </p:txBody>
+      </p:sp>
+      <p:sp>
+        <p:nvSpPr>
+          <p:cNvPr id="202" name="직사각형 363">
+            <a:extLst>
+              <a:ext uri="{FF2B5EF4-FFF2-40B4-BE49-F238E27FC236}">
+                <a16:creationId xmlns:a16="http://schemas.microsoft.com/office/drawing/2014/main" id="{5F3CE81E-05ED-786F-6113-93A66DD44100}"/>
+              </a:ext>
+            </a:extLst>
+          </p:cNvPr>
+          <p:cNvSpPr/>
+          <p:nvPr/>
+        </p:nvSpPr>
+        <p:spPr>
+          <a:xfrm>
+            <a:off x="7494097" y="3070349"/>
+            <a:ext cx="1660255" cy="359218"/>
+          </a:xfrm>
+          <a:prstGeom prst="rect">
+            <a:avLst/>
+          </a:prstGeom>
+          <a:solidFill>
+            <a:schemeClr val="accent6">
+              <a:lumMod val="20000"/>
+              <a:lumOff val="80000"/>
+            </a:schemeClr>
+          </a:solidFill>
+          <a:ln w="3175" cap="flat" cmpd="sng" algn="ctr">
+            <a:noFill/>
+            <a:prstDash val="solid"/>
+            <a:miter lim="800000"/>
+          </a:ln>
+          <a:effectLst/>
+        </p:spPr>
+        <p:txBody>
+          <a:bodyPr lIns="0" rIns="0" rtlCol="0" anchor="ctr"/>
+          <a:lstStyle/>
+          <a:p>
+            <a:pPr marL="0" marR="0" lvl="0" indent="0" algn="ctr" defTabSz="914400" eaLnBrk="1" fontAlgn="auto" latinLnBrk="0" hangingPunct="1">
+              <a:spcBef>
+                <a:spcPts val="0"/>
+              </a:spcBef>
+              <a:spcAft>
+                <a:spcPts val="0"/>
+              </a:spcAft>
+              <a:buClrTx/>
+              <a:buSzTx/>
+              <a:buFontTx/>
+              <a:buNone/>
+              <a:tabLst/>
+              <a:defRPr/>
+            </a:pPr>
+            <a:r>
+              <a:rPr kumimoji="0" lang="en-US" altLang="ko-KR" sz="1200" b="0" i="0" u="none" strike="noStrike" kern="0" cap="none" spc="0" normalizeH="0" baseline="0" noProof="0" dirty="0">
+                <a:ln>
+                  <a:noFill/>
+                </a:ln>
+                <a:solidFill>
+                  <a:prstClr val="black"/>
+                </a:solidFill>
+                <a:effectLst/>
+                <a:uLnTx/>
+                <a:uFillTx/>
+                <a:latin typeface="Calibri" panose="020F0502020204030204" pitchFamily="34" charset="0"/>
+                <a:ea typeface="맑은 고딕"/>
+              </a:rPr>
+              <a:t>Get Amz Date</a:t>
+            </a:r>
+            <a:endParaRPr kumimoji="0" lang="ko-KR" altLang="en-US" sz="1200" b="0" i="0" u="none" strike="noStrike" kern="0" cap="none" spc="0" normalizeH="0" baseline="0" noProof="0" dirty="0">
+              <a:ln>
+                <a:noFill/>
+              </a:ln>
+              <a:solidFill>
+                <a:schemeClr val="tx1">
+                  <a:lumMod val="50000"/>
+                  <a:lumOff val="50000"/>
+                </a:schemeClr>
+              </a:solidFill>
+              <a:effectLst/>
+              <a:uLnTx/>
+              <a:uFillTx/>
+              <a:latin typeface="Calibri" panose="020F0502020204030204" pitchFamily="34" charset="0"/>
+              <a:ea typeface="맑은 고딕"/>
+            </a:endParaRPr>
+          </a:p>
+        </p:txBody>
+      </p:sp>
+      <p:sp>
+        <p:nvSpPr>
+          <p:cNvPr id="206" name="TextBox 205">
+            <a:extLst>
+              <a:ext uri="{FF2B5EF4-FFF2-40B4-BE49-F238E27FC236}">
+                <a16:creationId xmlns:a16="http://schemas.microsoft.com/office/drawing/2014/main" id="{1ADB81F0-050D-B817-F32E-69E0E1E270EB}"/>
+              </a:ext>
+            </a:extLst>
+          </p:cNvPr>
+          <p:cNvSpPr txBox="1"/>
+          <p:nvPr/>
+        </p:nvSpPr>
+        <p:spPr>
+          <a:xfrm>
+            <a:off x="7513443" y="3461212"/>
+            <a:ext cx="1630558" cy="215444"/>
+          </a:xfrm>
+          <a:prstGeom prst="rect">
+            <a:avLst/>
+          </a:prstGeom>
+          <a:noFill/>
+          <a:ln>
+            <a:solidFill>
+              <a:schemeClr val="accent6"/>
+            </a:solidFill>
+            <a:prstDash val="dash"/>
+          </a:ln>
+        </p:spPr>
+        <p:txBody>
+          <a:bodyPr wrap="square" lIns="45720" tIns="45720" rIns="0" bIns="45720">
+            <a:spAutoFit/>
+          </a:bodyPr>
+          <a:lstStyle/>
+          <a:p>
+            <a:pPr marL="57150" indent="-57150">
+              <a:buFont typeface="Arial" panose="020B0604020202020204" pitchFamily="34" charset="0"/>
+              <a:buChar char="•"/>
+            </a:pPr>
+            <a:r>
+              <a:rPr lang="en-US" sz="800" dirty="0"/>
+              <a:t>awsHeaderDate()</a:t>
+            </a:r>
+          </a:p>
+        </p:txBody>
+      </p:sp>
+      <p:cxnSp>
+        <p:nvCxnSpPr>
+          <p:cNvPr id="209" name="Straight Arrow Connector 208">
+            <a:extLst>
+              <a:ext uri="{FF2B5EF4-FFF2-40B4-BE49-F238E27FC236}">
+                <a16:creationId xmlns:a16="http://schemas.microsoft.com/office/drawing/2014/main" id="{271282C6-0B19-779E-5849-B95307A9C557}"/>
+              </a:ext>
+            </a:extLst>
+          </p:cNvPr>
+          <p:cNvCxnSpPr>
+            <a:cxnSpLocks/>
+            <a:stCxn id="202" idx="1"/>
+          </p:cNvCxnSpPr>
+          <p:nvPr/>
+        </p:nvCxnSpPr>
+        <p:spPr>
+          <a:xfrm flipH="1" flipV="1">
+            <a:off x="3432057" y="3215514"/>
+            <a:ext cx="4062040" cy="34444"/>
+          </a:xfrm>
+          <a:prstGeom prst="straightConnector1">
+            <a:avLst/>
+          </a:prstGeom>
+          <a:ln>
+            <a:solidFill>
+              <a:schemeClr val="tx1">
+                <a:lumMod val="50000"/>
+                <a:lumOff val="50000"/>
+              </a:schemeClr>
+            </a:solidFill>
+            <a:prstDash val="dash"/>
+            <a:headEnd type="none" w="sm" len="sm"/>
+            <a:tailEnd type="triangle" w="sm" len="sm"/>
+          </a:ln>
+        </p:spPr>
+        <p:style>
+          <a:lnRef idx="1">
+            <a:schemeClr val="accent1"/>
+          </a:lnRef>
+          <a:fillRef idx="0">
+            <a:schemeClr val="accent1"/>
+          </a:fillRef>
+          <a:effectRef idx="0">
+            <a:schemeClr val="accent1"/>
+          </a:effectRef>
+          <a:fontRef idx="minor">
+            <a:schemeClr val="tx1"/>
+          </a:fontRef>
+        </p:style>
+      </p:cxnSp>
+      <p:cxnSp>
+        <p:nvCxnSpPr>
+          <p:cNvPr id="220" name="Straight Arrow Connector 219">
+            <a:extLst>
+              <a:ext uri="{FF2B5EF4-FFF2-40B4-BE49-F238E27FC236}">
+                <a16:creationId xmlns:a16="http://schemas.microsoft.com/office/drawing/2014/main" id="{D2B7118B-8396-F724-5B16-A8B611171F23}"/>
+              </a:ext>
+            </a:extLst>
+          </p:cNvPr>
+          <p:cNvCxnSpPr>
+            <a:cxnSpLocks/>
+            <a:stCxn id="196" idx="1"/>
+            <a:endCxn id="171" idx="3"/>
+          </p:cNvCxnSpPr>
+          <p:nvPr/>
+        </p:nvCxnSpPr>
+        <p:spPr>
+          <a:xfrm flipH="1">
+            <a:off x="9163455" y="4852760"/>
+            <a:ext cx="266339" cy="3647"/>
+          </a:xfrm>
+          <a:prstGeom prst="straightConnector1">
+            <a:avLst/>
+          </a:prstGeom>
+          <a:ln>
+            <a:solidFill>
+              <a:schemeClr val="tx1">
+                <a:lumMod val="50000"/>
+                <a:lumOff val="50000"/>
+              </a:schemeClr>
+            </a:solidFill>
+            <a:prstDash val="dash"/>
+            <a:headEnd type="none" w="sm" len="sm"/>
+            <a:tailEnd type="triangle" w="sm" len="sm"/>
+          </a:ln>
+        </p:spPr>
+        <p:style>
+          <a:lnRef idx="1">
+            <a:schemeClr val="accent1"/>
+          </a:lnRef>
+          <a:fillRef idx="0">
+            <a:schemeClr val="accent1"/>
+          </a:fillRef>
+          <a:effectRef idx="0">
+            <a:schemeClr val="accent1"/>
+          </a:effectRef>
+          <a:fontRef idx="minor">
+            <a:schemeClr val="tx1"/>
+          </a:fontRef>
+        </p:style>
+      </p:cxnSp>
+      <p:sp>
+        <p:nvSpPr>
+          <p:cNvPr id="226" name="직사각형 363">
+            <a:extLst>
+              <a:ext uri="{FF2B5EF4-FFF2-40B4-BE49-F238E27FC236}">
+                <a16:creationId xmlns:a16="http://schemas.microsoft.com/office/drawing/2014/main" id="{1AFA64BE-5361-F0AC-271E-C89293A7C714}"/>
+              </a:ext>
+            </a:extLst>
+          </p:cNvPr>
+          <p:cNvSpPr/>
+          <p:nvPr/>
+        </p:nvSpPr>
+        <p:spPr>
+          <a:xfrm>
+            <a:off x="9410376" y="1794076"/>
+            <a:ext cx="1630558" cy="359218"/>
+          </a:xfrm>
+          <a:prstGeom prst="rect">
+            <a:avLst/>
+          </a:prstGeom>
+          <a:solidFill>
+            <a:schemeClr val="accent6">
+              <a:lumMod val="20000"/>
+              <a:lumOff val="80000"/>
+            </a:schemeClr>
+          </a:solidFill>
+          <a:ln w="3175" cap="flat" cmpd="sng" algn="ctr">
+            <a:noFill/>
+            <a:prstDash val="solid"/>
+            <a:miter lim="800000"/>
+          </a:ln>
+          <a:effectLst/>
+        </p:spPr>
+        <p:txBody>
+          <a:bodyPr lIns="0" rIns="0" rtlCol="0" anchor="ctr"/>
+          <a:lstStyle/>
+          <a:p>
+            <a:pPr marL="0" marR="0" lvl="0" indent="0" algn="ctr" defTabSz="914400" eaLnBrk="1" fontAlgn="auto" latinLnBrk="0" hangingPunct="1">
+              <a:spcBef>
+                <a:spcPts val="0"/>
+              </a:spcBef>
+              <a:spcAft>
+                <a:spcPts val="0"/>
+              </a:spcAft>
+              <a:buClrTx/>
+              <a:buSzTx/>
+              <a:buFontTx/>
+              <a:buNone/>
+              <a:tabLst/>
+              <a:defRPr/>
+            </a:pPr>
+            <a:r>
+              <a:rPr kumimoji="0" lang="en-US" altLang="ko-KR" sz="1200" b="0" i="0" u="none" strike="noStrike" kern="0" cap="none" spc="0" normalizeH="0" baseline="0" noProof="0" dirty="0">
+                <a:ln>
+                  <a:noFill/>
+                </a:ln>
+                <a:solidFill>
+                  <a:prstClr val="black"/>
+                </a:solidFill>
+                <a:effectLst/>
+                <a:uLnTx/>
+                <a:uFillTx/>
+                <a:latin typeface="Calibri" panose="020F0502020204030204" pitchFamily="34" charset="0"/>
+                <a:ea typeface="맑은 고딕"/>
+              </a:rPr>
+              <a:t>Common Functions</a:t>
+            </a:r>
+            <a:endParaRPr kumimoji="0" lang="ko-KR" altLang="en-US" sz="1200" b="0" i="0" u="none" strike="noStrike" kern="0" cap="none" spc="0" normalizeH="0" baseline="0" noProof="0" dirty="0">
+              <a:ln>
+                <a:noFill/>
+              </a:ln>
+              <a:solidFill>
+                <a:schemeClr val="tx1">
+                  <a:lumMod val="50000"/>
+                  <a:lumOff val="50000"/>
+                </a:schemeClr>
+              </a:solidFill>
+              <a:effectLst/>
+              <a:uLnTx/>
+              <a:uFillTx/>
+              <a:latin typeface="Calibri" panose="020F0502020204030204" pitchFamily="34" charset="0"/>
+              <a:ea typeface="맑은 고딕"/>
+            </a:endParaRPr>
+          </a:p>
+        </p:txBody>
+      </p:sp>
+      <p:sp>
+        <p:nvSpPr>
+          <p:cNvPr id="227" name="TextBox 226">
+            <a:extLst>
+              <a:ext uri="{FF2B5EF4-FFF2-40B4-BE49-F238E27FC236}">
+                <a16:creationId xmlns:a16="http://schemas.microsoft.com/office/drawing/2014/main" id="{3E16634B-49D5-9D63-9DE3-1B5157622CFB}"/>
+              </a:ext>
+            </a:extLst>
+          </p:cNvPr>
+          <p:cNvSpPr txBox="1"/>
+          <p:nvPr/>
+        </p:nvSpPr>
+        <p:spPr>
+          <a:xfrm>
+            <a:off x="9410375" y="2211695"/>
+            <a:ext cx="1630558" cy="707886"/>
+          </a:xfrm>
+          <a:prstGeom prst="rect">
+            <a:avLst/>
+          </a:prstGeom>
+          <a:noFill/>
+          <a:ln>
+            <a:solidFill>
+              <a:schemeClr val="accent6"/>
+            </a:solidFill>
+            <a:prstDash val="dash"/>
+          </a:ln>
+        </p:spPr>
+        <p:txBody>
+          <a:bodyPr wrap="square" lIns="45720" tIns="45720" rIns="0" bIns="45720">
+            <a:spAutoFit/>
+          </a:bodyPr>
+          <a:lstStyle/>
+          <a:p>
+            <a:pPr marL="57150" indent="-57150">
+              <a:buFont typeface="Arial" panose="020B0604020202020204" pitchFamily="34" charset="0"/>
+              <a:buChar char="•"/>
+            </a:pPr>
+            <a:r>
+              <a:rPr lang="en-US" sz="800" dirty="0"/>
+              <a:t>sign()</a:t>
+            </a:r>
+          </a:p>
+          <a:p>
+            <a:pPr marL="57150" indent="-57150">
+              <a:buFont typeface="Arial" panose="020B0604020202020204" pitchFamily="34" charset="0"/>
+              <a:buChar char="•"/>
+            </a:pPr>
+            <a:r>
+              <a:rPr lang="en-US" sz="800" dirty="0"/>
+              <a:t>debug_log()</a:t>
+            </a:r>
+          </a:p>
+          <a:p>
+            <a:pPr marL="57150" indent="-57150">
+              <a:buFont typeface="Arial" panose="020B0604020202020204" pitchFamily="34" charset="0"/>
+              <a:buChar char="•"/>
+            </a:pPr>
+            <a:r>
+              <a:rPr lang="en-US" sz="800" dirty="0"/>
+              <a:t>padWithLeadingZeros()</a:t>
+            </a:r>
+          </a:p>
+          <a:p>
+            <a:pPr marL="57150" indent="-57150">
+              <a:buFont typeface="Arial" panose="020B0604020202020204" pitchFamily="34" charset="0"/>
+              <a:buChar char="•"/>
+            </a:pPr>
+            <a:r>
+              <a:rPr lang="en-US" sz="800" dirty="0"/>
+              <a:t>parseBoolean()</a:t>
+            </a:r>
+          </a:p>
+          <a:p>
+            <a:r>
+              <a:rPr lang="en-US" sz="800" dirty="0"/>
+              <a:t>                :</a:t>
+            </a:r>
+          </a:p>
+        </p:txBody>
+      </p:sp>
+      <p:sp>
+        <p:nvSpPr>
+          <p:cNvPr id="228" name="Oval 227">
+            <a:extLst>
+              <a:ext uri="{FF2B5EF4-FFF2-40B4-BE49-F238E27FC236}">
+                <a16:creationId xmlns:a16="http://schemas.microsoft.com/office/drawing/2014/main" id="{A1A6C116-5F5F-B2A0-F6BF-04B62BDAB1E2}"/>
+              </a:ext>
+            </a:extLst>
+          </p:cNvPr>
+          <p:cNvSpPr>
+            <a:spLocks/>
+          </p:cNvSpPr>
+          <p:nvPr/>
+        </p:nvSpPr>
+        <p:spPr>
+          <a:xfrm>
+            <a:off x="9458718" y="1906146"/>
+            <a:ext cx="137160" cy="137160"/>
+          </a:xfrm>
+          <a:prstGeom prst="ellipse">
+            <a:avLst/>
+          </a:prstGeom>
+          <a:solidFill>
+            <a:schemeClr val="accent6">
+              <a:lumMod val="75000"/>
+            </a:schemeClr>
+          </a:solidFill>
+          <a:ln>
+            <a:solidFill>
+              <a:schemeClr val="accent6">
+                <a:lumMod val="50000"/>
+              </a:schemeClr>
+            </a:solidFill>
+          </a:ln>
+        </p:spPr>
+        <p:style>
+          <a:lnRef idx="2">
+            <a:schemeClr val="accent1">
+              <a:shade val="50000"/>
+            </a:schemeClr>
+          </a:lnRef>
+          <a:fillRef idx="1">
+            <a:schemeClr val="accent1"/>
+          </a:fillRef>
+          <a:effectRef idx="0">
+            <a:schemeClr val="accent1"/>
+          </a:effectRef>
+          <a:fontRef idx="minor">
+            <a:schemeClr val="lt1"/>
+          </a:fontRef>
+        </p:style>
+        <p:txBody>
+          <a:bodyPr lIns="0" tIns="0" rIns="0" bIns="0" rtlCol="0" anchor="ctr"/>
+          <a:lstStyle/>
+          <a:p>
+            <a:pPr algn="ctr"/>
+            <a:r>
+              <a:rPr lang="en-US" sz="800" dirty="0">
+                <a:solidFill>
+                  <a:schemeClr val="bg1"/>
+                </a:solidFill>
+              </a:rPr>
+              <a:t>a</a:t>
+            </a:r>
+          </a:p>
+        </p:txBody>
+      </p:sp>
+      <p:cxnSp>
+        <p:nvCxnSpPr>
+          <p:cNvPr id="229" name="Elbow Connector 228">
+            <a:extLst>
+              <a:ext uri="{FF2B5EF4-FFF2-40B4-BE49-F238E27FC236}">
+                <a16:creationId xmlns:a16="http://schemas.microsoft.com/office/drawing/2014/main" id="{85BFAAF7-5BE7-2984-08BC-D88D9A89981B}"/>
+              </a:ext>
+            </a:extLst>
+          </p:cNvPr>
+          <p:cNvCxnSpPr>
+            <a:cxnSpLocks/>
+            <a:stCxn id="196" idx="0"/>
+            <a:endCxn id="206" idx="3"/>
+          </p:cNvCxnSpPr>
+          <p:nvPr/>
+        </p:nvCxnSpPr>
+        <p:spPr>
+          <a:xfrm rot="16200000" flipV="1">
+            <a:off x="9137263" y="3575673"/>
+            <a:ext cx="1114549" cy="1101072"/>
+          </a:xfrm>
+          <a:prstGeom prst="bentConnector2">
+            <a:avLst/>
+          </a:prstGeom>
+          <a:ln w="3175">
+            <a:solidFill>
+              <a:schemeClr val="tx1">
+                <a:lumMod val="50000"/>
+                <a:lumOff val="50000"/>
+              </a:schemeClr>
+            </a:solidFill>
+            <a:prstDash val="dash"/>
+            <a:tailEnd type="triangle" w="sm" len="sm"/>
+          </a:ln>
+        </p:spPr>
+        <p:style>
+          <a:lnRef idx="1">
+            <a:schemeClr val="accent1"/>
+          </a:lnRef>
+          <a:fillRef idx="0">
+            <a:schemeClr val="accent1"/>
+          </a:fillRef>
+          <a:effectRef idx="0">
+            <a:schemeClr val="accent1"/>
+          </a:effectRef>
+          <a:fontRef idx="minor">
+            <a:schemeClr val="tx1"/>
+          </a:fontRef>
+        </p:style>
+      </p:cxnSp>
+      <p:sp>
+        <p:nvSpPr>
+          <p:cNvPr id="234" name="Oval 233">
+            <a:extLst>
+              <a:ext uri="{FF2B5EF4-FFF2-40B4-BE49-F238E27FC236}">
+                <a16:creationId xmlns:a16="http://schemas.microsoft.com/office/drawing/2014/main" id="{522B5AAF-0852-ACBD-7FB0-7B779D8AA0D5}"/>
+              </a:ext>
+            </a:extLst>
+          </p:cNvPr>
+          <p:cNvSpPr>
+            <a:spLocks/>
+          </p:cNvSpPr>
+          <p:nvPr/>
+        </p:nvSpPr>
+        <p:spPr>
+          <a:xfrm>
+            <a:off x="7629916" y="3180472"/>
+            <a:ext cx="137160" cy="137160"/>
+          </a:xfrm>
+          <a:prstGeom prst="ellipse">
+            <a:avLst/>
+          </a:prstGeom>
+          <a:solidFill>
+            <a:schemeClr val="accent6">
+              <a:lumMod val="75000"/>
+            </a:schemeClr>
+          </a:solidFill>
+          <a:ln>
+            <a:solidFill>
+              <a:schemeClr val="accent6">
+                <a:lumMod val="50000"/>
+              </a:schemeClr>
+            </a:solidFill>
+          </a:ln>
+        </p:spPr>
+        <p:style>
+          <a:lnRef idx="2">
+            <a:schemeClr val="accent1">
+              <a:shade val="50000"/>
+            </a:schemeClr>
+          </a:lnRef>
+          <a:fillRef idx="1">
+            <a:schemeClr val="accent1"/>
+          </a:fillRef>
+          <a:effectRef idx="0">
+            <a:schemeClr val="accent1"/>
+          </a:effectRef>
+          <a:fontRef idx="minor">
+            <a:schemeClr val="lt1"/>
+          </a:fontRef>
+        </p:style>
+        <p:txBody>
+          <a:bodyPr lIns="0" tIns="0" rIns="0" bIns="0" rtlCol="0" anchor="ctr"/>
+          <a:lstStyle/>
+          <a:p>
+            <a:pPr algn="ctr"/>
+            <a:r>
+              <a:rPr lang="en-US" sz="800" dirty="0">
+                <a:solidFill>
+                  <a:schemeClr val="bg1"/>
+                </a:solidFill>
+              </a:rPr>
+              <a:t>5</a:t>
+            </a:r>
+          </a:p>
+        </p:txBody>
+      </p:sp>
+      <p:cxnSp>
+        <p:nvCxnSpPr>
+          <p:cNvPr id="245" name="Elbow Connector 244">
+            <a:extLst>
+              <a:ext uri="{FF2B5EF4-FFF2-40B4-BE49-F238E27FC236}">
+                <a16:creationId xmlns:a16="http://schemas.microsoft.com/office/drawing/2014/main" id="{AF7B12F7-B26C-E17E-2330-98A451DC2E9B}"/>
+              </a:ext>
+            </a:extLst>
+          </p:cNvPr>
+          <p:cNvCxnSpPr>
+            <a:cxnSpLocks/>
+            <a:stCxn id="18" idx="3"/>
+            <a:endCxn id="226" idx="0"/>
+          </p:cNvCxnSpPr>
+          <p:nvPr/>
+        </p:nvCxnSpPr>
+        <p:spPr>
+          <a:xfrm>
+            <a:off x="7196044" y="1294790"/>
+            <a:ext cx="3029611" cy="499286"/>
+          </a:xfrm>
+          <a:prstGeom prst="bentConnector2">
+            <a:avLst/>
+          </a:prstGeom>
+          <a:ln w="3175">
+            <a:solidFill>
+              <a:schemeClr val="tx1">
+                <a:lumMod val="50000"/>
+                <a:lumOff val="50000"/>
+              </a:schemeClr>
+            </a:solidFill>
+            <a:prstDash val="dash"/>
+            <a:tailEnd type="none" w="sm" len="sm"/>
+          </a:ln>
+        </p:spPr>
+        <p:style>
+          <a:lnRef idx="1">
+            <a:schemeClr val="accent1"/>
+          </a:lnRef>
+          <a:fillRef idx="0">
+            <a:schemeClr val="accent1"/>
+          </a:fillRef>
+          <a:effectRef idx="0">
+            <a:schemeClr val="accent1"/>
+          </a:effectRef>
+          <a:fontRef idx="minor">
+            <a:schemeClr val="tx1"/>
+          </a:fontRef>
+        </p:style>
+      </p:cxnSp>
+      <p:cxnSp>
+        <p:nvCxnSpPr>
+          <p:cNvPr id="248" name="Elbow Connector 247">
+            <a:extLst>
+              <a:ext uri="{FF2B5EF4-FFF2-40B4-BE49-F238E27FC236}">
+                <a16:creationId xmlns:a16="http://schemas.microsoft.com/office/drawing/2014/main" id="{AE1EC76D-5870-BB49-0DF5-FE26B85B319E}"/>
+              </a:ext>
+            </a:extLst>
+          </p:cNvPr>
+          <p:cNvCxnSpPr>
+            <a:cxnSpLocks/>
+            <a:stCxn id="101" idx="3"/>
+            <a:endCxn id="226" idx="1"/>
+          </p:cNvCxnSpPr>
+          <p:nvPr/>
+        </p:nvCxnSpPr>
+        <p:spPr>
+          <a:xfrm flipV="1">
+            <a:off x="5339716" y="1973685"/>
+            <a:ext cx="4070660" cy="854217"/>
+          </a:xfrm>
+          <a:prstGeom prst="bentConnector3">
+            <a:avLst>
+              <a:gd name="adj1" fmla="val 73897"/>
+            </a:avLst>
+          </a:prstGeom>
+          <a:ln w="3175">
+            <a:solidFill>
+              <a:schemeClr val="tx1">
+                <a:lumMod val="50000"/>
+                <a:lumOff val="50000"/>
+              </a:schemeClr>
+            </a:solidFill>
+            <a:prstDash val="dash"/>
+            <a:tailEnd type="none" w="sm" len="sm"/>
+          </a:ln>
+        </p:spPr>
+        <p:style>
+          <a:lnRef idx="1">
+            <a:schemeClr val="accent1"/>
+          </a:lnRef>
+          <a:fillRef idx="0">
+            <a:schemeClr val="accent1"/>
+          </a:fillRef>
+          <a:effectRef idx="0">
+            <a:schemeClr val="accent1"/>
+          </a:effectRef>
+          <a:fontRef idx="minor">
+            <a:schemeClr val="tx1"/>
+          </a:fontRef>
+        </p:style>
+      </p:cxnSp>
+      <p:cxnSp>
+        <p:nvCxnSpPr>
+          <p:cNvPr id="258" name="Elbow Connector 257">
+            <a:extLst>
+              <a:ext uri="{FF2B5EF4-FFF2-40B4-BE49-F238E27FC236}">
+                <a16:creationId xmlns:a16="http://schemas.microsoft.com/office/drawing/2014/main" id="{7DFBFEC5-4984-652D-8A75-80A7D14F8D53}"/>
+              </a:ext>
+            </a:extLst>
+          </p:cNvPr>
+          <p:cNvCxnSpPr>
+            <a:cxnSpLocks/>
+            <a:stCxn id="101" idx="1"/>
+            <a:endCxn id="49" idx="3"/>
+          </p:cNvCxnSpPr>
+          <p:nvPr/>
+        </p:nvCxnSpPr>
+        <p:spPr>
+          <a:xfrm rot="10800000">
+            <a:off x="3438650" y="2750388"/>
+            <a:ext cx="239270" cy="77515"/>
+          </a:xfrm>
+          <a:prstGeom prst="bentConnector3">
+            <a:avLst>
+              <a:gd name="adj1" fmla="val 50000"/>
+            </a:avLst>
+          </a:prstGeom>
+          <a:ln w="3175">
+            <a:solidFill>
+              <a:schemeClr val="tx1">
+                <a:lumMod val="50000"/>
+                <a:lumOff val="50000"/>
+              </a:schemeClr>
+            </a:solidFill>
+            <a:prstDash val="dash"/>
+            <a:tailEnd type="triangle" w="sm" len="sm"/>
+          </a:ln>
+        </p:spPr>
+        <p:style>
+          <a:lnRef idx="1">
+            <a:schemeClr val="accent1"/>
+          </a:lnRef>
+          <a:fillRef idx="0">
+            <a:schemeClr val="accent1"/>
+          </a:fillRef>
+          <a:effectRef idx="0">
+            <a:schemeClr val="accent1"/>
+          </a:effectRef>
+          <a:fontRef idx="minor">
+            <a:schemeClr val="tx1"/>
+          </a:fontRef>
+        </p:style>
+      </p:cxnSp>
+      <p:sp>
+        <p:nvSpPr>
+          <p:cNvPr id="261" name="직사각형 363">
+            <a:extLst>
+              <a:ext uri="{FF2B5EF4-FFF2-40B4-BE49-F238E27FC236}">
+                <a16:creationId xmlns:a16="http://schemas.microsoft.com/office/drawing/2014/main" id="{9B0E8E43-1527-84E5-79A9-80C4D3242482}"/>
+              </a:ext>
+            </a:extLst>
+          </p:cNvPr>
+          <p:cNvSpPr/>
+          <p:nvPr/>
+        </p:nvSpPr>
+        <p:spPr>
+          <a:xfrm>
+            <a:off x="1756294" y="3858254"/>
+            <a:ext cx="1684708" cy="325931"/>
+          </a:xfrm>
+          <a:prstGeom prst="rect">
+            <a:avLst/>
+          </a:prstGeom>
+          <a:noFill/>
+          <a:ln w="3175" cap="flat" cmpd="sng" algn="ctr">
+            <a:solidFill>
+              <a:schemeClr val="tx1">
+                <a:lumMod val="50000"/>
+                <a:lumOff val="50000"/>
+              </a:schemeClr>
+            </a:solidFill>
+            <a:prstDash val="dash"/>
+            <a:miter lim="800000"/>
+          </a:ln>
+          <a:effectLst/>
+        </p:spPr>
+        <p:txBody>
+          <a:bodyPr lIns="45720" rIns="0" rtlCol="0" anchor="ctr"/>
+          <a:lstStyle/>
+          <a:p>
+            <a:r>
+              <a:rPr kumimoji="0" lang="en-US" sz="800" b="0" i="0" u="none" strike="noStrike" kern="1200" cap="none" spc="0" normalizeH="0" baseline="0" noProof="0" dirty="0">
+                <a:ln>
+                  <a:noFill/>
+                </a:ln>
+                <a:solidFill>
+                  <a:schemeClr val="tx1">
+                    <a:lumMod val="50000"/>
+                    <a:lumOff val="50000"/>
+                  </a:schemeClr>
+                </a:solidFill>
+                <a:effectLst/>
+                <a:uLnTx/>
+                <a:uFillTx/>
+                <a:latin typeface="Calibri" panose="020F0502020204030204"/>
+                <a:ea typeface="+mn-ea"/>
+                <a:cs typeface="+mn-cs"/>
+              </a:rPr>
+              <a:t>proxy_set_header</a:t>
+            </a:r>
+            <a:endParaRPr lang="en-US" sz="800" dirty="0">
+              <a:solidFill>
+                <a:schemeClr val="tx1">
+                  <a:lumMod val="50000"/>
+                  <a:lumOff val="50000"/>
+                </a:schemeClr>
+              </a:solidFill>
+            </a:endParaRPr>
+          </a:p>
+          <a:p>
+            <a:r>
+              <a:rPr lang="en-US" sz="800" dirty="0"/>
+              <a:t>x-amz-content-sha256 xxxxxx</a:t>
+            </a:r>
+          </a:p>
+        </p:txBody>
+      </p:sp>
+      <p:sp>
+        <p:nvSpPr>
+          <p:cNvPr id="5" name="직사각형 363">
+            <a:extLst>
+              <a:ext uri="{FF2B5EF4-FFF2-40B4-BE49-F238E27FC236}">
+                <a16:creationId xmlns:a16="http://schemas.microsoft.com/office/drawing/2014/main" id="{BFC09EFC-7EF6-5282-B650-A72EFA7E1350}"/>
+              </a:ext>
+            </a:extLst>
+          </p:cNvPr>
+          <p:cNvSpPr/>
+          <p:nvPr/>
+        </p:nvSpPr>
+        <p:spPr>
+          <a:xfrm>
+            <a:off x="871232" y="5541068"/>
+            <a:ext cx="634076" cy="493777"/>
+          </a:xfrm>
+          <a:prstGeom prst="rect">
+            <a:avLst/>
+          </a:prstGeom>
+          <a:solidFill>
+            <a:schemeClr val="accent6">
+              <a:lumMod val="20000"/>
+              <a:lumOff val="80000"/>
+            </a:schemeClr>
+          </a:solidFill>
+          <a:ln w="3175" cap="flat" cmpd="sng" algn="ctr">
+            <a:noFill/>
+            <a:prstDash val="solid"/>
+            <a:miter lim="800000"/>
+          </a:ln>
+          <a:effectLst/>
+        </p:spPr>
+        <p:txBody>
+          <a:bodyPr lIns="0" rIns="0" rtlCol="0" anchor="ctr"/>
+          <a:lstStyle/>
+          <a:p>
+            <a:pPr marL="0" marR="0" lvl="0" indent="0" algn="ctr" defTabSz="914400" eaLnBrk="1" fontAlgn="auto" latinLnBrk="0" hangingPunct="1">
+              <a:spcBef>
+                <a:spcPts val="0"/>
+              </a:spcBef>
+              <a:spcAft>
+                <a:spcPts val="0"/>
+              </a:spcAft>
+              <a:buClrTx/>
+              <a:buSzTx/>
+              <a:buFontTx/>
+              <a:buNone/>
+              <a:tabLst/>
+              <a:defRPr/>
+            </a:pPr>
+            <a:r>
+              <a:rPr kumimoji="0" lang="en-US" altLang="ko-KR" sz="900" b="0" i="0" u="none" strike="noStrike" kern="0" cap="none" spc="0" normalizeH="0" baseline="0" noProof="0" dirty="0">
+                <a:ln>
+                  <a:noFill/>
+                </a:ln>
+                <a:solidFill>
+                  <a:prstClr val="black"/>
+                </a:solidFill>
+                <a:effectLst/>
+                <a:uLnTx/>
+                <a:uFillTx/>
+                <a:latin typeface="Calibri" panose="020F0502020204030204" pitchFamily="34" charset="0"/>
+                <a:ea typeface="맑은 고딕"/>
+              </a:rPr>
+              <a:t>nginx-aws-</a:t>
+            </a:r>
+          </a:p>
+          <a:p>
+            <a:pPr marL="0" marR="0" lvl="0" indent="0" algn="ctr" defTabSz="914400" eaLnBrk="1" fontAlgn="auto" latinLnBrk="0" hangingPunct="1">
+              <a:spcBef>
+                <a:spcPts val="0"/>
+              </a:spcBef>
+              <a:spcAft>
+                <a:spcPts val="0"/>
+              </a:spcAft>
+              <a:buClrTx/>
+              <a:buSzTx/>
+              <a:buFontTx/>
+              <a:buNone/>
+              <a:tabLst/>
+              <a:defRPr/>
+            </a:pPr>
+            <a:r>
+              <a:rPr lang="en-US" altLang="ko-KR" sz="900" kern="0" dirty="0">
+                <a:solidFill>
+                  <a:prstClr val="black"/>
+                </a:solidFill>
+                <a:latin typeface="Calibri" panose="020F0502020204030204" pitchFamily="34" charset="0"/>
+                <a:ea typeface="맑은 고딕"/>
+              </a:rPr>
+              <a:t>signature</a:t>
+            </a:r>
+          </a:p>
+          <a:p>
+            <a:pPr marL="0" marR="0" lvl="0" indent="0" algn="ctr" defTabSz="914400" eaLnBrk="1" fontAlgn="auto" latinLnBrk="0" hangingPunct="1">
+              <a:spcBef>
+                <a:spcPts val="0"/>
+              </a:spcBef>
+              <a:spcAft>
+                <a:spcPts val="0"/>
+              </a:spcAft>
+              <a:buClrTx/>
+              <a:buSzTx/>
+              <a:buFontTx/>
+              <a:buNone/>
+              <a:tabLst/>
+              <a:defRPr/>
+            </a:pPr>
+            <a:r>
+              <a:rPr kumimoji="0" lang="en-US" altLang="ko-KR" sz="900" b="0" i="0" u="none" strike="noStrike" kern="0" cap="none" spc="0" normalizeH="0" baseline="0" noProof="0" dirty="0">
+                <a:ln>
+                  <a:noFill/>
+                </a:ln>
+                <a:solidFill>
+                  <a:prstClr val="black"/>
+                </a:solidFill>
+                <a:effectLst/>
+                <a:uLnTx/>
+                <a:uFillTx/>
+                <a:latin typeface="Calibri" panose="020F0502020204030204" pitchFamily="34" charset="0"/>
+                <a:ea typeface="맑은 고딕"/>
+              </a:rPr>
+              <a:t>lib</a:t>
+            </a:r>
+            <a:endParaRPr kumimoji="0" lang="ko-KR" altLang="en-US" sz="900" b="0" i="0" u="none" strike="noStrike" kern="0" cap="none" spc="0" normalizeH="0" baseline="0" noProof="0" dirty="0">
+              <a:ln>
+                <a:noFill/>
+              </a:ln>
+              <a:solidFill>
+                <a:schemeClr val="tx1">
+                  <a:lumMod val="50000"/>
+                  <a:lumOff val="50000"/>
+                </a:schemeClr>
+              </a:solidFill>
+              <a:effectLst/>
+              <a:uLnTx/>
+              <a:uFillTx/>
+              <a:latin typeface="Calibri" panose="020F0502020204030204" pitchFamily="34" charset="0"/>
+              <a:ea typeface="맑은 고딕"/>
+            </a:endParaRPr>
+          </a:p>
+        </p:txBody>
+      </p:sp>
+      <p:sp>
+        <p:nvSpPr>
+          <p:cNvPr id="6" name="직사각형 363">
+            <a:extLst>
+              <a:ext uri="{FF2B5EF4-FFF2-40B4-BE49-F238E27FC236}">
+                <a16:creationId xmlns:a16="http://schemas.microsoft.com/office/drawing/2014/main" id="{44638354-3D2B-5B8F-53E8-3FE8CB963E2C}"/>
+              </a:ext>
+            </a:extLst>
+          </p:cNvPr>
+          <p:cNvSpPr/>
+          <p:nvPr/>
+        </p:nvSpPr>
+        <p:spPr>
+          <a:xfrm>
+            <a:off x="865687" y="6169261"/>
+            <a:ext cx="639620" cy="493777"/>
+          </a:xfrm>
+          <a:prstGeom prst="rect">
+            <a:avLst/>
+          </a:prstGeom>
+          <a:solidFill>
+            <a:schemeClr val="accent5">
+              <a:lumMod val="20000"/>
+              <a:lumOff val="80000"/>
+            </a:schemeClr>
+          </a:solidFill>
+          <a:ln w="3175" cap="flat" cmpd="sng" algn="ctr">
+            <a:noFill/>
+            <a:prstDash val="solid"/>
+            <a:miter lim="800000"/>
+          </a:ln>
+          <a:effectLst/>
+        </p:spPr>
+        <p:txBody>
+          <a:bodyPr lIns="0" rIns="0" rtlCol="0" anchor="ctr"/>
+          <a:lstStyle/>
+          <a:p>
+            <a:pPr marL="0" marR="0" lvl="0" indent="0" algn="ctr" defTabSz="914400" eaLnBrk="1" fontAlgn="auto" latinLnBrk="0" hangingPunct="1">
+              <a:spcBef>
+                <a:spcPts val="0"/>
+              </a:spcBef>
+              <a:spcAft>
+                <a:spcPts val="0"/>
+              </a:spcAft>
+              <a:buClrTx/>
+              <a:buSzTx/>
+              <a:buFontTx/>
+              <a:buNone/>
+              <a:tabLst/>
+              <a:defRPr/>
+            </a:pPr>
+            <a:r>
+              <a:rPr kumimoji="0" lang="en-US" altLang="ko-KR" sz="900" b="0" i="0" u="none" strike="noStrike" kern="0" cap="none" spc="0" normalizeH="0" baseline="0" noProof="0" dirty="0">
+                <a:ln>
+                  <a:noFill/>
+                </a:ln>
+                <a:solidFill>
+                  <a:prstClr val="black"/>
+                </a:solidFill>
+                <a:effectLst/>
+                <a:uLnTx/>
+                <a:uFillTx/>
+                <a:latin typeface="Calibri" panose="020F0502020204030204" pitchFamily="34" charset="0"/>
+                <a:ea typeface="맑은 고딕"/>
+              </a:rPr>
+              <a:t>S3</a:t>
+            </a:r>
+          </a:p>
+          <a:p>
+            <a:pPr marL="0" marR="0" lvl="0" indent="0" algn="ctr" defTabSz="914400" eaLnBrk="1" fontAlgn="auto" latinLnBrk="0" hangingPunct="1">
+              <a:spcBef>
+                <a:spcPts val="0"/>
+              </a:spcBef>
+              <a:spcAft>
+                <a:spcPts val="0"/>
+              </a:spcAft>
+              <a:buClrTx/>
+              <a:buSzTx/>
+              <a:buFontTx/>
+              <a:buNone/>
+              <a:tabLst/>
+              <a:defRPr/>
+            </a:pPr>
+            <a:r>
+              <a:rPr lang="en-US" altLang="ko-KR" sz="900" kern="0" dirty="0">
+                <a:solidFill>
+                  <a:prstClr val="black"/>
+                </a:solidFill>
+                <a:latin typeface="Calibri" panose="020F0502020204030204" pitchFamily="34" charset="0"/>
+                <a:ea typeface="맑은 고딕"/>
+              </a:rPr>
+              <a:t>Integration</a:t>
+            </a:r>
+            <a:endParaRPr kumimoji="0" lang="ko-KR" altLang="en-US" sz="900" b="0" i="0" u="none" strike="noStrike" kern="0" cap="none" spc="0" normalizeH="0" baseline="0" noProof="0" dirty="0">
+              <a:ln>
+                <a:noFill/>
+              </a:ln>
+              <a:solidFill>
+                <a:schemeClr val="tx1">
+                  <a:lumMod val="50000"/>
+                  <a:lumOff val="50000"/>
+                </a:schemeClr>
+              </a:solidFill>
+              <a:effectLst/>
+              <a:uLnTx/>
+              <a:uFillTx/>
+              <a:latin typeface="Calibri" panose="020F0502020204030204" pitchFamily="34" charset="0"/>
+              <a:ea typeface="맑은 고딕"/>
+            </a:endParaRPr>
+          </a:p>
+        </p:txBody>
+      </p:sp>
+    </p:spTree>
+    <p:extLst>
+      <p:ext uri="{BB962C8B-B14F-4D97-AF65-F5344CB8AC3E}">
+        <p14:creationId xmlns:p14="http://schemas.microsoft.com/office/powerpoint/2010/main" val="1475098207"/>
+      </p:ext>
+    </p:extLst>
+  </p:cSld>
+  <p:clrMapOvr>
+    <a:masterClrMapping/>
+  </p:clrMapOvr>
+</p:sld>
+</file>
+
 <file path=ppt/theme/theme1.xml><?xml version="1.0" encoding="utf-8"?>
 <a:theme xmlns:a="http://schemas.openxmlformats.org/drawingml/2006/main" name="Office Theme">
   <a:themeElements>
